--- a/2023-24/Etap I/Prezentacje/zadanie1.pptx
+++ b/2023-24/Etap I/Prezentacje/zadanie1.pptx
@@ -4,11 +4,36 @@
   <p:sldMasterIdLst>
     <p:sldMasterId id="2147483648" r:id="rId1"/>
   </p:sldMasterIdLst>
+  <p:notesMasterIdLst>
+    <p:notesMasterId r:id="rId28"/>
+  </p:notesMasterIdLst>
   <p:sldIdLst>
     <p:sldId id="256" r:id="rId2"/>
-    <p:sldId id="257" r:id="rId3"/>
-    <p:sldId id="258" r:id="rId4"/>
-    <p:sldId id="259" r:id="rId5"/>
+    <p:sldId id="259" r:id="rId3"/>
+    <p:sldId id="284" r:id="rId4"/>
+    <p:sldId id="260" r:id="rId5"/>
+    <p:sldId id="261" r:id="rId6"/>
+    <p:sldId id="262" r:id="rId7"/>
+    <p:sldId id="264" r:id="rId8"/>
+    <p:sldId id="263" r:id="rId9"/>
+    <p:sldId id="269" r:id="rId10"/>
+    <p:sldId id="283" r:id="rId11"/>
+    <p:sldId id="265" r:id="rId12"/>
+    <p:sldId id="266" r:id="rId13"/>
+    <p:sldId id="267" r:id="rId14"/>
+    <p:sldId id="270" r:id="rId15"/>
+    <p:sldId id="271" r:id="rId16"/>
+    <p:sldId id="272" r:id="rId17"/>
+    <p:sldId id="273" r:id="rId18"/>
+    <p:sldId id="274" r:id="rId19"/>
+    <p:sldId id="275" r:id="rId20"/>
+    <p:sldId id="276" r:id="rId21"/>
+    <p:sldId id="277" r:id="rId22"/>
+    <p:sldId id="278" r:id="rId23"/>
+    <p:sldId id="279" r:id="rId24"/>
+    <p:sldId id="280" r:id="rId25"/>
+    <p:sldId id="281" r:id="rId26"/>
+    <p:sldId id="282" r:id="rId27"/>
   </p:sldIdLst>
   <p:sldSz cx="12192000" cy="6858000"/>
   <p:notesSz cx="6858000" cy="9144000"/>
@@ -107,7 +132,809 @@
       </a:defRPr>
     </a:lvl9pPr>
   </p:defaultTextStyle>
+  <p:extLst>
+    <p:ext uri="{EFAFB233-063F-42B5-8137-9DF3F51BA10A}">
+      <p15:sldGuideLst xmlns:p15="http://schemas.microsoft.com/office/powerpoint/2012/main"/>
+    </p:ext>
+  </p:extLst>
 </p:presentation>
+</file>
+
+<file path=ppt/notesMasters/notesMaster1.xml><?xml version="1.0" encoding="utf-8"?>
+<p:notesMaster xmlns:a="http://schemas.openxmlformats.org/drawingml/2006/main" xmlns:r="http://schemas.openxmlformats.org/officeDocument/2006/relationships" xmlns:p="http://schemas.openxmlformats.org/presentationml/2006/main">
+  <p:cSld>
+    <p:bg>
+      <p:bgRef idx="1001">
+        <a:schemeClr val="bg1"/>
+      </p:bgRef>
+    </p:bg>
+    <p:spTree>
+      <p:nvGrpSpPr>
+        <p:cNvPr id="1" name=""/>
+        <p:cNvGrpSpPr/>
+        <p:nvPr/>
+      </p:nvGrpSpPr>
+      <p:grpSpPr>
+        <a:xfrm>
+          <a:off x="0" y="0"/>
+          <a:ext cx="0" cy="0"/>
+          <a:chOff x="0" y="0"/>
+          <a:chExt cx="0" cy="0"/>
+        </a:xfrm>
+      </p:grpSpPr>
+      <p:sp>
+        <p:nvSpPr>
+          <p:cNvPr id="2" name="Symbol zastępczy nagłówka 1"/>
+          <p:cNvSpPr>
+            <a:spLocks noGrp="1"/>
+          </p:cNvSpPr>
+          <p:nvPr>
+            <p:ph type="hdr" sz="quarter"/>
+          </p:nvPr>
+        </p:nvSpPr>
+        <p:spPr>
+          <a:xfrm>
+            <a:off x="0" y="0"/>
+            <a:ext cx="2971800" cy="458788"/>
+          </a:xfrm>
+          <a:prstGeom prst="rect">
+            <a:avLst/>
+          </a:prstGeom>
+        </p:spPr>
+        <p:txBody>
+          <a:bodyPr vert="horz" lIns="91440" tIns="45720" rIns="91440" bIns="45720" rtlCol="0"/>
+          <a:lstStyle>
+            <a:lvl1pPr algn="l">
+              <a:defRPr sz="1200"/>
+            </a:lvl1pPr>
+          </a:lstStyle>
+          <a:p>
+            <a:endParaRPr lang="pl-PL"/>
+          </a:p>
+        </p:txBody>
+      </p:sp>
+      <p:sp>
+        <p:nvSpPr>
+          <p:cNvPr id="3" name="Symbol zastępczy daty 2"/>
+          <p:cNvSpPr>
+            <a:spLocks noGrp="1"/>
+          </p:cNvSpPr>
+          <p:nvPr>
+            <p:ph type="dt" idx="1"/>
+          </p:nvPr>
+        </p:nvSpPr>
+        <p:spPr>
+          <a:xfrm>
+            <a:off x="3884613" y="0"/>
+            <a:ext cx="2971800" cy="458788"/>
+          </a:xfrm>
+          <a:prstGeom prst="rect">
+            <a:avLst/>
+          </a:prstGeom>
+        </p:spPr>
+        <p:txBody>
+          <a:bodyPr vert="horz" lIns="91440" tIns="45720" rIns="91440" bIns="45720" rtlCol="0"/>
+          <a:lstStyle>
+            <a:lvl1pPr algn="r">
+              <a:defRPr sz="1200"/>
+            </a:lvl1pPr>
+          </a:lstStyle>
+          <a:p>
+            <a:fld id="{7E7B2764-EB8C-4016-A40C-C94204A8DAF2}" type="datetimeFigureOut">
+              <a:rPr lang="pl-PL" smtClean="0"/>
+              <a:t>04.07.2024</a:t>
+            </a:fld>
+            <a:endParaRPr lang="pl-PL"/>
+          </a:p>
+        </p:txBody>
+      </p:sp>
+      <p:sp>
+        <p:nvSpPr>
+          <p:cNvPr id="4" name="Symbol zastępczy obrazu slajdu 3"/>
+          <p:cNvSpPr>
+            <a:spLocks noGrp="1" noRot="1" noChangeAspect="1"/>
+          </p:cNvSpPr>
+          <p:nvPr>
+            <p:ph type="sldImg" idx="2"/>
+          </p:nvPr>
+        </p:nvSpPr>
+        <p:spPr>
+          <a:xfrm>
+            <a:off x="685800" y="1143000"/>
+            <a:ext cx="5486400" cy="3086100"/>
+          </a:xfrm>
+          <a:prstGeom prst="rect">
+            <a:avLst/>
+          </a:prstGeom>
+          <a:noFill/>
+          <a:ln w="12700">
+            <a:solidFill>
+              <a:prstClr val="black"/>
+            </a:solidFill>
+          </a:ln>
+        </p:spPr>
+        <p:txBody>
+          <a:bodyPr vert="horz" lIns="91440" tIns="45720" rIns="91440" bIns="45720" rtlCol="0" anchor="ctr"/>
+          <a:lstStyle/>
+          <a:p>
+            <a:endParaRPr lang="pl-PL"/>
+          </a:p>
+        </p:txBody>
+      </p:sp>
+      <p:sp>
+        <p:nvSpPr>
+          <p:cNvPr id="5" name="Symbol zastępczy notatek 4"/>
+          <p:cNvSpPr>
+            <a:spLocks noGrp="1"/>
+          </p:cNvSpPr>
+          <p:nvPr>
+            <p:ph type="body" sz="quarter" idx="3"/>
+          </p:nvPr>
+        </p:nvSpPr>
+        <p:spPr>
+          <a:xfrm>
+            <a:off x="685800" y="4400550"/>
+            <a:ext cx="5486400" cy="3600450"/>
+          </a:xfrm>
+          <a:prstGeom prst="rect">
+            <a:avLst/>
+          </a:prstGeom>
+        </p:spPr>
+        <p:txBody>
+          <a:bodyPr vert="horz" lIns="91440" tIns="45720" rIns="91440" bIns="45720" rtlCol="0"/>
+          <a:lstStyle/>
+          <a:p>
+            <a:pPr lvl="0"/>
+            <a:r>
+              <a:rPr lang="pl-PL"/>
+              <a:t>Kliknij, aby edytować style wzorca tekstu</a:t>
+            </a:r>
+          </a:p>
+          <a:p>
+            <a:pPr lvl="1"/>
+            <a:r>
+              <a:rPr lang="pl-PL"/>
+              <a:t>Drugi poziom</a:t>
+            </a:r>
+          </a:p>
+          <a:p>
+            <a:pPr lvl="2"/>
+            <a:r>
+              <a:rPr lang="pl-PL"/>
+              <a:t>Trzeci poziom</a:t>
+            </a:r>
+          </a:p>
+          <a:p>
+            <a:pPr lvl="3"/>
+            <a:r>
+              <a:rPr lang="pl-PL"/>
+              <a:t>Czwarty poziom</a:t>
+            </a:r>
+          </a:p>
+          <a:p>
+            <a:pPr lvl="4"/>
+            <a:r>
+              <a:rPr lang="pl-PL"/>
+              <a:t>Piąty poziom</a:t>
+            </a:r>
+          </a:p>
+        </p:txBody>
+      </p:sp>
+      <p:sp>
+        <p:nvSpPr>
+          <p:cNvPr id="6" name="Symbol zastępczy stopki 5"/>
+          <p:cNvSpPr>
+            <a:spLocks noGrp="1"/>
+          </p:cNvSpPr>
+          <p:nvPr>
+            <p:ph type="ftr" sz="quarter" idx="4"/>
+          </p:nvPr>
+        </p:nvSpPr>
+        <p:spPr>
+          <a:xfrm>
+            <a:off x="0" y="8685213"/>
+            <a:ext cx="2971800" cy="458787"/>
+          </a:xfrm>
+          <a:prstGeom prst="rect">
+            <a:avLst/>
+          </a:prstGeom>
+        </p:spPr>
+        <p:txBody>
+          <a:bodyPr vert="horz" lIns="91440" tIns="45720" rIns="91440" bIns="45720" rtlCol="0" anchor="b"/>
+          <a:lstStyle>
+            <a:lvl1pPr algn="l">
+              <a:defRPr sz="1200"/>
+            </a:lvl1pPr>
+          </a:lstStyle>
+          <a:p>
+            <a:endParaRPr lang="pl-PL"/>
+          </a:p>
+        </p:txBody>
+      </p:sp>
+      <p:sp>
+        <p:nvSpPr>
+          <p:cNvPr id="7" name="Symbol zastępczy numeru slajdu 6"/>
+          <p:cNvSpPr>
+            <a:spLocks noGrp="1"/>
+          </p:cNvSpPr>
+          <p:nvPr>
+            <p:ph type="sldNum" sz="quarter" idx="5"/>
+          </p:nvPr>
+        </p:nvSpPr>
+        <p:spPr>
+          <a:xfrm>
+            <a:off x="3884613" y="8685213"/>
+            <a:ext cx="2971800" cy="458787"/>
+          </a:xfrm>
+          <a:prstGeom prst="rect">
+            <a:avLst/>
+          </a:prstGeom>
+        </p:spPr>
+        <p:txBody>
+          <a:bodyPr vert="horz" lIns="91440" tIns="45720" rIns="91440" bIns="45720" rtlCol="0" anchor="b"/>
+          <a:lstStyle>
+            <a:lvl1pPr algn="r">
+              <a:defRPr sz="1200"/>
+            </a:lvl1pPr>
+          </a:lstStyle>
+          <a:p>
+            <a:fld id="{7FBC02E6-736A-4ADF-9969-67BA64D4F251}" type="slidenum">
+              <a:rPr lang="pl-PL" smtClean="0"/>
+              <a:t>‹#›</a:t>
+            </a:fld>
+            <a:endParaRPr lang="pl-PL"/>
+          </a:p>
+        </p:txBody>
+      </p:sp>
+    </p:spTree>
+    <p:extLst>
+      <p:ext uri="{BB962C8B-B14F-4D97-AF65-F5344CB8AC3E}">
+        <p14:creationId xmlns:p14="http://schemas.microsoft.com/office/powerpoint/2010/main" val="2827047422"/>
+      </p:ext>
+    </p:extLst>
+  </p:cSld>
+  <p:clrMap bg1="lt1" tx1="dk1" bg2="lt2" tx2="dk2" accent1="accent1" accent2="accent2" accent3="accent3" accent4="accent4" accent5="accent5" accent6="accent6" hlink="hlink" folHlink="folHlink"/>
+  <p:notesStyle>
+    <a:lvl1pPr marL="0" algn="l" defTabSz="914400" rtl="0" eaLnBrk="1" latinLnBrk="0" hangingPunct="1">
+      <a:defRPr sz="1200" kern="1200">
+        <a:solidFill>
+          <a:schemeClr val="tx1"/>
+        </a:solidFill>
+        <a:latin typeface="+mn-lt"/>
+        <a:ea typeface="+mn-ea"/>
+        <a:cs typeface="+mn-cs"/>
+      </a:defRPr>
+    </a:lvl1pPr>
+    <a:lvl2pPr marL="457200" algn="l" defTabSz="914400" rtl="0" eaLnBrk="1" latinLnBrk="0" hangingPunct="1">
+      <a:defRPr sz="1200" kern="1200">
+        <a:solidFill>
+          <a:schemeClr val="tx1"/>
+        </a:solidFill>
+        <a:latin typeface="+mn-lt"/>
+        <a:ea typeface="+mn-ea"/>
+        <a:cs typeface="+mn-cs"/>
+      </a:defRPr>
+    </a:lvl2pPr>
+    <a:lvl3pPr marL="914400" algn="l" defTabSz="914400" rtl="0" eaLnBrk="1" latinLnBrk="0" hangingPunct="1">
+      <a:defRPr sz="1200" kern="1200">
+        <a:solidFill>
+          <a:schemeClr val="tx1"/>
+        </a:solidFill>
+        <a:latin typeface="+mn-lt"/>
+        <a:ea typeface="+mn-ea"/>
+        <a:cs typeface="+mn-cs"/>
+      </a:defRPr>
+    </a:lvl3pPr>
+    <a:lvl4pPr marL="1371600" algn="l" defTabSz="914400" rtl="0" eaLnBrk="1" latinLnBrk="0" hangingPunct="1">
+      <a:defRPr sz="1200" kern="1200">
+        <a:solidFill>
+          <a:schemeClr val="tx1"/>
+        </a:solidFill>
+        <a:latin typeface="+mn-lt"/>
+        <a:ea typeface="+mn-ea"/>
+        <a:cs typeface="+mn-cs"/>
+      </a:defRPr>
+    </a:lvl4pPr>
+    <a:lvl5pPr marL="1828800" algn="l" defTabSz="914400" rtl="0" eaLnBrk="1" latinLnBrk="0" hangingPunct="1">
+      <a:defRPr sz="1200" kern="1200">
+        <a:solidFill>
+          <a:schemeClr val="tx1"/>
+        </a:solidFill>
+        <a:latin typeface="+mn-lt"/>
+        <a:ea typeface="+mn-ea"/>
+        <a:cs typeface="+mn-cs"/>
+      </a:defRPr>
+    </a:lvl5pPr>
+    <a:lvl6pPr marL="2286000" algn="l" defTabSz="914400" rtl="0" eaLnBrk="1" latinLnBrk="0" hangingPunct="1">
+      <a:defRPr sz="1200" kern="1200">
+        <a:solidFill>
+          <a:schemeClr val="tx1"/>
+        </a:solidFill>
+        <a:latin typeface="+mn-lt"/>
+        <a:ea typeface="+mn-ea"/>
+        <a:cs typeface="+mn-cs"/>
+      </a:defRPr>
+    </a:lvl6pPr>
+    <a:lvl7pPr marL="2743200" algn="l" defTabSz="914400" rtl="0" eaLnBrk="1" latinLnBrk="0" hangingPunct="1">
+      <a:defRPr sz="1200" kern="1200">
+        <a:solidFill>
+          <a:schemeClr val="tx1"/>
+        </a:solidFill>
+        <a:latin typeface="+mn-lt"/>
+        <a:ea typeface="+mn-ea"/>
+        <a:cs typeface="+mn-cs"/>
+      </a:defRPr>
+    </a:lvl7pPr>
+    <a:lvl8pPr marL="3200400" algn="l" defTabSz="914400" rtl="0" eaLnBrk="1" latinLnBrk="0" hangingPunct="1">
+      <a:defRPr sz="1200" kern="1200">
+        <a:solidFill>
+          <a:schemeClr val="tx1"/>
+        </a:solidFill>
+        <a:latin typeface="+mn-lt"/>
+        <a:ea typeface="+mn-ea"/>
+        <a:cs typeface="+mn-cs"/>
+      </a:defRPr>
+    </a:lvl8pPr>
+    <a:lvl9pPr marL="3657600" algn="l" defTabSz="914400" rtl="0" eaLnBrk="1" latinLnBrk="0" hangingPunct="1">
+      <a:defRPr sz="1200" kern="1200">
+        <a:solidFill>
+          <a:schemeClr val="tx1"/>
+        </a:solidFill>
+        <a:latin typeface="+mn-lt"/>
+        <a:ea typeface="+mn-ea"/>
+        <a:cs typeface="+mn-cs"/>
+      </a:defRPr>
+    </a:lvl9pPr>
+  </p:notesStyle>
+</p:notesMaster>
+</file>
+
+<file path=ppt/notesSlides/notesSlide1.xml><?xml version="1.0" encoding="utf-8"?>
+<p:notes xmlns:a="http://schemas.openxmlformats.org/drawingml/2006/main" xmlns:r="http://schemas.openxmlformats.org/officeDocument/2006/relationships" xmlns:p="http://schemas.openxmlformats.org/presentationml/2006/main">
+  <p:cSld>
+    <p:spTree>
+      <p:nvGrpSpPr>
+        <p:cNvPr id="1" name=""/>
+        <p:cNvGrpSpPr/>
+        <p:nvPr/>
+      </p:nvGrpSpPr>
+      <p:grpSpPr>
+        <a:xfrm>
+          <a:off x="0" y="0"/>
+          <a:ext cx="0" cy="0"/>
+          <a:chOff x="0" y="0"/>
+          <a:chExt cx="0" cy="0"/>
+        </a:xfrm>
+      </p:grpSpPr>
+      <p:sp>
+        <p:nvSpPr>
+          <p:cNvPr id="2" name="Symbol zastępczy obrazu slajdu 1"/>
+          <p:cNvSpPr>
+            <a:spLocks noGrp="1" noRot="1" noChangeAspect="1"/>
+          </p:cNvSpPr>
+          <p:nvPr>
+            <p:ph type="sldImg"/>
+          </p:nvPr>
+        </p:nvSpPr>
+        <p:spPr/>
+      </p:sp>
+      <p:sp>
+        <p:nvSpPr>
+          <p:cNvPr id="3" name="Symbol zastępczy notatek 2"/>
+          <p:cNvSpPr>
+            <a:spLocks noGrp="1"/>
+          </p:cNvSpPr>
+          <p:nvPr>
+            <p:ph type="body" idx="1"/>
+          </p:nvPr>
+        </p:nvSpPr>
+        <p:spPr/>
+        <p:txBody>
+          <a:bodyPr/>
+          <a:lstStyle/>
+          <a:p>
+            <a:r>
+              <a:rPr lang="pl-PL" dirty="0"/>
+              <a:t>Zastanówmy się</a:t>
+            </a:r>
+          </a:p>
+        </p:txBody>
+      </p:sp>
+      <p:sp>
+        <p:nvSpPr>
+          <p:cNvPr id="4" name="Symbol zastępczy numeru slajdu 3"/>
+          <p:cNvSpPr>
+            <a:spLocks noGrp="1"/>
+          </p:cNvSpPr>
+          <p:nvPr>
+            <p:ph type="sldNum" sz="quarter" idx="5"/>
+          </p:nvPr>
+        </p:nvSpPr>
+        <p:spPr/>
+        <p:txBody>
+          <a:bodyPr/>
+          <a:lstStyle/>
+          <a:p>
+            <a:fld id="{7FBC02E6-736A-4ADF-9969-67BA64D4F251}" type="slidenum">
+              <a:rPr lang="pl-PL" smtClean="0"/>
+              <a:t>1</a:t>
+            </a:fld>
+            <a:endParaRPr lang="pl-PL"/>
+          </a:p>
+        </p:txBody>
+      </p:sp>
+    </p:spTree>
+    <p:extLst>
+      <p:ext uri="{BB962C8B-B14F-4D97-AF65-F5344CB8AC3E}">
+        <p14:creationId xmlns:p14="http://schemas.microsoft.com/office/powerpoint/2010/main" val="128387910"/>
+      </p:ext>
+    </p:extLst>
+  </p:cSld>
+  <p:clrMapOvr>
+    <a:masterClrMapping/>
+  </p:clrMapOvr>
+</p:notes>
+</file>
+
+<file path=ppt/notesSlides/notesSlide2.xml><?xml version="1.0" encoding="utf-8"?>
+<p:notes xmlns:a="http://schemas.openxmlformats.org/drawingml/2006/main" xmlns:r="http://schemas.openxmlformats.org/officeDocument/2006/relationships" xmlns:p="http://schemas.openxmlformats.org/presentationml/2006/main">
+  <p:cSld>
+    <p:spTree>
+      <p:nvGrpSpPr>
+        <p:cNvPr id="1" name=""/>
+        <p:cNvGrpSpPr/>
+        <p:nvPr/>
+      </p:nvGrpSpPr>
+      <p:grpSpPr>
+        <a:xfrm>
+          <a:off x="0" y="0"/>
+          <a:ext cx="0" cy="0"/>
+          <a:chOff x="0" y="0"/>
+          <a:chExt cx="0" cy="0"/>
+        </a:xfrm>
+      </p:grpSpPr>
+      <p:sp>
+        <p:nvSpPr>
+          <p:cNvPr id="2" name="Symbol zastępczy obrazu slajdu 1"/>
+          <p:cNvSpPr>
+            <a:spLocks noGrp="1" noRot="1" noChangeAspect="1"/>
+          </p:cNvSpPr>
+          <p:nvPr>
+            <p:ph type="sldImg"/>
+          </p:nvPr>
+        </p:nvSpPr>
+        <p:spPr/>
+      </p:sp>
+      <p:sp>
+        <p:nvSpPr>
+          <p:cNvPr id="3" name="Symbol zastępczy notatek 2"/>
+          <p:cNvSpPr>
+            <a:spLocks noGrp="1"/>
+          </p:cNvSpPr>
+          <p:nvPr>
+            <p:ph type="body" idx="1"/>
+          </p:nvPr>
+        </p:nvSpPr>
+        <p:spPr/>
+        <p:txBody>
+          <a:bodyPr/>
+          <a:lstStyle/>
+          <a:p>
+            <a:endParaRPr lang="pl-PL" dirty="0"/>
+          </a:p>
+        </p:txBody>
+      </p:sp>
+      <p:sp>
+        <p:nvSpPr>
+          <p:cNvPr id="4" name="Symbol zastępczy numeru slajdu 3"/>
+          <p:cNvSpPr>
+            <a:spLocks noGrp="1"/>
+          </p:cNvSpPr>
+          <p:nvPr>
+            <p:ph type="sldNum" sz="quarter" idx="5"/>
+          </p:nvPr>
+        </p:nvSpPr>
+        <p:spPr/>
+        <p:txBody>
+          <a:bodyPr/>
+          <a:lstStyle/>
+          <a:p>
+            <a:fld id="{7FBC02E6-736A-4ADF-9969-67BA64D4F251}" type="slidenum">
+              <a:rPr lang="pl-PL" smtClean="0"/>
+              <a:t>2</a:t>
+            </a:fld>
+            <a:endParaRPr lang="pl-PL"/>
+          </a:p>
+        </p:txBody>
+      </p:sp>
+    </p:spTree>
+    <p:extLst>
+      <p:ext uri="{BB962C8B-B14F-4D97-AF65-F5344CB8AC3E}">
+        <p14:creationId xmlns:p14="http://schemas.microsoft.com/office/powerpoint/2010/main" val="3016226529"/>
+      </p:ext>
+    </p:extLst>
+  </p:cSld>
+  <p:clrMapOvr>
+    <a:masterClrMapping/>
+  </p:clrMapOvr>
+</p:notes>
+</file>
+
+<file path=ppt/notesSlides/notesSlide3.xml><?xml version="1.0" encoding="utf-8"?>
+<p:notes xmlns:a="http://schemas.openxmlformats.org/drawingml/2006/main" xmlns:r="http://schemas.openxmlformats.org/officeDocument/2006/relationships" xmlns:p="http://schemas.openxmlformats.org/presentationml/2006/main">
+  <p:cSld>
+    <p:spTree>
+      <p:nvGrpSpPr>
+        <p:cNvPr id="1" name=""/>
+        <p:cNvGrpSpPr/>
+        <p:nvPr/>
+      </p:nvGrpSpPr>
+      <p:grpSpPr>
+        <a:xfrm>
+          <a:off x="0" y="0"/>
+          <a:ext cx="0" cy="0"/>
+          <a:chOff x="0" y="0"/>
+          <a:chExt cx="0" cy="0"/>
+        </a:xfrm>
+      </p:grpSpPr>
+      <p:sp>
+        <p:nvSpPr>
+          <p:cNvPr id="2" name="Symbol zastępczy obrazu slajdu 1"/>
+          <p:cNvSpPr>
+            <a:spLocks noGrp="1" noRot="1" noChangeAspect="1"/>
+          </p:cNvSpPr>
+          <p:nvPr>
+            <p:ph type="sldImg"/>
+          </p:nvPr>
+        </p:nvSpPr>
+        <p:spPr/>
+      </p:sp>
+      <p:sp>
+        <p:nvSpPr>
+          <p:cNvPr id="3" name="Symbol zastępczy notatek 2"/>
+          <p:cNvSpPr>
+            <a:spLocks noGrp="1"/>
+          </p:cNvSpPr>
+          <p:nvPr>
+            <p:ph type="body" idx="1"/>
+          </p:nvPr>
+        </p:nvSpPr>
+        <p:spPr/>
+        <p:txBody>
+          <a:bodyPr/>
+          <a:lstStyle/>
+          <a:p>
+            <a:r>
+              <a:rPr lang="pl-PL" dirty="0"/>
+              <a:t>Oznacza to, że </a:t>
+            </a:r>
+            <a:r>
+              <a:rPr lang="pl-PL" dirty="0" err="1"/>
+              <a:t>róznica</a:t>
+            </a:r>
+            <a:r>
+              <a:rPr lang="pl-PL" dirty="0"/>
+              <a:t> prawdziwej wartości liczby e, i </a:t>
+            </a:r>
+            <a:r>
+              <a:rPr lang="pl-PL" dirty="0" err="1"/>
+              <a:t>oszacownia</a:t>
+            </a:r>
+            <a:r>
+              <a:rPr lang="pl-PL" dirty="0"/>
+              <a:t> naszego programu jest mniejsza niż 10-n</a:t>
+            </a:r>
+          </a:p>
+        </p:txBody>
+      </p:sp>
+      <p:sp>
+        <p:nvSpPr>
+          <p:cNvPr id="4" name="Symbol zastępczy numeru slajdu 3"/>
+          <p:cNvSpPr>
+            <a:spLocks noGrp="1"/>
+          </p:cNvSpPr>
+          <p:nvPr>
+            <p:ph type="sldNum" sz="quarter" idx="5"/>
+          </p:nvPr>
+        </p:nvSpPr>
+        <p:spPr/>
+        <p:txBody>
+          <a:bodyPr/>
+          <a:lstStyle/>
+          <a:p>
+            <a:fld id="{7FBC02E6-736A-4ADF-9969-67BA64D4F251}" type="slidenum">
+              <a:rPr lang="pl-PL" smtClean="0"/>
+              <a:t>3</a:t>
+            </a:fld>
+            <a:endParaRPr lang="pl-PL"/>
+          </a:p>
+        </p:txBody>
+      </p:sp>
+    </p:spTree>
+    <p:extLst>
+      <p:ext uri="{BB962C8B-B14F-4D97-AF65-F5344CB8AC3E}">
+        <p14:creationId xmlns:p14="http://schemas.microsoft.com/office/powerpoint/2010/main" val="2689936529"/>
+      </p:ext>
+    </p:extLst>
+  </p:cSld>
+  <p:clrMapOvr>
+    <a:masterClrMapping/>
+  </p:clrMapOvr>
+</p:notes>
+</file>
+
+<file path=ppt/notesSlides/notesSlide4.xml><?xml version="1.0" encoding="utf-8"?>
+<p:notes xmlns:a="http://schemas.openxmlformats.org/drawingml/2006/main" xmlns:r="http://schemas.openxmlformats.org/officeDocument/2006/relationships" xmlns:p="http://schemas.openxmlformats.org/presentationml/2006/main">
+  <p:cSld>
+    <p:spTree>
+      <p:nvGrpSpPr>
+        <p:cNvPr id="1" name=""/>
+        <p:cNvGrpSpPr/>
+        <p:nvPr/>
+      </p:nvGrpSpPr>
+      <p:grpSpPr>
+        <a:xfrm>
+          <a:off x="0" y="0"/>
+          <a:ext cx="0" cy="0"/>
+          <a:chOff x="0" y="0"/>
+          <a:chExt cx="0" cy="0"/>
+        </a:xfrm>
+      </p:grpSpPr>
+      <p:sp>
+        <p:nvSpPr>
+          <p:cNvPr id="2" name="Symbol zastępczy obrazu slajdu 1"/>
+          <p:cNvSpPr>
+            <a:spLocks noGrp="1" noRot="1" noChangeAspect="1"/>
+          </p:cNvSpPr>
+          <p:nvPr>
+            <p:ph type="sldImg"/>
+          </p:nvPr>
+        </p:nvSpPr>
+        <p:spPr/>
+      </p:sp>
+      <p:sp>
+        <p:nvSpPr>
+          <p:cNvPr id="3" name="Symbol zastępczy notatek 2"/>
+          <p:cNvSpPr>
+            <a:spLocks noGrp="1"/>
+          </p:cNvSpPr>
+          <p:nvPr>
+            <p:ph type="body" idx="1"/>
+          </p:nvPr>
+        </p:nvSpPr>
+        <p:spPr/>
+        <p:txBody>
+          <a:bodyPr/>
+          <a:lstStyle/>
+          <a:p>
+            <a:r>
+              <a:rPr lang="pl-PL" dirty="0"/>
+              <a:t>Przykładowo, 3,14 jest przybliżeniem liczby pi, do 2 miejsc po przecinku</a:t>
+            </a:r>
+          </a:p>
+        </p:txBody>
+      </p:sp>
+      <p:sp>
+        <p:nvSpPr>
+          <p:cNvPr id="4" name="Symbol zastępczy numeru slajdu 3"/>
+          <p:cNvSpPr>
+            <a:spLocks noGrp="1"/>
+          </p:cNvSpPr>
+          <p:nvPr>
+            <p:ph type="sldNum" sz="quarter" idx="5"/>
+          </p:nvPr>
+        </p:nvSpPr>
+        <p:spPr/>
+        <p:txBody>
+          <a:bodyPr/>
+          <a:lstStyle/>
+          <a:p>
+            <a:fld id="{7FBC02E6-736A-4ADF-9969-67BA64D4F251}" type="slidenum">
+              <a:rPr lang="pl-PL" smtClean="0"/>
+              <a:t>4</a:t>
+            </a:fld>
+            <a:endParaRPr lang="pl-PL"/>
+          </a:p>
+        </p:txBody>
+      </p:sp>
+    </p:spTree>
+    <p:extLst>
+      <p:ext uri="{BB962C8B-B14F-4D97-AF65-F5344CB8AC3E}">
+        <p14:creationId xmlns:p14="http://schemas.microsoft.com/office/powerpoint/2010/main" val="2965374213"/>
+      </p:ext>
+    </p:extLst>
+  </p:cSld>
+  <p:clrMapOvr>
+    <a:masterClrMapping/>
+  </p:clrMapOvr>
+</p:notes>
+</file>
+
+<file path=ppt/notesSlides/notesSlide5.xml><?xml version="1.0" encoding="utf-8"?>
+<p:notes xmlns:a="http://schemas.openxmlformats.org/drawingml/2006/main" xmlns:r="http://schemas.openxmlformats.org/officeDocument/2006/relationships" xmlns:p="http://schemas.openxmlformats.org/presentationml/2006/main">
+  <p:cSld>
+    <p:spTree>
+      <p:nvGrpSpPr>
+        <p:cNvPr id="1" name=""/>
+        <p:cNvGrpSpPr/>
+        <p:nvPr/>
+      </p:nvGrpSpPr>
+      <p:grpSpPr>
+        <a:xfrm>
+          <a:off x="0" y="0"/>
+          <a:ext cx="0" cy="0"/>
+          <a:chOff x="0" y="0"/>
+          <a:chExt cx="0" cy="0"/>
+        </a:xfrm>
+      </p:grpSpPr>
+      <p:sp>
+        <p:nvSpPr>
+          <p:cNvPr id="2" name="Symbol zastępczy obrazu slajdu 1"/>
+          <p:cNvSpPr>
+            <a:spLocks noGrp="1" noRot="1" noChangeAspect="1"/>
+          </p:cNvSpPr>
+          <p:nvPr>
+            <p:ph type="sldImg"/>
+          </p:nvPr>
+        </p:nvSpPr>
+        <p:spPr/>
+      </p:sp>
+      <p:sp>
+        <p:nvSpPr>
+          <p:cNvPr id="3" name="Symbol zastępczy notatek 2"/>
+          <p:cNvSpPr>
+            <a:spLocks noGrp="1"/>
+          </p:cNvSpPr>
+          <p:nvPr>
+            <p:ph type="body" idx="1"/>
+          </p:nvPr>
+        </p:nvSpPr>
+        <p:spPr/>
+        <p:txBody>
+          <a:bodyPr/>
+          <a:lstStyle/>
+          <a:p>
+            <a:r>
+              <a:rPr lang="pl-PL" dirty="0"/>
+              <a:t>Możemy informację z treści napisać w </a:t>
+            </a:r>
+          </a:p>
+        </p:txBody>
+      </p:sp>
+      <p:sp>
+        <p:nvSpPr>
+          <p:cNvPr id="4" name="Symbol zastępczy numeru slajdu 3"/>
+          <p:cNvSpPr>
+            <a:spLocks noGrp="1"/>
+          </p:cNvSpPr>
+          <p:nvPr>
+            <p:ph type="sldNum" sz="quarter" idx="5"/>
+          </p:nvPr>
+        </p:nvSpPr>
+        <p:spPr/>
+        <p:txBody>
+          <a:bodyPr/>
+          <a:lstStyle/>
+          <a:p>
+            <a:fld id="{7FBC02E6-736A-4ADF-9969-67BA64D4F251}" type="slidenum">
+              <a:rPr lang="pl-PL" smtClean="0"/>
+              <a:t>5</a:t>
+            </a:fld>
+            <a:endParaRPr lang="pl-PL"/>
+          </a:p>
+        </p:txBody>
+      </p:sp>
+    </p:spTree>
+    <p:extLst>
+      <p:ext uri="{BB962C8B-B14F-4D97-AF65-F5344CB8AC3E}">
+        <p14:creationId xmlns:p14="http://schemas.microsoft.com/office/powerpoint/2010/main" val="4131488191"/>
+      </p:ext>
+    </p:extLst>
+  </p:cSld>
+  <p:clrMapOvr>
+    <a:masterClrMapping/>
+  </p:clrMapOvr>
+</p:notes>
 </file>
 
 <file path=ppt/slideLayouts/slideLayout1.xml><?xml version="1.0" encoding="utf-8"?>
@@ -257,7 +1084,7 @@
           <a:p>
             <a:fld id="{0C1A7356-0347-4482-95FA-022A0694F35A}" type="datetimeFigureOut">
               <a:rPr lang="pl-PL" smtClean="0"/>
-              <a:t>02.07.2024</a:t>
+              <a:t>04.07.2024</a:t>
             </a:fld>
             <a:endParaRPr lang="pl-PL"/>
           </a:p>
@@ -455,7 +1282,7 @@
           <a:p>
             <a:fld id="{0C1A7356-0347-4482-95FA-022A0694F35A}" type="datetimeFigureOut">
               <a:rPr lang="pl-PL" smtClean="0"/>
-              <a:t>02.07.2024</a:t>
+              <a:t>04.07.2024</a:t>
             </a:fld>
             <a:endParaRPr lang="pl-PL"/>
           </a:p>
@@ -663,7 +1490,7 @@
           <a:p>
             <a:fld id="{0C1A7356-0347-4482-95FA-022A0694F35A}" type="datetimeFigureOut">
               <a:rPr lang="pl-PL" smtClean="0"/>
-              <a:t>02.07.2024</a:t>
+              <a:t>04.07.2024</a:t>
             </a:fld>
             <a:endParaRPr lang="pl-PL"/>
           </a:p>
@@ -861,7 +1688,7 @@
           <a:p>
             <a:fld id="{0C1A7356-0347-4482-95FA-022A0694F35A}" type="datetimeFigureOut">
               <a:rPr lang="pl-PL" smtClean="0"/>
-              <a:t>02.07.2024</a:t>
+              <a:t>04.07.2024</a:t>
             </a:fld>
             <a:endParaRPr lang="pl-PL"/>
           </a:p>
@@ -1136,7 +1963,7 @@
           <a:p>
             <a:fld id="{0C1A7356-0347-4482-95FA-022A0694F35A}" type="datetimeFigureOut">
               <a:rPr lang="pl-PL" smtClean="0"/>
-              <a:t>02.07.2024</a:t>
+              <a:t>04.07.2024</a:t>
             </a:fld>
             <a:endParaRPr lang="pl-PL"/>
           </a:p>
@@ -1401,7 +2228,7 @@
           <a:p>
             <a:fld id="{0C1A7356-0347-4482-95FA-022A0694F35A}" type="datetimeFigureOut">
               <a:rPr lang="pl-PL" smtClean="0"/>
-              <a:t>02.07.2024</a:t>
+              <a:t>04.07.2024</a:t>
             </a:fld>
             <a:endParaRPr lang="pl-PL"/>
           </a:p>
@@ -1813,7 +2640,7 @@
           <a:p>
             <a:fld id="{0C1A7356-0347-4482-95FA-022A0694F35A}" type="datetimeFigureOut">
               <a:rPr lang="pl-PL" smtClean="0"/>
-              <a:t>02.07.2024</a:t>
+              <a:t>04.07.2024</a:t>
             </a:fld>
             <a:endParaRPr lang="pl-PL"/>
           </a:p>
@@ -1954,7 +2781,7 @@
           <a:p>
             <a:fld id="{0C1A7356-0347-4482-95FA-022A0694F35A}" type="datetimeFigureOut">
               <a:rPr lang="pl-PL" smtClean="0"/>
-              <a:t>02.07.2024</a:t>
+              <a:t>04.07.2024</a:t>
             </a:fld>
             <a:endParaRPr lang="pl-PL"/>
           </a:p>
@@ -2067,7 +2894,7 @@
           <a:p>
             <a:fld id="{0C1A7356-0347-4482-95FA-022A0694F35A}" type="datetimeFigureOut">
               <a:rPr lang="pl-PL" smtClean="0"/>
-              <a:t>02.07.2024</a:t>
+              <a:t>04.07.2024</a:t>
             </a:fld>
             <a:endParaRPr lang="pl-PL"/>
           </a:p>
@@ -2378,7 +3205,7 @@
           <a:p>
             <a:fld id="{0C1A7356-0347-4482-95FA-022A0694F35A}" type="datetimeFigureOut">
               <a:rPr lang="pl-PL" smtClean="0"/>
-              <a:t>02.07.2024</a:t>
+              <a:t>04.07.2024</a:t>
             </a:fld>
             <a:endParaRPr lang="pl-PL"/>
           </a:p>
@@ -2666,7 +3493,7 @@
           <a:p>
             <a:fld id="{0C1A7356-0347-4482-95FA-022A0694F35A}" type="datetimeFigureOut">
               <a:rPr lang="pl-PL" smtClean="0"/>
-              <a:t>02.07.2024</a:t>
+              <a:t>04.07.2024</a:t>
             </a:fld>
             <a:endParaRPr lang="pl-PL"/>
           </a:p>
@@ -2910,7 +3737,7 @@
           <a:p>
             <a:fld id="{0C1A7356-0347-4482-95FA-022A0694F35A}" type="datetimeFigureOut">
               <a:rPr lang="pl-PL" smtClean="0"/>
-              <a:t>02.07.2024</a:t>
+              <a:t>04.07.2024</a:t>
             </a:fld>
             <a:endParaRPr lang="pl-PL"/>
           </a:p>
@@ -3342,7 +4169,7 @@
         <p:spPr>
           <a:xfrm>
             <a:off x="0" y="-1"/>
-            <a:ext cx="12192000" cy="1246495"/>
+            <a:ext cx="12192000" cy="1815882"/>
           </a:xfrm>
           <a:prstGeom prst="rect">
             <a:avLst/>
@@ -3357,7 +4184,7 @@
           <a:p>
             <a:pPr algn="ctr"/>
             <a:r>
-              <a:rPr lang="pl-PL" sz="2500" dirty="0">
+              <a:rPr lang="pl-PL" sz="2800" dirty="0">
                 <a:solidFill>
                   <a:schemeClr val="bg1"/>
                 </a:solidFill>
@@ -3378,6 +4205,3491 @@
   <p:clrMapOvr>
     <a:masterClrMapping/>
   </p:clrMapOvr>
+  <mc:AlternateContent xmlns:mc="http://schemas.openxmlformats.org/markup-compatibility/2006" xmlns:p159="http://schemas.microsoft.com/office/powerpoint/2015/09/main">
+    <mc:Choice Requires="p159">
+      <p:transition xmlns:p14="http://schemas.microsoft.com/office/powerpoint/2010/main" spd="slow" p14:dur="2000">
+        <p159:morph option="byObject"/>
+      </p:transition>
+    </mc:Choice>
+    <mc:Fallback xmlns="">
+      <p:transition spd="slow">
+        <p:fade/>
+      </p:transition>
+    </mc:Fallback>
+  </mc:AlternateContent>
+</p:sld>
+</file>
+
+<file path=ppt/slides/slide10.xml><?xml version="1.0" encoding="utf-8"?>
+<p:sld xmlns:a="http://schemas.openxmlformats.org/drawingml/2006/main" xmlns:r="http://schemas.openxmlformats.org/officeDocument/2006/relationships" xmlns:p="http://schemas.openxmlformats.org/presentationml/2006/main">
+  <p:cSld>
+    <p:spTree>
+      <p:nvGrpSpPr>
+        <p:cNvPr id="1" name=""/>
+        <p:cNvGrpSpPr/>
+        <p:nvPr/>
+      </p:nvGrpSpPr>
+      <p:grpSpPr>
+        <a:xfrm>
+          <a:off x="0" y="0"/>
+          <a:ext cx="0" cy="0"/>
+          <a:chOff x="0" y="0"/>
+          <a:chExt cx="0" cy="0"/>
+        </a:xfrm>
+      </p:grpSpPr>
+      <mc:AlternateContent xmlns:mc="http://schemas.openxmlformats.org/markup-compatibility/2006" xmlns:a14="http://schemas.microsoft.com/office/drawing/2010/main">
+        <mc:Choice Requires="a14">
+          <p:sp>
+            <p:nvSpPr>
+              <p:cNvPr id="11" name="pole tekstowe 10">
+                <a:extLst>
+                  <a:ext uri="{FF2B5EF4-FFF2-40B4-BE49-F238E27FC236}">
+                    <a16:creationId xmlns:a16="http://schemas.microsoft.com/office/drawing/2014/main" id="{8A25EC7B-4740-1D35-199D-DDD147431AE8}"/>
+                  </a:ext>
+                </a:extLst>
+              </p:cNvPr>
+              <p:cNvSpPr txBox="1"/>
+              <p:nvPr/>
+            </p:nvSpPr>
+            <p:spPr>
+              <a:xfrm>
+                <a:off x="0" y="2703961"/>
+                <a:ext cx="12192000" cy="1450077"/>
+              </a:xfrm>
+              <a:prstGeom prst="rect">
+                <a:avLst/>
+              </a:prstGeom>
+              <a:noFill/>
+            </p:spPr>
+            <p:txBody>
+              <a:bodyPr wrap="square" lIns="0" tIns="0" rIns="0" bIns="0" rtlCol="0">
+                <a:spAutoFit/>
+              </a:bodyPr>
+              <a:lstStyle/>
+              <a:p>
+                <a:pPr/>
+                <a14:m>
+                  <m:oMathPara xmlns:m="http://schemas.openxmlformats.org/officeDocument/2006/math">
+                    <m:oMathParaPr>
+                      <m:jc m:val="centerGroup"/>
+                    </m:oMathParaPr>
+                    <m:oMath xmlns:m="http://schemas.openxmlformats.org/officeDocument/2006/math">
+                      <m:nary>
+                        <m:naryPr>
+                          <m:chr m:val="∑"/>
+                          <m:ctrlPr>
+                            <a:rPr lang="pl-PL" sz="3200" i="1" smtClean="0">
+                              <a:solidFill>
+                                <a:schemeClr val="bg1"/>
+                              </a:solidFill>
+                              <a:latin typeface="Cambria Math" panose="02040503050406030204" pitchFamily="18" charset="0"/>
+                            </a:rPr>
+                          </m:ctrlPr>
+                        </m:naryPr>
+                        <m:sub>
+                          <m:r>
+                            <a:rPr lang="pl-PL" sz="3200" b="0" i="1" smtClean="0">
+                              <a:solidFill>
+                                <a:schemeClr val="bg1"/>
+                              </a:solidFill>
+                              <a:latin typeface="Cambria Math" panose="02040503050406030204" pitchFamily="18" charset="0"/>
+                            </a:rPr>
+                            <m:t>𝑗</m:t>
+                          </m:r>
+                          <m:r>
+                            <a:rPr lang="pl-PL" sz="3200" i="1">
+                              <a:solidFill>
+                                <a:schemeClr val="bg1"/>
+                              </a:solidFill>
+                              <a:latin typeface="Cambria Math" panose="02040503050406030204" pitchFamily="18" charset="0"/>
+                            </a:rPr>
+                            <m:t>=</m:t>
+                          </m:r>
+                          <m:r>
+                            <a:rPr lang="pl-PL" sz="3200" b="0" i="1" smtClean="0">
+                              <a:solidFill>
+                                <a:schemeClr val="bg1"/>
+                              </a:solidFill>
+                              <a:latin typeface="Cambria Math" panose="02040503050406030204" pitchFamily="18" charset="0"/>
+                            </a:rPr>
+                            <m:t>𝑛</m:t>
+                          </m:r>
+                          <m:r>
+                            <a:rPr lang="pl-PL" sz="3200" b="0" i="1" smtClean="0">
+                              <a:solidFill>
+                                <a:schemeClr val="bg1"/>
+                              </a:solidFill>
+                              <a:latin typeface="Cambria Math" panose="02040503050406030204" pitchFamily="18" charset="0"/>
+                            </a:rPr>
+                            <m:t>+1</m:t>
+                          </m:r>
+                        </m:sub>
+                        <m:sup>
+                          <m:r>
+                            <m:rPr>
+                              <m:nor/>
+                            </m:rPr>
+                            <a:rPr lang="pl-PL" sz="3200" i="1">
+                              <a:solidFill>
+                                <a:schemeClr val="bg1"/>
+                              </a:solidFill>
+                              <a:latin typeface="Cambria Math" panose="02040503050406030204" pitchFamily="18" charset="0"/>
+                            </a:rPr>
+                            <m:t>∞</m:t>
+                          </m:r>
+                        </m:sup>
+                        <m:e>
+                          <m:f>
+                            <m:fPr>
+                              <m:ctrlPr>
+                                <a:rPr lang="pl-PL" sz="3200" i="1">
+                                  <a:solidFill>
+                                    <a:schemeClr val="bg1"/>
+                                  </a:solidFill>
+                                  <a:latin typeface="Cambria Math" panose="02040503050406030204" pitchFamily="18" charset="0"/>
+                                </a:rPr>
+                              </m:ctrlPr>
+                            </m:fPr>
+                            <m:num>
+                              <m:r>
+                                <a:rPr lang="pl-PL" sz="3200" i="1">
+                                  <a:solidFill>
+                                    <a:schemeClr val="bg1"/>
+                                  </a:solidFill>
+                                  <a:latin typeface="Cambria Math" panose="02040503050406030204" pitchFamily="18" charset="0"/>
+                                </a:rPr>
+                                <m:t>1</m:t>
+                              </m:r>
+                            </m:num>
+                            <m:den>
+                              <m:r>
+                                <a:rPr lang="pl-PL" sz="3200" b="0" i="1" smtClean="0">
+                                  <a:solidFill>
+                                    <a:schemeClr val="bg1"/>
+                                  </a:solidFill>
+                                  <a:latin typeface="Cambria Math" panose="02040503050406030204" pitchFamily="18" charset="0"/>
+                                </a:rPr>
+                                <m:t>𝑗</m:t>
+                              </m:r>
+                              <m:r>
+                                <a:rPr lang="pl-PL" sz="3200" i="1">
+                                  <a:solidFill>
+                                    <a:schemeClr val="bg1"/>
+                                  </a:solidFill>
+                                  <a:latin typeface="Cambria Math" panose="02040503050406030204" pitchFamily="18" charset="0"/>
+                                </a:rPr>
+                                <m:t>!</m:t>
+                              </m:r>
+                            </m:den>
+                          </m:f>
+                        </m:e>
+                      </m:nary>
+                      <m:r>
+                        <a:rPr lang="pl-PL" sz="3200" b="0" i="1" smtClean="0">
+                          <a:solidFill>
+                            <a:schemeClr val="bg1"/>
+                          </a:solidFill>
+                          <a:latin typeface="Cambria Math" panose="02040503050406030204" pitchFamily="18" charset="0"/>
+                        </a:rPr>
+                        <m:t>&lt;</m:t>
+                      </m:r>
+                      <m:f>
+                        <m:fPr>
+                          <m:ctrlPr>
+                            <a:rPr lang="pl-PL" sz="3200" b="0" i="1" smtClean="0">
+                              <a:solidFill>
+                                <a:schemeClr val="bg1"/>
+                              </a:solidFill>
+                              <a:latin typeface="Cambria Math" panose="02040503050406030204" pitchFamily="18" charset="0"/>
+                            </a:rPr>
+                          </m:ctrlPr>
+                        </m:fPr>
+                        <m:num>
+                          <m:r>
+                            <a:rPr lang="pl-PL" sz="3200" b="0" i="1" smtClean="0">
+                              <a:solidFill>
+                                <a:schemeClr val="bg1"/>
+                              </a:solidFill>
+                              <a:latin typeface="Cambria Math" panose="02040503050406030204" pitchFamily="18" charset="0"/>
+                            </a:rPr>
+                            <m:t>1</m:t>
+                          </m:r>
+                        </m:num>
+                        <m:den>
+                          <m:r>
+                            <a:rPr lang="pl-PL" sz="3200" b="0" i="1" smtClean="0">
+                              <a:solidFill>
+                                <a:schemeClr val="bg1"/>
+                              </a:solidFill>
+                              <a:latin typeface="Cambria Math" panose="02040503050406030204" pitchFamily="18" charset="0"/>
+                            </a:rPr>
+                            <m:t>𝑛</m:t>
+                          </m:r>
+                          <m:r>
+                            <a:rPr lang="pl-PL" sz="3200" b="0" i="1" smtClean="0">
+                              <a:solidFill>
+                                <a:schemeClr val="bg1"/>
+                              </a:solidFill>
+                              <a:latin typeface="Cambria Math" panose="02040503050406030204" pitchFamily="18" charset="0"/>
+                            </a:rPr>
+                            <m:t>!</m:t>
+                          </m:r>
+                        </m:den>
+                      </m:f>
+                      <m:nary>
+                        <m:naryPr>
+                          <m:chr m:val="∑"/>
+                          <m:ctrlPr>
+                            <a:rPr lang="pl-PL" sz="3200" i="1">
+                              <a:solidFill>
+                                <a:schemeClr val="bg1"/>
+                              </a:solidFill>
+                              <a:latin typeface="Cambria Math" panose="02040503050406030204" pitchFamily="18" charset="0"/>
+                            </a:rPr>
+                          </m:ctrlPr>
+                        </m:naryPr>
+                        <m:sub>
+                          <m:r>
+                            <a:rPr lang="pl-PL" sz="3200" b="0" i="1" smtClean="0">
+                              <a:solidFill>
+                                <a:schemeClr val="bg1"/>
+                              </a:solidFill>
+                              <a:latin typeface="Cambria Math" panose="02040503050406030204" pitchFamily="18" charset="0"/>
+                            </a:rPr>
+                            <m:t>𝑘</m:t>
+                          </m:r>
+                          <m:r>
+                            <a:rPr lang="pl-PL" sz="3200" i="1">
+                              <a:solidFill>
+                                <a:schemeClr val="bg1"/>
+                              </a:solidFill>
+                              <a:latin typeface="Cambria Math" panose="02040503050406030204" pitchFamily="18" charset="0"/>
+                            </a:rPr>
+                            <m:t>=1</m:t>
+                          </m:r>
+                        </m:sub>
+                        <m:sup>
+                          <m:r>
+                            <m:rPr>
+                              <m:nor/>
+                            </m:rPr>
+                            <a:rPr lang="pl-PL" sz="3200" i="1">
+                              <a:solidFill>
+                                <a:schemeClr val="bg1"/>
+                              </a:solidFill>
+                              <a:latin typeface="Cambria Math" panose="02040503050406030204" pitchFamily="18" charset="0"/>
+                            </a:rPr>
+                            <m:t>∞</m:t>
+                          </m:r>
+                        </m:sup>
+                        <m:e>
+                          <m:f>
+                            <m:fPr>
+                              <m:ctrlPr>
+                                <a:rPr lang="pl-PL" sz="3200" i="1">
+                                  <a:solidFill>
+                                    <a:schemeClr val="bg1"/>
+                                  </a:solidFill>
+                                  <a:latin typeface="Cambria Math" panose="02040503050406030204" pitchFamily="18" charset="0"/>
+                                </a:rPr>
+                              </m:ctrlPr>
+                            </m:fPr>
+                            <m:num>
+                              <m:r>
+                                <a:rPr lang="pl-PL" sz="3200" i="1">
+                                  <a:solidFill>
+                                    <a:schemeClr val="bg1"/>
+                                  </a:solidFill>
+                                  <a:latin typeface="Cambria Math" panose="02040503050406030204" pitchFamily="18" charset="0"/>
+                                </a:rPr>
+                                <m:t>1</m:t>
+                              </m:r>
+                            </m:num>
+                            <m:den>
+                              <m:sSup>
+                                <m:sSupPr>
+                                  <m:ctrlPr>
+                                    <a:rPr lang="pl-PL" sz="3200" b="0" i="1" smtClean="0">
+                                      <a:solidFill>
+                                        <a:schemeClr val="bg1"/>
+                                      </a:solidFill>
+                                      <a:latin typeface="Cambria Math" panose="02040503050406030204" pitchFamily="18" charset="0"/>
+                                    </a:rPr>
+                                  </m:ctrlPr>
+                                </m:sSupPr>
+                                <m:e>
+                                  <m:d>
+                                    <m:dPr>
+                                      <m:ctrlPr>
+                                        <a:rPr lang="pl-PL" sz="3200" b="0" i="1" smtClean="0">
+                                          <a:solidFill>
+                                            <a:schemeClr val="bg1"/>
+                                          </a:solidFill>
+                                          <a:latin typeface="Cambria Math" panose="02040503050406030204" pitchFamily="18" charset="0"/>
+                                        </a:rPr>
+                                      </m:ctrlPr>
+                                    </m:dPr>
+                                    <m:e>
+                                      <m:r>
+                                        <a:rPr lang="pl-PL" sz="3200" b="0" i="1" smtClean="0">
+                                          <a:solidFill>
+                                            <a:schemeClr val="bg1"/>
+                                          </a:solidFill>
+                                          <a:latin typeface="Cambria Math" panose="02040503050406030204" pitchFamily="18" charset="0"/>
+                                        </a:rPr>
+                                        <m:t>𝑛</m:t>
+                                      </m:r>
+                                      <m:r>
+                                        <a:rPr lang="pl-PL" sz="3200" b="0" i="1" smtClean="0">
+                                          <a:solidFill>
+                                            <a:schemeClr val="bg1"/>
+                                          </a:solidFill>
+                                          <a:latin typeface="Cambria Math" panose="02040503050406030204" pitchFamily="18" charset="0"/>
+                                        </a:rPr>
+                                        <m:t>+1</m:t>
+                                      </m:r>
+                                    </m:e>
+                                  </m:d>
+                                </m:e>
+                                <m:sup>
+                                  <m:r>
+                                    <a:rPr lang="pl-PL" sz="3200" b="0" i="1" smtClean="0">
+                                      <a:solidFill>
+                                        <a:schemeClr val="bg1"/>
+                                      </a:solidFill>
+                                      <a:latin typeface="Cambria Math" panose="02040503050406030204" pitchFamily="18" charset="0"/>
+                                    </a:rPr>
+                                    <m:t>𝑘</m:t>
+                                  </m:r>
+                                </m:sup>
+                              </m:sSup>
+                            </m:den>
+                          </m:f>
+                        </m:e>
+                      </m:nary>
+                    </m:oMath>
+                  </m:oMathPara>
+                </a14:m>
+                <a:endParaRPr lang="pl-PL" sz="3200" dirty="0"/>
+              </a:p>
+            </p:txBody>
+          </p:sp>
+        </mc:Choice>
+        <mc:Fallback xmlns="">
+          <p:sp>
+            <p:nvSpPr>
+              <p:cNvPr id="11" name="pole tekstowe 10">
+                <a:extLst>
+                  <a:ext uri="{FF2B5EF4-FFF2-40B4-BE49-F238E27FC236}">
+                    <a16:creationId xmlns:a16="http://schemas.microsoft.com/office/drawing/2014/main" id="{8A25EC7B-4740-1D35-199D-DDD147431AE8}"/>
+                  </a:ext>
+                </a:extLst>
+              </p:cNvPr>
+              <p:cNvSpPr txBox="1">
+                <a:spLocks noRot="1" noChangeAspect="1" noMove="1" noResize="1" noEditPoints="1" noAdjustHandles="1" noChangeArrowheads="1" noChangeShapeType="1" noTextEdit="1"/>
+              </p:cNvSpPr>
+              <p:nvPr/>
+            </p:nvSpPr>
+            <p:spPr>
+              <a:xfrm>
+                <a:off x="0" y="2703961"/>
+                <a:ext cx="12192000" cy="1450077"/>
+              </a:xfrm>
+              <a:prstGeom prst="rect">
+                <a:avLst/>
+              </a:prstGeom>
+              <a:blipFill>
+                <a:blip r:embed="rId2"/>
+                <a:stretch>
+                  <a:fillRect/>
+                </a:stretch>
+              </a:blipFill>
+            </p:spPr>
+            <p:txBody>
+              <a:bodyPr/>
+              <a:lstStyle/>
+              <a:p>
+                <a:r>
+                  <a:rPr lang="pl-PL">
+                    <a:noFill/>
+                  </a:rPr>
+                  <a:t> </a:t>
+                </a:r>
+              </a:p>
+            </p:txBody>
+          </p:sp>
+        </mc:Fallback>
+      </mc:AlternateContent>
+      <mc:AlternateContent xmlns:mc="http://schemas.openxmlformats.org/markup-compatibility/2006">
+        <mc:Choice xmlns:a14="http://schemas.microsoft.com/office/drawing/2010/main" Requires="a14">
+          <p:sp>
+            <p:nvSpPr>
+              <p:cNvPr id="2" name="pole tekstowe 1">
+                <a:extLst>
+                  <a:ext uri="{FF2B5EF4-FFF2-40B4-BE49-F238E27FC236}">
+                    <a16:creationId xmlns:a16="http://schemas.microsoft.com/office/drawing/2014/main" id="{C03A9DAA-AB1A-4B29-FEDA-7799CE3F54B5}"/>
+                  </a:ext>
+                </a:extLst>
+              </p:cNvPr>
+              <p:cNvSpPr txBox="1"/>
+              <p:nvPr/>
+            </p:nvSpPr>
+            <p:spPr>
+              <a:xfrm>
+                <a:off x="0" y="4684390"/>
+                <a:ext cx="12192000" cy="968150"/>
+              </a:xfrm>
+              <a:prstGeom prst="rect">
+                <a:avLst/>
+              </a:prstGeom>
+              <a:noFill/>
+            </p:spPr>
+            <p:txBody>
+              <a:bodyPr wrap="square" lIns="0" tIns="0" rIns="0" bIns="0" rtlCol="0">
+                <a:spAutoFit/>
+              </a:bodyPr>
+              <a:lstStyle/>
+              <a:p>
+                <a:pPr/>
+                <a14:m>
+                  <m:oMathPara xmlns:m="http://schemas.openxmlformats.org/officeDocument/2006/math">
+                    <m:oMathParaPr>
+                      <m:jc m:val="centerGroup"/>
+                    </m:oMathParaPr>
+                    <m:oMath xmlns:m="http://schemas.openxmlformats.org/officeDocument/2006/math">
+                      <m:f>
+                        <m:fPr>
+                          <m:ctrlPr>
+                            <a:rPr lang="pl-PL" sz="2800" b="0" i="1" smtClean="0">
+                              <a:solidFill>
+                                <a:schemeClr val="bg1"/>
+                              </a:solidFill>
+                              <a:latin typeface="Cambria Math" panose="02040503050406030204" pitchFamily="18" charset="0"/>
+                            </a:rPr>
+                          </m:ctrlPr>
+                        </m:fPr>
+                        <m:num>
+                          <m:r>
+                            <a:rPr lang="pl-PL" sz="2800" b="0" i="1" smtClean="0">
+                              <a:solidFill>
+                                <a:schemeClr val="bg1"/>
+                              </a:solidFill>
+                              <a:latin typeface="Cambria Math" panose="02040503050406030204" pitchFamily="18" charset="0"/>
+                            </a:rPr>
+                            <m:t>1</m:t>
+                          </m:r>
+                        </m:num>
+                        <m:den>
+                          <m:d>
+                            <m:dPr>
+                              <m:ctrlPr>
+                                <a:rPr lang="pl-PL" sz="2800" b="0" i="1" smtClean="0">
+                                  <a:solidFill>
+                                    <a:schemeClr val="bg1"/>
+                                  </a:solidFill>
+                                  <a:latin typeface="Cambria Math" panose="02040503050406030204" pitchFamily="18" charset="0"/>
+                                </a:rPr>
+                              </m:ctrlPr>
+                            </m:dPr>
+                            <m:e>
+                              <m:r>
+                                <a:rPr lang="pl-PL" sz="2800" b="0" i="1" smtClean="0">
+                                  <a:solidFill>
+                                    <a:schemeClr val="bg1"/>
+                                  </a:solidFill>
+                                  <a:latin typeface="Cambria Math" panose="02040503050406030204" pitchFamily="18" charset="0"/>
+                                </a:rPr>
+                                <m:t>𝑛</m:t>
+                              </m:r>
+                              <m:r>
+                                <a:rPr lang="pl-PL" sz="2800" b="0" i="1" smtClean="0">
+                                  <a:solidFill>
+                                    <a:schemeClr val="bg1"/>
+                                  </a:solidFill>
+                                  <a:latin typeface="Cambria Math" panose="02040503050406030204" pitchFamily="18" charset="0"/>
+                                </a:rPr>
+                                <m:t>+1</m:t>
+                              </m:r>
+                            </m:e>
+                          </m:d>
+                          <m:r>
+                            <a:rPr lang="pl-PL" sz="2800" b="0" i="1" smtClean="0">
+                              <a:solidFill>
+                                <a:schemeClr val="bg1"/>
+                              </a:solidFill>
+                              <a:latin typeface="Cambria Math" panose="02040503050406030204" pitchFamily="18" charset="0"/>
+                            </a:rPr>
+                            <m:t>!</m:t>
+                          </m:r>
+                        </m:den>
+                      </m:f>
+                      <m:r>
+                        <a:rPr lang="pl-PL" sz="2800" b="0" i="1" smtClean="0">
+                          <a:solidFill>
+                            <a:schemeClr val="bg1"/>
+                          </a:solidFill>
+                          <a:latin typeface="Cambria Math" panose="02040503050406030204" pitchFamily="18" charset="0"/>
+                        </a:rPr>
+                        <m:t>+</m:t>
+                      </m:r>
+                      <m:f>
+                        <m:fPr>
+                          <m:ctrlPr>
+                            <a:rPr lang="pl-PL" sz="2800" i="1">
+                              <a:solidFill>
+                                <a:schemeClr val="bg1"/>
+                              </a:solidFill>
+                              <a:latin typeface="Cambria Math" panose="02040503050406030204" pitchFamily="18" charset="0"/>
+                            </a:rPr>
+                          </m:ctrlPr>
+                        </m:fPr>
+                        <m:num>
+                          <m:r>
+                            <a:rPr lang="pl-PL" sz="2800" i="1">
+                              <a:solidFill>
+                                <a:schemeClr val="bg1"/>
+                              </a:solidFill>
+                              <a:latin typeface="Cambria Math" panose="02040503050406030204" pitchFamily="18" charset="0"/>
+                            </a:rPr>
+                            <m:t>1</m:t>
+                          </m:r>
+                        </m:num>
+                        <m:den>
+                          <m:d>
+                            <m:dPr>
+                              <m:ctrlPr>
+                                <a:rPr lang="pl-PL" sz="2800" i="1">
+                                  <a:solidFill>
+                                    <a:schemeClr val="bg1"/>
+                                  </a:solidFill>
+                                  <a:latin typeface="Cambria Math" panose="02040503050406030204" pitchFamily="18" charset="0"/>
+                                </a:rPr>
+                              </m:ctrlPr>
+                            </m:dPr>
+                            <m:e>
+                              <m:r>
+                                <a:rPr lang="pl-PL" sz="2800" i="1">
+                                  <a:solidFill>
+                                    <a:schemeClr val="bg1"/>
+                                  </a:solidFill>
+                                  <a:latin typeface="Cambria Math" panose="02040503050406030204" pitchFamily="18" charset="0"/>
+                                </a:rPr>
+                                <m:t>𝑛</m:t>
+                              </m:r>
+                              <m:r>
+                                <a:rPr lang="pl-PL" sz="2800" i="1">
+                                  <a:solidFill>
+                                    <a:schemeClr val="bg1"/>
+                                  </a:solidFill>
+                                  <a:latin typeface="Cambria Math" panose="02040503050406030204" pitchFamily="18" charset="0"/>
+                                </a:rPr>
+                                <m:t>+1</m:t>
+                              </m:r>
+                            </m:e>
+                          </m:d>
+                          <m:r>
+                            <a:rPr lang="pl-PL" sz="2800" i="1">
+                              <a:solidFill>
+                                <a:schemeClr val="bg1"/>
+                              </a:solidFill>
+                              <a:latin typeface="Cambria Math" panose="02040503050406030204" pitchFamily="18" charset="0"/>
+                            </a:rPr>
+                            <m:t>!</m:t>
+                          </m:r>
+                          <m:r>
+                            <a:rPr lang="pl-PL" sz="2800" b="0" i="1" smtClean="0">
+                              <a:solidFill>
+                                <a:schemeClr val="bg1"/>
+                              </a:solidFill>
+                              <a:latin typeface="Cambria Math" panose="02040503050406030204" pitchFamily="18" charset="0"/>
+                            </a:rPr>
+                            <m:t>∗(</m:t>
+                          </m:r>
+                          <m:r>
+                            <a:rPr lang="pl-PL" sz="2800" b="0" i="1" smtClean="0">
+                              <a:solidFill>
+                                <a:schemeClr val="bg1"/>
+                              </a:solidFill>
+                              <a:latin typeface="Cambria Math" panose="02040503050406030204" pitchFamily="18" charset="0"/>
+                            </a:rPr>
+                            <m:t>𝑛</m:t>
+                          </m:r>
+                          <m:r>
+                            <a:rPr lang="pl-PL" sz="2800" b="0" i="1" smtClean="0">
+                              <a:solidFill>
+                                <a:schemeClr val="bg1"/>
+                              </a:solidFill>
+                              <a:latin typeface="Cambria Math" panose="02040503050406030204" pitchFamily="18" charset="0"/>
+                            </a:rPr>
+                            <m:t>+2)</m:t>
+                          </m:r>
+                        </m:den>
+                      </m:f>
+                      <m:r>
+                        <a:rPr lang="pl-PL" sz="2800" b="0" i="1" smtClean="0">
+                          <a:solidFill>
+                            <a:schemeClr val="bg1"/>
+                          </a:solidFill>
+                          <a:latin typeface="Cambria Math" panose="02040503050406030204" pitchFamily="18" charset="0"/>
+                        </a:rPr>
+                        <m:t>+…</m:t>
+                      </m:r>
+                      <m:r>
+                        <a:rPr lang="pl-PL" sz="2800" b="0" i="1" smtClean="0">
+                          <a:solidFill>
+                            <a:schemeClr val="bg1"/>
+                          </a:solidFill>
+                          <a:latin typeface="Cambria Math" panose="02040503050406030204" pitchFamily="18" charset="0"/>
+                        </a:rPr>
+                        <m:t>&lt;</m:t>
+                      </m:r>
+                      <m:f>
+                        <m:fPr>
+                          <m:ctrlPr>
+                            <a:rPr lang="pl-PL" sz="2800" b="0" i="1" smtClean="0">
+                              <a:solidFill>
+                                <a:schemeClr val="bg1"/>
+                              </a:solidFill>
+                              <a:latin typeface="Cambria Math" panose="02040503050406030204" pitchFamily="18" charset="0"/>
+                            </a:rPr>
+                          </m:ctrlPr>
+                        </m:fPr>
+                        <m:num>
+                          <m:r>
+                            <a:rPr lang="pl-PL" sz="2800" b="0" i="1" smtClean="0">
+                              <a:solidFill>
+                                <a:schemeClr val="bg1"/>
+                              </a:solidFill>
+                              <a:latin typeface="Cambria Math" panose="02040503050406030204" pitchFamily="18" charset="0"/>
+                            </a:rPr>
+                            <m:t>1</m:t>
+                          </m:r>
+                        </m:num>
+                        <m:den>
+                          <m:r>
+                            <a:rPr lang="pl-PL" sz="2800" b="0" i="1" smtClean="0">
+                              <a:solidFill>
+                                <a:schemeClr val="bg1"/>
+                              </a:solidFill>
+                              <a:latin typeface="Cambria Math" panose="02040503050406030204" pitchFamily="18" charset="0"/>
+                            </a:rPr>
+                            <m:t>𝑛</m:t>
+                          </m:r>
+                          <m:r>
+                            <a:rPr lang="pl-PL" sz="2800" b="0" i="1" smtClean="0">
+                              <a:solidFill>
+                                <a:schemeClr val="bg1"/>
+                              </a:solidFill>
+                              <a:latin typeface="Cambria Math" panose="02040503050406030204" pitchFamily="18" charset="0"/>
+                            </a:rPr>
+                            <m:t>!</m:t>
+                          </m:r>
+                        </m:den>
+                      </m:f>
+                      <m:r>
+                        <a:rPr lang="pl-PL" sz="2800" b="0" i="1" smtClean="0">
+                          <a:solidFill>
+                            <a:schemeClr val="bg1"/>
+                          </a:solidFill>
+                          <a:latin typeface="Cambria Math" panose="02040503050406030204" pitchFamily="18" charset="0"/>
+                        </a:rPr>
+                        <m:t>∗</m:t>
+                      </m:r>
+                      <m:d>
+                        <m:dPr>
+                          <m:ctrlPr>
+                            <a:rPr lang="pl-PL" sz="2800" b="0" i="1" smtClean="0">
+                              <a:solidFill>
+                                <a:schemeClr val="bg1"/>
+                              </a:solidFill>
+                              <a:latin typeface="Cambria Math" panose="02040503050406030204" pitchFamily="18" charset="0"/>
+                            </a:rPr>
+                          </m:ctrlPr>
+                        </m:dPr>
+                        <m:e>
+                          <m:f>
+                            <m:fPr>
+                              <m:ctrlPr>
+                                <a:rPr lang="pl-PL" sz="2800" b="0" i="1" smtClean="0">
+                                  <a:solidFill>
+                                    <a:schemeClr val="bg1"/>
+                                  </a:solidFill>
+                                  <a:latin typeface="Cambria Math" panose="02040503050406030204" pitchFamily="18" charset="0"/>
+                                </a:rPr>
+                              </m:ctrlPr>
+                            </m:fPr>
+                            <m:num>
+                              <m:r>
+                                <a:rPr lang="pl-PL" sz="2800" b="0" i="1" smtClean="0">
+                                  <a:solidFill>
+                                    <a:schemeClr val="bg1"/>
+                                  </a:solidFill>
+                                  <a:latin typeface="Cambria Math" panose="02040503050406030204" pitchFamily="18" charset="0"/>
+                                </a:rPr>
+                                <m:t>1</m:t>
+                              </m:r>
+                            </m:num>
+                            <m:den>
+                              <m:d>
+                                <m:dPr>
+                                  <m:ctrlPr>
+                                    <a:rPr lang="pl-PL" sz="2800" b="0" i="1" smtClean="0">
+                                      <a:solidFill>
+                                        <a:schemeClr val="bg1"/>
+                                      </a:solidFill>
+                                      <a:latin typeface="Cambria Math" panose="02040503050406030204" pitchFamily="18" charset="0"/>
+                                    </a:rPr>
+                                  </m:ctrlPr>
+                                </m:dPr>
+                                <m:e>
+                                  <m:r>
+                                    <a:rPr lang="pl-PL" sz="2800" b="0" i="1" smtClean="0">
+                                      <a:solidFill>
+                                        <a:schemeClr val="bg1"/>
+                                      </a:solidFill>
+                                      <a:latin typeface="Cambria Math" panose="02040503050406030204" pitchFamily="18" charset="0"/>
+                                    </a:rPr>
+                                    <m:t>𝑛</m:t>
+                                  </m:r>
+                                  <m:r>
+                                    <a:rPr lang="pl-PL" sz="2800" b="0" i="1" smtClean="0">
+                                      <a:solidFill>
+                                        <a:schemeClr val="bg1"/>
+                                      </a:solidFill>
+                                      <a:latin typeface="Cambria Math" panose="02040503050406030204" pitchFamily="18" charset="0"/>
+                                    </a:rPr>
+                                    <m:t>+1</m:t>
+                                  </m:r>
+                                </m:e>
+                              </m:d>
+                            </m:den>
+                          </m:f>
+                          <m:r>
+                            <a:rPr lang="pl-PL" sz="2800" b="0" i="1" smtClean="0">
+                              <a:solidFill>
+                                <a:schemeClr val="bg1"/>
+                              </a:solidFill>
+                              <a:latin typeface="Cambria Math" panose="02040503050406030204" pitchFamily="18" charset="0"/>
+                            </a:rPr>
+                            <m:t>+</m:t>
+                          </m:r>
+                          <m:f>
+                            <m:fPr>
+                              <m:ctrlPr>
+                                <a:rPr lang="pl-PL" sz="2800" b="0" i="1" smtClean="0">
+                                  <a:solidFill>
+                                    <a:schemeClr val="bg1"/>
+                                  </a:solidFill>
+                                  <a:latin typeface="Cambria Math" panose="02040503050406030204" pitchFamily="18" charset="0"/>
+                                </a:rPr>
+                              </m:ctrlPr>
+                            </m:fPr>
+                            <m:num>
+                              <m:r>
+                                <a:rPr lang="pl-PL" sz="2800" b="0" i="1" smtClean="0">
+                                  <a:solidFill>
+                                    <a:schemeClr val="bg1"/>
+                                  </a:solidFill>
+                                  <a:latin typeface="Cambria Math" panose="02040503050406030204" pitchFamily="18" charset="0"/>
+                                </a:rPr>
+                                <m:t>1</m:t>
+                              </m:r>
+                            </m:num>
+                            <m:den>
+                              <m:d>
+                                <m:dPr>
+                                  <m:ctrlPr>
+                                    <a:rPr lang="pl-PL" sz="2800" b="0" i="1" smtClean="0">
+                                      <a:solidFill>
+                                        <a:schemeClr val="bg1"/>
+                                      </a:solidFill>
+                                      <a:latin typeface="Cambria Math" panose="02040503050406030204" pitchFamily="18" charset="0"/>
+                                    </a:rPr>
+                                  </m:ctrlPr>
+                                </m:dPr>
+                                <m:e>
+                                  <m:r>
+                                    <a:rPr lang="pl-PL" sz="2800" b="0" i="1" smtClean="0">
+                                      <a:solidFill>
+                                        <a:schemeClr val="bg1"/>
+                                      </a:solidFill>
+                                      <a:latin typeface="Cambria Math" panose="02040503050406030204" pitchFamily="18" charset="0"/>
+                                    </a:rPr>
+                                    <m:t>𝑛</m:t>
+                                  </m:r>
+                                  <m:r>
+                                    <a:rPr lang="pl-PL" sz="2800" b="0" i="1" smtClean="0">
+                                      <a:solidFill>
+                                        <a:schemeClr val="bg1"/>
+                                      </a:solidFill>
+                                      <a:latin typeface="Cambria Math" panose="02040503050406030204" pitchFamily="18" charset="0"/>
+                                    </a:rPr>
+                                    <m:t>+1</m:t>
+                                  </m:r>
+                                </m:e>
+                              </m:d>
+                              <m:r>
+                                <a:rPr lang="pl-PL" sz="2800" b="0" i="1" smtClean="0">
+                                  <a:solidFill>
+                                    <a:schemeClr val="bg1"/>
+                                  </a:solidFill>
+                                  <a:latin typeface="Cambria Math" panose="02040503050406030204" pitchFamily="18" charset="0"/>
+                                </a:rPr>
+                                <m:t>∗(</m:t>
+                              </m:r>
+                              <m:r>
+                                <a:rPr lang="pl-PL" sz="2800" b="0" i="1" smtClean="0">
+                                  <a:solidFill>
+                                    <a:schemeClr val="bg1"/>
+                                  </a:solidFill>
+                                  <a:latin typeface="Cambria Math" panose="02040503050406030204" pitchFamily="18" charset="0"/>
+                                </a:rPr>
+                                <m:t>𝑛</m:t>
+                              </m:r>
+                              <m:r>
+                                <a:rPr lang="pl-PL" sz="2800" b="0" i="1" smtClean="0">
+                                  <a:solidFill>
+                                    <a:schemeClr val="bg1"/>
+                                  </a:solidFill>
+                                  <a:latin typeface="Cambria Math" panose="02040503050406030204" pitchFamily="18" charset="0"/>
+                                </a:rPr>
+                                <m:t>+1)</m:t>
+                              </m:r>
+                            </m:den>
+                          </m:f>
+                        </m:e>
+                      </m:d>
+                      <m:r>
+                        <a:rPr lang="pl-PL" sz="2800" b="0" i="1" smtClean="0">
+                          <a:solidFill>
+                            <a:schemeClr val="bg1"/>
+                          </a:solidFill>
+                          <a:latin typeface="Cambria Math" panose="02040503050406030204" pitchFamily="18" charset="0"/>
+                        </a:rPr>
+                        <m:t>+…</m:t>
+                      </m:r>
+                    </m:oMath>
+                  </m:oMathPara>
+                </a14:m>
+                <a:endParaRPr lang="pl-PL" sz="2800" dirty="0"/>
+              </a:p>
+            </p:txBody>
+          </p:sp>
+        </mc:Choice>
+        <mc:Fallback>
+          <p:sp>
+            <p:nvSpPr>
+              <p:cNvPr id="2" name="pole tekstowe 1">
+                <a:extLst>
+                  <a:ext uri="{FF2B5EF4-FFF2-40B4-BE49-F238E27FC236}">
+                    <a16:creationId xmlns:a16="http://schemas.microsoft.com/office/drawing/2014/main" id="{C03A9DAA-AB1A-4B29-FEDA-7799CE3F54B5}"/>
+                  </a:ext>
+                </a:extLst>
+              </p:cNvPr>
+              <p:cNvSpPr txBox="1">
+                <a:spLocks noRot="1" noChangeAspect="1" noMove="1" noResize="1" noEditPoints="1" noAdjustHandles="1" noChangeArrowheads="1" noChangeShapeType="1" noTextEdit="1"/>
+              </p:cNvSpPr>
+              <p:nvPr/>
+            </p:nvSpPr>
+            <p:spPr>
+              <a:xfrm>
+                <a:off x="0" y="4684390"/>
+                <a:ext cx="12192000" cy="968150"/>
+              </a:xfrm>
+              <a:prstGeom prst="rect">
+                <a:avLst/>
+              </a:prstGeom>
+              <a:blipFill>
+                <a:blip r:embed="rId3"/>
+                <a:stretch>
+                  <a:fillRect/>
+                </a:stretch>
+              </a:blipFill>
+            </p:spPr>
+            <p:txBody>
+              <a:bodyPr/>
+              <a:lstStyle/>
+              <a:p>
+                <a:r>
+                  <a:rPr lang="pl-PL">
+                    <a:noFill/>
+                  </a:rPr>
+                  <a:t> </a:t>
+                </a:r>
+              </a:p>
+            </p:txBody>
+          </p:sp>
+        </mc:Fallback>
+      </mc:AlternateContent>
+    </p:spTree>
+    <p:extLst>
+      <p:ext uri="{BB962C8B-B14F-4D97-AF65-F5344CB8AC3E}">
+        <p14:creationId xmlns:p14="http://schemas.microsoft.com/office/powerpoint/2010/main" val="2175783669"/>
+      </p:ext>
+    </p:extLst>
+  </p:cSld>
+  <p:clrMapOvr>
+    <a:masterClrMapping/>
+  </p:clrMapOvr>
+  <mc:AlternateContent xmlns:mc="http://schemas.openxmlformats.org/markup-compatibility/2006" xmlns:p159="http://schemas.microsoft.com/office/powerpoint/2015/09/main">
+    <mc:Choice Requires="p159">
+      <p:transition xmlns:p14="http://schemas.microsoft.com/office/powerpoint/2010/main" spd="slow" p14:dur="2000">
+        <p159:morph option="byObject"/>
+      </p:transition>
+    </mc:Choice>
+    <mc:Fallback xmlns="">
+      <p:transition spd="slow">
+        <p:fade/>
+      </p:transition>
+    </mc:Fallback>
+  </mc:AlternateContent>
+</p:sld>
+</file>
+
+<file path=ppt/slides/slide11.xml><?xml version="1.0" encoding="utf-8"?>
+<p:sld xmlns:a="http://schemas.openxmlformats.org/drawingml/2006/main" xmlns:r="http://schemas.openxmlformats.org/officeDocument/2006/relationships" xmlns:p="http://schemas.openxmlformats.org/presentationml/2006/main">
+  <p:cSld>
+    <p:spTree>
+      <p:nvGrpSpPr>
+        <p:cNvPr id="1" name=""/>
+        <p:cNvGrpSpPr/>
+        <p:nvPr/>
+      </p:nvGrpSpPr>
+      <p:grpSpPr>
+        <a:xfrm>
+          <a:off x="0" y="0"/>
+          <a:ext cx="0" cy="0"/>
+          <a:chOff x="0" y="0"/>
+          <a:chExt cx="0" cy="0"/>
+        </a:xfrm>
+      </p:grpSpPr>
+      <mc:AlternateContent xmlns:mc="http://schemas.openxmlformats.org/markup-compatibility/2006" xmlns:a14="http://schemas.microsoft.com/office/drawing/2010/main">
+        <mc:Choice Requires="a14">
+          <p:sp>
+            <p:nvSpPr>
+              <p:cNvPr id="11" name="pole tekstowe 10">
+                <a:extLst>
+                  <a:ext uri="{FF2B5EF4-FFF2-40B4-BE49-F238E27FC236}">
+                    <a16:creationId xmlns:a16="http://schemas.microsoft.com/office/drawing/2014/main" id="{8A25EC7B-4740-1D35-199D-DDD147431AE8}"/>
+                  </a:ext>
+                </a:extLst>
+              </p:cNvPr>
+              <p:cNvSpPr txBox="1"/>
+              <p:nvPr/>
+            </p:nvSpPr>
+            <p:spPr>
+              <a:xfrm>
+                <a:off x="0" y="2703961"/>
+                <a:ext cx="12192000" cy="1661096"/>
+              </a:xfrm>
+              <a:prstGeom prst="rect">
+                <a:avLst/>
+              </a:prstGeom>
+              <a:noFill/>
+            </p:spPr>
+            <p:txBody>
+              <a:bodyPr wrap="square" lIns="0" tIns="0" rIns="0" bIns="0" rtlCol="0">
+                <a:spAutoFit/>
+              </a:bodyPr>
+              <a:lstStyle/>
+              <a:p>
+                <a:pPr/>
+                <a14:m>
+                  <m:oMathPara xmlns:m="http://schemas.openxmlformats.org/officeDocument/2006/math">
+                    <m:oMathParaPr>
+                      <m:jc m:val="centerGroup"/>
+                    </m:oMathParaPr>
+                    <m:oMath xmlns:m="http://schemas.openxmlformats.org/officeDocument/2006/math">
+                      <m:nary>
+                        <m:naryPr>
+                          <m:chr m:val="∑"/>
+                          <m:ctrlPr>
+                            <a:rPr lang="pl-PL" sz="3200" i="1" smtClean="0">
+                              <a:solidFill>
+                                <a:schemeClr val="bg1"/>
+                              </a:solidFill>
+                              <a:latin typeface="Cambria Math" panose="02040503050406030204" pitchFamily="18" charset="0"/>
+                            </a:rPr>
+                          </m:ctrlPr>
+                        </m:naryPr>
+                        <m:sub>
+                          <m:r>
+                            <a:rPr lang="pl-PL" sz="3200" b="0" i="1" smtClean="0">
+                              <a:solidFill>
+                                <a:schemeClr val="bg1"/>
+                              </a:solidFill>
+                              <a:latin typeface="Cambria Math" panose="02040503050406030204" pitchFamily="18" charset="0"/>
+                            </a:rPr>
+                            <m:t>𝑗</m:t>
+                          </m:r>
+                          <m:r>
+                            <a:rPr lang="pl-PL" sz="3200" i="1">
+                              <a:solidFill>
+                                <a:schemeClr val="bg1"/>
+                              </a:solidFill>
+                              <a:latin typeface="Cambria Math" panose="02040503050406030204" pitchFamily="18" charset="0"/>
+                            </a:rPr>
+                            <m:t>=</m:t>
+                          </m:r>
+                          <m:r>
+                            <a:rPr lang="pl-PL" sz="3200" b="0" i="1" smtClean="0">
+                              <a:solidFill>
+                                <a:schemeClr val="bg1"/>
+                              </a:solidFill>
+                              <a:latin typeface="Cambria Math" panose="02040503050406030204" pitchFamily="18" charset="0"/>
+                            </a:rPr>
+                            <m:t>𝑛</m:t>
+                          </m:r>
+                          <m:r>
+                            <a:rPr lang="pl-PL" sz="3200" b="0" i="1" smtClean="0">
+                              <a:solidFill>
+                                <a:schemeClr val="bg1"/>
+                              </a:solidFill>
+                              <a:latin typeface="Cambria Math" panose="02040503050406030204" pitchFamily="18" charset="0"/>
+                            </a:rPr>
+                            <m:t>+1</m:t>
+                          </m:r>
+                        </m:sub>
+                        <m:sup>
+                          <m:r>
+                            <m:rPr>
+                              <m:nor/>
+                            </m:rPr>
+                            <a:rPr lang="pl-PL" sz="3200" i="1">
+                              <a:solidFill>
+                                <a:schemeClr val="bg1"/>
+                              </a:solidFill>
+                              <a:latin typeface="Cambria Math" panose="02040503050406030204" pitchFamily="18" charset="0"/>
+                            </a:rPr>
+                            <m:t>∞</m:t>
+                          </m:r>
+                        </m:sup>
+                        <m:e>
+                          <m:f>
+                            <m:fPr>
+                              <m:ctrlPr>
+                                <a:rPr lang="pl-PL" sz="3200" i="1">
+                                  <a:solidFill>
+                                    <a:schemeClr val="bg1"/>
+                                  </a:solidFill>
+                                  <a:latin typeface="Cambria Math" panose="02040503050406030204" pitchFamily="18" charset="0"/>
+                                </a:rPr>
+                              </m:ctrlPr>
+                            </m:fPr>
+                            <m:num>
+                              <m:r>
+                                <a:rPr lang="pl-PL" sz="3200" i="1">
+                                  <a:solidFill>
+                                    <a:schemeClr val="bg1"/>
+                                  </a:solidFill>
+                                  <a:latin typeface="Cambria Math" panose="02040503050406030204" pitchFamily="18" charset="0"/>
+                                </a:rPr>
+                                <m:t>1</m:t>
+                              </m:r>
+                            </m:num>
+                            <m:den>
+                              <m:r>
+                                <a:rPr lang="pl-PL" sz="3200" b="0" i="1" smtClean="0">
+                                  <a:solidFill>
+                                    <a:schemeClr val="bg1"/>
+                                  </a:solidFill>
+                                  <a:latin typeface="Cambria Math" panose="02040503050406030204" pitchFamily="18" charset="0"/>
+                                </a:rPr>
+                                <m:t>𝑗</m:t>
+                              </m:r>
+                              <m:r>
+                                <a:rPr lang="pl-PL" sz="3200" i="1">
+                                  <a:solidFill>
+                                    <a:schemeClr val="bg1"/>
+                                  </a:solidFill>
+                                  <a:latin typeface="Cambria Math" panose="02040503050406030204" pitchFamily="18" charset="0"/>
+                                </a:rPr>
+                                <m:t>!</m:t>
+                              </m:r>
+                            </m:den>
+                          </m:f>
+                        </m:e>
+                      </m:nary>
+                      <m:r>
+                        <a:rPr lang="pl-PL" sz="3200" b="0" i="1" smtClean="0">
+                          <a:solidFill>
+                            <a:schemeClr val="bg1"/>
+                          </a:solidFill>
+                          <a:latin typeface="Cambria Math" panose="02040503050406030204" pitchFamily="18" charset="0"/>
+                        </a:rPr>
+                        <m:t>&lt;</m:t>
+                      </m:r>
+                      <m:f>
+                        <m:fPr>
+                          <m:ctrlPr>
+                            <a:rPr lang="pl-PL" sz="3200" b="0" i="1" smtClean="0">
+                              <a:solidFill>
+                                <a:schemeClr val="bg1"/>
+                              </a:solidFill>
+                              <a:latin typeface="Cambria Math" panose="02040503050406030204" pitchFamily="18" charset="0"/>
+                            </a:rPr>
+                          </m:ctrlPr>
+                        </m:fPr>
+                        <m:num>
+                          <m:r>
+                            <a:rPr lang="pl-PL" sz="3200" b="0" i="1" smtClean="0">
+                              <a:solidFill>
+                                <a:schemeClr val="bg1"/>
+                              </a:solidFill>
+                              <a:latin typeface="Cambria Math" panose="02040503050406030204" pitchFamily="18" charset="0"/>
+                            </a:rPr>
+                            <m:t>1</m:t>
+                          </m:r>
+                        </m:num>
+                        <m:den>
+                          <m:r>
+                            <a:rPr lang="pl-PL" sz="3200" b="0" i="1" smtClean="0">
+                              <a:solidFill>
+                                <a:schemeClr val="bg1"/>
+                              </a:solidFill>
+                              <a:latin typeface="Cambria Math" panose="02040503050406030204" pitchFamily="18" charset="0"/>
+                            </a:rPr>
+                            <m:t>𝑛</m:t>
+                          </m:r>
+                          <m:r>
+                            <a:rPr lang="pl-PL" sz="3200" b="0" i="1" smtClean="0">
+                              <a:solidFill>
+                                <a:schemeClr val="bg1"/>
+                              </a:solidFill>
+                              <a:latin typeface="Cambria Math" panose="02040503050406030204" pitchFamily="18" charset="0"/>
+                            </a:rPr>
+                            <m:t>!</m:t>
+                          </m:r>
+                        </m:den>
+                      </m:f>
+                      <m:nary>
+                        <m:naryPr>
+                          <m:chr m:val="∑"/>
+                          <m:ctrlPr>
+                            <a:rPr lang="pl-PL" sz="3200" i="1">
+                              <a:solidFill>
+                                <a:schemeClr val="bg1"/>
+                              </a:solidFill>
+                              <a:latin typeface="Cambria Math" panose="02040503050406030204" pitchFamily="18" charset="0"/>
+                            </a:rPr>
+                          </m:ctrlPr>
+                        </m:naryPr>
+                        <m:sub>
+                          <m:r>
+                            <a:rPr lang="pl-PL" sz="3200" b="0" i="1" smtClean="0">
+                              <a:solidFill>
+                                <a:schemeClr val="bg1"/>
+                              </a:solidFill>
+                              <a:latin typeface="Cambria Math" panose="02040503050406030204" pitchFamily="18" charset="0"/>
+                            </a:rPr>
+                            <m:t>𝑘</m:t>
+                          </m:r>
+                          <m:r>
+                            <a:rPr lang="pl-PL" sz="3200" i="1">
+                              <a:solidFill>
+                                <a:schemeClr val="bg1"/>
+                              </a:solidFill>
+                              <a:latin typeface="Cambria Math" panose="02040503050406030204" pitchFamily="18" charset="0"/>
+                            </a:rPr>
+                            <m:t>=1</m:t>
+                          </m:r>
+                        </m:sub>
+                        <m:sup>
+                          <m:r>
+                            <m:rPr>
+                              <m:nor/>
+                            </m:rPr>
+                            <a:rPr lang="pl-PL" sz="3200" i="1">
+                              <a:solidFill>
+                                <a:schemeClr val="bg1"/>
+                              </a:solidFill>
+                              <a:latin typeface="Cambria Math" panose="02040503050406030204" pitchFamily="18" charset="0"/>
+                            </a:rPr>
+                            <m:t>∞</m:t>
+                          </m:r>
+                        </m:sup>
+                        <m:e>
+                          <m:f>
+                            <m:fPr>
+                              <m:ctrlPr>
+                                <a:rPr lang="pl-PL" sz="3200" i="1">
+                                  <a:solidFill>
+                                    <a:schemeClr val="bg1"/>
+                                  </a:solidFill>
+                                  <a:latin typeface="Cambria Math" panose="02040503050406030204" pitchFamily="18" charset="0"/>
+                                </a:rPr>
+                              </m:ctrlPr>
+                            </m:fPr>
+                            <m:num>
+                              <m:r>
+                                <a:rPr lang="pl-PL" sz="3200" i="1">
+                                  <a:solidFill>
+                                    <a:schemeClr val="bg1"/>
+                                  </a:solidFill>
+                                  <a:latin typeface="Cambria Math" panose="02040503050406030204" pitchFamily="18" charset="0"/>
+                                </a:rPr>
+                                <m:t>1</m:t>
+                              </m:r>
+                            </m:num>
+                            <m:den>
+                              <m:sSup>
+                                <m:sSupPr>
+                                  <m:ctrlPr>
+                                    <a:rPr lang="pl-PL" sz="3200" b="0" i="1" smtClean="0">
+                                      <a:solidFill>
+                                        <a:schemeClr val="bg1"/>
+                                      </a:solidFill>
+                                      <a:latin typeface="Cambria Math" panose="02040503050406030204" pitchFamily="18" charset="0"/>
+                                    </a:rPr>
+                                  </m:ctrlPr>
+                                </m:sSupPr>
+                                <m:e>
+                                  <m:d>
+                                    <m:dPr>
+                                      <m:ctrlPr>
+                                        <a:rPr lang="pl-PL" sz="3200" b="0" i="1" smtClean="0">
+                                          <a:solidFill>
+                                            <a:schemeClr val="bg1"/>
+                                          </a:solidFill>
+                                          <a:latin typeface="Cambria Math" panose="02040503050406030204" pitchFamily="18" charset="0"/>
+                                        </a:rPr>
+                                      </m:ctrlPr>
+                                    </m:dPr>
+                                    <m:e>
+                                      <m:r>
+                                        <a:rPr lang="pl-PL" sz="3200" b="0" i="1" smtClean="0">
+                                          <a:solidFill>
+                                            <a:schemeClr val="bg1"/>
+                                          </a:solidFill>
+                                          <a:latin typeface="Cambria Math" panose="02040503050406030204" pitchFamily="18" charset="0"/>
+                                        </a:rPr>
+                                        <m:t>𝑛</m:t>
+                                      </m:r>
+                                      <m:r>
+                                        <a:rPr lang="pl-PL" sz="3200" b="0" i="1" smtClean="0">
+                                          <a:solidFill>
+                                            <a:schemeClr val="bg1"/>
+                                          </a:solidFill>
+                                          <a:latin typeface="Cambria Math" panose="02040503050406030204" pitchFamily="18" charset="0"/>
+                                        </a:rPr>
+                                        <m:t>+1</m:t>
+                                      </m:r>
+                                    </m:e>
+                                  </m:d>
+                                </m:e>
+                                <m:sup>
+                                  <m:r>
+                                    <a:rPr lang="pl-PL" sz="3200" b="0" i="1" smtClean="0">
+                                      <a:solidFill>
+                                        <a:schemeClr val="bg1"/>
+                                      </a:solidFill>
+                                      <a:latin typeface="Cambria Math" panose="02040503050406030204" pitchFamily="18" charset="0"/>
+                                    </a:rPr>
+                                    <m:t>𝑘</m:t>
+                                  </m:r>
+                                </m:sup>
+                              </m:sSup>
+                            </m:den>
+                          </m:f>
+                        </m:e>
+                      </m:nary>
+                      <m:r>
+                        <a:rPr lang="pl-PL" sz="3200" b="0" i="1" smtClean="0">
+                          <a:solidFill>
+                            <a:schemeClr val="bg1"/>
+                          </a:solidFill>
+                          <a:latin typeface="Cambria Math" panose="02040503050406030204" pitchFamily="18" charset="0"/>
+                        </a:rPr>
+                        <m:t>=</m:t>
+                      </m:r>
+                      <m:f>
+                        <m:fPr>
+                          <m:ctrlPr>
+                            <a:rPr lang="pl-PL" sz="3200" i="1">
+                              <a:solidFill>
+                                <a:schemeClr val="bg1"/>
+                              </a:solidFill>
+                              <a:latin typeface="Cambria Math" panose="02040503050406030204" pitchFamily="18" charset="0"/>
+                            </a:rPr>
+                          </m:ctrlPr>
+                        </m:fPr>
+                        <m:num>
+                          <m:r>
+                            <a:rPr lang="pl-PL" sz="3200" i="1">
+                              <a:solidFill>
+                                <a:schemeClr val="bg1"/>
+                              </a:solidFill>
+                              <a:latin typeface="Cambria Math" panose="02040503050406030204" pitchFamily="18" charset="0"/>
+                            </a:rPr>
+                            <m:t>1</m:t>
+                          </m:r>
+                        </m:num>
+                        <m:den>
+                          <m:r>
+                            <a:rPr lang="pl-PL" sz="3200" i="1">
+                              <a:solidFill>
+                                <a:schemeClr val="bg1"/>
+                              </a:solidFill>
+                              <a:latin typeface="Cambria Math" panose="02040503050406030204" pitchFamily="18" charset="0"/>
+                            </a:rPr>
+                            <m:t>𝑛</m:t>
+                          </m:r>
+                          <m:r>
+                            <a:rPr lang="pl-PL" sz="3200" i="1">
+                              <a:solidFill>
+                                <a:schemeClr val="bg1"/>
+                              </a:solidFill>
+                              <a:latin typeface="Cambria Math" panose="02040503050406030204" pitchFamily="18" charset="0"/>
+                            </a:rPr>
+                            <m:t>!</m:t>
+                          </m:r>
+                        </m:den>
+                      </m:f>
+                      <m:r>
+                        <a:rPr lang="pl-PL" sz="3200" b="0" i="1" smtClean="0">
+                          <a:solidFill>
+                            <a:schemeClr val="bg1"/>
+                          </a:solidFill>
+                          <a:latin typeface="Cambria Math" panose="02040503050406030204" pitchFamily="18" charset="0"/>
+                        </a:rPr>
+                        <m:t>∗</m:t>
+                      </m:r>
+                      <m:f>
+                        <m:fPr>
+                          <m:ctrlPr>
+                            <a:rPr lang="pl-PL" sz="3200" b="0" i="1" smtClean="0">
+                              <a:solidFill>
+                                <a:schemeClr val="bg1"/>
+                              </a:solidFill>
+                              <a:latin typeface="Cambria Math" panose="02040503050406030204" pitchFamily="18" charset="0"/>
+                            </a:rPr>
+                          </m:ctrlPr>
+                        </m:fPr>
+                        <m:num>
+                          <m:f>
+                            <m:fPr>
+                              <m:ctrlPr>
+                                <a:rPr lang="pl-PL" sz="3200" b="0" i="1" smtClean="0">
+                                  <a:solidFill>
+                                    <a:schemeClr val="bg1"/>
+                                  </a:solidFill>
+                                  <a:latin typeface="Cambria Math" panose="02040503050406030204" pitchFamily="18" charset="0"/>
+                                </a:rPr>
+                              </m:ctrlPr>
+                            </m:fPr>
+                            <m:num>
+                              <m:r>
+                                <a:rPr lang="pl-PL" sz="3200" b="0" i="1" smtClean="0">
+                                  <a:solidFill>
+                                    <a:schemeClr val="bg1"/>
+                                  </a:solidFill>
+                                  <a:latin typeface="Cambria Math" panose="02040503050406030204" pitchFamily="18" charset="0"/>
+                                </a:rPr>
+                                <m:t>1</m:t>
+                              </m:r>
+                            </m:num>
+                            <m:den>
+                              <m:r>
+                                <a:rPr lang="pl-PL" sz="3200" b="0" i="1" smtClean="0">
+                                  <a:solidFill>
+                                    <a:schemeClr val="bg1"/>
+                                  </a:solidFill>
+                                  <a:latin typeface="Cambria Math" panose="02040503050406030204" pitchFamily="18" charset="0"/>
+                                </a:rPr>
+                                <m:t>𝑛</m:t>
+                              </m:r>
+                              <m:r>
+                                <a:rPr lang="pl-PL" sz="3200" b="0" i="1" smtClean="0">
+                                  <a:solidFill>
+                                    <a:schemeClr val="bg1"/>
+                                  </a:solidFill>
+                                  <a:latin typeface="Cambria Math" panose="02040503050406030204" pitchFamily="18" charset="0"/>
+                                </a:rPr>
+                                <m:t>+1</m:t>
+                              </m:r>
+                            </m:den>
+                          </m:f>
+                        </m:num>
+                        <m:den>
+                          <m:r>
+                            <a:rPr lang="pl-PL" sz="3200" b="0" i="1" smtClean="0">
+                              <a:solidFill>
+                                <a:schemeClr val="bg1"/>
+                              </a:solidFill>
+                              <a:latin typeface="Cambria Math" panose="02040503050406030204" pitchFamily="18" charset="0"/>
+                            </a:rPr>
+                            <m:t>1−</m:t>
+                          </m:r>
+                          <m:f>
+                            <m:fPr>
+                              <m:ctrlPr>
+                                <a:rPr lang="pl-PL" sz="3200" b="0" i="1" smtClean="0">
+                                  <a:solidFill>
+                                    <a:schemeClr val="bg1"/>
+                                  </a:solidFill>
+                                  <a:latin typeface="Cambria Math" panose="02040503050406030204" pitchFamily="18" charset="0"/>
+                                </a:rPr>
+                              </m:ctrlPr>
+                            </m:fPr>
+                            <m:num>
+                              <m:r>
+                                <a:rPr lang="pl-PL" sz="3200" b="0" i="1" smtClean="0">
+                                  <a:solidFill>
+                                    <a:schemeClr val="bg1"/>
+                                  </a:solidFill>
+                                  <a:latin typeface="Cambria Math" panose="02040503050406030204" pitchFamily="18" charset="0"/>
+                                </a:rPr>
+                                <m:t>1</m:t>
+                              </m:r>
+                            </m:num>
+                            <m:den>
+                              <m:r>
+                                <a:rPr lang="pl-PL" sz="3200" b="0" i="1" smtClean="0">
+                                  <a:solidFill>
+                                    <a:schemeClr val="bg1"/>
+                                  </a:solidFill>
+                                  <a:latin typeface="Cambria Math" panose="02040503050406030204" pitchFamily="18" charset="0"/>
+                                </a:rPr>
+                                <m:t>𝑛</m:t>
+                              </m:r>
+                              <m:r>
+                                <a:rPr lang="pl-PL" sz="3200" b="0" i="1" smtClean="0">
+                                  <a:solidFill>
+                                    <a:schemeClr val="bg1"/>
+                                  </a:solidFill>
+                                  <a:latin typeface="Cambria Math" panose="02040503050406030204" pitchFamily="18" charset="0"/>
+                                </a:rPr>
+                                <m:t>+1</m:t>
+                              </m:r>
+                            </m:den>
+                          </m:f>
+                        </m:den>
+                      </m:f>
+                      <m:r>
+                        <a:rPr lang="pl-PL" sz="3200" b="0" i="1" smtClean="0">
+                          <a:solidFill>
+                            <a:schemeClr val="bg1"/>
+                          </a:solidFill>
+                          <a:latin typeface="Cambria Math" panose="02040503050406030204" pitchFamily="18" charset="0"/>
+                        </a:rPr>
+                        <m:t>=</m:t>
+                      </m:r>
+                      <m:f>
+                        <m:fPr>
+                          <m:ctrlPr>
+                            <a:rPr lang="pl-PL" sz="3200" b="0" i="1" smtClean="0">
+                              <a:solidFill>
+                                <a:schemeClr val="bg1"/>
+                              </a:solidFill>
+                              <a:latin typeface="Cambria Math" panose="02040503050406030204" pitchFamily="18" charset="0"/>
+                            </a:rPr>
+                          </m:ctrlPr>
+                        </m:fPr>
+                        <m:num>
+                          <m:r>
+                            <a:rPr lang="pl-PL" sz="3200" b="0" i="1" smtClean="0">
+                              <a:solidFill>
+                                <a:schemeClr val="bg1"/>
+                              </a:solidFill>
+                              <a:latin typeface="Cambria Math" panose="02040503050406030204" pitchFamily="18" charset="0"/>
+                            </a:rPr>
+                            <m:t>1</m:t>
+                          </m:r>
+                        </m:num>
+                        <m:den>
+                          <m:r>
+                            <a:rPr lang="pl-PL" sz="3200" b="0" i="1" smtClean="0">
+                              <a:solidFill>
+                                <a:schemeClr val="bg1"/>
+                              </a:solidFill>
+                              <a:latin typeface="Cambria Math" panose="02040503050406030204" pitchFamily="18" charset="0"/>
+                            </a:rPr>
+                            <m:t>𝑛</m:t>
+                          </m:r>
+                          <m:r>
+                            <a:rPr lang="pl-PL" sz="3200" b="0" i="1" smtClean="0">
+                              <a:solidFill>
+                                <a:schemeClr val="bg1"/>
+                              </a:solidFill>
+                              <a:latin typeface="Cambria Math" panose="02040503050406030204" pitchFamily="18" charset="0"/>
+                            </a:rPr>
+                            <m:t>!∗</m:t>
+                          </m:r>
+                          <m:r>
+                            <a:rPr lang="pl-PL" sz="3200" b="0" i="1" smtClean="0">
+                              <a:solidFill>
+                                <a:schemeClr val="bg1"/>
+                              </a:solidFill>
+                              <a:latin typeface="Cambria Math" panose="02040503050406030204" pitchFamily="18" charset="0"/>
+                            </a:rPr>
+                            <m:t>𝑛</m:t>
+                          </m:r>
+                        </m:den>
+                      </m:f>
+                    </m:oMath>
+                  </m:oMathPara>
+                </a14:m>
+                <a:endParaRPr lang="pl-PL" sz="3200" dirty="0"/>
+              </a:p>
+            </p:txBody>
+          </p:sp>
+        </mc:Choice>
+        <mc:Fallback xmlns="">
+          <p:sp>
+            <p:nvSpPr>
+              <p:cNvPr id="11" name="pole tekstowe 10">
+                <a:extLst>
+                  <a:ext uri="{FF2B5EF4-FFF2-40B4-BE49-F238E27FC236}">
+                    <a16:creationId xmlns:a16="http://schemas.microsoft.com/office/drawing/2014/main" id="{8A25EC7B-4740-1D35-199D-DDD147431AE8}"/>
+                  </a:ext>
+                </a:extLst>
+              </p:cNvPr>
+              <p:cNvSpPr txBox="1">
+                <a:spLocks noRot="1" noChangeAspect="1" noMove="1" noResize="1" noEditPoints="1" noAdjustHandles="1" noChangeArrowheads="1" noChangeShapeType="1" noTextEdit="1"/>
+              </p:cNvSpPr>
+              <p:nvPr/>
+            </p:nvSpPr>
+            <p:spPr>
+              <a:xfrm>
+                <a:off x="0" y="2703961"/>
+                <a:ext cx="12192000" cy="1661096"/>
+              </a:xfrm>
+              <a:prstGeom prst="rect">
+                <a:avLst/>
+              </a:prstGeom>
+              <a:blipFill>
+                <a:blip r:embed="rId2"/>
+                <a:stretch>
+                  <a:fillRect/>
+                </a:stretch>
+              </a:blipFill>
+            </p:spPr>
+            <p:txBody>
+              <a:bodyPr/>
+              <a:lstStyle/>
+              <a:p>
+                <a:r>
+                  <a:rPr lang="pl-PL">
+                    <a:noFill/>
+                  </a:rPr>
+                  <a:t> </a:t>
+                </a:r>
+              </a:p>
+            </p:txBody>
+          </p:sp>
+        </mc:Fallback>
+      </mc:AlternateContent>
+    </p:spTree>
+    <p:extLst>
+      <p:ext uri="{BB962C8B-B14F-4D97-AF65-F5344CB8AC3E}">
+        <p14:creationId xmlns:p14="http://schemas.microsoft.com/office/powerpoint/2010/main" val="1144241333"/>
+      </p:ext>
+    </p:extLst>
+  </p:cSld>
+  <p:clrMapOvr>
+    <a:masterClrMapping/>
+  </p:clrMapOvr>
+  <mc:AlternateContent xmlns:mc="http://schemas.openxmlformats.org/markup-compatibility/2006" xmlns:p159="http://schemas.microsoft.com/office/powerpoint/2015/09/main">
+    <mc:Choice Requires="p159">
+      <p:transition xmlns:p14="http://schemas.microsoft.com/office/powerpoint/2010/main" spd="slow" p14:dur="2000">
+        <p159:morph option="byObject"/>
+      </p:transition>
+    </mc:Choice>
+    <mc:Fallback xmlns="">
+      <p:transition spd="slow">
+        <p:fade/>
+      </p:transition>
+    </mc:Fallback>
+  </mc:AlternateContent>
+</p:sld>
+</file>
+
+<file path=ppt/slides/slide12.xml><?xml version="1.0" encoding="utf-8"?>
+<p:sld xmlns:a="http://schemas.openxmlformats.org/drawingml/2006/main" xmlns:r="http://schemas.openxmlformats.org/officeDocument/2006/relationships" xmlns:p="http://schemas.openxmlformats.org/presentationml/2006/main">
+  <p:cSld>
+    <p:spTree>
+      <p:nvGrpSpPr>
+        <p:cNvPr id="1" name=""/>
+        <p:cNvGrpSpPr/>
+        <p:nvPr/>
+      </p:nvGrpSpPr>
+      <p:grpSpPr>
+        <a:xfrm>
+          <a:off x="0" y="0"/>
+          <a:ext cx="0" cy="0"/>
+          <a:chOff x="0" y="0"/>
+          <a:chExt cx="0" cy="0"/>
+        </a:xfrm>
+      </p:grpSpPr>
+      <mc:AlternateContent xmlns:mc="http://schemas.openxmlformats.org/markup-compatibility/2006" xmlns:a14="http://schemas.microsoft.com/office/drawing/2010/main">
+        <mc:Choice Requires="a14">
+          <p:sp>
+            <p:nvSpPr>
+              <p:cNvPr id="11" name="pole tekstowe 10">
+                <a:extLst>
+                  <a:ext uri="{FF2B5EF4-FFF2-40B4-BE49-F238E27FC236}">
+                    <a16:creationId xmlns:a16="http://schemas.microsoft.com/office/drawing/2014/main" id="{8A25EC7B-4740-1D35-199D-DDD147431AE8}"/>
+                  </a:ext>
+                </a:extLst>
+              </p:cNvPr>
+              <p:cNvSpPr txBox="1"/>
+              <p:nvPr/>
+            </p:nvSpPr>
+            <p:spPr>
+              <a:xfrm>
+                <a:off x="0" y="2703961"/>
+                <a:ext cx="12192000" cy="1450077"/>
+              </a:xfrm>
+              <a:prstGeom prst="rect">
+                <a:avLst/>
+              </a:prstGeom>
+              <a:noFill/>
+            </p:spPr>
+            <p:txBody>
+              <a:bodyPr wrap="square" lIns="0" tIns="0" rIns="0" bIns="0" rtlCol="0">
+                <a:spAutoFit/>
+              </a:bodyPr>
+              <a:lstStyle/>
+              <a:p>
+                <a:pPr/>
+                <a14:m>
+                  <m:oMathPara xmlns:m="http://schemas.openxmlformats.org/officeDocument/2006/math">
+                    <m:oMathParaPr>
+                      <m:jc m:val="centerGroup"/>
+                    </m:oMathParaPr>
+                    <m:oMath xmlns:m="http://schemas.openxmlformats.org/officeDocument/2006/math">
+                      <m:nary>
+                        <m:naryPr>
+                          <m:chr m:val="∑"/>
+                          <m:ctrlPr>
+                            <a:rPr lang="pl-PL" sz="3200" i="1" smtClean="0">
+                              <a:solidFill>
+                                <a:schemeClr val="bg1"/>
+                              </a:solidFill>
+                              <a:latin typeface="Cambria Math" panose="02040503050406030204" pitchFamily="18" charset="0"/>
+                            </a:rPr>
+                          </m:ctrlPr>
+                        </m:naryPr>
+                        <m:sub>
+                          <m:r>
+                            <a:rPr lang="pl-PL" sz="3200" b="0" i="1" smtClean="0">
+                              <a:solidFill>
+                                <a:schemeClr val="bg1"/>
+                              </a:solidFill>
+                              <a:latin typeface="Cambria Math" panose="02040503050406030204" pitchFamily="18" charset="0"/>
+                            </a:rPr>
+                            <m:t>𝑗</m:t>
+                          </m:r>
+                          <m:r>
+                            <a:rPr lang="pl-PL" sz="3200" i="1">
+                              <a:solidFill>
+                                <a:schemeClr val="bg1"/>
+                              </a:solidFill>
+                              <a:latin typeface="Cambria Math" panose="02040503050406030204" pitchFamily="18" charset="0"/>
+                            </a:rPr>
+                            <m:t>=</m:t>
+                          </m:r>
+                          <m:r>
+                            <a:rPr lang="pl-PL" sz="3200" b="0" i="1" smtClean="0">
+                              <a:solidFill>
+                                <a:schemeClr val="bg1"/>
+                              </a:solidFill>
+                              <a:latin typeface="Cambria Math" panose="02040503050406030204" pitchFamily="18" charset="0"/>
+                            </a:rPr>
+                            <m:t>𝑛</m:t>
+                          </m:r>
+                          <m:r>
+                            <a:rPr lang="pl-PL" sz="3200" b="0" i="1" smtClean="0">
+                              <a:solidFill>
+                                <a:schemeClr val="bg1"/>
+                              </a:solidFill>
+                              <a:latin typeface="Cambria Math" panose="02040503050406030204" pitchFamily="18" charset="0"/>
+                            </a:rPr>
+                            <m:t>+1</m:t>
+                          </m:r>
+                        </m:sub>
+                        <m:sup>
+                          <m:r>
+                            <m:rPr>
+                              <m:nor/>
+                            </m:rPr>
+                            <a:rPr lang="pl-PL" sz="3200" i="1">
+                              <a:solidFill>
+                                <a:schemeClr val="bg1"/>
+                              </a:solidFill>
+                              <a:latin typeface="Cambria Math" panose="02040503050406030204" pitchFamily="18" charset="0"/>
+                            </a:rPr>
+                            <m:t>∞</m:t>
+                          </m:r>
+                        </m:sup>
+                        <m:e>
+                          <m:f>
+                            <m:fPr>
+                              <m:ctrlPr>
+                                <a:rPr lang="pl-PL" sz="3200" i="1">
+                                  <a:solidFill>
+                                    <a:schemeClr val="bg1"/>
+                                  </a:solidFill>
+                                  <a:latin typeface="Cambria Math" panose="02040503050406030204" pitchFamily="18" charset="0"/>
+                                </a:rPr>
+                              </m:ctrlPr>
+                            </m:fPr>
+                            <m:num>
+                              <m:r>
+                                <a:rPr lang="pl-PL" sz="3200" i="1">
+                                  <a:solidFill>
+                                    <a:schemeClr val="bg1"/>
+                                  </a:solidFill>
+                                  <a:latin typeface="Cambria Math" panose="02040503050406030204" pitchFamily="18" charset="0"/>
+                                </a:rPr>
+                                <m:t>1</m:t>
+                              </m:r>
+                            </m:num>
+                            <m:den>
+                              <m:r>
+                                <a:rPr lang="pl-PL" sz="3200" b="0" i="1" smtClean="0">
+                                  <a:solidFill>
+                                    <a:schemeClr val="bg1"/>
+                                  </a:solidFill>
+                                  <a:latin typeface="Cambria Math" panose="02040503050406030204" pitchFamily="18" charset="0"/>
+                                </a:rPr>
+                                <m:t>𝑗</m:t>
+                              </m:r>
+                              <m:r>
+                                <a:rPr lang="pl-PL" sz="3200" i="1">
+                                  <a:solidFill>
+                                    <a:schemeClr val="bg1"/>
+                                  </a:solidFill>
+                                  <a:latin typeface="Cambria Math" panose="02040503050406030204" pitchFamily="18" charset="0"/>
+                                </a:rPr>
+                                <m:t>!</m:t>
+                              </m:r>
+                            </m:den>
+                          </m:f>
+                        </m:e>
+                      </m:nary>
+                      <m:r>
+                        <a:rPr lang="pl-PL" sz="3200" b="0" i="1" smtClean="0">
+                          <a:solidFill>
+                            <a:schemeClr val="bg1"/>
+                          </a:solidFill>
+                          <a:latin typeface="Cambria Math" panose="02040503050406030204" pitchFamily="18" charset="0"/>
+                        </a:rPr>
+                        <m:t>&lt;</m:t>
+                      </m:r>
+                      <m:f>
+                        <m:fPr>
+                          <m:ctrlPr>
+                            <a:rPr lang="pl-PL" sz="3200" b="0" i="1" smtClean="0">
+                              <a:solidFill>
+                                <a:schemeClr val="bg1"/>
+                              </a:solidFill>
+                              <a:latin typeface="Cambria Math" panose="02040503050406030204" pitchFamily="18" charset="0"/>
+                            </a:rPr>
+                          </m:ctrlPr>
+                        </m:fPr>
+                        <m:num>
+                          <m:r>
+                            <a:rPr lang="pl-PL" sz="3200" b="0" i="1" smtClean="0">
+                              <a:solidFill>
+                                <a:schemeClr val="bg1"/>
+                              </a:solidFill>
+                              <a:latin typeface="Cambria Math" panose="02040503050406030204" pitchFamily="18" charset="0"/>
+                            </a:rPr>
+                            <m:t>1</m:t>
+                          </m:r>
+                        </m:num>
+                        <m:den>
+                          <m:r>
+                            <a:rPr lang="pl-PL" sz="3200" b="0" i="1" smtClean="0">
+                              <a:solidFill>
+                                <a:schemeClr val="bg1"/>
+                              </a:solidFill>
+                              <a:latin typeface="Cambria Math" panose="02040503050406030204" pitchFamily="18" charset="0"/>
+                            </a:rPr>
+                            <m:t>𝑛</m:t>
+                          </m:r>
+                          <m:r>
+                            <a:rPr lang="pl-PL" sz="3200" b="0" i="1" smtClean="0">
+                              <a:solidFill>
+                                <a:schemeClr val="bg1"/>
+                              </a:solidFill>
+                              <a:latin typeface="Cambria Math" panose="02040503050406030204" pitchFamily="18" charset="0"/>
+                            </a:rPr>
+                            <m:t>!∗</m:t>
+                          </m:r>
+                          <m:r>
+                            <a:rPr lang="pl-PL" sz="3200" b="0" i="1" smtClean="0">
+                              <a:solidFill>
+                                <a:schemeClr val="bg1"/>
+                              </a:solidFill>
+                              <a:latin typeface="Cambria Math" panose="02040503050406030204" pitchFamily="18" charset="0"/>
+                            </a:rPr>
+                            <m:t>𝑛</m:t>
+                          </m:r>
+                        </m:den>
+                      </m:f>
+                    </m:oMath>
+                  </m:oMathPara>
+                </a14:m>
+                <a:endParaRPr lang="pl-PL" sz="3200" dirty="0"/>
+              </a:p>
+            </p:txBody>
+          </p:sp>
+        </mc:Choice>
+        <mc:Fallback xmlns="">
+          <p:sp>
+            <p:nvSpPr>
+              <p:cNvPr id="11" name="pole tekstowe 10">
+                <a:extLst>
+                  <a:ext uri="{FF2B5EF4-FFF2-40B4-BE49-F238E27FC236}">
+                    <a16:creationId xmlns:a16="http://schemas.microsoft.com/office/drawing/2014/main" id="{8A25EC7B-4740-1D35-199D-DDD147431AE8}"/>
+                  </a:ext>
+                </a:extLst>
+              </p:cNvPr>
+              <p:cNvSpPr txBox="1">
+                <a:spLocks noRot="1" noChangeAspect="1" noMove="1" noResize="1" noEditPoints="1" noAdjustHandles="1" noChangeArrowheads="1" noChangeShapeType="1" noTextEdit="1"/>
+              </p:cNvSpPr>
+              <p:nvPr/>
+            </p:nvSpPr>
+            <p:spPr>
+              <a:xfrm>
+                <a:off x="0" y="2703961"/>
+                <a:ext cx="12192000" cy="1450077"/>
+              </a:xfrm>
+              <a:prstGeom prst="rect">
+                <a:avLst/>
+              </a:prstGeom>
+              <a:blipFill>
+                <a:blip r:embed="rId2"/>
+                <a:stretch>
+                  <a:fillRect/>
+                </a:stretch>
+              </a:blipFill>
+            </p:spPr>
+            <p:txBody>
+              <a:bodyPr/>
+              <a:lstStyle/>
+              <a:p>
+                <a:r>
+                  <a:rPr lang="pl-PL">
+                    <a:noFill/>
+                  </a:rPr>
+                  <a:t> </a:t>
+                </a:r>
+              </a:p>
+            </p:txBody>
+          </p:sp>
+        </mc:Fallback>
+      </mc:AlternateContent>
+    </p:spTree>
+    <p:extLst>
+      <p:ext uri="{BB962C8B-B14F-4D97-AF65-F5344CB8AC3E}">
+        <p14:creationId xmlns:p14="http://schemas.microsoft.com/office/powerpoint/2010/main" val="2331114090"/>
+      </p:ext>
+    </p:extLst>
+  </p:cSld>
+  <p:clrMapOvr>
+    <a:masterClrMapping/>
+  </p:clrMapOvr>
+  <mc:AlternateContent xmlns:mc="http://schemas.openxmlformats.org/markup-compatibility/2006" xmlns:p159="http://schemas.microsoft.com/office/powerpoint/2015/09/main">
+    <mc:Choice Requires="p159">
+      <p:transition xmlns:p14="http://schemas.microsoft.com/office/powerpoint/2010/main" spd="slow" p14:dur="2000">
+        <p159:morph option="byObject"/>
+      </p:transition>
+    </mc:Choice>
+    <mc:Fallback xmlns="">
+      <p:transition spd="slow">
+        <p:fade/>
+      </p:transition>
+    </mc:Fallback>
+  </mc:AlternateContent>
+</p:sld>
+</file>
+
+<file path=ppt/slides/slide13.xml><?xml version="1.0" encoding="utf-8"?>
+<p:sld xmlns:a="http://schemas.openxmlformats.org/drawingml/2006/main" xmlns:r="http://schemas.openxmlformats.org/officeDocument/2006/relationships" xmlns:p="http://schemas.openxmlformats.org/presentationml/2006/main">
+  <p:cSld>
+    <p:spTree>
+      <p:nvGrpSpPr>
+        <p:cNvPr id="1" name=""/>
+        <p:cNvGrpSpPr/>
+        <p:nvPr/>
+      </p:nvGrpSpPr>
+      <p:grpSpPr>
+        <a:xfrm>
+          <a:off x="0" y="0"/>
+          <a:ext cx="0" cy="0"/>
+          <a:chOff x="0" y="0"/>
+          <a:chExt cx="0" cy="0"/>
+        </a:xfrm>
+      </p:grpSpPr>
+      <mc:AlternateContent xmlns:mc="http://schemas.openxmlformats.org/markup-compatibility/2006" xmlns:a14="http://schemas.microsoft.com/office/drawing/2010/main">
+        <mc:Choice Requires="a14">
+          <p:sp>
+            <p:nvSpPr>
+              <p:cNvPr id="11" name="pole tekstowe 10">
+                <a:extLst>
+                  <a:ext uri="{FF2B5EF4-FFF2-40B4-BE49-F238E27FC236}">
+                    <a16:creationId xmlns:a16="http://schemas.microsoft.com/office/drawing/2014/main" id="{8A25EC7B-4740-1D35-199D-DDD147431AE8}"/>
+                  </a:ext>
+                </a:extLst>
+              </p:cNvPr>
+              <p:cNvSpPr txBox="1"/>
+              <p:nvPr/>
+            </p:nvSpPr>
+            <p:spPr>
+              <a:xfrm>
+                <a:off x="0" y="2703961"/>
+                <a:ext cx="12192000" cy="925190"/>
+              </a:xfrm>
+              <a:prstGeom prst="rect">
+                <a:avLst/>
+              </a:prstGeom>
+              <a:noFill/>
+            </p:spPr>
+            <p:txBody>
+              <a:bodyPr wrap="square" lIns="0" tIns="0" rIns="0" bIns="0" rtlCol="0">
+                <a:spAutoFit/>
+              </a:bodyPr>
+              <a:lstStyle/>
+              <a:p>
+                <a:pPr/>
+                <a14:m>
+                  <m:oMathPara xmlns:m="http://schemas.openxmlformats.org/officeDocument/2006/math">
+                    <m:oMathParaPr>
+                      <m:jc m:val="centerGroup"/>
+                    </m:oMathParaPr>
+                    <m:oMath xmlns:m="http://schemas.openxmlformats.org/officeDocument/2006/math">
+                      <m:f>
+                        <m:fPr>
+                          <m:ctrlPr>
+                            <a:rPr lang="pl-PL" sz="3200" b="0" i="1" smtClean="0">
+                              <a:solidFill>
+                                <a:schemeClr val="bg1"/>
+                              </a:solidFill>
+                              <a:latin typeface="Cambria Math" panose="02040503050406030204" pitchFamily="18" charset="0"/>
+                            </a:rPr>
+                          </m:ctrlPr>
+                        </m:fPr>
+                        <m:num>
+                          <m:r>
+                            <a:rPr lang="pl-PL" sz="3200" b="0" i="1" smtClean="0">
+                              <a:solidFill>
+                                <a:schemeClr val="bg1"/>
+                              </a:solidFill>
+                              <a:latin typeface="Cambria Math" panose="02040503050406030204" pitchFamily="18" charset="0"/>
+                            </a:rPr>
+                            <m:t>1</m:t>
+                          </m:r>
+                        </m:num>
+                        <m:den>
+                          <m:r>
+                            <a:rPr lang="pl-PL" sz="3200" b="0" i="1" smtClean="0">
+                              <a:solidFill>
+                                <a:schemeClr val="bg1"/>
+                              </a:solidFill>
+                              <a:latin typeface="Cambria Math" panose="02040503050406030204" pitchFamily="18" charset="0"/>
+                            </a:rPr>
+                            <m:t>𝑛</m:t>
+                          </m:r>
+                          <m:r>
+                            <a:rPr lang="pl-PL" sz="3200" b="0" i="1" smtClean="0">
+                              <a:solidFill>
+                                <a:schemeClr val="bg1"/>
+                              </a:solidFill>
+                              <a:latin typeface="Cambria Math" panose="02040503050406030204" pitchFamily="18" charset="0"/>
+                            </a:rPr>
+                            <m:t>!∗</m:t>
+                          </m:r>
+                          <m:r>
+                            <a:rPr lang="pl-PL" sz="3200" b="0" i="1" smtClean="0">
+                              <a:solidFill>
+                                <a:schemeClr val="bg1"/>
+                              </a:solidFill>
+                              <a:latin typeface="Cambria Math" panose="02040503050406030204" pitchFamily="18" charset="0"/>
+                            </a:rPr>
+                            <m:t>𝑛</m:t>
+                          </m:r>
+                        </m:den>
+                      </m:f>
+                      <m:r>
+                        <a:rPr lang="pl-PL" sz="3200" b="0" i="1" smtClean="0">
+                          <a:solidFill>
+                            <a:schemeClr val="bg1"/>
+                          </a:solidFill>
+                          <a:latin typeface="Cambria Math" panose="02040503050406030204" pitchFamily="18" charset="0"/>
+                        </a:rPr>
+                        <m:t>&lt;</m:t>
+                      </m:r>
+                      <m:sSup>
+                        <m:sSupPr>
+                          <m:ctrlPr>
+                            <a:rPr lang="pl-PL" sz="3200" b="0" i="1" smtClean="0">
+                              <a:solidFill>
+                                <a:schemeClr val="bg1"/>
+                              </a:solidFill>
+                              <a:latin typeface="Cambria Math" panose="02040503050406030204" pitchFamily="18" charset="0"/>
+                            </a:rPr>
+                          </m:ctrlPr>
+                        </m:sSupPr>
+                        <m:e>
+                          <m:r>
+                            <a:rPr lang="pl-PL" sz="3200" b="0" i="1" smtClean="0">
+                              <a:solidFill>
+                                <a:schemeClr val="bg1"/>
+                              </a:solidFill>
+                              <a:latin typeface="Cambria Math" panose="02040503050406030204" pitchFamily="18" charset="0"/>
+                            </a:rPr>
+                            <m:t>10</m:t>
+                          </m:r>
+                        </m:e>
+                        <m:sup>
+                          <m:r>
+                            <a:rPr lang="pl-PL" sz="3200" b="0" i="1" smtClean="0">
+                              <a:solidFill>
+                                <a:schemeClr val="bg1"/>
+                              </a:solidFill>
+                              <a:latin typeface="Cambria Math" panose="02040503050406030204" pitchFamily="18" charset="0"/>
+                            </a:rPr>
+                            <m:t>−</m:t>
+                          </m:r>
+                          <m:r>
+                            <a:rPr lang="pl-PL" sz="3200" b="0" i="1" smtClean="0">
+                              <a:solidFill>
+                                <a:schemeClr val="bg1"/>
+                              </a:solidFill>
+                              <a:latin typeface="Cambria Math" panose="02040503050406030204" pitchFamily="18" charset="0"/>
+                            </a:rPr>
+                            <m:t>𝑁</m:t>
+                          </m:r>
+                        </m:sup>
+                      </m:sSup>
+                    </m:oMath>
+                  </m:oMathPara>
+                </a14:m>
+                <a:endParaRPr lang="pl-PL" sz="3200" dirty="0"/>
+              </a:p>
+            </p:txBody>
+          </p:sp>
+        </mc:Choice>
+        <mc:Fallback xmlns="">
+          <p:sp>
+            <p:nvSpPr>
+              <p:cNvPr id="11" name="pole tekstowe 10">
+                <a:extLst>
+                  <a:ext uri="{FF2B5EF4-FFF2-40B4-BE49-F238E27FC236}">
+                    <a16:creationId xmlns:a16="http://schemas.microsoft.com/office/drawing/2014/main" id="{8A25EC7B-4740-1D35-199D-DDD147431AE8}"/>
+                  </a:ext>
+                </a:extLst>
+              </p:cNvPr>
+              <p:cNvSpPr txBox="1">
+                <a:spLocks noRot="1" noChangeAspect="1" noMove="1" noResize="1" noEditPoints="1" noAdjustHandles="1" noChangeArrowheads="1" noChangeShapeType="1" noTextEdit="1"/>
+              </p:cNvSpPr>
+              <p:nvPr/>
+            </p:nvSpPr>
+            <p:spPr>
+              <a:xfrm>
+                <a:off x="0" y="2703961"/>
+                <a:ext cx="12192000" cy="925190"/>
+              </a:xfrm>
+              <a:prstGeom prst="rect">
+                <a:avLst/>
+              </a:prstGeom>
+              <a:blipFill>
+                <a:blip r:embed="rId2"/>
+                <a:stretch>
+                  <a:fillRect/>
+                </a:stretch>
+              </a:blipFill>
+            </p:spPr>
+            <p:txBody>
+              <a:bodyPr/>
+              <a:lstStyle/>
+              <a:p>
+                <a:r>
+                  <a:rPr lang="pl-PL">
+                    <a:noFill/>
+                  </a:rPr>
+                  <a:t> </a:t>
+                </a:r>
+              </a:p>
+            </p:txBody>
+          </p:sp>
+        </mc:Fallback>
+      </mc:AlternateContent>
+      <p:sp>
+        <p:nvSpPr>
+          <p:cNvPr id="2" name="pole tekstowe 1">
+            <a:extLst>
+              <a:ext uri="{FF2B5EF4-FFF2-40B4-BE49-F238E27FC236}">
+                <a16:creationId xmlns:a16="http://schemas.microsoft.com/office/drawing/2014/main" id="{4035C823-EA7C-B6A9-E58D-5CDC6C82C4DB}"/>
+              </a:ext>
+            </a:extLst>
+          </p:cNvPr>
+          <p:cNvSpPr txBox="1"/>
+          <p:nvPr/>
+        </p:nvSpPr>
+        <p:spPr>
+          <a:xfrm>
+            <a:off x="1464564" y="1819656"/>
+            <a:ext cx="9262872" cy="523220"/>
+          </a:xfrm>
+          <a:prstGeom prst="rect">
+            <a:avLst/>
+          </a:prstGeom>
+          <a:noFill/>
+        </p:spPr>
+        <p:txBody>
+          <a:bodyPr wrap="square" rtlCol="0">
+            <a:spAutoFit/>
+          </a:bodyPr>
+          <a:lstStyle/>
+          <a:p>
+            <a:r>
+              <a:rPr lang="pl-PL" sz="2800" dirty="0">
+                <a:solidFill>
+                  <a:schemeClr val="bg1"/>
+                </a:solidFill>
+                <a:latin typeface="Oswald" pitchFamily="2" charset="-18"/>
+              </a:rPr>
+              <a:t>n to potrzebna liczba iteracji do osiągnięcia zadanej precyzji</a:t>
+            </a:r>
+          </a:p>
+        </p:txBody>
+      </p:sp>
+    </p:spTree>
+    <p:extLst>
+      <p:ext uri="{BB962C8B-B14F-4D97-AF65-F5344CB8AC3E}">
+        <p14:creationId xmlns:p14="http://schemas.microsoft.com/office/powerpoint/2010/main" val="633165949"/>
+      </p:ext>
+    </p:extLst>
+  </p:cSld>
+  <p:clrMapOvr>
+    <a:masterClrMapping/>
+  </p:clrMapOvr>
+  <mc:AlternateContent xmlns:mc="http://schemas.openxmlformats.org/markup-compatibility/2006" xmlns:p159="http://schemas.microsoft.com/office/powerpoint/2015/09/main">
+    <mc:Choice Requires="p159">
+      <p:transition xmlns:p14="http://schemas.microsoft.com/office/powerpoint/2010/main" spd="slow" p14:dur="2000">
+        <p159:morph option="byObject"/>
+      </p:transition>
+    </mc:Choice>
+    <mc:Fallback xmlns="">
+      <p:transition spd="slow">
+        <p:fade/>
+      </p:transition>
+    </mc:Fallback>
+  </mc:AlternateContent>
+</p:sld>
+</file>
+
+<file path=ppt/slides/slide14.xml><?xml version="1.0" encoding="utf-8"?>
+<p:sld xmlns:a="http://schemas.openxmlformats.org/drawingml/2006/main" xmlns:r="http://schemas.openxmlformats.org/officeDocument/2006/relationships" xmlns:p="http://schemas.openxmlformats.org/presentationml/2006/main">
+  <p:cSld>
+    <p:spTree>
+      <p:nvGrpSpPr>
+        <p:cNvPr id="1" name=""/>
+        <p:cNvGrpSpPr/>
+        <p:nvPr/>
+      </p:nvGrpSpPr>
+      <p:grpSpPr>
+        <a:xfrm>
+          <a:off x="0" y="0"/>
+          <a:ext cx="0" cy="0"/>
+          <a:chOff x="0" y="0"/>
+          <a:chExt cx="0" cy="0"/>
+        </a:xfrm>
+      </p:grpSpPr>
+      <mc:AlternateContent xmlns:mc="http://schemas.openxmlformats.org/markup-compatibility/2006" xmlns:a14="http://schemas.microsoft.com/office/drawing/2010/main">
+        <mc:Choice Requires="a14">
+          <p:sp>
+            <p:nvSpPr>
+              <p:cNvPr id="11" name="pole tekstowe 10">
+                <a:extLst>
+                  <a:ext uri="{FF2B5EF4-FFF2-40B4-BE49-F238E27FC236}">
+                    <a16:creationId xmlns:a16="http://schemas.microsoft.com/office/drawing/2014/main" id="{8A25EC7B-4740-1D35-199D-DDD147431AE8}"/>
+                  </a:ext>
+                </a:extLst>
+              </p:cNvPr>
+              <p:cNvSpPr txBox="1"/>
+              <p:nvPr/>
+            </p:nvSpPr>
+            <p:spPr>
+              <a:xfrm>
+                <a:off x="0" y="2703961"/>
+                <a:ext cx="12192000" cy="492443"/>
+              </a:xfrm>
+              <a:prstGeom prst="rect">
+                <a:avLst/>
+              </a:prstGeom>
+              <a:noFill/>
+            </p:spPr>
+            <p:txBody>
+              <a:bodyPr wrap="square" lIns="0" tIns="0" rIns="0" bIns="0" rtlCol="0">
+                <a:spAutoFit/>
+              </a:bodyPr>
+              <a:lstStyle/>
+              <a:p>
+                <a:pPr/>
+                <a14:m>
+                  <m:oMathPara xmlns:m="http://schemas.openxmlformats.org/officeDocument/2006/math">
+                    <m:oMathParaPr>
+                      <m:jc m:val="centerGroup"/>
+                    </m:oMathParaPr>
+                    <m:oMath xmlns:m="http://schemas.openxmlformats.org/officeDocument/2006/math">
+                      <m:r>
+                        <a:rPr lang="pl-PL" sz="3200" b="0" i="1" smtClean="0">
+                          <a:solidFill>
+                            <a:schemeClr val="bg1"/>
+                          </a:solidFill>
+                          <a:latin typeface="Cambria Math" panose="02040503050406030204" pitchFamily="18" charset="0"/>
+                        </a:rPr>
+                        <m:t>𝑒</m:t>
+                      </m:r>
+                      <m:r>
+                        <a:rPr lang="pl-PL" sz="3200" b="0" i="1" smtClean="0">
+                          <a:solidFill>
+                            <a:schemeClr val="bg1"/>
+                          </a:solidFill>
+                          <a:latin typeface="Cambria Math" panose="02040503050406030204" pitchFamily="18" charset="0"/>
+                        </a:rPr>
+                        <m:t>≈2,7182…</m:t>
+                      </m:r>
+                    </m:oMath>
+                  </m:oMathPara>
+                </a14:m>
+                <a:endParaRPr lang="pl-PL" sz="3200" dirty="0"/>
+              </a:p>
+            </p:txBody>
+          </p:sp>
+        </mc:Choice>
+        <mc:Fallback xmlns="">
+          <p:sp>
+            <p:nvSpPr>
+              <p:cNvPr id="11" name="pole tekstowe 10">
+                <a:extLst>
+                  <a:ext uri="{FF2B5EF4-FFF2-40B4-BE49-F238E27FC236}">
+                    <a16:creationId xmlns:a16="http://schemas.microsoft.com/office/drawing/2014/main" id="{8A25EC7B-4740-1D35-199D-DDD147431AE8}"/>
+                  </a:ext>
+                </a:extLst>
+              </p:cNvPr>
+              <p:cNvSpPr txBox="1">
+                <a:spLocks noRot="1" noChangeAspect="1" noMove="1" noResize="1" noEditPoints="1" noAdjustHandles="1" noChangeArrowheads="1" noChangeShapeType="1" noTextEdit="1"/>
+              </p:cNvSpPr>
+              <p:nvPr/>
+            </p:nvSpPr>
+            <p:spPr>
+              <a:xfrm>
+                <a:off x="0" y="2703961"/>
+                <a:ext cx="12192000" cy="492443"/>
+              </a:xfrm>
+              <a:prstGeom prst="rect">
+                <a:avLst/>
+              </a:prstGeom>
+              <a:blipFill>
+                <a:blip r:embed="rId2"/>
+                <a:stretch>
+                  <a:fillRect/>
+                </a:stretch>
+              </a:blipFill>
+            </p:spPr>
+            <p:txBody>
+              <a:bodyPr/>
+              <a:lstStyle/>
+              <a:p>
+                <a:r>
+                  <a:rPr lang="pl-PL">
+                    <a:noFill/>
+                  </a:rPr>
+                  <a:t> </a:t>
+                </a:r>
+              </a:p>
+            </p:txBody>
+          </p:sp>
+        </mc:Fallback>
+      </mc:AlternateContent>
+      <p:sp>
+        <p:nvSpPr>
+          <p:cNvPr id="2" name="pole tekstowe 1">
+            <a:extLst>
+              <a:ext uri="{FF2B5EF4-FFF2-40B4-BE49-F238E27FC236}">
+                <a16:creationId xmlns:a16="http://schemas.microsoft.com/office/drawing/2014/main" id="{4035C823-EA7C-B6A9-E58D-5CDC6C82C4DB}"/>
+              </a:ext>
+            </a:extLst>
+          </p:cNvPr>
+          <p:cNvSpPr txBox="1"/>
+          <p:nvPr/>
+        </p:nvSpPr>
+        <p:spPr>
+          <a:xfrm>
+            <a:off x="1464564" y="1883664"/>
+            <a:ext cx="9262872" cy="523220"/>
+          </a:xfrm>
+          <a:prstGeom prst="rect">
+            <a:avLst/>
+          </a:prstGeom>
+          <a:noFill/>
+        </p:spPr>
+        <p:txBody>
+          <a:bodyPr wrap="square" rtlCol="0">
+            <a:spAutoFit/>
+          </a:bodyPr>
+          <a:lstStyle/>
+          <a:p>
+            <a:pPr algn="ctr"/>
+            <a:r>
+              <a:rPr lang="pl-PL" sz="2800" dirty="0">
+                <a:solidFill>
+                  <a:schemeClr val="bg1"/>
+                </a:solidFill>
+                <a:latin typeface="Oswald" pitchFamily="2" charset="-18"/>
+              </a:rPr>
+              <a:t>Weźmy N = 4. Po wykonaniu n iteracji mamy</a:t>
+            </a:r>
+          </a:p>
+        </p:txBody>
+      </p:sp>
+    </p:spTree>
+    <p:extLst>
+      <p:ext uri="{BB962C8B-B14F-4D97-AF65-F5344CB8AC3E}">
+        <p14:creationId xmlns:p14="http://schemas.microsoft.com/office/powerpoint/2010/main" val="3046322402"/>
+      </p:ext>
+    </p:extLst>
+  </p:cSld>
+  <p:clrMapOvr>
+    <a:masterClrMapping/>
+  </p:clrMapOvr>
+  <mc:AlternateContent xmlns:mc="http://schemas.openxmlformats.org/markup-compatibility/2006" xmlns:p159="http://schemas.microsoft.com/office/powerpoint/2015/09/main">
+    <mc:Choice Requires="p159">
+      <p:transition xmlns:p14="http://schemas.microsoft.com/office/powerpoint/2010/main" spd="slow" p14:dur="2000">
+        <p159:morph option="byObject"/>
+      </p:transition>
+    </mc:Choice>
+    <mc:Fallback xmlns="">
+      <p:transition spd="slow">
+        <p:fade/>
+      </p:transition>
+    </mc:Fallback>
+  </mc:AlternateContent>
+</p:sld>
+</file>
+
+<file path=ppt/slides/slide15.xml><?xml version="1.0" encoding="utf-8"?>
+<p:sld xmlns:a="http://schemas.openxmlformats.org/drawingml/2006/main" xmlns:r="http://schemas.openxmlformats.org/officeDocument/2006/relationships" xmlns:p="http://schemas.openxmlformats.org/presentationml/2006/main">
+  <p:cSld>
+    <p:spTree>
+      <p:nvGrpSpPr>
+        <p:cNvPr id="1" name=""/>
+        <p:cNvGrpSpPr/>
+        <p:nvPr/>
+      </p:nvGrpSpPr>
+      <p:grpSpPr>
+        <a:xfrm>
+          <a:off x="0" y="0"/>
+          <a:ext cx="0" cy="0"/>
+          <a:chOff x="0" y="0"/>
+          <a:chExt cx="0" cy="0"/>
+        </a:xfrm>
+      </p:grpSpPr>
+      <mc:AlternateContent xmlns:mc="http://schemas.openxmlformats.org/markup-compatibility/2006" xmlns:a14="http://schemas.microsoft.com/office/drawing/2010/main">
+        <mc:Choice Requires="a14">
+          <p:sp>
+            <p:nvSpPr>
+              <p:cNvPr id="11" name="pole tekstowe 10">
+                <a:extLst>
+                  <a:ext uri="{FF2B5EF4-FFF2-40B4-BE49-F238E27FC236}">
+                    <a16:creationId xmlns:a16="http://schemas.microsoft.com/office/drawing/2014/main" id="{8A25EC7B-4740-1D35-199D-DDD147431AE8}"/>
+                  </a:ext>
+                </a:extLst>
+              </p:cNvPr>
+              <p:cNvSpPr txBox="1"/>
+              <p:nvPr/>
+            </p:nvSpPr>
+            <p:spPr>
+              <a:xfrm>
+                <a:off x="0" y="2639953"/>
+                <a:ext cx="12192000" cy="677108"/>
+              </a:xfrm>
+              <a:prstGeom prst="rect">
+                <a:avLst/>
+              </a:prstGeom>
+              <a:noFill/>
+            </p:spPr>
+            <p:txBody>
+              <a:bodyPr wrap="square" lIns="0" tIns="0" rIns="0" bIns="0" rtlCol="0">
+                <a:spAutoFit/>
+              </a:bodyPr>
+              <a:lstStyle/>
+              <a:p>
+                <a:pPr/>
+                <a14:m>
+                  <m:oMathPara xmlns:m="http://schemas.openxmlformats.org/officeDocument/2006/math">
+                    <m:oMathParaPr>
+                      <m:jc m:val="centerGroup"/>
+                    </m:oMathParaPr>
+                    <m:oMath xmlns:m="http://schemas.openxmlformats.org/officeDocument/2006/math">
+                      <m:r>
+                        <a:rPr lang="pl-PL" sz="4400" b="0" i="1" smtClean="0">
+                          <a:solidFill>
+                            <a:schemeClr val="bg1"/>
+                          </a:solidFill>
+                          <a:latin typeface="Cambria Math" panose="02040503050406030204" pitchFamily="18" charset="0"/>
+                        </a:rPr>
+                        <m:t>2,7182…∗</m:t>
+                      </m:r>
+                      <m:sSup>
+                        <m:sSupPr>
+                          <m:ctrlPr>
+                            <a:rPr lang="pl-PL" sz="4400" b="0" i="1" smtClean="0">
+                              <a:solidFill>
+                                <a:schemeClr val="bg1"/>
+                              </a:solidFill>
+                              <a:latin typeface="Cambria Math" panose="02040503050406030204" pitchFamily="18" charset="0"/>
+                            </a:rPr>
+                          </m:ctrlPr>
+                        </m:sSupPr>
+                        <m:e>
+                          <m:r>
+                            <a:rPr lang="pl-PL" sz="4400" b="0" i="1" smtClean="0">
+                              <a:solidFill>
+                                <a:schemeClr val="bg1"/>
+                              </a:solidFill>
+                              <a:latin typeface="Cambria Math" panose="02040503050406030204" pitchFamily="18" charset="0"/>
+                            </a:rPr>
+                            <m:t>10</m:t>
+                          </m:r>
+                        </m:e>
+                        <m:sup>
+                          <m:r>
+                            <a:rPr lang="pl-PL" sz="4400" b="0" i="1" smtClean="0">
+                              <a:solidFill>
+                                <a:schemeClr val="bg1"/>
+                              </a:solidFill>
+                              <a:latin typeface="Cambria Math" panose="02040503050406030204" pitchFamily="18" charset="0"/>
+                            </a:rPr>
+                            <m:t>𝑁</m:t>
+                          </m:r>
+                        </m:sup>
+                      </m:sSup>
+                    </m:oMath>
+                  </m:oMathPara>
+                </a14:m>
+                <a:endParaRPr lang="pl-PL" sz="4400" dirty="0"/>
+              </a:p>
+            </p:txBody>
+          </p:sp>
+        </mc:Choice>
+        <mc:Fallback xmlns="">
+          <p:sp>
+            <p:nvSpPr>
+              <p:cNvPr id="11" name="pole tekstowe 10">
+                <a:extLst>
+                  <a:ext uri="{FF2B5EF4-FFF2-40B4-BE49-F238E27FC236}">
+                    <a16:creationId xmlns:a16="http://schemas.microsoft.com/office/drawing/2014/main" id="{8A25EC7B-4740-1D35-199D-DDD147431AE8}"/>
+                  </a:ext>
+                </a:extLst>
+              </p:cNvPr>
+              <p:cNvSpPr txBox="1">
+                <a:spLocks noRot="1" noChangeAspect="1" noMove="1" noResize="1" noEditPoints="1" noAdjustHandles="1" noChangeArrowheads="1" noChangeShapeType="1" noTextEdit="1"/>
+              </p:cNvSpPr>
+              <p:nvPr/>
+            </p:nvSpPr>
+            <p:spPr>
+              <a:xfrm>
+                <a:off x="0" y="2639953"/>
+                <a:ext cx="12192000" cy="677108"/>
+              </a:xfrm>
+              <a:prstGeom prst="rect">
+                <a:avLst/>
+              </a:prstGeom>
+              <a:blipFill>
+                <a:blip r:embed="rId2"/>
+                <a:stretch>
+                  <a:fillRect/>
+                </a:stretch>
+              </a:blipFill>
+            </p:spPr>
+            <p:txBody>
+              <a:bodyPr/>
+              <a:lstStyle/>
+              <a:p>
+                <a:r>
+                  <a:rPr lang="pl-PL">
+                    <a:noFill/>
+                  </a:rPr>
+                  <a:t> </a:t>
+                </a:r>
+              </a:p>
+            </p:txBody>
+          </p:sp>
+        </mc:Fallback>
+      </mc:AlternateContent>
+      <p:sp>
+        <p:nvSpPr>
+          <p:cNvPr id="3" name="Strzałka: zakrzywiona w górę 2">
+            <a:extLst>
+              <a:ext uri="{FF2B5EF4-FFF2-40B4-BE49-F238E27FC236}">
+                <a16:creationId xmlns:a16="http://schemas.microsoft.com/office/drawing/2014/main" id="{D5E5CBA8-B704-924B-E612-D2A85A5A429A}"/>
+              </a:ext>
+            </a:extLst>
+          </p:cNvPr>
+          <p:cNvSpPr/>
+          <p:nvPr/>
+        </p:nvSpPr>
+        <p:spPr>
+          <a:xfrm>
+            <a:off x="4617720" y="3317061"/>
+            <a:ext cx="1478280" cy="358827"/>
+          </a:xfrm>
+          <a:prstGeom prst="curvedUpArrow">
+            <a:avLst/>
+          </a:prstGeom>
+          <a:noFill/>
+          <a:ln>
+            <a:solidFill>
+              <a:schemeClr val="bg1"/>
+            </a:solidFill>
+          </a:ln>
+        </p:spPr>
+        <p:style>
+          <a:lnRef idx="2">
+            <a:schemeClr val="accent1">
+              <a:shade val="15000"/>
+            </a:schemeClr>
+          </a:lnRef>
+          <a:fillRef idx="1">
+            <a:schemeClr val="accent1"/>
+          </a:fillRef>
+          <a:effectRef idx="0">
+            <a:schemeClr val="accent1"/>
+          </a:effectRef>
+          <a:fontRef idx="minor">
+            <a:schemeClr val="lt1"/>
+          </a:fontRef>
+        </p:style>
+        <p:txBody>
+          <a:bodyPr rtlCol="0" anchor="ctr"/>
+          <a:lstStyle/>
+          <a:p>
+            <a:pPr algn="ctr"/>
+            <a:endParaRPr lang="pl-PL">
+              <a:solidFill>
+                <a:schemeClr val="tx1"/>
+              </a:solidFill>
+            </a:endParaRPr>
+          </a:p>
+        </p:txBody>
+      </p:sp>
+    </p:spTree>
+    <p:extLst>
+      <p:ext uri="{BB962C8B-B14F-4D97-AF65-F5344CB8AC3E}">
+        <p14:creationId xmlns:p14="http://schemas.microsoft.com/office/powerpoint/2010/main" val="2252791241"/>
+      </p:ext>
+    </p:extLst>
+  </p:cSld>
+  <p:clrMapOvr>
+    <a:masterClrMapping/>
+  </p:clrMapOvr>
+  <mc:AlternateContent xmlns:mc="http://schemas.openxmlformats.org/markup-compatibility/2006" xmlns:p159="http://schemas.microsoft.com/office/powerpoint/2015/09/main">
+    <mc:Choice Requires="p159">
+      <p:transition xmlns:p14="http://schemas.microsoft.com/office/powerpoint/2010/main" spd="slow" p14:dur="2000">
+        <p159:morph option="byObject"/>
+      </p:transition>
+    </mc:Choice>
+    <mc:Fallback xmlns="">
+      <p:transition spd="slow">
+        <p:fade/>
+      </p:transition>
+    </mc:Fallback>
+  </mc:AlternateContent>
+</p:sld>
+</file>
+
+<file path=ppt/slides/slide16.xml><?xml version="1.0" encoding="utf-8"?>
+<p:sld xmlns:a="http://schemas.openxmlformats.org/drawingml/2006/main" xmlns:r="http://schemas.openxmlformats.org/officeDocument/2006/relationships" xmlns:p="http://schemas.openxmlformats.org/presentationml/2006/main">
+  <p:cSld>
+    <p:spTree>
+      <p:nvGrpSpPr>
+        <p:cNvPr id="1" name=""/>
+        <p:cNvGrpSpPr/>
+        <p:nvPr/>
+      </p:nvGrpSpPr>
+      <p:grpSpPr>
+        <a:xfrm>
+          <a:off x="0" y="0"/>
+          <a:ext cx="0" cy="0"/>
+          <a:chOff x="0" y="0"/>
+          <a:chExt cx="0" cy="0"/>
+        </a:xfrm>
+      </p:grpSpPr>
+      <mc:AlternateContent xmlns:mc="http://schemas.openxmlformats.org/markup-compatibility/2006" xmlns:a14="http://schemas.microsoft.com/office/drawing/2010/main">
+        <mc:Choice Requires="a14">
+          <p:sp>
+            <p:nvSpPr>
+              <p:cNvPr id="11" name="pole tekstowe 10">
+                <a:extLst>
+                  <a:ext uri="{FF2B5EF4-FFF2-40B4-BE49-F238E27FC236}">
+                    <a16:creationId xmlns:a16="http://schemas.microsoft.com/office/drawing/2014/main" id="{8A25EC7B-4740-1D35-199D-DDD147431AE8}"/>
+                  </a:ext>
+                </a:extLst>
+              </p:cNvPr>
+              <p:cNvSpPr txBox="1"/>
+              <p:nvPr/>
+            </p:nvSpPr>
+            <p:spPr>
+              <a:xfrm>
+                <a:off x="0" y="2639953"/>
+                <a:ext cx="12192000" cy="677108"/>
+              </a:xfrm>
+              <a:prstGeom prst="rect">
+                <a:avLst/>
+              </a:prstGeom>
+              <a:noFill/>
+            </p:spPr>
+            <p:txBody>
+              <a:bodyPr wrap="square" lIns="0" tIns="0" rIns="0" bIns="0" rtlCol="0">
+                <a:spAutoFit/>
+              </a:bodyPr>
+              <a:lstStyle/>
+              <a:p>
+                <a:pPr/>
+                <a14:m>
+                  <m:oMathPara xmlns:m="http://schemas.openxmlformats.org/officeDocument/2006/math">
+                    <m:oMathParaPr>
+                      <m:jc m:val="centerGroup"/>
+                    </m:oMathParaPr>
+                    <m:oMath xmlns:m="http://schemas.openxmlformats.org/officeDocument/2006/math">
+                      <m:r>
+                        <a:rPr lang="pl-PL" sz="4400" b="0" i="1" smtClean="0">
+                          <a:solidFill>
+                            <a:schemeClr val="bg1"/>
+                          </a:solidFill>
+                          <a:latin typeface="Cambria Math" panose="02040503050406030204" pitchFamily="18" charset="0"/>
+                        </a:rPr>
+                        <m:t>27182,...</m:t>
+                      </m:r>
+                    </m:oMath>
+                  </m:oMathPara>
+                </a14:m>
+                <a:endParaRPr lang="pl-PL" sz="4400" dirty="0"/>
+              </a:p>
+            </p:txBody>
+          </p:sp>
+        </mc:Choice>
+        <mc:Fallback xmlns="">
+          <p:sp>
+            <p:nvSpPr>
+              <p:cNvPr id="11" name="pole tekstowe 10">
+                <a:extLst>
+                  <a:ext uri="{FF2B5EF4-FFF2-40B4-BE49-F238E27FC236}">
+                    <a16:creationId xmlns:a16="http://schemas.microsoft.com/office/drawing/2014/main" id="{8A25EC7B-4740-1D35-199D-DDD147431AE8}"/>
+                  </a:ext>
+                </a:extLst>
+              </p:cNvPr>
+              <p:cNvSpPr txBox="1">
+                <a:spLocks noRot="1" noChangeAspect="1" noMove="1" noResize="1" noEditPoints="1" noAdjustHandles="1" noChangeArrowheads="1" noChangeShapeType="1" noTextEdit="1"/>
+              </p:cNvSpPr>
+              <p:nvPr/>
+            </p:nvSpPr>
+            <p:spPr>
+              <a:xfrm>
+                <a:off x="0" y="2639953"/>
+                <a:ext cx="12192000" cy="677108"/>
+              </a:xfrm>
+              <a:prstGeom prst="rect">
+                <a:avLst/>
+              </a:prstGeom>
+              <a:blipFill>
+                <a:blip r:embed="rId2"/>
+                <a:stretch>
+                  <a:fillRect/>
+                </a:stretch>
+              </a:blipFill>
+            </p:spPr>
+            <p:txBody>
+              <a:bodyPr/>
+              <a:lstStyle/>
+              <a:p>
+                <a:r>
+                  <a:rPr lang="pl-PL">
+                    <a:noFill/>
+                  </a:rPr>
+                  <a:t> </a:t>
+                </a:r>
+              </a:p>
+            </p:txBody>
+          </p:sp>
+        </mc:Fallback>
+      </mc:AlternateContent>
+    </p:spTree>
+    <p:extLst>
+      <p:ext uri="{BB962C8B-B14F-4D97-AF65-F5344CB8AC3E}">
+        <p14:creationId xmlns:p14="http://schemas.microsoft.com/office/powerpoint/2010/main" val="3143838417"/>
+      </p:ext>
+    </p:extLst>
+  </p:cSld>
+  <p:clrMapOvr>
+    <a:masterClrMapping/>
+  </p:clrMapOvr>
+  <mc:AlternateContent xmlns:mc="http://schemas.openxmlformats.org/markup-compatibility/2006" xmlns:p159="http://schemas.microsoft.com/office/powerpoint/2015/09/main">
+    <mc:Choice Requires="p159">
+      <p:transition xmlns:p14="http://schemas.microsoft.com/office/powerpoint/2010/main" spd="slow" p14:dur="2000">
+        <p159:morph option="byObject"/>
+      </p:transition>
+    </mc:Choice>
+    <mc:Fallback xmlns="">
+      <p:transition spd="slow">
+        <p:fade/>
+      </p:transition>
+    </mc:Fallback>
+  </mc:AlternateContent>
+</p:sld>
+</file>
+
+<file path=ppt/slides/slide17.xml><?xml version="1.0" encoding="utf-8"?>
+<p:sld xmlns:a="http://schemas.openxmlformats.org/drawingml/2006/main" xmlns:r="http://schemas.openxmlformats.org/officeDocument/2006/relationships" xmlns:p="http://schemas.openxmlformats.org/presentationml/2006/main">
+  <p:cSld>
+    <p:spTree>
+      <p:nvGrpSpPr>
+        <p:cNvPr id="1" name=""/>
+        <p:cNvGrpSpPr/>
+        <p:nvPr/>
+      </p:nvGrpSpPr>
+      <p:grpSpPr>
+        <a:xfrm>
+          <a:off x="0" y="0"/>
+          <a:ext cx="0" cy="0"/>
+          <a:chOff x="0" y="0"/>
+          <a:chExt cx="0" cy="0"/>
+        </a:xfrm>
+      </p:grpSpPr>
+      <mc:AlternateContent xmlns:mc="http://schemas.openxmlformats.org/markup-compatibility/2006" xmlns:a14="http://schemas.microsoft.com/office/drawing/2010/main">
+        <mc:Choice Requires="a14">
+          <p:sp>
+            <p:nvSpPr>
+              <p:cNvPr id="11" name="pole tekstowe 10">
+                <a:extLst>
+                  <a:ext uri="{FF2B5EF4-FFF2-40B4-BE49-F238E27FC236}">
+                    <a16:creationId xmlns:a16="http://schemas.microsoft.com/office/drawing/2014/main" id="{8A25EC7B-4740-1D35-199D-DDD147431AE8}"/>
+                  </a:ext>
+                </a:extLst>
+              </p:cNvPr>
+              <p:cNvSpPr txBox="1"/>
+              <p:nvPr/>
+            </p:nvSpPr>
+            <p:spPr>
+              <a:xfrm>
+                <a:off x="0" y="1115116"/>
+                <a:ext cx="12192000" cy="677108"/>
+              </a:xfrm>
+              <a:prstGeom prst="rect">
+                <a:avLst/>
+              </a:prstGeom>
+              <a:noFill/>
+            </p:spPr>
+            <p:txBody>
+              <a:bodyPr wrap="square" lIns="0" tIns="0" rIns="0" bIns="0" rtlCol="0">
+                <a:spAutoFit/>
+              </a:bodyPr>
+              <a:lstStyle/>
+              <a:p>
+                <a:pPr/>
+                <a14:m>
+                  <m:oMathPara xmlns:m="http://schemas.openxmlformats.org/officeDocument/2006/math">
+                    <m:oMathParaPr>
+                      <m:jc m:val="centerGroup"/>
+                    </m:oMathParaPr>
+                    <m:oMath xmlns:m="http://schemas.openxmlformats.org/officeDocument/2006/math">
+                      <m:r>
+                        <a:rPr lang="pl-PL" sz="4400" b="0" i="1" smtClean="0">
+                          <a:solidFill>
+                            <a:schemeClr val="bg1"/>
+                          </a:solidFill>
+                          <a:latin typeface="Cambria Math" panose="02040503050406030204" pitchFamily="18" charset="0"/>
+                        </a:rPr>
+                        <m:t>𝑖𝑛𝑡</m:t>
+                      </m:r>
+                      <m:r>
+                        <a:rPr lang="pl-PL" sz="4400" b="0" i="1" smtClean="0">
+                          <a:solidFill>
+                            <a:schemeClr val="bg1"/>
+                          </a:solidFill>
+                          <a:latin typeface="Cambria Math" panose="02040503050406030204" pitchFamily="18" charset="0"/>
+                        </a:rPr>
+                        <m:t>(27182,…% 10)=2</m:t>
+                      </m:r>
+                    </m:oMath>
+                  </m:oMathPara>
+                </a14:m>
+                <a:endParaRPr lang="pl-PL" sz="4400" dirty="0"/>
+              </a:p>
+            </p:txBody>
+          </p:sp>
+        </mc:Choice>
+        <mc:Fallback xmlns="">
+          <p:sp>
+            <p:nvSpPr>
+              <p:cNvPr id="11" name="pole tekstowe 10">
+                <a:extLst>
+                  <a:ext uri="{FF2B5EF4-FFF2-40B4-BE49-F238E27FC236}">
+                    <a16:creationId xmlns:a16="http://schemas.microsoft.com/office/drawing/2014/main" id="{8A25EC7B-4740-1D35-199D-DDD147431AE8}"/>
+                  </a:ext>
+                </a:extLst>
+              </p:cNvPr>
+              <p:cNvSpPr txBox="1">
+                <a:spLocks noRot="1" noChangeAspect="1" noMove="1" noResize="1" noEditPoints="1" noAdjustHandles="1" noChangeArrowheads="1" noChangeShapeType="1" noTextEdit="1"/>
+              </p:cNvSpPr>
+              <p:nvPr/>
+            </p:nvSpPr>
+            <p:spPr>
+              <a:xfrm>
+                <a:off x="0" y="1115116"/>
+                <a:ext cx="12192000" cy="677108"/>
+              </a:xfrm>
+              <a:prstGeom prst="rect">
+                <a:avLst/>
+              </a:prstGeom>
+              <a:blipFill>
+                <a:blip r:embed="rId2"/>
+                <a:stretch>
+                  <a:fillRect/>
+                </a:stretch>
+              </a:blipFill>
+            </p:spPr>
+            <p:txBody>
+              <a:bodyPr/>
+              <a:lstStyle/>
+              <a:p>
+                <a:r>
+                  <a:rPr lang="pl-PL">
+                    <a:noFill/>
+                  </a:rPr>
+                  <a:t> </a:t>
+                </a:r>
+              </a:p>
+            </p:txBody>
+          </p:sp>
+        </mc:Fallback>
+      </mc:AlternateContent>
+      <mc:AlternateContent xmlns:mc="http://schemas.openxmlformats.org/markup-compatibility/2006" xmlns:a14="http://schemas.microsoft.com/office/drawing/2010/main">
+        <mc:Choice Requires="a14">
+          <p:sp>
+            <p:nvSpPr>
+              <p:cNvPr id="2" name="pole tekstowe 1">
+                <a:extLst>
+                  <a:ext uri="{FF2B5EF4-FFF2-40B4-BE49-F238E27FC236}">
+                    <a16:creationId xmlns:a16="http://schemas.microsoft.com/office/drawing/2014/main" id="{A21A4B79-4CE3-03BA-96E2-A6FC68B3F42C}"/>
+                  </a:ext>
+                </a:extLst>
+              </p:cNvPr>
+              <p:cNvSpPr txBox="1"/>
+              <p:nvPr/>
+            </p:nvSpPr>
+            <p:spPr>
+              <a:xfrm>
+                <a:off x="0" y="2751892"/>
+                <a:ext cx="12192000" cy="677108"/>
+              </a:xfrm>
+              <a:prstGeom prst="rect">
+                <a:avLst/>
+              </a:prstGeom>
+              <a:noFill/>
+            </p:spPr>
+            <p:txBody>
+              <a:bodyPr wrap="square" lIns="0" tIns="0" rIns="0" bIns="0" rtlCol="0">
+                <a:spAutoFit/>
+              </a:bodyPr>
+              <a:lstStyle/>
+              <a:p>
+                <a:pPr/>
+                <a14:m>
+                  <m:oMathPara xmlns:m="http://schemas.openxmlformats.org/officeDocument/2006/math">
+                    <m:oMathParaPr>
+                      <m:jc m:val="centerGroup"/>
+                    </m:oMathParaPr>
+                    <m:oMath xmlns:m="http://schemas.openxmlformats.org/officeDocument/2006/math">
+                      <m:r>
+                        <a:rPr lang="pl-PL" sz="4400" b="0" i="1" smtClean="0">
+                          <a:solidFill>
+                            <a:schemeClr val="accent2"/>
+                          </a:solidFill>
+                          <a:latin typeface="Cambria Math" panose="02040503050406030204" pitchFamily="18" charset="0"/>
+                        </a:rPr>
+                        <m:t>2</m:t>
+                      </m:r>
+                      <m:r>
+                        <a:rPr lang="pl-PL" sz="4400" b="0" i="1" smtClean="0">
+                          <a:solidFill>
+                            <a:schemeClr val="bg1"/>
+                          </a:solidFill>
+                          <a:latin typeface="Cambria Math" panose="02040503050406030204" pitchFamily="18" charset="0"/>
+                        </a:rPr>
+                        <m:t>+</m:t>
+                      </m:r>
+                    </m:oMath>
+                  </m:oMathPara>
+                </a14:m>
+                <a:endParaRPr lang="pl-PL" sz="4400" dirty="0"/>
+              </a:p>
+            </p:txBody>
+          </p:sp>
+        </mc:Choice>
+        <mc:Fallback xmlns="">
+          <p:sp>
+            <p:nvSpPr>
+              <p:cNvPr id="2" name="pole tekstowe 1">
+                <a:extLst>
+                  <a:ext uri="{FF2B5EF4-FFF2-40B4-BE49-F238E27FC236}">
+                    <a16:creationId xmlns:a16="http://schemas.microsoft.com/office/drawing/2014/main" id="{A21A4B79-4CE3-03BA-96E2-A6FC68B3F42C}"/>
+                  </a:ext>
+                </a:extLst>
+              </p:cNvPr>
+              <p:cNvSpPr txBox="1">
+                <a:spLocks noRot="1" noChangeAspect="1" noMove="1" noResize="1" noEditPoints="1" noAdjustHandles="1" noChangeArrowheads="1" noChangeShapeType="1" noTextEdit="1"/>
+              </p:cNvSpPr>
+              <p:nvPr/>
+            </p:nvSpPr>
+            <p:spPr>
+              <a:xfrm>
+                <a:off x="0" y="2751892"/>
+                <a:ext cx="12192000" cy="677108"/>
+              </a:xfrm>
+              <a:prstGeom prst="rect">
+                <a:avLst/>
+              </a:prstGeom>
+              <a:blipFill>
+                <a:blip r:embed="rId3"/>
+                <a:stretch>
+                  <a:fillRect/>
+                </a:stretch>
+              </a:blipFill>
+            </p:spPr>
+            <p:txBody>
+              <a:bodyPr/>
+              <a:lstStyle/>
+              <a:p>
+                <a:r>
+                  <a:rPr lang="pl-PL">
+                    <a:noFill/>
+                  </a:rPr>
+                  <a:t> </a:t>
+                </a:r>
+              </a:p>
+            </p:txBody>
+          </p:sp>
+        </mc:Fallback>
+      </mc:AlternateContent>
+    </p:spTree>
+    <p:extLst>
+      <p:ext uri="{BB962C8B-B14F-4D97-AF65-F5344CB8AC3E}">
+        <p14:creationId xmlns:p14="http://schemas.microsoft.com/office/powerpoint/2010/main" val="617306334"/>
+      </p:ext>
+    </p:extLst>
+  </p:cSld>
+  <p:clrMapOvr>
+    <a:masterClrMapping/>
+  </p:clrMapOvr>
+  <mc:AlternateContent xmlns:mc="http://schemas.openxmlformats.org/markup-compatibility/2006" xmlns:p159="http://schemas.microsoft.com/office/powerpoint/2015/09/main">
+    <mc:Choice Requires="p159">
+      <p:transition xmlns:p14="http://schemas.microsoft.com/office/powerpoint/2010/main" spd="slow" p14:dur="2000">
+        <p159:morph option="byObject"/>
+      </p:transition>
+    </mc:Choice>
+    <mc:Fallback xmlns="">
+      <p:transition spd="slow">
+        <p:fade/>
+      </p:transition>
+    </mc:Fallback>
+  </mc:AlternateContent>
+</p:sld>
+</file>
+
+<file path=ppt/slides/slide18.xml><?xml version="1.0" encoding="utf-8"?>
+<p:sld xmlns:a="http://schemas.openxmlformats.org/drawingml/2006/main" xmlns:r="http://schemas.openxmlformats.org/officeDocument/2006/relationships" xmlns:p="http://schemas.openxmlformats.org/presentationml/2006/main">
+  <p:cSld>
+    <p:spTree>
+      <p:nvGrpSpPr>
+        <p:cNvPr id="1" name=""/>
+        <p:cNvGrpSpPr/>
+        <p:nvPr/>
+      </p:nvGrpSpPr>
+      <p:grpSpPr>
+        <a:xfrm>
+          <a:off x="0" y="0"/>
+          <a:ext cx="0" cy="0"/>
+          <a:chOff x="0" y="0"/>
+          <a:chExt cx="0" cy="0"/>
+        </a:xfrm>
+      </p:grpSpPr>
+      <mc:AlternateContent xmlns:mc="http://schemas.openxmlformats.org/markup-compatibility/2006" xmlns:a14="http://schemas.microsoft.com/office/drawing/2010/main">
+        <mc:Choice Requires="a14">
+          <p:sp>
+            <p:nvSpPr>
+              <p:cNvPr id="11" name="pole tekstowe 10">
+                <a:extLst>
+                  <a:ext uri="{FF2B5EF4-FFF2-40B4-BE49-F238E27FC236}">
+                    <a16:creationId xmlns:a16="http://schemas.microsoft.com/office/drawing/2014/main" id="{8A25EC7B-4740-1D35-199D-DDD147431AE8}"/>
+                  </a:ext>
+                </a:extLst>
+              </p:cNvPr>
+              <p:cNvSpPr txBox="1"/>
+              <p:nvPr/>
+            </p:nvSpPr>
+            <p:spPr>
+              <a:xfrm>
+                <a:off x="0" y="1115116"/>
+                <a:ext cx="12192000" cy="677108"/>
+              </a:xfrm>
+              <a:prstGeom prst="rect">
+                <a:avLst/>
+              </a:prstGeom>
+              <a:noFill/>
+            </p:spPr>
+            <p:txBody>
+              <a:bodyPr wrap="square" lIns="0" tIns="0" rIns="0" bIns="0" rtlCol="0">
+                <a:spAutoFit/>
+              </a:bodyPr>
+              <a:lstStyle/>
+              <a:p>
+                <a:pPr/>
+                <a14:m>
+                  <m:oMathPara xmlns:m="http://schemas.openxmlformats.org/officeDocument/2006/math">
+                    <m:oMathParaPr>
+                      <m:jc m:val="centerGroup"/>
+                    </m:oMathParaPr>
+                    <m:oMath xmlns:m="http://schemas.openxmlformats.org/officeDocument/2006/math">
+                      <m:r>
+                        <a:rPr lang="pl-PL" sz="4400" b="0" i="1" smtClean="0">
+                          <a:solidFill>
+                            <a:schemeClr val="bg1"/>
+                          </a:solidFill>
+                          <a:latin typeface="Cambria Math" panose="02040503050406030204" pitchFamily="18" charset="0"/>
+                        </a:rPr>
+                        <m:t>𝑖𝑛𝑡</m:t>
+                      </m:r>
+                      <m:r>
+                        <a:rPr lang="pl-PL" sz="4400" b="0" i="1" smtClean="0">
+                          <a:solidFill>
+                            <a:schemeClr val="bg1"/>
+                          </a:solidFill>
+                          <a:latin typeface="Cambria Math" panose="02040503050406030204" pitchFamily="18" charset="0"/>
+                        </a:rPr>
+                        <m:t>(27182,…/10)</m:t>
+                      </m:r>
+                    </m:oMath>
+                  </m:oMathPara>
+                </a14:m>
+                <a:endParaRPr lang="pl-PL" sz="4400" dirty="0"/>
+              </a:p>
+            </p:txBody>
+          </p:sp>
+        </mc:Choice>
+        <mc:Fallback xmlns="">
+          <p:sp>
+            <p:nvSpPr>
+              <p:cNvPr id="11" name="pole tekstowe 10">
+                <a:extLst>
+                  <a:ext uri="{FF2B5EF4-FFF2-40B4-BE49-F238E27FC236}">
+                    <a16:creationId xmlns:a16="http://schemas.microsoft.com/office/drawing/2014/main" id="{8A25EC7B-4740-1D35-199D-DDD147431AE8}"/>
+                  </a:ext>
+                </a:extLst>
+              </p:cNvPr>
+              <p:cNvSpPr txBox="1">
+                <a:spLocks noRot="1" noChangeAspect="1" noMove="1" noResize="1" noEditPoints="1" noAdjustHandles="1" noChangeArrowheads="1" noChangeShapeType="1" noTextEdit="1"/>
+              </p:cNvSpPr>
+              <p:nvPr/>
+            </p:nvSpPr>
+            <p:spPr>
+              <a:xfrm>
+                <a:off x="0" y="1115116"/>
+                <a:ext cx="12192000" cy="677108"/>
+              </a:xfrm>
+              <a:prstGeom prst="rect">
+                <a:avLst/>
+              </a:prstGeom>
+              <a:blipFill>
+                <a:blip r:embed="rId2"/>
+                <a:stretch>
+                  <a:fillRect/>
+                </a:stretch>
+              </a:blipFill>
+            </p:spPr>
+            <p:txBody>
+              <a:bodyPr/>
+              <a:lstStyle/>
+              <a:p>
+                <a:r>
+                  <a:rPr lang="pl-PL">
+                    <a:noFill/>
+                  </a:rPr>
+                  <a:t> </a:t>
+                </a:r>
+              </a:p>
+            </p:txBody>
+          </p:sp>
+        </mc:Fallback>
+      </mc:AlternateContent>
+      <mc:AlternateContent xmlns:mc="http://schemas.openxmlformats.org/markup-compatibility/2006" xmlns:a14="http://schemas.microsoft.com/office/drawing/2010/main">
+        <mc:Choice Requires="a14">
+          <p:sp>
+            <p:nvSpPr>
+              <p:cNvPr id="2" name="pole tekstowe 1">
+                <a:extLst>
+                  <a:ext uri="{FF2B5EF4-FFF2-40B4-BE49-F238E27FC236}">
+                    <a16:creationId xmlns:a16="http://schemas.microsoft.com/office/drawing/2014/main" id="{A21A4B79-4CE3-03BA-96E2-A6FC68B3F42C}"/>
+                  </a:ext>
+                </a:extLst>
+              </p:cNvPr>
+              <p:cNvSpPr txBox="1"/>
+              <p:nvPr/>
+            </p:nvSpPr>
+            <p:spPr>
+              <a:xfrm>
+                <a:off x="0" y="2751892"/>
+                <a:ext cx="12192000" cy="677108"/>
+              </a:xfrm>
+              <a:prstGeom prst="rect">
+                <a:avLst/>
+              </a:prstGeom>
+              <a:noFill/>
+            </p:spPr>
+            <p:txBody>
+              <a:bodyPr wrap="square" lIns="0" tIns="0" rIns="0" bIns="0" rtlCol="0">
+                <a:spAutoFit/>
+              </a:bodyPr>
+              <a:lstStyle/>
+              <a:p>
+                <a:pPr/>
+                <a14:m>
+                  <m:oMathPara xmlns:m="http://schemas.openxmlformats.org/officeDocument/2006/math">
+                    <m:oMathParaPr>
+                      <m:jc m:val="centerGroup"/>
+                    </m:oMathParaPr>
+                    <m:oMath xmlns:m="http://schemas.openxmlformats.org/officeDocument/2006/math">
+                      <m:r>
+                        <a:rPr lang="pl-PL" sz="4400" b="0" i="1" smtClean="0">
+                          <a:solidFill>
+                            <a:schemeClr val="bg1"/>
+                          </a:solidFill>
+                          <a:latin typeface="Cambria Math" panose="02040503050406030204" pitchFamily="18" charset="0"/>
+                        </a:rPr>
+                        <m:t>2+</m:t>
+                      </m:r>
+                    </m:oMath>
+                  </m:oMathPara>
+                </a14:m>
+                <a:endParaRPr lang="pl-PL" sz="4400" dirty="0"/>
+              </a:p>
+            </p:txBody>
+          </p:sp>
+        </mc:Choice>
+        <mc:Fallback xmlns="">
+          <p:sp>
+            <p:nvSpPr>
+              <p:cNvPr id="2" name="pole tekstowe 1">
+                <a:extLst>
+                  <a:ext uri="{FF2B5EF4-FFF2-40B4-BE49-F238E27FC236}">
+                    <a16:creationId xmlns:a16="http://schemas.microsoft.com/office/drawing/2014/main" id="{A21A4B79-4CE3-03BA-96E2-A6FC68B3F42C}"/>
+                  </a:ext>
+                </a:extLst>
+              </p:cNvPr>
+              <p:cNvSpPr txBox="1">
+                <a:spLocks noRot="1" noChangeAspect="1" noMove="1" noResize="1" noEditPoints="1" noAdjustHandles="1" noChangeArrowheads="1" noChangeShapeType="1" noTextEdit="1"/>
+              </p:cNvSpPr>
+              <p:nvPr/>
+            </p:nvSpPr>
+            <p:spPr>
+              <a:xfrm>
+                <a:off x="0" y="2751892"/>
+                <a:ext cx="12192000" cy="677108"/>
+              </a:xfrm>
+              <a:prstGeom prst="rect">
+                <a:avLst/>
+              </a:prstGeom>
+              <a:blipFill>
+                <a:blip r:embed="rId3"/>
+                <a:stretch>
+                  <a:fillRect/>
+                </a:stretch>
+              </a:blipFill>
+            </p:spPr>
+            <p:txBody>
+              <a:bodyPr/>
+              <a:lstStyle/>
+              <a:p>
+                <a:r>
+                  <a:rPr lang="pl-PL">
+                    <a:noFill/>
+                  </a:rPr>
+                  <a:t> </a:t>
+                </a:r>
+              </a:p>
+            </p:txBody>
+          </p:sp>
+        </mc:Fallback>
+      </mc:AlternateContent>
+    </p:spTree>
+    <p:extLst>
+      <p:ext uri="{BB962C8B-B14F-4D97-AF65-F5344CB8AC3E}">
+        <p14:creationId xmlns:p14="http://schemas.microsoft.com/office/powerpoint/2010/main" val="3317443789"/>
+      </p:ext>
+    </p:extLst>
+  </p:cSld>
+  <p:clrMapOvr>
+    <a:masterClrMapping/>
+  </p:clrMapOvr>
+  <mc:AlternateContent xmlns:mc="http://schemas.openxmlformats.org/markup-compatibility/2006" xmlns:p159="http://schemas.microsoft.com/office/powerpoint/2015/09/main">
+    <mc:Choice Requires="p159">
+      <p:transition xmlns:p14="http://schemas.microsoft.com/office/powerpoint/2010/main" spd="slow" p14:dur="2000">
+        <p159:morph option="byObject"/>
+      </p:transition>
+    </mc:Choice>
+    <mc:Fallback xmlns="">
+      <p:transition spd="slow">
+        <p:fade/>
+      </p:transition>
+    </mc:Fallback>
+  </mc:AlternateContent>
+</p:sld>
+</file>
+
+<file path=ppt/slides/slide19.xml><?xml version="1.0" encoding="utf-8"?>
+<p:sld xmlns:a="http://schemas.openxmlformats.org/drawingml/2006/main" xmlns:r="http://schemas.openxmlformats.org/officeDocument/2006/relationships" xmlns:p="http://schemas.openxmlformats.org/presentationml/2006/main">
+  <p:cSld>
+    <p:spTree>
+      <p:nvGrpSpPr>
+        <p:cNvPr id="1" name=""/>
+        <p:cNvGrpSpPr/>
+        <p:nvPr/>
+      </p:nvGrpSpPr>
+      <p:grpSpPr>
+        <a:xfrm>
+          <a:off x="0" y="0"/>
+          <a:ext cx="0" cy="0"/>
+          <a:chOff x="0" y="0"/>
+          <a:chExt cx="0" cy="0"/>
+        </a:xfrm>
+      </p:grpSpPr>
+      <mc:AlternateContent xmlns:mc="http://schemas.openxmlformats.org/markup-compatibility/2006" xmlns:a14="http://schemas.microsoft.com/office/drawing/2010/main">
+        <mc:Choice Requires="a14">
+          <p:sp>
+            <p:nvSpPr>
+              <p:cNvPr id="11" name="pole tekstowe 10">
+                <a:extLst>
+                  <a:ext uri="{FF2B5EF4-FFF2-40B4-BE49-F238E27FC236}">
+                    <a16:creationId xmlns:a16="http://schemas.microsoft.com/office/drawing/2014/main" id="{8A25EC7B-4740-1D35-199D-DDD147431AE8}"/>
+                  </a:ext>
+                </a:extLst>
+              </p:cNvPr>
+              <p:cNvSpPr txBox="1"/>
+              <p:nvPr/>
+            </p:nvSpPr>
+            <p:spPr>
+              <a:xfrm>
+                <a:off x="0" y="1115116"/>
+                <a:ext cx="12192000" cy="677108"/>
+              </a:xfrm>
+              <a:prstGeom prst="rect">
+                <a:avLst/>
+              </a:prstGeom>
+              <a:noFill/>
+            </p:spPr>
+            <p:txBody>
+              <a:bodyPr wrap="square" lIns="0" tIns="0" rIns="0" bIns="0" rtlCol="0">
+                <a:spAutoFit/>
+              </a:bodyPr>
+              <a:lstStyle/>
+              <a:p>
+                <a:pPr/>
+                <a14:m>
+                  <m:oMathPara xmlns:m="http://schemas.openxmlformats.org/officeDocument/2006/math">
+                    <m:oMathParaPr>
+                      <m:jc m:val="centerGroup"/>
+                    </m:oMathParaPr>
+                    <m:oMath xmlns:m="http://schemas.openxmlformats.org/officeDocument/2006/math">
+                      <m:r>
+                        <a:rPr lang="pl-PL" sz="4400" b="0" i="1" smtClean="0">
+                          <a:solidFill>
+                            <a:schemeClr val="bg1"/>
+                          </a:solidFill>
+                          <a:latin typeface="Cambria Math" panose="02040503050406030204" pitchFamily="18" charset="0"/>
+                        </a:rPr>
+                        <m:t>2718</m:t>
+                      </m:r>
+                    </m:oMath>
+                  </m:oMathPara>
+                </a14:m>
+                <a:endParaRPr lang="pl-PL" sz="4400" dirty="0"/>
+              </a:p>
+            </p:txBody>
+          </p:sp>
+        </mc:Choice>
+        <mc:Fallback xmlns="">
+          <p:sp>
+            <p:nvSpPr>
+              <p:cNvPr id="11" name="pole tekstowe 10">
+                <a:extLst>
+                  <a:ext uri="{FF2B5EF4-FFF2-40B4-BE49-F238E27FC236}">
+                    <a16:creationId xmlns:a16="http://schemas.microsoft.com/office/drawing/2014/main" id="{8A25EC7B-4740-1D35-199D-DDD147431AE8}"/>
+                  </a:ext>
+                </a:extLst>
+              </p:cNvPr>
+              <p:cNvSpPr txBox="1">
+                <a:spLocks noRot="1" noChangeAspect="1" noMove="1" noResize="1" noEditPoints="1" noAdjustHandles="1" noChangeArrowheads="1" noChangeShapeType="1" noTextEdit="1"/>
+              </p:cNvSpPr>
+              <p:nvPr/>
+            </p:nvSpPr>
+            <p:spPr>
+              <a:xfrm>
+                <a:off x="0" y="1115116"/>
+                <a:ext cx="12192000" cy="677108"/>
+              </a:xfrm>
+              <a:prstGeom prst="rect">
+                <a:avLst/>
+              </a:prstGeom>
+              <a:blipFill>
+                <a:blip r:embed="rId2"/>
+                <a:stretch>
+                  <a:fillRect/>
+                </a:stretch>
+              </a:blipFill>
+            </p:spPr>
+            <p:txBody>
+              <a:bodyPr/>
+              <a:lstStyle/>
+              <a:p>
+                <a:r>
+                  <a:rPr lang="pl-PL">
+                    <a:noFill/>
+                  </a:rPr>
+                  <a:t> </a:t>
+                </a:r>
+              </a:p>
+            </p:txBody>
+          </p:sp>
+        </mc:Fallback>
+      </mc:AlternateContent>
+      <mc:AlternateContent xmlns:mc="http://schemas.openxmlformats.org/markup-compatibility/2006" xmlns:a14="http://schemas.microsoft.com/office/drawing/2010/main">
+        <mc:Choice Requires="a14">
+          <p:sp>
+            <p:nvSpPr>
+              <p:cNvPr id="2" name="pole tekstowe 1">
+                <a:extLst>
+                  <a:ext uri="{FF2B5EF4-FFF2-40B4-BE49-F238E27FC236}">
+                    <a16:creationId xmlns:a16="http://schemas.microsoft.com/office/drawing/2014/main" id="{A21A4B79-4CE3-03BA-96E2-A6FC68B3F42C}"/>
+                  </a:ext>
+                </a:extLst>
+              </p:cNvPr>
+              <p:cNvSpPr txBox="1"/>
+              <p:nvPr/>
+            </p:nvSpPr>
+            <p:spPr>
+              <a:xfrm>
+                <a:off x="0" y="2751892"/>
+                <a:ext cx="12192000" cy="677108"/>
+              </a:xfrm>
+              <a:prstGeom prst="rect">
+                <a:avLst/>
+              </a:prstGeom>
+              <a:noFill/>
+            </p:spPr>
+            <p:txBody>
+              <a:bodyPr wrap="square" lIns="0" tIns="0" rIns="0" bIns="0" rtlCol="0">
+                <a:spAutoFit/>
+              </a:bodyPr>
+              <a:lstStyle/>
+              <a:p>
+                <a:pPr/>
+                <a14:m>
+                  <m:oMathPara xmlns:m="http://schemas.openxmlformats.org/officeDocument/2006/math">
+                    <m:oMathParaPr>
+                      <m:jc m:val="centerGroup"/>
+                    </m:oMathParaPr>
+                    <m:oMath xmlns:m="http://schemas.openxmlformats.org/officeDocument/2006/math">
+                      <m:r>
+                        <a:rPr lang="pl-PL" sz="4400" b="0" i="1" smtClean="0">
+                          <a:solidFill>
+                            <a:schemeClr val="bg1"/>
+                          </a:solidFill>
+                          <a:latin typeface="Cambria Math" panose="02040503050406030204" pitchFamily="18" charset="0"/>
+                        </a:rPr>
+                        <m:t>2+</m:t>
+                      </m:r>
+                    </m:oMath>
+                  </m:oMathPara>
+                </a14:m>
+                <a:endParaRPr lang="pl-PL" sz="4400" dirty="0"/>
+              </a:p>
+            </p:txBody>
+          </p:sp>
+        </mc:Choice>
+        <mc:Fallback xmlns="">
+          <p:sp>
+            <p:nvSpPr>
+              <p:cNvPr id="2" name="pole tekstowe 1">
+                <a:extLst>
+                  <a:ext uri="{FF2B5EF4-FFF2-40B4-BE49-F238E27FC236}">
+                    <a16:creationId xmlns:a16="http://schemas.microsoft.com/office/drawing/2014/main" id="{A21A4B79-4CE3-03BA-96E2-A6FC68B3F42C}"/>
+                  </a:ext>
+                </a:extLst>
+              </p:cNvPr>
+              <p:cNvSpPr txBox="1">
+                <a:spLocks noRot="1" noChangeAspect="1" noMove="1" noResize="1" noEditPoints="1" noAdjustHandles="1" noChangeArrowheads="1" noChangeShapeType="1" noTextEdit="1"/>
+              </p:cNvSpPr>
+              <p:nvPr/>
+            </p:nvSpPr>
+            <p:spPr>
+              <a:xfrm>
+                <a:off x="0" y="2751892"/>
+                <a:ext cx="12192000" cy="677108"/>
+              </a:xfrm>
+              <a:prstGeom prst="rect">
+                <a:avLst/>
+              </a:prstGeom>
+              <a:blipFill>
+                <a:blip r:embed="rId3"/>
+                <a:stretch>
+                  <a:fillRect/>
+                </a:stretch>
+              </a:blipFill>
+            </p:spPr>
+            <p:txBody>
+              <a:bodyPr/>
+              <a:lstStyle/>
+              <a:p>
+                <a:r>
+                  <a:rPr lang="pl-PL">
+                    <a:noFill/>
+                  </a:rPr>
+                  <a:t> </a:t>
+                </a:r>
+              </a:p>
+            </p:txBody>
+          </p:sp>
+        </mc:Fallback>
+      </mc:AlternateContent>
+    </p:spTree>
+    <p:extLst>
+      <p:ext uri="{BB962C8B-B14F-4D97-AF65-F5344CB8AC3E}">
+        <p14:creationId xmlns:p14="http://schemas.microsoft.com/office/powerpoint/2010/main" val="237269588"/>
+      </p:ext>
+    </p:extLst>
+  </p:cSld>
+  <p:clrMapOvr>
+    <a:masterClrMapping/>
+  </p:clrMapOvr>
+  <mc:AlternateContent xmlns:mc="http://schemas.openxmlformats.org/markup-compatibility/2006" xmlns:p159="http://schemas.microsoft.com/office/powerpoint/2015/09/main">
+    <mc:Choice Requires="p159">
+      <p:transition xmlns:p14="http://schemas.microsoft.com/office/powerpoint/2010/main" spd="slow" p14:dur="2000">
+        <p159:morph option="byObject"/>
+      </p:transition>
+    </mc:Choice>
+    <mc:Fallback xmlns="">
+      <p:transition spd="slow">
+        <p:fade/>
+      </p:transition>
+    </mc:Fallback>
+  </mc:AlternateContent>
 </p:sld>
 </file>
 
@@ -3400,10 +7712,10 @@
       </p:grpSpPr>
       <p:sp>
         <p:nvSpPr>
-          <p:cNvPr id="6" name="pole tekstowe 5">
+          <p:cNvPr id="3" name="pole tekstowe 2">
             <a:extLst>
               <a:ext uri="{FF2B5EF4-FFF2-40B4-BE49-F238E27FC236}">
-                <a16:creationId xmlns:a16="http://schemas.microsoft.com/office/drawing/2014/main" id="{71ADCE00-1982-7755-D244-D3440FBF2631}"/>
+                <a16:creationId xmlns:a16="http://schemas.microsoft.com/office/drawing/2014/main" id="{A7C92DF3-33F2-2224-7058-4A2A0D449F7D}"/>
               </a:ext>
             </a:extLst>
           </p:cNvPr>
@@ -3412,8 +7724,8 @@
         </p:nvSpPr>
         <p:spPr>
           <a:xfrm>
-            <a:off x="0" y="-1"/>
-            <a:ext cx="12192000" cy="1246495"/>
+            <a:off x="696466" y="1659598"/>
+            <a:ext cx="10799065" cy="523220"/>
           </a:xfrm>
           <a:prstGeom prst="rect">
             <a:avLst/>
@@ -3426,49 +7738,8 @@
           </a:bodyPr>
           <a:lstStyle/>
           <a:p>
-            <a:pPr algn="ctr"/>
             <a:r>
-              <a:rPr lang="pl-PL" sz="2500" dirty="0">
-                <a:solidFill>
-                  <a:schemeClr val="bg1"/>
-                </a:solidFill>
-                <a:latin typeface="Oswald" pitchFamily="2" charset="-18"/>
-              </a:rPr>
-              <a:t>Liczba e = 2.71828... jest równa sumie nieskończonego ciągu 1/0!+1/1!+1/2!+1/3!+1/4!+1/5!+1/6!+... Proszę napisać program, który wyznacza liczbę e z dokładnością do N miejsc po przecinku i zwraca sumę wszystkich cyfr wyznaczonej liczby.</a:t>
-            </a:r>
-          </a:p>
-        </p:txBody>
-      </p:sp>
-      <p:sp>
-        <p:nvSpPr>
-          <p:cNvPr id="2" name="pole tekstowe 1">
-            <a:extLst>
-              <a:ext uri="{FF2B5EF4-FFF2-40B4-BE49-F238E27FC236}">
-                <a16:creationId xmlns:a16="http://schemas.microsoft.com/office/drawing/2014/main" id="{7246F0D8-DA9A-A577-11AB-F7E0E6732CFE}"/>
-              </a:ext>
-            </a:extLst>
-          </p:cNvPr>
-          <p:cNvSpPr txBox="1"/>
-          <p:nvPr/>
-        </p:nvSpPr>
-        <p:spPr>
-          <a:xfrm>
-            <a:off x="1827973" y="2068005"/>
-            <a:ext cx="9270460" cy="461665"/>
-          </a:xfrm>
-          <a:prstGeom prst="rect">
-            <a:avLst/>
-          </a:prstGeom>
-          <a:noFill/>
-        </p:spPr>
-        <p:txBody>
-          <a:bodyPr wrap="square" rtlCol="0">
-            <a:spAutoFit/>
-          </a:bodyPr>
-          <a:lstStyle/>
-          <a:p>
-            <a:r>
-              <a:rPr lang="pl-PL" sz="2400" dirty="0">
+              <a:rPr lang="pl-PL" sz="2800" dirty="0">
                 <a:solidFill>
                   <a:schemeClr val="bg1"/>
                 </a:solidFill>
@@ -3479,14 +7750,56 @@
           </a:p>
         </p:txBody>
       </p:sp>
-      <mc:AlternateContent xmlns:mc="http://schemas.openxmlformats.org/markup-compatibility/2006">
-        <mc:Choice xmlns:a14="http://schemas.microsoft.com/office/drawing/2010/main" Requires="a14">
+    </p:spTree>
+    <p:extLst>
+      <p:ext uri="{BB962C8B-B14F-4D97-AF65-F5344CB8AC3E}">
+        <p14:creationId xmlns:p14="http://schemas.microsoft.com/office/powerpoint/2010/main" val="2026586094"/>
+      </p:ext>
+    </p:extLst>
+  </p:cSld>
+  <p:clrMapOvr>
+    <a:masterClrMapping/>
+  </p:clrMapOvr>
+  <mc:AlternateContent xmlns:mc="http://schemas.openxmlformats.org/markup-compatibility/2006" xmlns:p159="http://schemas.microsoft.com/office/powerpoint/2015/09/main">
+    <mc:Choice Requires="p159">
+      <p:transition xmlns:p14="http://schemas.microsoft.com/office/powerpoint/2010/main" spd="slow" p14:dur="2000">
+        <p159:morph option="byObject"/>
+      </p:transition>
+    </mc:Choice>
+    <mc:Fallback xmlns="">
+      <p:transition spd="slow">
+        <p:fade/>
+      </p:transition>
+    </mc:Fallback>
+  </mc:AlternateContent>
+</p:sld>
+</file>
+
+<file path=ppt/slides/slide20.xml><?xml version="1.0" encoding="utf-8"?>
+<p:sld xmlns:a="http://schemas.openxmlformats.org/drawingml/2006/main" xmlns:r="http://schemas.openxmlformats.org/officeDocument/2006/relationships" xmlns:p="http://schemas.openxmlformats.org/presentationml/2006/main">
+  <p:cSld>
+    <p:spTree>
+      <p:nvGrpSpPr>
+        <p:cNvPr id="1" name=""/>
+        <p:cNvGrpSpPr/>
+        <p:nvPr/>
+      </p:nvGrpSpPr>
+      <p:grpSpPr>
+        <a:xfrm>
+          <a:off x="0" y="0"/>
+          <a:ext cx="0" cy="0"/>
+          <a:chOff x="0" y="0"/>
+          <a:chExt cx="0" cy="0"/>
+        </a:xfrm>
+      </p:grpSpPr>
+      <mc:AlternateContent xmlns:mc="http://schemas.openxmlformats.org/markup-compatibility/2006" xmlns:a14="http://schemas.microsoft.com/office/drawing/2010/main">
+        <mc:Choice Requires="a14">
           <p:sp>
             <p:nvSpPr>
-              <p:cNvPr id="5" name="pole tekstowe 4">
+              <p:cNvPr id="11" name="pole tekstowe 10">
                 <a:extLst>
                   <a:ext uri="{FF2B5EF4-FFF2-40B4-BE49-F238E27FC236}">
-                    <a16:creationId xmlns:a16="http://schemas.microsoft.com/office/drawing/2014/main" id="{FA0199E7-9E5F-4F64-7C69-767E70CD107A}"/>
+                    <a16:creationId xmlns:a16="http://schemas.microsoft.com/office/drawing/2014/main" id="{8A25EC7B-4740-1D35-199D-DDD147431AE8}"/>
                   </a:ext>
                 </a:extLst>
               </p:cNvPr>
@@ -3495,8 +7808,8 @@
             </p:nvSpPr>
             <p:spPr>
               <a:xfrm>
-                <a:off x="3374672" y="2719678"/>
-                <a:ext cx="6177062" cy="461665"/>
+                <a:off x="0" y="1115116"/>
+                <a:ext cx="12192000" cy="677108"/>
               </a:xfrm>
               <a:prstGeom prst="rect">
                 <a:avLst/>
@@ -3504,7 +7817,7 @@
               <a:noFill/>
             </p:spPr>
             <p:txBody>
-              <a:bodyPr wrap="square">
+              <a:bodyPr wrap="square" lIns="0" tIns="0" rIns="0" bIns="0" rtlCol="0">
                 <a:spAutoFit/>
               </a:bodyPr>
               <a:lstStyle/>
@@ -3516,125 +7829,48 @@
                       <m:jc m:val="centerGroup"/>
                     </m:oMathParaPr>
                     <m:oMath xmlns:m="http://schemas.openxmlformats.org/officeDocument/2006/math">
-                      <m:sSup>
-                        <m:sSupPr>
-                          <m:ctrlPr>
-                            <a:rPr lang="pl-PL" sz="2400" b="0" i="1" smtClean="0">
-                              <a:solidFill>
-                                <a:schemeClr val="bg1"/>
-                              </a:solidFill>
-                              <a:latin typeface="Cambria Math" panose="02040503050406030204" pitchFamily="18" charset="0"/>
-                            </a:rPr>
-                          </m:ctrlPr>
-                        </m:sSupPr>
-                        <m:e>
-                          <m:r>
-                            <a:rPr lang="pl-PL" sz="2400" b="0" i="1" smtClean="0">
-                              <a:solidFill>
-                                <a:schemeClr val="bg1"/>
-                              </a:solidFill>
-                              <a:latin typeface="Cambria Math" panose="02040503050406030204" pitchFamily="18" charset="0"/>
-                            </a:rPr>
-                            <m:t>𝑓</m:t>
-                          </m:r>
-                        </m:e>
-                        <m:sup>
-                          <m:r>
-                            <a:rPr lang="pl-PL" sz="2400" b="0" i="1" smtClean="0">
-                              <a:solidFill>
-                                <a:schemeClr val="bg1"/>
-                              </a:solidFill>
-                              <a:latin typeface="Cambria Math" panose="02040503050406030204" pitchFamily="18" charset="0"/>
-                            </a:rPr>
-                            <m:t>∗</m:t>
-                          </m:r>
-                        </m:sup>
-                      </m:sSup>
                       <m:r>
-                        <a:rPr lang="pl-PL" sz="2400" b="0" i="1" smtClean="0">
+                        <a:rPr lang="pl-PL" sz="4400" b="0" i="1" smtClean="0">
                           <a:solidFill>
                             <a:schemeClr val="bg1"/>
                           </a:solidFill>
                           <a:latin typeface="Cambria Math" panose="02040503050406030204" pitchFamily="18" charset="0"/>
                         </a:rPr>
-                        <m:t>−</m:t>
+                        <m:t>271</m:t>
                       </m:r>
                       <m:r>
-                        <a:rPr lang="pl-PL" sz="2400" b="0" i="1" smtClean="0">
+                        <a:rPr lang="pl-PL" sz="4400" b="0" i="1" smtClean="0">
+                          <a:solidFill>
+                            <a:schemeClr val="accent2"/>
+                          </a:solidFill>
+                          <a:latin typeface="Cambria Math" panose="02040503050406030204" pitchFamily="18" charset="0"/>
+                        </a:rPr>
+                        <m:t>8</m:t>
+                      </m:r>
+                      <m:r>
+                        <a:rPr lang="pl-PL" sz="4400" b="0" i="1" smtClean="0">
                           <a:solidFill>
                             <a:schemeClr val="bg1"/>
                           </a:solidFill>
                           <a:latin typeface="Cambria Math" panose="02040503050406030204" pitchFamily="18" charset="0"/>
                         </a:rPr>
-                        <m:t>𝑒</m:t>
+                        <m:t> % 10=8</m:t>
                       </m:r>
-                      <m:r>
-                        <a:rPr lang="pl-PL" sz="2400" b="0" i="1" smtClean="0">
-                          <a:solidFill>
-                            <a:schemeClr val="bg1"/>
-                          </a:solidFill>
-                          <a:latin typeface="Cambria Math" panose="02040503050406030204" pitchFamily="18" charset="0"/>
-                        </a:rPr>
-                        <m:t>&lt;</m:t>
-                      </m:r>
-                      <m:sSup>
-                        <m:sSupPr>
-                          <m:ctrlPr>
-                            <a:rPr lang="pl-PL" sz="2400" b="0" i="1" smtClean="0">
-                              <a:solidFill>
-                                <a:schemeClr val="bg1"/>
-                              </a:solidFill>
-                              <a:latin typeface="Cambria Math" panose="02040503050406030204" pitchFamily="18" charset="0"/>
-                            </a:rPr>
-                          </m:ctrlPr>
-                        </m:sSupPr>
-                        <m:e>
-                          <m:r>
-                            <a:rPr lang="pl-PL" sz="2400" b="0" i="1" smtClean="0">
-                              <a:solidFill>
-                                <a:schemeClr val="bg1"/>
-                              </a:solidFill>
-                              <a:latin typeface="Cambria Math" panose="02040503050406030204" pitchFamily="18" charset="0"/>
-                            </a:rPr>
-                            <m:t>10</m:t>
-                          </m:r>
-                        </m:e>
-                        <m:sup>
-                          <m:r>
-                            <a:rPr lang="pl-PL" sz="2400" b="0" i="1" smtClean="0">
-                              <a:solidFill>
-                                <a:schemeClr val="bg1"/>
-                              </a:solidFill>
-                              <a:latin typeface="Cambria Math" panose="02040503050406030204" pitchFamily="18" charset="0"/>
-                            </a:rPr>
-                            <m:t>−</m:t>
-                          </m:r>
-                          <m:r>
-                            <a:rPr lang="pl-PL" sz="2400" b="0" i="1" smtClean="0">
-                              <a:solidFill>
-                                <a:schemeClr val="bg1"/>
-                              </a:solidFill>
-                              <a:latin typeface="Cambria Math" panose="02040503050406030204" pitchFamily="18" charset="0"/>
-                            </a:rPr>
-                            <m:t>𝑁</m:t>
-                          </m:r>
-                        </m:sup>
-                      </m:sSup>
                     </m:oMath>
                   </m:oMathPara>
                 </a14:m>
-                <a:endParaRPr lang="pl-PL" sz="2400" dirty="0"/>
+                <a:endParaRPr lang="pl-PL" sz="4400" dirty="0"/>
               </a:p>
             </p:txBody>
           </p:sp>
         </mc:Choice>
-        <mc:Fallback>
+        <mc:Fallback xmlns="">
           <p:sp>
             <p:nvSpPr>
-              <p:cNvPr id="5" name="pole tekstowe 4">
+              <p:cNvPr id="11" name="pole tekstowe 10">
                 <a:extLst>
                   <a:ext uri="{FF2B5EF4-FFF2-40B4-BE49-F238E27FC236}">
-                    <a16:creationId xmlns:a16="http://schemas.microsoft.com/office/drawing/2014/main" id="{FA0199E7-9E5F-4F64-7C69-767E70CD107A}"/>
+                    <a16:creationId xmlns:a16="http://schemas.microsoft.com/office/drawing/2014/main" id="{8A25EC7B-4740-1D35-199D-DDD147431AE8}"/>
                   </a:ext>
                 </a:extLst>
               </p:cNvPr>
@@ -3645,8 +7881,8 @@
             </p:nvSpPr>
             <p:spPr>
               <a:xfrm>
-                <a:off x="3374672" y="2719678"/>
-                <a:ext cx="6177062" cy="461665"/>
+                <a:off x="0" y="1115116"/>
+                <a:ext cx="12192000" cy="677108"/>
               </a:xfrm>
               <a:prstGeom prst="rect">
                 <a:avLst/>
@@ -3654,7 +7890,115 @@
               <a:blipFill>
                 <a:blip r:embed="rId2"/>
                 <a:stretch>
-                  <a:fillRect b="-17105"/>
+                  <a:fillRect/>
+                </a:stretch>
+              </a:blipFill>
+            </p:spPr>
+            <p:txBody>
+              <a:bodyPr/>
+              <a:lstStyle/>
+              <a:p>
+                <a:r>
+                  <a:rPr lang="pl-PL">
+                    <a:noFill/>
+                  </a:rPr>
+                  <a:t> </a:t>
+                </a:r>
+              </a:p>
+            </p:txBody>
+          </p:sp>
+        </mc:Fallback>
+      </mc:AlternateContent>
+      <mc:AlternateContent xmlns:mc="http://schemas.openxmlformats.org/markup-compatibility/2006" xmlns:a14="http://schemas.microsoft.com/office/drawing/2010/main">
+        <mc:Choice Requires="a14">
+          <p:sp>
+            <p:nvSpPr>
+              <p:cNvPr id="2" name="pole tekstowe 1">
+                <a:extLst>
+                  <a:ext uri="{FF2B5EF4-FFF2-40B4-BE49-F238E27FC236}">
+                    <a16:creationId xmlns:a16="http://schemas.microsoft.com/office/drawing/2014/main" id="{A21A4B79-4CE3-03BA-96E2-A6FC68B3F42C}"/>
+                  </a:ext>
+                </a:extLst>
+              </p:cNvPr>
+              <p:cNvSpPr txBox="1"/>
+              <p:nvPr/>
+            </p:nvSpPr>
+            <p:spPr>
+              <a:xfrm>
+                <a:off x="0" y="2751892"/>
+                <a:ext cx="12192000" cy="677108"/>
+              </a:xfrm>
+              <a:prstGeom prst="rect">
+                <a:avLst/>
+              </a:prstGeom>
+              <a:noFill/>
+            </p:spPr>
+            <p:txBody>
+              <a:bodyPr wrap="square" lIns="0" tIns="0" rIns="0" bIns="0" rtlCol="0">
+                <a:spAutoFit/>
+              </a:bodyPr>
+              <a:lstStyle/>
+              <a:p>
+                <a:pPr/>
+                <a14:m>
+                  <m:oMathPara xmlns:m="http://schemas.openxmlformats.org/officeDocument/2006/math">
+                    <m:oMathParaPr>
+                      <m:jc m:val="centerGroup"/>
+                    </m:oMathParaPr>
+                    <m:oMath xmlns:m="http://schemas.openxmlformats.org/officeDocument/2006/math">
+                      <m:r>
+                        <a:rPr lang="pl-PL" sz="4400" b="0" i="1" smtClean="0">
+                          <a:solidFill>
+                            <a:schemeClr val="bg1"/>
+                          </a:solidFill>
+                          <a:latin typeface="Cambria Math" panose="02040503050406030204" pitchFamily="18" charset="0"/>
+                        </a:rPr>
+                        <m:t>2+</m:t>
+                      </m:r>
+                      <m:r>
+                        <a:rPr lang="pl-PL" sz="4400" b="0" i="1" smtClean="0">
+                          <a:solidFill>
+                            <a:schemeClr val="accent2"/>
+                          </a:solidFill>
+                          <a:latin typeface="Cambria Math" panose="02040503050406030204" pitchFamily="18" charset="0"/>
+                        </a:rPr>
+                        <m:t>8</m:t>
+                      </m:r>
+                    </m:oMath>
+                  </m:oMathPara>
+                </a14:m>
+                <a:endParaRPr lang="pl-PL" sz="4400" dirty="0"/>
+              </a:p>
+            </p:txBody>
+          </p:sp>
+        </mc:Choice>
+        <mc:Fallback xmlns="">
+          <p:sp>
+            <p:nvSpPr>
+              <p:cNvPr id="2" name="pole tekstowe 1">
+                <a:extLst>
+                  <a:ext uri="{FF2B5EF4-FFF2-40B4-BE49-F238E27FC236}">
+                    <a16:creationId xmlns:a16="http://schemas.microsoft.com/office/drawing/2014/main" id="{A21A4B79-4CE3-03BA-96E2-A6FC68B3F42C}"/>
+                  </a:ext>
+                </a:extLst>
+              </p:cNvPr>
+              <p:cNvSpPr txBox="1">
+                <a:spLocks noRot="1" noChangeAspect="1" noMove="1" noResize="1" noEditPoints="1" noAdjustHandles="1" noChangeArrowheads="1" noChangeShapeType="1" noTextEdit="1"/>
+              </p:cNvSpPr>
+              <p:nvPr/>
+            </p:nvSpPr>
+            <p:spPr>
+              <a:xfrm>
+                <a:off x="0" y="2751892"/>
+                <a:ext cx="12192000" cy="677108"/>
+              </a:xfrm>
+              <a:prstGeom prst="rect">
+                <a:avLst/>
+              </a:prstGeom>
+              <a:blipFill>
+                <a:blip r:embed="rId3"/>
+                <a:stretch>
+                  <a:fillRect/>
                 </a:stretch>
               </a:blipFill>
             </p:spPr>
@@ -3676,13 +8020,960 @@
     </p:spTree>
     <p:extLst>
       <p:ext uri="{BB962C8B-B14F-4D97-AF65-F5344CB8AC3E}">
-        <p14:creationId xmlns:p14="http://schemas.microsoft.com/office/powerpoint/2010/main" val="933484541"/>
+        <p14:creationId xmlns:p14="http://schemas.microsoft.com/office/powerpoint/2010/main" val="2093425227"/>
       </p:ext>
     </p:extLst>
   </p:cSld>
   <p:clrMapOvr>
     <a:masterClrMapping/>
   </p:clrMapOvr>
+  <mc:AlternateContent xmlns:mc="http://schemas.openxmlformats.org/markup-compatibility/2006" xmlns:p159="http://schemas.microsoft.com/office/powerpoint/2015/09/main">
+    <mc:Choice Requires="p159">
+      <p:transition xmlns:p14="http://schemas.microsoft.com/office/powerpoint/2010/main" spd="slow" p14:dur="2000">
+        <p159:morph option="byObject"/>
+      </p:transition>
+    </mc:Choice>
+    <mc:Fallback xmlns="">
+      <p:transition spd="slow">
+        <p:fade/>
+      </p:transition>
+    </mc:Fallback>
+  </mc:AlternateContent>
+</p:sld>
+</file>
+
+<file path=ppt/slides/slide21.xml><?xml version="1.0" encoding="utf-8"?>
+<p:sld xmlns:a="http://schemas.openxmlformats.org/drawingml/2006/main" xmlns:r="http://schemas.openxmlformats.org/officeDocument/2006/relationships" xmlns:p="http://schemas.openxmlformats.org/presentationml/2006/main">
+  <p:cSld>
+    <p:spTree>
+      <p:nvGrpSpPr>
+        <p:cNvPr id="1" name=""/>
+        <p:cNvGrpSpPr/>
+        <p:nvPr/>
+      </p:nvGrpSpPr>
+      <p:grpSpPr>
+        <a:xfrm>
+          <a:off x="0" y="0"/>
+          <a:ext cx="0" cy="0"/>
+          <a:chOff x="0" y="0"/>
+          <a:chExt cx="0" cy="0"/>
+        </a:xfrm>
+      </p:grpSpPr>
+      <mc:AlternateContent xmlns:mc="http://schemas.openxmlformats.org/markup-compatibility/2006" xmlns:a14="http://schemas.microsoft.com/office/drawing/2010/main">
+        <mc:Choice Requires="a14">
+          <p:sp>
+            <p:nvSpPr>
+              <p:cNvPr id="2" name="pole tekstowe 1">
+                <a:extLst>
+                  <a:ext uri="{FF2B5EF4-FFF2-40B4-BE49-F238E27FC236}">
+                    <a16:creationId xmlns:a16="http://schemas.microsoft.com/office/drawing/2014/main" id="{A21A4B79-4CE3-03BA-96E2-A6FC68B3F42C}"/>
+                  </a:ext>
+                </a:extLst>
+              </p:cNvPr>
+              <p:cNvSpPr txBox="1"/>
+              <p:nvPr/>
+            </p:nvSpPr>
+            <p:spPr>
+              <a:xfrm>
+                <a:off x="0" y="2751892"/>
+                <a:ext cx="12192000" cy="677108"/>
+              </a:xfrm>
+              <a:prstGeom prst="rect">
+                <a:avLst/>
+              </a:prstGeom>
+              <a:noFill/>
+            </p:spPr>
+            <p:txBody>
+              <a:bodyPr wrap="square" lIns="0" tIns="0" rIns="0" bIns="0" rtlCol="0">
+                <a:spAutoFit/>
+              </a:bodyPr>
+              <a:lstStyle/>
+              <a:p>
+                <a:pPr/>
+                <a14:m>
+                  <m:oMathPara xmlns:m="http://schemas.openxmlformats.org/officeDocument/2006/math">
+                    <m:oMathParaPr>
+                      <m:jc m:val="centerGroup"/>
+                    </m:oMathParaPr>
+                    <m:oMath xmlns:m="http://schemas.openxmlformats.org/officeDocument/2006/math">
+                      <m:r>
+                        <a:rPr lang="pl-PL" sz="4400" b="0" i="1" smtClean="0">
+                          <a:solidFill>
+                            <a:schemeClr val="bg1"/>
+                          </a:solidFill>
+                          <a:latin typeface="Cambria Math" panose="02040503050406030204" pitchFamily="18" charset="0"/>
+                        </a:rPr>
+                        <m:t>2+8+1+7+2=</m:t>
+                      </m:r>
+                      <m:r>
+                        <a:rPr lang="pl-PL" sz="4400" b="0" i="1" smtClean="0">
+                          <a:solidFill>
+                            <a:schemeClr val="accent6"/>
+                          </a:solidFill>
+                          <a:latin typeface="Cambria Math" panose="02040503050406030204" pitchFamily="18" charset="0"/>
+                        </a:rPr>
+                        <m:t>20</m:t>
+                      </m:r>
+                    </m:oMath>
+                  </m:oMathPara>
+                </a14:m>
+                <a:endParaRPr lang="pl-PL" sz="4400" dirty="0"/>
+              </a:p>
+            </p:txBody>
+          </p:sp>
+        </mc:Choice>
+        <mc:Fallback xmlns="">
+          <p:sp>
+            <p:nvSpPr>
+              <p:cNvPr id="2" name="pole tekstowe 1">
+                <a:extLst>
+                  <a:ext uri="{FF2B5EF4-FFF2-40B4-BE49-F238E27FC236}">
+                    <a16:creationId xmlns:a16="http://schemas.microsoft.com/office/drawing/2014/main" id="{A21A4B79-4CE3-03BA-96E2-A6FC68B3F42C}"/>
+                  </a:ext>
+                </a:extLst>
+              </p:cNvPr>
+              <p:cNvSpPr txBox="1">
+                <a:spLocks noRot="1" noChangeAspect="1" noMove="1" noResize="1" noEditPoints="1" noAdjustHandles="1" noChangeArrowheads="1" noChangeShapeType="1" noTextEdit="1"/>
+              </p:cNvSpPr>
+              <p:nvPr/>
+            </p:nvSpPr>
+            <p:spPr>
+              <a:xfrm>
+                <a:off x="0" y="2751892"/>
+                <a:ext cx="12192000" cy="677108"/>
+              </a:xfrm>
+              <a:prstGeom prst="rect">
+                <a:avLst/>
+              </a:prstGeom>
+              <a:blipFill>
+                <a:blip r:embed="rId2"/>
+                <a:stretch>
+                  <a:fillRect/>
+                </a:stretch>
+              </a:blipFill>
+            </p:spPr>
+            <p:txBody>
+              <a:bodyPr/>
+              <a:lstStyle/>
+              <a:p>
+                <a:r>
+                  <a:rPr lang="pl-PL">
+                    <a:noFill/>
+                  </a:rPr>
+                  <a:t> </a:t>
+                </a:r>
+              </a:p>
+            </p:txBody>
+          </p:sp>
+        </mc:Fallback>
+      </mc:AlternateContent>
+    </p:spTree>
+    <p:extLst>
+      <p:ext uri="{BB962C8B-B14F-4D97-AF65-F5344CB8AC3E}">
+        <p14:creationId xmlns:p14="http://schemas.microsoft.com/office/powerpoint/2010/main" val="2191956048"/>
+      </p:ext>
+    </p:extLst>
+  </p:cSld>
+  <p:clrMapOvr>
+    <a:masterClrMapping/>
+  </p:clrMapOvr>
+  <mc:AlternateContent xmlns:mc="http://schemas.openxmlformats.org/markup-compatibility/2006" xmlns:p159="http://schemas.microsoft.com/office/powerpoint/2015/09/main">
+    <mc:Choice Requires="p159">
+      <p:transition xmlns:p14="http://schemas.microsoft.com/office/powerpoint/2010/main" spd="slow" p14:dur="2000">
+        <p159:morph option="byObject"/>
+      </p:transition>
+    </mc:Choice>
+    <mc:Fallback xmlns="">
+      <p:transition spd="slow">
+        <p:fade/>
+      </p:transition>
+    </mc:Fallback>
+  </mc:AlternateContent>
+</p:sld>
+</file>
+
+<file path=ppt/slides/slide22.xml><?xml version="1.0" encoding="utf-8"?>
+<p:sld xmlns:a="http://schemas.openxmlformats.org/drawingml/2006/main" xmlns:r="http://schemas.openxmlformats.org/officeDocument/2006/relationships" xmlns:p="http://schemas.openxmlformats.org/presentationml/2006/main">
+  <p:cSld>
+    <p:spTree>
+      <p:nvGrpSpPr>
+        <p:cNvPr id="1" name=""/>
+        <p:cNvGrpSpPr/>
+        <p:nvPr/>
+      </p:nvGrpSpPr>
+      <p:grpSpPr>
+        <a:xfrm>
+          <a:off x="0" y="0"/>
+          <a:ext cx="0" cy="0"/>
+          <a:chOff x="0" y="0"/>
+          <a:chExt cx="0" cy="0"/>
+        </a:xfrm>
+      </p:grpSpPr>
+      <p:pic>
+        <p:nvPicPr>
+          <p:cNvPr id="4" name="Obraz 3" descr="Obraz zawierający tekst, elektronika, komputer, zrzut ekranu&#10;&#10;Opis wygenerowany automatycznie">
+            <a:extLst>
+              <a:ext uri="{FF2B5EF4-FFF2-40B4-BE49-F238E27FC236}">
+                <a16:creationId xmlns:a16="http://schemas.microsoft.com/office/drawing/2014/main" id="{39363BF4-22A2-A9F7-022C-A43FF73F7278}"/>
+              </a:ext>
+            </a:extLst>
+          </p:cNvPr>
+          <p:cNvPicPr>
+            <a:picLocks noChangeAspect="1"/>
+          </p:cNvPicPr>
+          <p:nvPr/>
+        </p:nvPicPr>
+        <p:blipFill>
+          <a:blip r:embed="rId2">
+            <a:extLst>
+              <a:ext uri="{28A0092B-C50C-407E-A947-70E740481C1C}">
+                <a14:useLocalDpi xmlns:a14="http://schemas.microsoft.com/office/drawing/2010/main" val="0"/>
+              </a:ext>
+            </a:extLst>
+          </a:blip>
+          <a:stretch>
+            <a:fillRect/>
+          </a:stretch>
+        </p:blipFill>
+        <p:spPr>
+          <a:xfrm>
+            <a:off x="0" y="-290946"/>
+            <a:ext cx="4609815" cy="7439891"/>
+          </a:xfrm>
+          <a:prstGeom prst="rect">
+            <a:avLst/>
+          </a:prstGeom>
+        </p:spPr>
+      </p:pic>
+      <p:sp>
+        <p:nvSpPr>
+          <p:cNvPr id="5" name="Nawias klamrowy zamykający 4">
+            <a:extLst>
+              <a:ext uri="{FF2B5EF4-FFF2-40B4-BE49-F238E27FC236}">
+                <a16:creationId xmlns:a16="http://schemas.microsoft.com/office/drawing/2014/main" id="{C0407C1B-CE63-7792-22EB-D0F45334041B}"/>
+              </a:ext>
+            </a:extLst>
+          </p:cNvPr>
+          <p:cNvSpPr/>
+          <p:nvPr/>
+        </p:nvSpPr>
+        <p:spPr>
+          <a:xfrm>
+            <a:off x="3648456" y="786384"/>
+            <a:ext cx="1609344" cy="731520"/>
+          </a:xfrm>
+          <a:prstGeom prst="rightBrace">
+            <a:avLst/>
+          </a:prstGeom>
+          <a:ln>
+            <a:solidFill>
+              <a:schemeClr val="bg1"/>
+            </a:solidFill>
+          </a:ln>
+        </p:spPr>
+        <p:style>
+          <a:lnRef idx="2">
+            <a:schemeClr val="accent1"/>
+          </a:lnRef>
+          <a:fillRef idx="0">
+            <a:schemeClr val="accent1"/>
+          </a:fillRef>
+          <a:effectRef idx="1">
+            <a:schemeClr val="accent1"/>
+          </a:effectRef>
+          <a:fontRef idx="minor">
+            <a:schemeClr val="tx1"/>
+          </a:fontRef>
+        </p:style>
+        <p:txBody>
+          <a:bodyPr rtlCol="0" anchor="ctr"/>
+          <a:lstStyle/>
+          <a:p>
+            <a:pPr algn="ctr"/>
+            <a:endParaRPr lang="pl-PL"/>
+          </a:p>
+        </p:txBody>
+      </p:sp>
+      <p:pic>
+        <p:nvPicPr>
+          <p:cNvPr id="7" name="Obraz 6">
+            <a:extLst>
+              <a:ext uri="{FF2B5EF4-FFF2-40B4-BE49-F238E27FC236}">
+                <a16:creationId xmlns:a16="http://schemas.microsoft.com/office/drawing/2014/main" id="{AAFDAC6B-F46A-0CFE-AFF0-2A8819F0AB08}"/>
+              </a:ext>
+            </a:extLst>
+          </p:cNvPr>
+          <p:cNvPicPr>
+            <a:picLocks noChangeAspect="1"/>
+          </p:cNvPicPr>
+          <p:nvPr/>
+        </p:nvPicPr>
+        <p:blipFill>
+          <a:blip r:embed="rId3"/>
+          <a:stretch>
+            <a:fillRect/>
+          </a:stretch>
+        </p:blipFill>
+        <p:spPr>
+          <a:xfrm>
+            <a:off x="5405341" y="528169"/>
+            <a:ext cx="1381318" cy="1247949"/>
+          </a:xfrm>
+          <a:prstGeom prst="rect">
+            <a:avLst/>
+          </a:prstGeom>
+        </p:spPr>
+      </p:pic>
+    </p:spTree>
+    <p:extLst>
+      <p:ext uri="{BB962C8B-B14F-4D97-AF65-F5344CB8AC3E}">
+        <p14:creationId xmlns:p14="http://schemas.microsoft.com/office/powerpoint/2010/main" val="2238245293"/>
+      </p:ext>
+    </p:extLst>
+  </p:cSld>
+  <p:clrMapOvr>
+    <a:masterClrMapping/>
+  </p:clrMapOvr>
+  <mc:AlternateContent xmlns:mc="http://schemas.openxmlformats.org/markup-compatibility/2006" xmlns:p159="http://schemas.microsoft.com/office/powerpoint/2015/09/main">
+    <mc:Choice Requires="p159">
+      <p:transition xmlns:p14="http://schemas.microsoft.com/office/powerpoint/2010/main" spd="slow" p14:dur="2000">
+        <p159:morph option="byObject"/>
+      </p:transition>
+    </mc:Choice>
+    <mc:Fallback xmlns="">
+      <p:transition spd="slow">
+        <p:fade/>
+      </p:transition>
+    </mc:Fallback>
+  </mc:AlternateContent>
+</p:sld>
+</file>
+
+<file path=ppt/slides/slide23.xml><?xml version="1.0" encoding="utf-8"?>
+<p:sld xmlns:a="http://schemas.openxmlformats.org/drawingml/2006/main" xmlns:r="http://schemas.openxmlformats.org/officeDocument/2006/relationships" xmlns:p="http://schemas.openxmlformats.org/presentationml/2006/main">
+  <p:cSld>
+    <p:spTree>
+      <p:nvGrpSpPr>
+        <p:cNvPr id="1" name=""/>
+        <p:cNvGrpSpPr/>
+        <p:nvPr/>
+      </p:nvGrpSpPr>
+      <p:grpSpPr>
+        <a:xfrm>
+          <a:off x="0" y="0"/>
+          <a:ext cx="0" cy="0"/>
+          <a:chOff x="0" y="0"/>
+          <a:chExt cx="0" cy="0"/>
+        </a:xfrm>
+      </p:grpSpPr>
+      <p:pic>
+        <p:nvPicPr>
+          <p:cNvPr id="4" name="Obraz 3" descr="Obraz zawierający tekst, elektronika, komputer, zrzut ekranu&#10;&#10;Opis wygenerowany automatycznie">
+            <a:extLst>
+              <a:ext uri="{FF2B5EF4-FFF2-40B4-BE49-F238E27FC236}">
+                <a16:creationId xmlns:a16="http://schemas.microsoft.com/office/drawing/2014/main" id="{39363BF4-22A2-A9F7-022C-A43FF73F7278}"/>
+              </a:ext>
+            </a:extLst>
+          </p:cNvPr>
+          <p:cNvPicPr>
+            <a:picLocks noChangeAspect="1"/>
+          </p:cNvPicPr>
+          <p:nvPr/>
+        </p:nvPicPr>
+        <p:blipFill>
+          <a:blip r:embed="rId2">
+            <a:extLst>
+              <a:ext uri="{28A0092B-C50C-407E-A947-70E740481C1C}">
+                <a14:useLocalDpi xmlns:a14="http://schemas.microsoft.com/office/drawing/2010/main" val="0"/>
+              </a:ext>
+            </a:extLst>
+          </a:blip>
+          <a:stretch>
+            <a:fillRect/>
+          </a:stretch>
+        </p:blipFill>
+        <p:spPr>
+          <a:xfrm>
+            <a:off x="0" y="-290946"/>
+            <a:ext cx="4609815" cy="7439891"/>
+          </a:xfrm>
+          <a:prstGeom prst="rect">
+            <a:avLst/>
+          </a:prstGeom>
+        </p:spPr>
+      </p:pic>
+      <p:sp>
+        <p:nvSpPr>
+          <p:cNvPr id="5" name="Nawias klamrowy zamykający 4">
+            <a:extLst>
+              <a:ext uri="{FF2B5EF4-FFF2-40B4-BE49-F238E27FC236}">
+                <a16:creationId xmlns:a16="http://schemas.microsoft.com/office/drawing/2014/main" id="{C0407C1B-CE63-7792-22EB-D0F45334041B}"/>
+              </a:ext>
+            </a:extLst>
+          </p:cNvPr>
+          <p:cNvSpPr/>
+          <p:nvPr/>
+        </p:nvSpPr>
+        <p:spPr>
+          <a:xfrm>
+            <a:off x="3795997" y="3913632"/>
+            <a:ext cx="1609344" cy="731520"/>
+          </a:xfrm>
+          <a:prstGeom prst="rightBrace">
+            <a:avLst/>
+          </a:prstGeom>
+          <a:ln>
+            <a:solidFill>
+              <a:schemeClr val="bg1"/>
+            </a:solidFill>
+          </a:ln>
+        </p:spPr>
+        <p:style>
+          <a:lnRef idx="2">
+            <a:schemeClr val="accent1"/>
+          </a:lnRef>
+          <a:fillRef idx="0">
+            <a:schemeClr val="accent1"/>
+          </a:fillRef>
+          <a:effectRef idx="1">
+            <a:schemeClr val="accent1"/>
+          </a:effectRef>
+          <a:fontRef idx="minor">
+            <a:schemeClr val="tx1"/>
+          </a:fontRef>
+        </p:style>
+        <p:txBody>
+          <a:bodyPr rtlCol="0" anchor="ctr"/>
+          <a:lstStyle/>
+          <a:p>
+            <a:pPr algn="ctr"/>
+            <a:endParaRPr lang="pl-PL"/>
+          </a:p>
+        </p:txBody>
+      </p:sp>
+      <p:pic>
+        <p:nvPicPr>
+          <p:cNvPr id="3" name="Obraz 2">
+            <a:extLst>
+              <a:ext uri="{FF2B5EF4-FFF2-40B4-BE49-F238E27FC236}">
+                <a16:creationId xmlns:a16="http://schemas.microsoft.com/office/drawing/2014/main" id="{C719B23E-885B-B4E2-2A59-EFB2ECCB7C83}"/>
+              </a:ext>
+            </a:extLst>
+          </p:cNvPr>
+          <p:cNvPicPr>
+            <a:picLocks noChangeAspect="1"/>
+          </p:cNvPicPr>
+          <p:nvPr/>
+        </p:nvPicPr>
+        <p:blipFill>
+          <a:blip r:embed="rId3"/>
+          <a:stretch>
+            <a:fillRect/>
+          </a:stretch>
+        </p:blipFill>
+        <p:spPr>
+          <a:xfrm>
+            <a:off x="5656864" y="3850707"/>
+            <a:ext cx="3200847" cy="857370"/>
+          </a:xfrm>
+          <a:prstGeom prst="rect">
+            <a:avLst/>
+          </a:prstGeom>
+        </p:spPr>
+      </p:pic>
+    </p:spTree>
+    <p:extLst>
+      <p:ext uri="{BB962C8B-B14F-4D97-AF65-F5344CB8AC3E}">
+        <p14:creationId xmlns:p14="http://schemas.microsoft.com/office/powerpoint/2010/main" val="3635146460"/>
+      </p:ext>
+    </p:extLst>
+  </p:cSld>
+  <p:clrMapOvr>
+    <a:masterClrMapping/>
+  </p:clrMapOvr>
+  <mc:AlternateContent xmlns:mc="http://schemas.openxmlformats.org/markup-compatibility/2006" xmlns:p159="http://schemas.microsoft.com/office/powerpoint/2015/09/main">
+    <mc:Choice Requires="p159">
+      <p:transition xmlns:p14="http://schemas.microsoft.com/office/powerpoint/2010/main" spd="slow" p14:dur="2000">
+        <p159:morph option="byObject"/>
+      </p:transition>
+    </mc:Choice>
+    <mc:Fallback xmlns="">
+      <p:transition spd="slow">
+        <p:fade/>
+      </p:transition>
+    </mc:Fallback>
+  </mc:AlternateContent>
+</p:sld>
+</file>
+
+<file path=ppt/slides/slide24.xml><?xml version="1.0" encoding="utf-8"?>
+<p:sld xmlns:a="http://schemas.openxmlformats.org/drawingml/2006/main" xmlns:r="http://schemas.openxmlformats.org/officeDocument/2006/relationships" xmlns:p="http://schemas.openxmlformats.org/presentationml/2006/main">
+  <p:cSld>
+    <p:spTree>
+      <p:nvGrpSpPr>
+        <p:cNvPr id="1" name=""/>
+        <p:cNvGrpSpPr/>
+        <p:nvPr/>
+      </p:nvGrpSpPr>
+      <p:grpSpPr>
+        <a:xfrm>
+          <a:off x="0" y="0"/>
+          <a:ext cx="0" cy="0"/>
+          <a:chOff x="0" y="0"/>
+          <a:chExt cx="0" cy="0"/>
+        </a:xfrm>
+      </p:grpSpPr>
+      <p:pic>
+        <p:nvPicPr>
+          <p:cNvPr id="4" name="Obraz 3" descr="Obraz zawierający tekst, elektronika, komputer, zrzut ekranu&#10;&#10;Opis wygenerowany automatycznie">
+            <a:extLst>
+              <a:ext uri="{FF2B5EF4-FFF2-40B4-BE49-F238E27FC236}">
+                <a16:creationId xmlns:a16="http://schemas.microsoft.com/office/drawing/2014/main" id="{39363BF4-22A2-A9F7-022C-A43FF73F7278}"/>
+              </a:ext>
+            </a:extLst>
+          </p:cNvPr>
+          <p:cNvPicPr>
+            <a:picLocks noChangeAspect="1"/>
+          </p:cNvPicPr>
+          <p:nvPr/>
+        </p:nvPicPr>
+        <p:blipFill>
+          <a:blip r:embed="rId2">
+            <a:extLst>
+              <a:ext uri="{28A0092B-C50C-407E-A947-70E740481C1C}">
+                <a14:useLocalDpi xmlns:a14="http://schemas.microsoft.com/office/drawing/2010/main" val="0"/>
+              </a:ext>
+            </a:extLst>
+          </a:blip>
+          <a:stretch>
+            <a:fillRect/>
+          </a:stretch>
+        </p:blipFill>
+        <p:spPr>
+          <a:xfrm>
+            <a:off x="0" y="-290946"/>
+            <a:ext cx="4609815" cy="7439891"/>
+          </a:xfrm>
+          <a:prstGeom prst="rect">
+            <a:avLst/>
+          </a:prstGeom>
+        </p:spPr>
+      </p:pic>
+      <p:sp>
+        <p:nvSpPr>
+          <p:cNvPr id="5" name="Nawias klamrowy zamykający 4">
+            <a:extLst>
+              <a:ext uri="{FF2B5EF4-FFF2-40B4-BE49-F238E27FC236}">
+                <a16:creationId xmlns:a16="http://schemas.microsoft.com/office/drawing/2014/main" id="{C0407C1B-CE63-7792-22EB-D0F45334041B}"/>
+              </a:ext>
+            </a:extLst>
+          </p:cNvPr>
+          <p:cNvSpPr/>
+          <p:nvPr/>
+        </p:nvSpPr>
+        <p:spPr>
+          <a:xfrm>
+            <a:off x="4047520" y="4946904"/>
+            <a:ext cx="1609344" cy="356616"/>
+          </a:xfrm>
+          <a:prstGeom prst="rightBrace">
+            <a:avLst/>
+          </a:prstGeom>
+          <a:ln>
+            <a:solidFill>
+              <a:schemeClr val="bg1"/>
+            </a:solidFill>
+          </a:ln>
+        </p:spPr>
+        <p:style>
+          <a:lnRef idx="2">
+            <a:schemeClr val="accent1"/>
+          </a:lnRef>
+          <a:fillRef idx="0">
+            <a:schemeClr val="accent1"/>
+          </a:fillRef>
+          <a:effectRef idx="1">
+            <a:schemeClr val="accent1"/>
+          </a:effectRef>
+          <a:fontRef idx="minor">
+            <a:schemeClr val="tx1"/>
+          </a:fontRef>
+        </p:style>
+        <p:txBody>
+          <a:bodyPr rtlCol="0" anchor="ctr"/>
+          <a:lstStyle/>
+          <a:p>
+            <a:pPr algn="ctr"/>
+            <a:endParaRPr lang="pl-PL"/>
+          </a:p>
+        </p:txBody>
+      </p:sp>
+      <p:pic>
+        <p:nvPicPr>
+          <p:cNvPr id="6" name="Obraz 5">
+            <a:extLst>
+              <a:ext uri="{FF2B5EF4-FFF2-40B4-BE49-F238E27FC236}">
+                <a16:creationId xmlns:a16="http://schemas.microsoft.com/office/drawing/2014/main" id="{3EE496CF-B64C-1EB7-7F62-8F49119F31F9}"/>
+              </a:ext>
+            </a:extLst>
+          </p:cNvPr>
+          <p:cNvPicPr>
+            <a:picLocks noChangeAspect="1"/>
+          </p:cNvPicPr>
+          <p:nvPr/>
+        </p:nvPicPr>
+        <p:blipFill>
+          <a:blip r:embed="rId3"/>
+          <a:stretch>
+            <a:fillRect/>
+          </a:stretch>
+        </p:blipFill>
+        <p:spPr>
+          <a:xfrm>
+            <a:off x="5819019" y="4558395"/>
+            <a:ext cx="2638793" cy="1133633"/>
+          </a:xfrm>
+          <a:prstGeom prst="rect">
+            <a:avLst/>
+          </a:prstGeom>
+        </p:spPr>
+      </p:pic>
+    </p:spTree>
+    <p:extLst>
+      <p:ext uri="{BB962C8B-B14F-4D97-AF65-F5344CB8AC3E}">
+        <p14:creationId xmlns:p14="http://schemas.microsoft.com/office/powerpoint/2010/main" val="3047328948"/>
+      </p:ext>
+    </p:extLst>
+  </p:cSld>
+  <p:clrMapOvr>
+    <a:masterClrMapping/>
+  </p:clrMapOvr>
+  <mc:AlternateContent xmlns:mc="http://schemas.openxmlformats.org/markup-compatibility/2006" xmlns:p159="http://schemas.microsoft.com/office/powerpoint/2015/09/main">
+    <mc:Choice Requires="p159">
+      <p:transition xmlns:p14="http://schemas.microsoft.com/office/powerpoint/2010/main" spd="slow" p14:dur="2000">
+        <p159:morph option="byObject"/>
+      </p:transition>
+    </mc:Choice>
+    <mc:Fallback xmlns="">
+      <p:transition spd="slow">
+        <p:fade/>
+      </p:transition>
+    </mc:Fallback>
+  </mc:AlternateContent>
+</p:sld>
+</file>
+
+<file path=ppt/slides/slide25.xml><?xml version="1.0" encoding="utf-8"?>
+<p:sld xmlns:a="http://schemas.openxmlformats.org/drawingml/2006/main" xmlns:r="http://schemas.openxmlformats.org/officeDocument/2006/relationships" xmlns:p="http://schemas.openxmlformats.org/presentationml/2006/main">
+  <p:cSld>
+    <p:spTree>
+      <p:nvGrpSpPr>
+        <p:cNvPr id="1" name=""/>
+        <p:cNvGrpSpPr/>
+        <p:nvPr/>
+      </p:nvGrpSpPr>
+      <p:grpSpPr>
+        <a:xfrm>
+          <a:off x="0" y="0"/>
+          <a:ext cx="0" cy="0"/>
+          <a:chOff x="0" y="0"/>
+          <a:chExt cx="0" cy="0"/>
+        </a:xfrm>
+      </p:grpSpPr>
+      <p:pic>
+        <p:nvPicPr>
+          <p:cNvPr id="4" name="Obraz 3" descr="Obraz zawierający tekst, elektronika, komputer, zrzut ekranu&#10;&#10;Opis wygenerowany automatycznie">
+            <a:extLst>
+              <a:ext uri="{FF2B5EF4-FFF2-40B4-BE49-F238E27FC236}">
+                <a16:creationId xmlns:a16="http://schemas.microsoft.com/office/drawing/2014/main" id="{39363BF4-22A2-A9F7-022C-A43FF73F7278}"/>
+              </a:ext>
+            </a:extLst>
+          </p:cNvPr>
+          <p:cNvPicPr>
+            <a:picLocks noChangeAspect="1"/>
+          </p:cNvPicPr>
+          <p:nvPr/>
+        </p:nvPicPr>
+        <p:blipFill>
+          <a:blip r:embed="rId2">
+            <a:extLst>
+              <a:ext uri="{28A0092B-C50C-407E-A947-70E740481C1C}">
+                <a14:useLocalDpi xmlns:a14="http://schemas.microsoft.com/office/drawing/2010/main" val="0"/>
+              </a:ext>
+            </a:extLst>
+          </a:blip>
+          <a:stretch>
+            <a:fillRect/>
+          </a:stretch>
+        </p:blipFill>
+        <p:spPr>
+          <a:xfrm>
+            <a:off x="0" y="-290946"/>
+            <a:ext cx="4609815" cy="7439891"/>
+          </a:xfrm>
+          <a:prstGeom prst="rect">
+            <a:avLst/>
+          </a:prstGeom>
+        </p:spPr>
+      </p:pic>
+      <p:sp>
+        <p:nvSpPr>
+          <p:cNvPr id="5" name="Nawias klamrowy zamykający 4">
+            <a:extLst>
+              <a:ext uri="{FF2B5EF4-FFF2-40B4-BE49-F238E27FC236}">
+                <a16:creationId xmlns:a16="http://schemas.microsoft.com/office/drawing/2014/main" id="{C0407C1B-CE63-7792-22EB-D0F45334041B}"/>
+              </a:ext>
+            </a:extLst>
+          </p:cNvPr>
+          <p:cNvSpPr/>
+          <p:nvPr/>
+        </p:nvSpPr>
+        <p:spPr>
+          <a:xfrm>
+            <a:off x="4038376" y="5358384"/>
+            <a:ext cx="1609344" cy="694944"/>
+          </a:xfrm>
+          <a:prstGeom prst="rightBrace">
+            <a:avLst/>
+          </a:prstGeom>
+          <a:ln>
+            <a:solidFill>
+              <a:schemeClr val="bg1"/>
+            </a:solidFill>
+          </a:ln>
+        </p:spPr>
+        <p:style>
+          <a:lnRef idx="2">
+            <a:schemeClr val="accent1"/>
+          </a:lnRef>
+          <a:fillRef idx="0">
+            <a:schemeClr val="accent1"/>
+          </a:fillRef>
+          <a:effectRef idx="1">
+            <a:schemeClr val="accent1"/>
+          </a:effectRef>
+          <a:fontRef idx="minor">
+            <a:schemeClr val="tx1"/>
+          </a:fontRef>
+        </p:style>
+        <p:txBody>
+          <a:bodyPr rtlCol="0" anchor="ctr"/>
+          <a:lstStyle/>
+          <a:p>
+            <a:pPr algn="ctr"/>
+            <a:endParaRPr lang="pl-PL"/>
+          </a:p>
+        </p:txBody>
+      </p:sp>
+      <p:pic>
+        <p:nvPicPr>
+          <p:cNvPr id="3" name="Obraz 2">
+            <a:extLst>
+              <a:ext uri="{FF2B5EF4-FFF2-40B4-BE49-F238E27FC236}">
+                <a16:creationId xmlns:a16="http://schemas.microsoft.com/office/drawing/2014/main" id="{840DE863-50DB-9425-0EE4-EC782B1467C5}"/>
+              </a:ext>
+            </a:extLst>
+          </p:cNvPr>
+          <p:cNvPicPr>
+            <a:picLocks noChangeAspect="1"/>
+          </p:cNvPicPr>
+          <p:nvPr/>
+        </p:nvPicPr>
+        <p:blipFill>
+          <a:blip r:embed="rId3"/>
+          <a:stretch>
+            <a:fillRect/>
+          </a:stretch>
+        </p:blipFill>
+        <p:spPr>
+          <a:xfrm>
+            <a:off x="5840971" y="5348618"/>
+            <a:ext cx="4734586" cy="714475"/>
+          </a:xfrm>
+          <a:prstGeom prst="rect">
+            <a:avLst/>
+          </a:prstGeom>
+        </p:spPr>
+      </p:pic>
+    </p:spTree>
+    <p:extLst>
+      <p:ext uri="{BB962C8B-B14F-4D97-AF65-F5344CB8AC3E}">
+        <p14:creationId xmlns:p14="http://schemas.microsoft.com/office/powerpoint/2010/main" val="2006369239"/>
+      </p:ext>
+    </p:extLst>
+  </p:cSld>
+  <p:clrMapOvr>
+    <a:masterClrMapping/>
+  </p:clrMapOvr>
+  <mc:AlternateContent xmlns:mc="http://schemas.openxmlformats.org/markup-compatibility/2006" xmlns:p159="http://schemas.microsoft.com/office/powerpoint/2015/09/main">
+    <mc:Choice Requires="p159">
+      <p:transition xmlns:p14="http://schemas.microsoft.com/office/powerpoint/2010/main" spd="slow" p14:dur="2000">
+        <p159:morph option="byObject"/>
+      </p:transition>
+    </mc:Choice>
+    <mc:Fallback xmlns="">
+      <p:transition spd="slow">
+        <p:fade/>
+      </p:transition>
+    </mc:Fallback>
+  </mc:AlternateContent>
+</p:sld>
+</file>
+
+<file path=ppt/slides/slide26.xml><?xml version="1.0" encoding="utf-8"?>
+<p:sld xmlns:a="http://schemas.openxmlformats.org/drawingml/2006/main" xmlns:r="http://schemas.openxmlformats.org/officeDocument/2006/relationships" xmlns:p="http://schemas.openxmlformats.org/presentationml/2006/main">
+  <p:cSld>
+    <p:spTree>
+      <p:nvGrpSpPr>
+        <p:cNvPr id="1" name=""/>
+        <p:cNvGrpSpPr/>
+        <p:nvPr/>
+      </p:nvGrpSpPr>
+      <p:grpSpPr>
+        <a:xfrm>
+          <a:off x="0" y="0"/>
+          <a:ext cx="0" cy="0"/>
+          <a:chOff x="0" y="0"/>
+          <a:chExt cx="0" cy="0"/>
+        </a:xfrm>
+      </p:grpSpPr>
+      <p:pic>
+        <p:nvPicPr>
+          <p:cNvPr id="4" name="Obraz 3" descr="Obraz zawierający tekst, elektronika, komputer, zrzut ekranu&#10;&#10;Opis wygenerowany automatycznie">
+            <a:extLst>
+              <a:ext uri="{FF2B5EF4-FFF2-40B4-BE49-F238E27FC236}">
+                <a16:creationId xmlns:a16="http://schemas.microsoft.com/office/drawing/2014/main" id="{39363BF4-22A2-A9F7-022C-A43FF73F7278}"/>
+              </a:ext>
+            </a:extLst>
+          </p:cNvPr>
+          <p:cNvPicPr>
+            <a:picLocks noChangeAspect="1"/>
+          </p:cNvPicPr>
+          <p:nvPr/>
+        </p:nvPicPr>
+        <p:blipFill>
+          <a:blip r:embed="rId2">
+            <a:extLst>
+              <a:ext uri="{28A0092B-C50C-407E-A947-70E740481C1C}">
+                <a14:useLocalDpi xmlns:a14="http://schemas.microsoft.com/office/drawing/2010/main" val="0"/>
+              </a:ext>
+            </a:extLst>
+          </a:blip>
+          <a:stretch>
+            <a:fillRect/>
+          </a:stretch>
+        </p:blipFill>
+        <p:spPr>
+          <a:xfrm>
+            <a:off x="0" y="-290946"/>
+            <a:ext cx="4609815" cy="7439891"/>
+          </a:xfrm>
+          <a:prstGeom prst="rect">
+            <a:avLst/>
+          </a:prstGeom>
+        </p:spPr>
+      </p:pic>
+      <p:sp>
+        <p:nvSpPr>
+          <p:cNvPr id="5" name="Nawias klamrowy zamykający 4">
+            <a:extLst>
+              <a:ext uri="{FF2B5EF4-FFF2-40B4-BE49-F238E27FC236}">
+                <a16:creationId xmlns:a16="http://schemas.microsoft.com/office/drawing/2014/main" id="{C0407C1B-CE63-7792-22EB-D0F45334041B}"/>
+              </a:ext>
+            </a:extLst>
+          </p:cNvPr>
+          <p:cNvSpPr/>
+          <p:nvPr/>
+        </p:nvSpPr>
+        <p:spPr>
+          <a:xfrm>
+            <a:off x="3983512" y="6254495"/>
+            <a:ext cx="1609344" cy="503541"/>
+          </a:xfrm>
+          <a:prstGeom prst="rightBrace">
+            <a:avLst/>
+          </a:prstGeom>
+          <a:ln>
+            <a:solidFill>
+              <a:schemeClr val="bg1"/>
+            </a:solidFill>
+          </a:ln>
+        </p:spPr>
+        <p:style>
+          <a:lnRef idx="2">
+            <a:schemeClr val="accent1"/>
+          </a:lnRef>
+          <a:fillRef idx="0">
+            <a:schemeClr val="accent1"/>
+          </a:fillRef>
+          <a:effectRef idx="1">
+            <a:schemeClr val="accent1"/>
+          </a:effectRef>
+          <a:fontRef idx="minor">
+            <a:schemeClr val="tx1"/>
+          </a:fontRef>
+        </p:style>
+        <p:txBody>
+          <a:bodyPr rtlCol="0" anchor="ctr"/>
+          <a:lstStyle/>
+          <a:p>
+            <a:pPr algn="ctr"/>
+            <a:endParaRPr lang="pl-PL"/>
+          </a:p>
+        </p:txBody>
+      </p:sp>
+      <p:pic>
+        <p:nvPicPr>
+          <p:cNvPr id="6" name="Obraz 5">
+            <a:extLst>
+              <a:ext uri="{FF2B5EF4-FFF2-40B4-BE49-F238E27FC236}">
+                <a16:creationId xmlns:a16="http://schemas.microsoft.com/office/drawing/2014/main" id="{0C7380DE-242A-F0D7-C950-648ACEA91807}"/>
+              </a:ext>
+            </a:extLst>
+          </p:cNvPr>
+          <p:cNvPicPr>
+            <a:picLocks noChangeAspect="1"/>
+          </p:cNvPicPr>
+          <p:nvPr/>
+        </p:nvPicPr>
+        <p:blipFill>
+          <a:blip r:embed="rId3"/>
+          <a:stretch>
+            <a:fillRect/>
+          </a:stretch>
+        </p:blipFill>
+        <p:spPr>
+          <a:xfrm>
+            <a:off x="5684618" y="6187133"/>
+            <a:ext cx="914528" cy="638264"/>
+          </a:xfrm>
+          <a:prstGeom prst="rect">
+            <a:avLst/>
+          </a:prstGeom>
+        </p:spPr>
+      </p:pic>
+    </p:spTree>
+    <p:extLst>
+      <p:ext uri="{BB962C8B-B14F-4D97-AF65-F5344CB8AC3E}">
+        <p14:creationId xmlns:p14="http://schemas.microsoft.com/office/powerpoint/2010/main" val="2944223606"/>
+      </p:ext>
+    </p:extLst>
+  </p:cSld>
+  <p:clrMapOvr>
+    <a:masterClrMapping/>
+  </p:clrMapOvr>
+  <mc:AlternateContent xmlns:mc="http://schemas.openxmlformats.org/markup-compatibility/2006" xmlns:p159="http://schemas.microsoft.com/office/powerpoint/2015/09/main">
+    <mc:Choice Requires="p159">
+      <p:transition xmlns:p14="http://schemas.microsoft.com/office/powerpoint/2010/main" spd="slow" p14:dur="2000">
+        <p159:morph option="byObject"/>
+      </p:transition>
+    </mc:Choice>
+    <mc:Fallback xmlns="">
+      <p:transition spd="slow">
+        <p:fade/>
+      </p:transition>
+    </mc:Fallback>
+  </mc:AlternateContent>
 </p:sld>
 </file>
 
@@ -3705,10 +8996,10 @@
       </p:grpSpPr>
       <p:sp>
         <p:nvSpPr>
-          <p:cNvPr id="6" name="pole tekstowe 5">
+          <p:cNvPr id="3" name="pole tekstowe 2">
             <a:extLst>
               <a:ext uri="{FF2B5EF4-FFF2-40B4-BE49-F238E27FC236}">
-                <a16:creationId xmlns:a16="http://schemas.microsoft.com/office/drawing/2014/main" id="{71ADCE00-1982-7755-D244-D3440FBF2631}"/>
+                <a16:creationId xmlns:a16="http://schemas.microsoft.com/office/drawing/2014/main" id="{A7C92DF3-33F2-2224-7058-4A2A0D449F7D}"/>
               </a:ext>
             </a:extLst>
           </p:cNvPr>
@@ -3717,8 +9008,8 @@
         </p:nvSpPr>
         <p:spPr>
           <a:xfrm>
-            <a:off x="0" y="-1"/>
-            <a:ext cx="12192000" cy="1246495"/>
+            <a:off x="696466" y="1659598"/>
+            <a:ext cx="10799065" cy="523220"/>
           </a:xfrm>
           <a:prstGeom prst="rect">
             <a:avLst/>
@@ -3731,49 +9022,8 @@
           </a:bodyPr>
           <a:lstStyle/>
           <a:p>
-            <a:pPr algn="ctr"/>
             <a:r>
-              <a:rPr lang="pl-PL" sz="2500" dirty="0">
-                <a:solidFill>
-                  <a:schemeClr val="bg1"/>
-                </a:solidFill>
-                <a:latin typeface="Oswald" pitchFamily="2" charset="-18"/>
-              </a:rPr>
-              <a:t>Liczba e = 2.71828... jest równa sumie nieskończonego ciągu 1/0!+1/1!+1/2!+1/3!+1/4!+1/5!+1/6!+... Proszę napisać program, który wyznacza liczbę e z dokładnością do N miejsc po przecinku i zwraca sumę wszystkich cyfr wyznaczonej liczby.</a:t>
-            </a:r>
-          </a:p>
-        </p:txBody>
-      </p:sp>
-      <p:sp>
-        <p:nvSpPr>
-          <p:cNvPr id="2" name="pole tekstowe 1">
-            <a:extLst>
-              <a:ext uri="{FF2B5EF4-FFF2-40B4-BE49-F238E27FC236}">
-                <a16:creationId xmlns:a16="http://schemas.microsoft.com/office/drawing/2014/main" id="{7246F0D8-DA9A-A577-11AB-F7E0E6732CFE}"/>
-              </a:ext>
-            </a:extLst>
-          </p:cNvPr>
-          <p:cNvSpPr txBox="1"/>
-          <p:nvPr/>
-        </p:nvSpPr>
-        <p:spPr>
-          <a:xfrm>
-            <a:off x="1827973" y="2068005"/>
-            <a:ext cx="9270460" cy="461665"/>
-          </a:xfrm>
-          <a:prstGeom prst="rect">
-            <a:avLst/>
-          </a:prstGeom>
-          <a:noFill/>
-        </p:spPr>
-        <p:txBody>
-          <a:bodyPr wrap="square" rtlCol="0">
-            <a:spAutoFit/>
-          </a:bodyPr>
-          <a:lstStyle/>
-          <a:p>
-            <a:r>
-              <a:rPr lang="pl-PL" sz="2400" dirty="0">
+              <a:rPr lang="pl-PL" sz="2800" dirty="0">
                 <a:solidFill>
                   <a:schemeClr val="bg1"/>
                 </a:solidFill>
@@ -3784,14 +9034,14 @@
           </a:p>
         </p:txBody>
       </p:sp>
-      <mc:AlternateContent xmlns:mc="http://schemas.openxmlformats.org/markup-compatibility/2006">
-        <mc:Choice xmlns:a14="http://schemas.microsoft.com/office/drawing/2010/main" Requires="a14">
+      <mc:AlternateContent xmlns:mc="http://schemas.openxmlformats.org/markup-compatibility/2006" xmlns:a14="http://schemas.microsoft.com/office/drawing/2010/main">
+        <mc:Choice Requires="a14">
           <p:sp>
             <p:nvSpPr>
-              <p:cNvPr id="5" name="pole tekstowe 4">
+              <p:cNvPr id="4" name="pole tekstowe 3">
                 <a:extLst>
                   <a:ext uri="{FF2B5EF4-FFF2-40B4-BE49-F238E27FC236}">
-                    <a16:creationId xmlns:a16="http://schemas.microsoft.com/office/drawing/2014/main" id="{FA0199E7-9E5F-4F64-7C69-767E70CD107A}"/>
+                    <a16:creationId xmlns:a16="http://schemas.microsoft.com/office/drawing/2014/main" id="{91904802-A3FE-862F-270A-8D802E11852A}"/>
                   </a:ext>
                 </a:extLst>
               </p:cNvPr>
@@ -3800,8 +9050,8 @@
             </p:nvSpPr>
             <p:spPr>
               <a:xfrm>
-                <a:off x="3374672" y="2719678"/>
-                <a:ext cx="6177062" cy="461665"/>
+                <a:off x="2034131" y="2326215"/>
+                <a:ext cx="8123732" cy="523220"/>
               </a:xfrm>
               <a:prstGeom prst="rect">
                 <a:avLst/>
@@ -3821,51 +9071,8 @@
                       <m:jc m:val="centerGroup"/>
                     </m:oMathParaPr>
                     <m:oMath xmlns:m="http://schemas.openxmlformats.org/officeDocument/2006/math">
-                      <m:sSup>
-                        <m:sSupPr>
-                          <m:ctrlPr>
-                            <a:rPr lang="pl-PL" sz="2400" b="0" i="1" smtClean="0">
-                              <a:solidFill>
-                                <a:schemeClr val="bg1"/>
-                              </a:solidFill>
-                              <a:latin typeface="Cambria Math" panose="02040503050406030204" pitchFamily="18" charset="0"/>
-                            </a:rPr>
-                          </m:ctrlPr>
-                        </m:sSupPr>
-                        <m:e>
-                          <m:r>
-                            <a:rPr lang="pl-PL" sz="2400" b="0" i="1" smtClean="0">
-                              <a:solidFill>
-                                <a:schemeClr val="bg1"/>
-                              </a:solidFill>
-                              <a:latin typeface="Cambria Math" panose="02040503050406030204" pitchFamily="18" charset="0"/>
-                            </a:rPr>
-                            <m:t>𝑓</m:t>
-                          </m:r>
-                        </m:e>
-                        <m:sup>
-                          <m:r>
-                            <a:rPr lang="pl-PL" sz="2400" b="0" i="1" smtClean="0">
-                              <a:solidFill>
-                                <a:schemeClr val="bg1"/>
-                              </a:solidFill>
-                              <a:latin typeface="Cambria Math" panose="02040503050406030204" pitchFamily="18" charset="0"/>
-                            </a:rPr>
-                            <m:t>∗</m:t>
-                          </m:r>
-                        </m:sup>
-                      </m:sSup>
                       <m:r>
-                        <a:rPr lang="pl-PL" sz="2400" b="0" i="1" smtClean="0">
-                          <a:solidFill>
-                            <a:schemeClr val="bg1"/>
-                          </a:solidFill>
-                          <a:latin typeface="Cambria Math" panose="02040503050406030204" pitchFamily="18" charset="0"/>
-                        </a:rPr>
-                        <m:t>−</m:t>
-                      </m:r>
-                      <m:r>
-                        <a:rPr lang="pl-PL" sz="2400" b="0" i="1" smtClean="0">
+                        <a:rPr lang="pl-PL" sz="2800" b="0" i="1" smtClean="0">
                           <a:solidFill>
                             <a:schemeClr val="bg1"/>
                           </a:solidFill>
@@ -3874,7 +9081,50 @@
                         <m:t>𝑒</m:t>
                       </m:r>
                       <m:r>
-                        <a:rPr lang="pl-PL" sz="2400" b="0" i="1" smtClean="0">
+                        <a:rPr lang="pl-PL" sz="2800" b="0" i="1" smtClean="0">
+                          <a:solidFill>
+                            <a:schemeClr val="bg1"/>
+                          </a:solidFill>
+                          <a:latin typeface="Cambria Math" panose="02040503050406030204" pitchFamily="18" charset="0"/>
+                        </a:rPr>
+                        <m:t>−</m:t>
+                      </m:r>
+                      <m:sSup>
+                        <m:sSupPr>
+                          <m:ctrlPr>
+                            <a:rPr lang="pl-PL" sz="2800" b="0" i="1" smtClean="0">
+                              <a:solidFill>
+                                <a:schemeClr val="bg1"/>
+                              </a:solidFill>
+                              <a:latin typeface="Cambria Math" panose="02040503050406030204" pitchFamily="18" charset="0"/>
+                            </a:rPr>
+                          </m:ctrlPr>
+                        </m:sSupPr>
+                        <m:e>
+                          <m:r>
+                            <a:rPr lang="pl-PL" sz="2800" b="0" i="1" smtClean="0">
+                              <a:solidFill>
+                                <a:schemeClr val="bg1"/>
+                              </a:solidFill>
+                              <a:latin typeface="Cambria Math" panose="02040503050406030204" pitchFamily="18" charset="0"/>
+                            </a:rPr>
+                            <m:t>𝑓</m:t>
+                          </m:r>
+                        </m:e>
+                        <m:sup>
+                          <m:r>
+                            <a:rPr lang="pl-PL" sz="2800" b="0" i="1" smtClean="0">
+                              <a:solidFill>
+                                <a:schemeClr val="bg1"/>
+                              </a:solidFill>
+                              <a:latin typeface="Cambria Math" panose="02040503050406030204" pitchFamily="18" charset="0"/>
+                            </a:rPr>
+                            <m:t>∗</m:t>
+                          </m:r>
+                        </m:sup>
+                      </m:sSup>
+                      <m:r>
+                        <a:rPr lang="pl-PL" sz="2800" b="0" i="1" smtClean="0">
                           <a:solidFill>
                             <a:schemeClr val="bg1"/>
                           </a:solidFill>
@@ -3885,7 +9135,7 @@
                       <m:sSup>
                         <m:sSupPr>
                           <m:ctrlPr>
-                            <a:rPr lang="pl-PL" sz="2400" b="0" i="1" smtClean="0">
+                            <a:rPr lang="pl-PL" sz="2800" b="0" i="1" smtClean="0">
                               <a:solidFill>
                                 <a:schemeClr val="bg1"/>
                               </a:solidFill>
@@ -3895,7 +9145,7 @@
                         </m:sSupPr>
                         <m:e>
                           <m:r>
-                            <a:rPr lang="pl-PL" sz="2400" b="0" i="1" smtClean="0">
+                            <a:rPr lang="pl-PL" sz="2800" b="0" i="1" smtClean="0">
                               <a:solidFill>
                                 <a:schemeClr val="bg1"/>
                               </a:solidFill>
@@ -3906,7 +9156,7 @@
                         </m:e>
                         <m:sup>
                           <m:r>
-                            <a:rPr lang="pl-PL" sz="2400" b="0" i="1" smtClean="0">
+                            <a:rPr lang="pl-PL" sz="2800" b="0" i="1" smtClean="0">
                               <a:solidFill>
                                 <a:schemeClr val="bg1"/>
                               </a:solidFill>
@@ -3915,7 +9165,7 @@
                             <m:t>−</m:t>
                           </m:r>
                           <m:r>
-                            <a:rPr lang="pl-PL" sz="2400" b="0" i="1" smtClean="0">
+                            <a:rPr lang="pl-PL" sz="2800" b="0" i="1" smtClean="0">
                               <a:solidFill>
                                 <a:schemeClr val="bg1"/>
                               </a:solidFill>
@@ -3928,12 +9178,288 @@
                     </m:oMath>
                   </m:oMathPara>
                 </a14:m>
-                <a:endParaRPr lang="pl-PL" sz="2400" dirty="0"/>
+                <a:endParaRPr lang="pl-PL" sz="2800" dirty="0"/>
               </a:p>
             </p:txBody>
           </p:sp>
         </mc:Choice>
-        <mc:Fallback>
+        <mc:Fallback xmlns="">
+          <p:sp>
+            <p:nvSpPr>
+              <p:cNvPr id="4" name="pole tekstowe 3">
+                <a:extLst>
+                  <a:ext uri="{FF2B5EF4-FFF2-40B4-BE49-F238E27FC236}">
+                    <a16:creationId xmlns:a16="http://schemas.microsoft.com/office/drawing/2014/main" id="{91904802-A3FE-862F-270A-8D802E11852A}"/>
+                  </a:ext>
+                </a:extLst>
+              </p:cNvPr>
+              <p:cNvSpPr txBox="1">
+                <a:spLocks noRot="1" noChangeAspect="1" noMove="1" noResize="1" noEditPoints="1" noAdjustHandles="1" noChangeArrowheads="1" noChangeShapeType="1" noTextEdit="1"/>
+              </p:cNvSpPr>
+              <p:nvPr/>
+            </p:nvSpPr>
+            <p:spPr>
+              <a:xfrm>
+                <a:off x="2034131" y="2326215"/>
+                <a:ext cx="8123732" cy="523220"/>
+              </a:xfrm>
+              <a:prstGeom prst="rect">
+                <a:avLst/>
+              </a:prstGeom>
+              <a:blipFill>
+                <a:blip r:embed="rId3"/>
+                <a:stretch>
+                  <a:fillRect/>
+                </a:stretch>
+              </a:blipFill>
+            </p:spPr>
+            <p:txBody>
+              <a:bodyPr/>
+              <a:lstStyle/>
+              <a:p>
+                <a:r>
+                  <a:rPr lang="pl-PL">
+                    <a:noFill/>
+                  </a:rPr>
+                  <a:t> </a:t>
+                </a:r>
+              </a:p>
+            </p:txBody>
+          </p:sp>
+        </mc:Fallback>
+      </mc:AlternateContent>
+    </p:spTree>
+    <p:extLst>
+      <p:ext uri="{BB962C8B-B14F-4D97-AF65-F5344CB8AC3E}">
+        <p14:creationId xmlns:p14="http://schemas.microsoft.com/office/powerpoint/2010/main" val="1096349312"/>
+      </p:ext>
+    </p:extLst>
+  </p:cSld>
+  <p:clrMapOvr>
+    <a:masterClrMapping/>
+  </p:clrMapOvr>
+  <mc:AlternateContent xmlns:mc="http://schemas.openxmlformats.org/markup-compatibility/2006" xmlns:p159="http://schemas.microsoft.com/office/powerpoint/2015/09/main">
+    <mc:Choice Requires="p159">
+      <p:transition xmlns:p14="http://schemas.microsoft.com/office/powerpoint/2010/main" spd="slow" p14:dur="2000">
+        <p159:morph option="byObject"/>
+      </p:transition>
+    </mc:Choice>
+    <mc:Fallback xmlns="">
+      <p:transition spd="slow">
+        <p:fade/>
+      </p:transition>
+    </mc:Fallback>
+  </mc:AlternateContent>
+</p:sld>
+</file>
+
+<file path=ppt/slides/slide4.xml><?xml version="1.0" encoding="utf-8"?>
+<p:sld xmlns:a="http://schemas.openxmlformats.org/drawingml/2006/main" xmlns:r="http://schemas.openxmlformats.org/officeDocument/2006/relationships" xmlns:p="http://schemas.openxmlformats.org/presentationml/2006/main">
+  <p:cSld>
+    <p:spTree>
+      <p:nvGrpSpPr>
+        <p:cNvPr id="1" name=""/>
+        <p:cNvGrpSpPr/>
+        <p:nvPr/>
+      </p:nvGrpSpPr>
+      <p:grpSpPr>
+        <a:xfrm>
+          <a:off x="0" y="0"/>
+          <a:ext cx="0" cy="0"/>
+          <a:chOff x="0" y="0"/>
+          <a:chExt cx="0" cy="0"/>
+        </a:xfrm>
+      </p:grpSpPr>
+      <p:sp>
+        <p:nvSpPr>
+          <p:cNvPr id="2" name="pole tekstowe 1">
+            <a:extLst>
+              <a:ext uri="{FF2B5EF4-FFF2-40B4-BE49-F238E27FC236}">
+                <a16:creationId xmlns:a16="http://schemas.microsoft.com/office/drawing/2014/main" id="{7246F0D8-DA9A-A577-11AB-F7E0E6732CFE}"/>
+              </a:ext>
+            </a:extLst>
+          </p:cNvPr>
+          <p:cNvSpPr txBox="1"/>
+          <p:nvPr/>
+        </p:nvSpPr>
+        <p:spPr>
+          <a:xfrm>
+            <a:off x="696466" y="1659598"/>
+            <a:ext cx="10799065" cy="523220"/>
+          </a:xfrm>
+          <a:prstGeom prst="rect">
+            <a:avLst/>
+          </a:prstGeom>
+          <a:noFill/>
+        </p:spPr>
+        <p:txBody>
+          <a:bodyPr wrap="square" rtlCol="0">
+            <a:spAutoFit/>
+          </a:bodyPr>
+          <a:lstStyle/>
+          <a:p>
+            <a:r>
+              <a:rPr lang="pl-PL" sz="2800" dirty="0">
+                <a:solidFill>
+                  <a:schemeClr val="bg1"/>
+                </a:solidFill>
+                <a:latin typeface="Oswald" pitchFamily="2" charset="-18"/>
+              </a:rPr>
+              <a:t>Co to znaczy wyznaczyć liczbę e z dokładnością do N miejsc po przecinku?</a:t>
+            </a:r>
+          </a:p>
+        </p:txBody>
+      </p:sp>
+      <mc:AlternateContent xmlns:mc="http://schemas.openxmlformats.org/markup-compatibility/2006" xmlns:a14="http://schemas.microsoft.com/office/drawing/2010/main">
+        <mc:Choice Requires="a14">
+          <p:sp>
+            <p:nvSpPr>
+              <p:cNvPr id="5" name="pole tekstowe 4">
+                <a:extLst>
+                  <a:ext uri="{FF2B5EF4-FFF2-40B4-BE49-F238E27FC236}">
+                    <a16:creationId xmlns:a16="http://schemas.microsoft.com/office/drawing/2014/main" id="{FA0199E7-9E5F-4F64-7C69-767E70CD107A}"/>
+                  </a:ext>
+                </a:extLst>
+              </p:cNvPr>
+              <p:cNvSpPr txBox="1"/>
+              <p:nvPr/>
+            </p:nvSpPr>
+            <p:spPr>
+              <a:xfrm>
+                <a:off x="2034131" y="2326215"/>
+                <a:ext cx="8123732" cy="523220"/>
+              </a:xfrm>
+              <a:prstGeom prst="rect">
+                <a:avLst/>
+              </a:prstGeom>
+              <a:noFill/>
+            </p:spPr>
+            <p:txBody>
+              <a:bodyPr wrap="square">
+                <a:spAutoFit/>
+              </a:bodyPr>
+              <a:lstStyle/>
+              <a:p>
+                <a:pPr/>
+                <a14:m>
+                  <m:oMathPara xmlns:m="http://schemas.openxmlformats.org/officeDocument/2006/math">
+                    <m:oMathParaPr>
+                      <m:jc m:val="centerGroup"/>
+                    </m:oMathParaPr>
+                    <m:oMath xmlns:m="http://schemas.openxmlformats.org/officeDocument/2006/math">
+                      <m:r>
+                        <a:rPr lang="pl-PL" sz="2800" b="0" i="1" smtClean="0">
+                          <a:solidFill>
+                            <a:schemeClr val="bg1"/>
+                          </a:solidFill>
+                          <a:latin typeface="Cambria Math" panose="02040503050406030204" pitchFamily="18" charset="0"/>
+                        </a:rPr>
+                        <m:t>𝑒</m:t>
+                      </m:r>
+                      <m:r>
+                        <a:rPr lang="pl-PL" sz="2800" b="0" i="1" smtClean="0">
+                          <a:solidFill>
+                            <a:schemeClr val="bg1"/>
+                          </a:solidFill>
+                          <a:latin typeface="Cambria Math" panose="02040503050406030204" pitchFamily="18" charset="0"/>
+                        </a:rPr>
+                        <m:t>−</m:t>
+                      </m:r>
+                      <m:sSup>
+                        <m:sSupPr>
+                          <m:ctrlPr>
+                            <a:rPr lang="pl-PL" sz="2800" b="0" i="1" smtClean="0">
+                              <a:solidFill>
+                                <a:schemeClr val="bg1"/>
+                              </a:solidFill>
+                              <a:latin typeface="Cambria Math" panose="02040503050406030204" pitchFamily="18" charset="0"/>
+                            </a:rPr>
+                          </m:ctrlPr>
+                        </m:sSupPr>
+                        <m:e>
+                          <m:r>
+                            <a:rPr lang="pl-PL" sz="2800" b="0" i="1" smtClean="0">
+                              <a:solidFill>
+                                <a:schemeClr val="bg1"/>
+                              </a:solidFill>
+                              <a:latin typeface="Cambria Math" panose="02040503050406030204" pitchFamily="18" charset="0"/>
+                            </a:rPr>
+                            <m:t>𝑓</m:t>
+                          </m:r>
+                        </m:e>
+                        <m:sup>
+                          <m:r>
+                            <a:rPr lang="pl-PL" sz="2800" b="0" i="1" smtClean="0">
+                              <a:solidFill>
+                                <a:schemeClr val="bg1"/>
+                              </a:solidFill>
+                              <a:latin typeface="Cambria Math" panose="02040503050406030204" pitchFamily="18" charset="0"/>
+                            </a:rPr>
+                            <m:t>∗</m:t>
+                          </m:r>
+                        </m:sup>
+                      </m:sSup>
+                      <m:r>
+                        <a:rPr lang="pl-PL" sz="2800" b="0" i="1" smtClean="0">
+                          <a:solidFill>
+                            <a:schemeClr val="bg1"/>
+                          </a:solidFill>
+                          <a:latin typeface="Cambria Math" panose="02040503050406030204" pitchFamily="18" charset="0"/>
+                        </a:rPr>
+                        <m:t>&lt;</m:t>
+                      </m:r>
+                      <m:sSup>
+                        <m:sSupPr>
+                          <m:ctrlPr>
+                            <a:rPr lang="pl-PL" sz="2800" b="0" i="1" smtClean="0">
+                              <a:solidFill>
+                                <a:schemeClr val="bg1"/>
+                              </a:solidFill>
+                              <a:latin typeface="Cambria Math" panose="02040503050406030204" pitchFamily="18" charset="0"/>
+                            </a:rPr>
+                          </m:ctrlPr>
+                        </m:sSupPr>
+                        <m:e>
+                          <m:r>
+                            <a:rPr lang="pl-PL" sz="2800" b="0" i="1" smtClean="0">
+                              <a:solidFill>
+                                <a:schemeClr val="bg1"/>
+                              </a:solidFill>
+                              <a:latin typeface="Cambria Math" panose="02040503050406030204" pitchFamily="18" charset="0"/>
+                            </a:rPr>
+                            <m:t>10</m:t>
+                          </m:r>
+                        </m:e>
+                        <m:sup>
+                          <m:r>
+                            <a:rPr lang="pl-PL" sz="2800" b="0" i="1" smtClean="0">
+                              <a:solidFill>
+                                <a:schemeClr val="bg1"/>
+                              </a:solidFill>
+                              <a:latin typeface="Cambria Math" panose="02040503050406030204" pitchFamily="18" charset="0"/>
+                            </a:rPr>
+                            <m:t>−</m:t>
+                          </m:r>
+                          <m:r>
+                            <a:rPr lang="pl-PL" sz="2800" b="0" i="1" smtClean="0">
+                              <a:solidFill>
+                                <a:schemeClr val="bg1"/>
+                              </a:solidFill>
+                              <a:latin typeface="Cambria Math" panose="02040503050406030204" pitchFamily="18" charset="0"/>
+                            </a:rPr>
+                            <m:t>𝑁</m:t>
+                          </m:r>
+                        </m:sup>
+                      </m:sSup>
+                    </m:oMath>
+                  </m:oMathPara>
+                </a14:m>
+                <a:endParaRPr lang="pl-PL" sz="2800" dirty="0"/>
+              </a:p>
+            </p:txBody>
+          </p:sp>
+        </mc:Choice>
+        <mc:Fallback xmlns="">
           <p:sp>
             <p:nvSpPr>
               <p:cNvPr id="5" name="pole tekstowe 4">
@@ -3950,16 +9476,16 @@
             </p:nvSpPr>
             <p:spPr>
               <a:xfrm>
-                <a:off x="3374672" y="2719678"/>
-                <a:ext cx="6177062" cy="461665"/>
+                <a:off x="2034131" y="2326215"/>
+                <a:ext cx="8123732" cy="523220"/>
               </a:xfrm>
               <a:prstGeom prst="rect">
                 <a:avLst/>
               </a:prstGeom>
               <a:blipFill>
-                <a:blip r:embed="rId2"/>
+                <a:blip r:embed="rId3"/>
                 <a:stretch>
-                  <a:fillRect b="-17105"/>
+                  <a:fillRect/>
                 </a:stretch>
               </a:blipFill>
             </p:spPr>
@@ -3992,8 +9518,8 @@
         </p:nvSpPr>
         <p:spPr>
           <a:xfrm>
-            <a:off x="5720142" y="3743556"/>
-            <a:ext cx="1486122" cy="584775"/>
+            <a:off x="5395241" y="3229258"/>
+            <a:ext cx="1401513" cy="523220"/>
           </a:xfrm>
           <a:prstGeom prst="rect">
             <a:avLst/>
@@ -4007,7 +9533,7 @@
           <a:lstStyle/>
           <a:p>
             <a:r>
-              <a:rPr lang="pl-PL" sz="3200" dirty="0">
+              <a:rPr lang="pl-PL" sz="2800" dirty="0">
                 <a:solidFill>
                   <a:schemeClr val="bg1"/>
                 </a:solidFill>
@@ -4018,8 +9544,8 @@
           </a:p>
         </p:txBody>
       </p:sp>
-      <mc:AlternateContent xmlns:mc="http://schemas.openxmlformats.org/markup-compatibility/2006">
-        <mc:Choice xmlns:a14="http://schemas.microsoft.com/office/drawing/2010/main" Requires="a14">
+      <mc:AlternateContent xmlns:mc="http://schemas.openxmlformats.org/markup-compatibility/2006" xmlns:a14="http://schemas.microsoft.com/office/drawing/2010/main">
+        <mc:Choice Requires="a14">
           <p:sp>
             <p:nvSpPr>
               <p:cNvPr id="8" name="pole tekstowe 7">
@@ -4034,8 +9560,8 @@
             </p:nvSpPr>
             <p:spPr>
               <a:xfrm>
-                <a:off x="3256908" y="4583964"/>
-                <a:ext cx="6412589" cy="430887"/>
+                <a:off x="1879254" y="4008566"/>
+                <a:ext cx="8433485" cy="430887"/>
               </a:xfrm>
               <a:prstGeom prst="rect">
                 <a:avLst/>
@@ -4043,7 +9569,7 @@
               <a:noFill/>
             </p:spPr>
             <p:txBody>
-              <a:bodyPr wrap="none" lIns="0" tIns="0" rIns="0" bIns="0" rtlCol="0">
+              <a:bodyPr wrap="square" lIns="0" tIns="0" rIns="0" bIns="0" rtlCol="0">
                 <a:spAutoFit/>
               </a:bodyPr>
               <a:lstStyle/>
@@ -4140,7 +9666,7 @@
             </p:txBody>
           </p:sp>
         </mc:Choice>
-        <mc:Fallback>
+        <mc:Fallback xmlns="">
           <p:sp>
             <p:nvSpPr>
               <p:cNvPr id="8" name="pole tekstowe 7">
@@ -4157,8 +9683,253 @@
             </p:nvSpPr>
             <p:spPr>
               <a:xfrm>
-                <a:off x="3256908" y="4583964"/>
-                <a:ext cx="6412589" cy="430887"/>
+                <a:off x="1879254" y="4008566"/>
+                <a:ext cx="8433485" cy="430887"/>
+              </a:xfrm>
+              <a:prstGeom prst="rect">
+                <a:avLst/>
+              </a:prstGeom>
+              <a:blipFill>
+                <a:blip r:embed="rId4"/>
+                <a:stretch>
+                  <a:fillRect/>
+                </a:stretch>
+              </a:blipFill>
+            </p:spPr>
+            <p:txBody>
+              <a:bodyPr/>
+              <a:lstStyle/>
+              <a:p>
+                <a:r>
+                  <a:rPr lang="pl-PL">
+                    <a:noFill/>
+                  </a:rPr>
+                  <a:t> </a:t>
+                </a:r>
+              </a:p>
+            </p:txBody>
+          </p:sp>
+        </mc:Fallback>
+      </mc:AlternateContent>
+    </p:spTree>
+    <p:extLst>
+      <p:ext uri="{BB962C8B-B14F-4D97-AF65-F5344CB8AC3E}">
+        <p14:creationId xmlns:p14="http://schemas.microsoft.com/office/powerpoint/2010/main" val="3159039049"/>
+      </p:ext>
+    </p:extLst>
+  </p:cSld>
+  <p:clrMapOvr>
+    <a:masterClrMapping/>
+  </p:clrMapOvr>
+  <mc:AlternateContent xmlns:mc="http://schemas.openxmlformats.org/markup-compatibility/2006" xmlns:p159="http://schemas.microsoft.com/office/powerpoint/2015/09/main">
+    <mc:Choice Requires="p159">
+      <p:transition xmlns:p14="http://schemas.microsoft.com/office/powerpoint/2010/main" spd="slow" p14:dur="2000">
+        <p159:morph option="byObject"/>
+      </p:transition>
+    </mc:Choice>
+    <mc:Fallback xmlns="">
+      <p:transition spd="slow">
+        <p:fade/>
+      </p:transition>
+    </mc:Fallback>
+  </mc:AlternateContent>
+</p:sld>
+</file>
+
+<file path=ppt/slides/slide5.xml><?xml version="1.0" encoding="utf-8"?>
+<p:sld xmlns:a="http://schemas.openxmlformats.org/drawingml/2006/main" xmlns:r="http://schemas.openxmlformats.org/officeDocument/2006/relationships" xmlns:p="http://schemas.openxmlformats.org/presentationml/2006/main">
+  <p:cSld>
+    <p:spTree>
+      <p:nvGrpSpPr>
+        <p:cNvPr id="1" name=""/>
+        <p:cNvGrpSpPr/>
+        <p:nvPr/>
+      </p:nvGrpSpPr>
+      <p:grpSpPr>
+        <a:xfrm>
+          <a:off x="0" y="0"/>
+          <a:ext cx="0" cy="0"/>
+          <a:chOff x="0" y="0"/>
+          <a:chExt cx="0" cy="0"/>
+        </a:xfrm>
+      </p:grpSpPr>
+      <mc:AlternateContent xmlns:mc="http://schemas.openxmlformats.org/markup-compatibility/2006" xmlns:a14="http://schemas.microsoft.com/office/drawing/2010/main">
+        <mc:Choice Requires="a14">
+          <p:sp>
+            <p:nvSpPr>
+              <p:cNvPr id="10" name="pole tekstowe 9">
+                <a:extLst>
+                  <a:ext uri="{FF2B5EF4-FFF2-40B4-BE49-F238E27FC236}">
+                    <a16:creationId xmlns:a16="http://schemas.microsoft.com/office/drawing/2014/main" id="{96C06881-4821-17A7-5694-82A18DBD4CFA}"/>
+                  </a:ext>
+                </a:extLst>
+              </p:cNvPr>
+              <p:cNvSpPr txBox="1"/>
+              <p:nvPr/>
+            </p:nvSpPr>
+            <p:spPr>
+              <a:xfrm>
+                <a:off x="4407408" y="649224"/>
+                <a:ext cx="2280461" cy="1394805"/>
+              </a:xfrm>
+              <a:prstGeom prst="rect">
+                <a:avLst/>
+              </a:prstGeom>
+              <a:noFill/>
+            </p:spPr>
+            <p:txBody>
+              <a:bodyPr wrap="square" lIns="0" tIns="0" rIns="0" bIns="0" rtlCol="0">
+                <a:spAutoFit/>
+              </a:bodyPr>
+              <a:lstStyle/>
+              <a:p>
+                <a:pPr/>
+                <a14:m>
+                  <m:oMathPara xmlns:m="http://schemas.openxmlformats.org/officeDocument/2006/math">
+                    <m:oMathParaPr>
+                      <m:jc m:val="centerGroup"/>
+                    </m:oMathParaPr>
+                    <m:oMath xmlns:m="http://schemas.openxmlformats.org/officeDocument/2006/math">
+                      <m:r>
+                        <a:rPr lang="pl-PL" sz="3200" b="0" i="1" smtClean="0">
+                          <a:solidFill>
+                            <a:schemeClr val="bg1"/>
+                          </a:solidFill>
+                          <a:latin typeface="Cambria Math" panose="02040503050406030204" pitchFamily="18" charset="0"/>
+                        </a:rPr>
+                        <m:t>𝑒</m:t>
+                      </m:r>
+                      <m:r>
+                        <a:rPr lang="pl-PL" sz="3200" b="0" i="1" smtClean="0">
+                          <a:solidFill>
+                            <a:schemeClr val="bg1"/>
+                          </a:solidFill>
+                          <a:latin typeface="Cambria Math" panose="02040503050406030204" pitchFamily="18" charset="0"/>
+                        </a:rPr>
+                        <m:t>=</m:t>
+                      </m:r>
+                      <m:nary>
+                        <m:naryPr>
+                          <m:chr m:val="∑"/>
+                          <m:ctrlPr>
+                            <a:rPr lang="pl-PL" sz="3200" i="1" smtClean="0">
+                              <a:solidFill>
+                                <a:schemeClr val="bg1"/>
+                              </a:solidFill>
+                              <a:latin typeface="Cambria Math" panose="02040503050406030204" pitchFamily="18" charset="0"/>
+                            </a:rPr>
+                          </m:ctrlPr>
+                        </m:naryPr>
+                        <m:sub>
+                          <m:r>
+                            <m:rPr>
+                              <m:brk m:alnAt="23"/>
+                            </m:rPr>
+                            <a:rPr lang="pl-PL" sz="3200" b="0" i="1" smtClean="0">
+                              <a:solidFill>
+                                <a:schemeClr val="bg1"/>
+                              </a:solidFill>
+                              <a:latin typeface="Cambria Math" panose="02040503050406030204" pitchFamily="18" charset="0"/>
+                            </a:rPr>
+                            <m:t>𝑖</m:t>
+                          </m:r>
+                          <m:r>
+                            <a:rPr lang="pl-PL" sz="3200" b="0" i="1" smtClean="0">
+                              <a:solidFill>
+                                <a:schemeClr val="bg1"/>
+                              </a:solidFill>
+                              <a:latin typeface="Cambria Math" panose="02040503050406030204" pitchFamily="18" charset="0"/>
+                            </a:rPr>
+                            <m:t>=0</m:t>
+                          </m:r>
+                        </m:sub>
+                        <m:sup>
+                          <m:r>
+                            <m:rPr>
+                              <m:nor/>
+                            </m:rPr>
+                            <a:rPr lang="pl-PL" sz="3200" i="1">
+                              <a:solidFill>
+                                <a:schemeClr val="bg1"/>
+                              </a:solidFill>
+                              <a:latin typeface="Cambria Math" panose="02040503050406030204" pitchFamily="18" charset="0"/>
+                            </a:rPr>
+                            <m:t>∞</m:t>
+                          </m:r>
+                        </m:sup>
+                        <m:e>
+                          <m:f>
+                            <m:fPr>
+                              <m:ctrlPr>
+                                <a:rPr lang="pl-PL" sz="3200" i="1" smtClean="0">
+                                  <a:solidFill>
+                                    <a:schemeClr val="bg1"/>
+                                  </a:solidFill>
+                                  <a:latin typeface="Cambria Math" panose="02040503050406030204" pitchFamily="18" charset="0"/>
+                                </a:rPr>
+                              </m:ctrlPr>
+                            </m:fPr>
+                            <m:num>
+                              <m:r>
+                                <a:rPr lang="pl-PL" sz="3200" b="0" i="1" smtClean="0">
+                                  <a:solidFill>
+                                    <a:schemeClr val="bg1"/>
+                                  </a:solidFill>
+                                  <a:latin typeface="Cambria Math" panose="02040503050406030204" pitchFamily="18" charset="0"/>
+                                </a:rPr>
+                                <m:t>1</m:t>
+                              </m:r>
+                            </m:num>
+                            <m:den>
+                              <m:r>
+                                <a:rPr lang="pl-PL" sz="3200" b="0" i="1" smtClean="0">
+                                  <a:solidFill>
+                                    <a:schemeClr val="bg1"/>
+                                  </a:solidFill>
+                                  <a:latin typeface="Cambria Math" panose="02040503050406030204" pitchFamily="18" charset="0"/>
+                                </a:rPr>
+                                <m:t>𝑖</m:t>
+                              </m:r>
+                              <m:r>
+                                <a:rPr lang="pl-PL" sz="3200" b="0" i="1" smtClean="0">
+                                  <a:solidFill>
+                                    <a:schemeClr val="bg1"/>
+                                  </a:solidFill>
+                                  <a:latin typeface="Cambria Math" panose="02040503050406030204" pitchFamily="18" charset="0"/>
+                                </a:rPr>
+                                <m:t>!</m:t>
+                              </m:r>
+                            </m:den>
+                          </m:f>
+                        </m:e>
+                      </m:nary>
+                    </m:oMath>
+                  </m:oMathPara>
+                </a14:m>
+                <a:endParaRPr lang="pl-PL" sz="3200" dirty="0"/>
+              </a:p>
+            </p:txBody>
+          </p:sp>
+        </mc:Choice>
+        <mc:Fallback xmlns="">
+          <p:sp>
+            <p:nvSpPr>
+              <p:cNvPr id="10" name="pole tekstowe 9">
+                <a:extLst>
+                  <a:ext uri="{FF2B5EF4-FFF2-40B4-BE49-F238E27FC236}">
+                    <a16:creationId xmlns:a16="http://schemas.microsoft.com/office/drawing/2014/main" id="{96C06881-4821-17A7-5694-82A18DBD4CFA}"/>
+                  </a:ext>
+                </a:extLst>
+              </p:cNvPr>
+              <p:cNvSpPr txBox="1">
+                <a:spLocks noRot="1" noChangeAspect="1" noMove="1" noResize="1" noEditPoints="1" noAdjustHandles="1" noChangeArrowheads="1" noChangeShapeType="1" noTextEdit="1"/>
+              </p:cNvSpPr>
+              <p:nvPr/>
+            </p:nvSpPr>
+            <p:spPr>
+              <a:xfrm>
+                <a:off x="4407408" y="649224"/>
+                <a:ext cx="2280461" cy="1394805"/>
               </a:xfrm>
               <a:prstGeom prst="rect">
                 <a:avLst/>
@@ -4188,17 +9959,29 @@
     </p:spTree>
     <p:extLst>
       <p:ext uri="{BB962C8B-B14F-4D97-AF65-F5344CB8AC3E}">
-        <p14:creationId xmlns:p14="http://schemas.microsoft.com/office/powerpoint/2010/main" val="4188598112"/>
+        <p14:creationId xmlns:p14="http://schemas.microsoft.com/office/powerpoint/2010/main" val="931006896"/>
       </p:ext>
     </p:extLst>
   </p:cSld>
   <p:clrMapOvr>
     <a:masterClrMapping/>
   </p:clrMapOvr>
+  <mc:AlternateContent xmlns:mc="http://schemas.openxmlformats.org/markup-compatibility/2006" xmlns:p159="http://schemas.microsoft.com/office/powerpoint/2015/09/main">
+    <mc:Choice Requires="p159">
+      <p:transition xmlns:p14="http://schemas.microsoft.com/office/powerpoint/2010/main" spd="slow" p14:dur="2000">
+        <p159:morph option="byObject"/>
+      </p:transition>
+    </mc:Choice>
+    <mc:Fallback xmlns="">
+      <p:transition spd="slow">
+        <p:fade/>
+      </p:transition>
+    </mc:Fallback>
+  </mc:AlternateContent>
 </p:sld>
 </file>
 
-<file path=ppt/slides/slide4.xml><?xml version="1.0" encoding="utf-8"?>
+<file path=ppt/slides/slide6.xml><?xml version="1.0" encoding="utf-8"?>
 <p:sld xmlns:a="http://schemas.openxmlformats.org/drawingml/2006/main" xmlns:r="http://schemas.openxmlformats.org/officeDocument/2006/relationships" xmlns:p="http://schemas.openxmlformats.org/presentationml/2006/main">
   <p:cSld>
     <p:spTree>
@@ -4215,14 +9998,14 @@
           <a:chExt cx="0" cy="0"/>
         </a:xfrm>
       </p:grpSpPr>
-      <mc:AlternateContent xmlns:mc="http://schemas.openxmlformats.org/markup-compatibility/2006">
-        <mc:Choice xmlns:a14="http://schemas.microsoft.com/office/drawing/2010/main" Requires="a14">
+      <mc:AlternateContent xmlns:mc="http://schemas.openxmlformats.org/markup-compatibility/2006" xmlns:a14="http://schemas.microsoft.com/office/drawing/2010/main">
+        <mc:Choice Requires="a14">
           <p:sp>
             <p:nvSpPr>
-              <p:cNvPr id="2" name="pole tekstowe 1">
+              <p:cNvPr id="10" name="pole tekstowe 9">
                 <a:extLst>
                   <a:ext uri="{FF2B5EF4-FFF2-40B4-BE49-F238E27FC236}">
-                    <a16:creationId xmlns:a16="http://schemas.microsoft.com/office/drawing/2014/main" id="{6DF27864-5E3D-0092-5907-2C921278C014}"/>
+                    <a16:creationId xmlns:a16="http://schemas.microsoft.com/office/drawing/2014/main" id="{96C06881-4821-17A7-5694-82A18DBD4CFA}"/>
                   </a:ext>
                 </a:extLst>
               </p:cNvPr>
@@ -4231,8 +10014,8 @@
             </p:nvSpPr>
             <p:spPr>
               <a:xfrm>
-                <a:off x="5047155" y="802532"/>
-                <a:ext cx="2097690" cy="870366"/>
+                <a:off x="4407408" y="649224"/>
+                <a:ext cx="2280461" cy="1394805"/>
               </a:xfrm>
               <a:prstGeom prst="rect">
                 <a:avLst/>
@@ -4240,150 +10023,146 @@
               <a:noFill/>
             </p:spPr>
             <p:txBody>
-              <a:bodyPr wrap="none" lIns="0" tIns="0" rIns="0" bIns="0" rtlCol="0">
+              <a:bodyPr wrap="square" lIns="0" tIns="0" rIns="0" bIns="0" rtlCol="0">
                 <a:spAutoFit/>
               </a:bodyPr>
               <a:lstStyle/>
               <a:p>
+                <a:pPr/>
                 <a14:m>
                   <m:oMathPara xmlns:m="http://schemas.openxmlformats.org/officeDocument/2006/math">
                     <m:oMathParaPr>
                       <m:jc m:val="centerGroup"/>
                     </m:oMathParaPr>
                     <m:oMath xmlns:m="http://schemas.openxmlformats.org/officeDocument/2006/math">
-                      <m:f>
-                        <m:fPr>
-                          <m:ctrlPr>
-                            <a:rPr lang="pl-PL" sz="2800" i="1" smtClean="0">
-                              <a:solidFill>
-                                <a:schemeClr val="bg1"/>
-                              </a:solidFill>
-                              <a:latin typeface="Cambria Math" panose="02040503050406030204" pitchFamily="18" charset="0"/>
-                            </a:rPr>
-                          </m:ctrlPr>
-                        </m:fPr>
-                        <m:num>
-                          <m:r>
-                            <a:rPr lang="pl-PL" sz="2800" b="0" i="1" smtClean="0">
-                              <a:solidFill>
-                                <a:schemeClr val="bg1"/>
-                              </a:solidFill>
-                              <a:latin typeface="Cambria Math" panose="02040503050406030204" pitchFamily="18" charset="0"/>
-                            </a:rPr>
-                            <m:t>1</m:t>
-                          </m:r>
-                        </m:num>
-                        <m:den>
-                          <m:r>
-                            <a:rPr lang="pl-PL" sz="2800" b="0" i="1" smtClean="0">
-                              <a:solidFill>
-                                <a:schemeClr val="bg1"/>
-                              </a:solidFill>
-                              <a:latin typeface="Cambria Math" panose="02040503050406030204" pitchFamily="18" charset="0"/>
-                            </a:rPr>
-                            <m:t>𝑛</m:t>
-                          </m:r>
-                          <m:r>
-                            <a:rPr lang="pl-PL" sz="2800" b="0" i="1" smtClean="0">
-                              <a:solidFill>
-                                <a:schemeClr val="bg1"/>
-                              </a:solidFill>
-                              <a:latin typeface="Cambria Math" panose="02040503050406030204" pitchFamily="18" charset="0"/>
-                            </a:rPr>
-                            <m:t>!</m:t>
-                          </m:r>
-                        </m:den>
-                      </m:f>
                       <m:r>
-                        <a:rPr lang="pl-PL" sz="2800" b="0" i="1" smtClean="0">
+                        <a:rPr lang="pl-PL" sz="3200" b="0" i="1" smtClean="0">
                           <a:solidFill>
                             <a:schemeClr val="bg1"/>
                           </a:solidFill>
                           <a:latin typeface="Cambria Math" panose="02040503050406030204" pitchFamily="18" charset="0"/>
                         </a:rPr>
-                        <m:t>&gt;</m:t>
+                        <m:t>𝑒</m:t>
                       </m:r>
-                      <m:f>
-                        <m:fPr>
+                      <m:r>
+                        <a:rPr lang="pl-PL" sz="3200" b="0" i="1" smtClean="0">
+                          <a:solidFill>
+                            <a:schemeClr val="bg1"/>
+                          </a:solidFill>
+                          <a:latin typeface="Cambria Math" panose="02040503050406030204" pitchFamily="18" charset="0"/>
+                        </a:rPr>
+                        <m:t>=</m:t>
+                      </m:r>
+                      <m:nary>
+                        <m:naryPr>
+                          <m:chr m:val="∑"/>
                           <m:ctrlPr>
-                            <a:rPr lang="pl-PL" sz="2800" b="0" i="1" smtClean="0">
+                            <a:rPr lang="pl-PL" sz="3200" i="1" smtClean="0">
                               <a:solidFill>
                                 <a:schemeClr val="bg1"/>
                               </a:solidFill>
                               <a:latin typeface="Cambria Math" panose="02040503050406030204" pitchFamily="18" charset="0"/>
                             </a:rPr>
                           </m:ctrlPr>
-                        </m:fPr>
-                        <m:num>
+                        </m:naryPr>
+                        <m:sub>
                           <m:r>
-                            <a:rPr lang="pl-PL" sz="2800" b="0" i="1" smtClean="0">
-                              <a:solidFill>
-                                <a:schemeClr val="bg1"/>
-                              </a:solidFill>
-                              <a:latin typeface="Cambria Math" panose="02040503050406030204" pitchFamily="18" charset="0"/>
-                            </a:rPr>
-                            <m:t>1</m:t>
+                            <m:rPr>
+                              <m:brk m:alnAt="23"/>
+                            </m:rPr>
+                            <a:rPr lang="pl-PL" sz="3200" b="0" i="1" smtClean="0">
+                              <a:solidFill>
+                                <a:schemeClr val="bg1"/>
+                              </a:solidFill>
+                              <a:latin typeface="Cambria Math" panose="02040503050406030204" pitchFamily="18" charset="0"/>
+                            </a:rPr>
+                            <m:t>𝑖</m:t>
                           </m:r>
-                        </m:num>
-                        <m:den>
-                          <m:d>
-                            <m:dPr>
+                          <m:r>
+                            <a:rPr lang="pl-PL" sz="3200" b="0" i="1" smtClean="0">
+                              <a:solidFill>
+                                <a:schemeClr val="bg1"/>
+                              </a:solidFill>
+                              <a:latin typeface="Cambria Math" panose="02040503050406030204" pitchFamily="18" charset="0"/>
+                            </a:rPr>
+                            <m:t>=0</m:t>
+                          </m:r>
+                        </m:sub>
+                        <m:sup>
+                          <m:r>
+                            <m:rPr>
+                              <m:nor/>
+                            </m:rPr>
+                            <a:rPr lang="pl-PL" sz="3200" i="1">
+                              <a:solidFill>
+                                <a:schemeClr val="bg1"/>
+                              </a:solidFill>
+                              <a:latin typeface="Cambria Math" panose="02040503050406030204" pitchFamily="18" charset="0"/>
+                            </a:rPr>
+                            <m:t>∞</m:t>
+                          </m:r>
+                        </m:sup>
+                        <m:e>
+                          <m:f>
+                            <m:fPr>
                               <m:ctrlPr>
-                                <a:rPr lang="pl-PL" sz="2800" b="0" i="1" smtClean="0">
+                                <a:rPr lang="pl-PL" sz="3200" i="1" smtClean="0">
                                   <a:solidFill>
                                     <a:schemeClr val="bg1"/>
                                   </a:solidFill>
                                   <a:latin typeface="Cambria Math" panose="02040503050406030204" pitchFamily="18" charset="0"/>
                                 </a:rPr>
                               </m:ctrlPr>
-                            </m:dPr>
-                            <m:e>
+                            </m:fPr>
+                            <m:num>
                               <m:r>
-                                <a:rPr lang="pl-PL" sz="2800" b="0" i="1" smtClean="0">
+                                <a:rPr lang="pl-PL" sz="3200" b="0" i="1" smtClean="0">
                                   <a:solidFill>
                                     <a:schemeClr val="bg1"/>
                                   </a:solidFill>
                                   <a:latin typeface="Cambria Math" panose="02040503050406030204" pitchFamily="18" charset="0"/>
                                 </a:rPr>
-                                <m:t>𝑛</m:t>
+                                <m:t>1</m:t>
                               </m:r>
+                            </m:num>
+                            <m:den>
                               <m:r>
-                                <a:rPr lang="pl-PL" sz="2800" b="0" i="1" smtClean="0">
+                                <a:rPr lang="pl-PL" sz="3200" b="0" i="1" smtClean="0">
                                   <a:solidFill>
                                     <a:schemeClr val="bg1"/>
                                   </a:solidFill>
                                   <a:latin typeface="Cambria Math" panose="02040503050406030204" pitchFamily="18" charset="0"/>
                                 </a:rPr>
-                                <m:t>+1</m:t>
+                                <m:t>𝑖</m:t>
                               </m:r>
-                            </m:e>
-                          </m:d>
-                          <m:r>
-                            <a:rPr lang="pl-PL" sz="2800" b="0" i="1" smtClean="0">
-                              <a:solidFill>
-                                <a:schemeClr val="bg1"/>
-                              </a:solidFill>
-                              <a:latin typeface="Cambria Math" panose="02040503050406030204" pitchFamily="18" charset="0"/>
-                            </a:rPr>
-                            <m:t>!</m:t>
-                          </m:r>
-                        </m:den>
-                      </m:f>
+                              <m:r>
+                                <a:rPr lang="pl-PL" sz="3200" b="0" i="1" smtClean="0">
+                                  <a:solidFill>
+                                    <a:schemeClr val="bg1"/>
+                                  </a:solidFill>
+                                  <a:latin typeface="Cambria Math" panose="02040503050406030204" pitchFamily="18" charset="0"/>
+                                </a:rPr>
+                                <m:t>!</m:t>
+                              </m:r>
+                            </m:den>
+                          </m:f>
+                        </m:e>
+                      </m:nary>
                     </m:oMath>
                   </m:oMathPara>
                 </a14:m>
-                <a:endParaRPr lang="pl-PL" sz="2800" dirty="0"/>
+                <a:endParaRPr lang="pl-PL" sz="3200" dirty="0"/>
               </a:p>
             </p:txBody>
           </p:sp>
         </mc:Choice>
-        <mc:Fallback>
+        <mc:Fallback xmlns="">
           <p:sp>
             <p:nvSpPr>
-              <p:cNvPr id="2" name="pole tekstowe 1">
+              <p:cNvPr id="10" name="pole tekstowe 9">
                 <a:extLst>
                   <a:ext uri="{FF2B5EF4-FFF2-40B4-BE49-F238E27FC236}">
-                    <a16:creationId xmlns:a16="http://schemas.microsoft.com/office/drawing/2014/main" id="{6DF27864-5E3D-0092-5907-2C921278C014}"/>
+                    <a16:creationId xmlns:a16="http://schemas.microsoft.com/office/drawing/2014/main" id="{96C06881-4821-17A7-5694-82A18DBD4CFA}"/>
                   </a:ext>
                 </a:extLst>
               </p:cNvPr>
@@ -4394,8 +10173,8 @@
             </p:nvSpPr>
             <p:spPr>
               <a:xfrm>
-                <a:off x="5047155" y="802532"/>
-                <a:ext cx="2097690" cy="870366"/>
+                <a:off x="4407408" y="649224"/>
+                <a:ext cx="2280461" cy="1394805"/>
               </a:xfrm>
               <a:prstGeom prst="rect">
                 <a:avLst/>
@@ -4422,14 +10201,14 @@
           </p:sp>
         </mc:Fallback>
       </mc:AlternateContent>
-      <mc:AlternateContent xmlns:mc="http://schemas.openxmlformats.org/markup-compatibility/2006">
-        <mc:Choice xmlns:a14="http://schemas.microsoft.com/office/drawing/2010/main" Requires="a14">
+      <mc:AlternateContent xmlns:mc="http://schemas.openxmlformats.org/markup-compatibility/2006" xmlns:a14="http://schemas.microsoft.com/office/drawing/2010/main">
+        <mc:Choice Requires="a14">
           <p:sp>
             <p:nvSpPr>
-              <p:cNvPr id="7" name="pole tekstowe 6">
+              <p:cNvPr id="11" name="pole tekstowe 10">
                 <a:extLst>
                   <a:ext uri="{FF2B5EF4-FFF2-40B4-BE49-F238E27FC236}">
-                    <a16:creationId xmlns:a16="http://schemas.microsoft.com/office/drawing/2014/main" id="{A9B7E663-81FE-D90A-C51B-6B4DE32F6888}"/>
+                    <a16:creationId xmlns:a16="http://schemas.microsoft.com/office/drawing/2014/main" id="{8A25EC7B-4740-1D35-199D-DDD147431AE8}"/>
                   </a:ext>
                 </a:extLst>
               </p:cNvPr>
@@ -4438,8 +10217,8 @@
             </p:nvSpPr>
             <p:spPr>
               <a:xfrm>
-                <a:off x="5047155" y="2480633"/>
-                <a:ext cx="3825278" cy="611065"/>
+                <a:off x="2007386" y="2703961"/>
+                <a:ext cx="7080504" cy="1450077"/>
               </a:xfrm>
               <a:prstGeom prst="rect">
                 <a:avLst/>
@@ -4447,369 +10226,369 @@
               <a:noFill/>
             </p:spPr>
             <p:txBody>
-              <a:bodyPr wrap="none" lIns="0" tIns="0" rIns="0" bIns="0" rtlCol="0">
+              <a:bodyPr wrap="square" lIns="0" tIns="0" rIns="0" bIns="0" rtlCol="0">
                 <a:spAutoFit/>
               </a:bodyPr>
               <a:lstStyle/>
               <a:p>
+                <a:pPr/>
                 <a14:m>
-                  <m:oMath xmlns:m="http://schemas.openxmlformats.org/officeDocument/2006/math">
-                    <m:f>
-                      <m:fPr>
-                        <m:ctrlPr>
-                          <a:rPr lang="pl-PL" sz="2800" i="1" smtClean="0">
-                            <a:solidFill>
-                              <a:schemeClr val="bg1"/>
-                            </a:solidFill>
-                            <a:latin typeface="Cambria Math" panose="02040503050406030204" pitchFamily="18" charset="0"/>
-                          </a:rPr>
-                        </m:ctrlPr>
-                      </m:fPr>
-                      <m:num>
-                        <m:r>
-                          <a:rPr lang="pl-PL" sz="2800" b="0" i="1" smtClean="0">
-                            <a:solidFill>
-                              <a:schemeClr val="bg1"/>
-                            </a:solidFill>
-                            <a:latin typeface="Cambria Math" panose="02040503050406030204" pitchFamily="18" charset="0"/>
-                          </a:rPr>
-                          <m:t>1</m:t>
-                        </m:r>
-                      </m:num>
-                      <m:den>
-                        <m:r>
-                          <a:rPr lang="pl-PL" sz="2800" b="0" i="1" smtClean="0">
-                            <a:solidFill>
-                              <a:schemeClr val="bg1"/>
-                            </a:solidFill>
-                            <a:latin typeface="Cambria Math" panose="02040503050406030204" pitchFamily="18" charset="0"/>
-                          </a:rPr>
-                          <m:t>0!</m:t>
-                        </m:r>
-                      </m:den>
-                    </m:f>
-                    <m:r>
-                      <a:rPr lang="pl-PL" sz="2800" b="0" i="1" smtClean="0">
-                        <a:solidFill>
-                          <a:schemeClr val="bg1"/>
-                        </a:solidFill>
-                        <a:latin typeface="Cambria Math" panose="02040503050406030204" pitchFamily="18" charset="0"/>
-                      </a:rPr>
-                      <m:t>+</m:t>
-                    </m:r>
-                  </m:oMath>
+                  <m:oMathPara xmlns:m="http://schemas.openxmlformats.org/officeDocument/2006/math">
+                    <m:oMathParaPr>
+                      <m:jc m:val="centerGroup"/>
+                    </m:oMathParaPr>
+                    <m:oMath xmlns:m="http://schemas.openxmlformats.org/officeDocument/2006/math">
+                      <m:r>
+                        <a:rPr lang="pl-PL" sz="3200" b="0" i="1" smtClean="0">
+                          <a:solidFill>
+                            <a:schemeClr val="bg1"/>
+                          </a:solidFill>
+                          <a:latin typeface="Cambria Math" panose="02040503050406030204" pitchFamily="18" charset="0"/>
+                        </a:rPr>
+                        <m:t>𝑒</m:t>
+                      </m:r>
+                      <m:r>
+                        <a:rPr lang="pl-PL" sz="3200" b="0" i="1" smtClean="0">
+                          <a:solidFill>
+                            <a:schemeClr val="bg1"/>
+                          </a:solidFill>
+                          <a:latin typeface="Cambria Math" panose="02040503050406030204" pitchFamily="18" charset="0"/>
+                        </a:rPr>
+                        <m:t>=</m:t>
+                      </m:r>
+                      <m:nary>
+                        <m:naryPr>
+                          <m:chr m:val="∑"/>
+                          <m:ctrlPr>
+                            <a:rPr lang="pl-PL" sz="3200" i="1" smtClean="0">
+                              <a:solidFill>
+                                <a:schemeClr val="bg1"/>
+                              </a:solidFill>
+                              <a:latin typeface="Cambria Math" panose="02040503050406030204" pitchFamily="18" charset="0"/>
+                            </a:rPr>
+                          </m:ctrlPr>
+                        </m:naryPr>
+                        <m:sub>
+                          <m:r>
+                            <m:rPr>
+                              <m:brk m:alnAt="23"/>
+                            </m:rPr>
+                            <a:rPr lang="pl-PL" sz="3200" b="0" i="1" smtClean="0">
+                              <a:solidFill>
+                                <a:schemeClr val="bg1"/>
+                              </a:solidFill>
+                              <a:latin typeface="Cambria Math" panose="02040503050406030204" pitchFamily="18" charset="0"/>
+                            </a:rPr>
+                            <m:t>𝑖</m:t>
+                          </m:r>
+                          <m:r>
+                            <a:rPr lang="pl-PL" sz="3200" b="0" i="1" smtClean="0">
+                              <a:solidFill>
+                                <a:schemeClr val="bg1"/>
+                              </a:solidFill>
+                              <a:latin typeface="Cambria Math" panose="02040503050406030204" pitchFamily="18" charset="0"/>
+                            </a:rPr>
+                            <m:t>=0</m:t>
+                          </m:r>
+                        </m:sub>
+                        <m:sup>
+                          <m:r>
+                            <m:rPr>
+                              <m:nor/>
+                            </m:rPr>
+                            <a:rPr lang="pl-PL" sz="3200" i="1">
+                              <a:solidFill>
+                                <a:schemeClr val="bg1"/>
+                              </a:solidFill>
+                              <a:latin typeface="Cambria Math" panose="02040503050406030204" pitchFamily="18" charset="0"/>
+                            </a:rPr>
+                            <m:t>∞</m:t>
+                          </m:r>
+                        </m:sup>
+                        <m:e>
+                          <m:f>
+                            <m:fPr>
+                              <m:ctrlPr>
+                                <a:rPr lang="pl-PL" sz="3200" i="1" smtClean="0">
+                                  <a:solidFill>
+                                    <a:schemeClr val="bg1"/>
+                                  </a:solidFill>
+                                  <a:latin typeface="Cambria Math" panose="02040503050406030204" pitchFamily="18" charset="0"/>
+                                </a:rPr>
+                              </m:ctrlPr>
+                            </m:fPr>
+                            <m:num>
+                              <m:r>
+                                <a:rPr lang="pl-PL" sz="3200" b="0" i="1" smtClean="0">
+                                  <a:solidFill>
+                                    <a:schemeClr val="bg1"/>
+                                  </a:solidFill>
+                                  <a:latin typeface="Cambria Math" panose="02040503050406030204" pitchFamily="18" charset="0"/>
+                                </a:rPr>
+                                <m:t>1</m:t>
+                              </m:r>
+                            </m:num>
+                            <m:den>
+                              <m:r>
+                                <a:rPr lang="pl-PL" sz="3200" b="0" i="1" smtClean="0">
+                                  <a:solidFill>
+                                    <a:schemeClr val="bg1"/>
+                                  </a:solidFill>
+                                  <a:latin typeface="Cambria Math" panose="02040503050406030204" pitchFamily="18" charset="0"/>
+                                </a:rPr>
+                                <m:t>𝑖</m:t>
+                              </m:r>
+                              <m:r>
+                                <a:rPr lang="pl-PL" sz="3200" b="0" i="1" smtClean="0">
+                                  <a:solidFill>
+                                    <a:schemeClr val="bg1"/>
+                                  </a:solidFill>
+                                  <a:latin typeface="Cambria Math" panose="02040503050406030204" pitchFamily="18" charset="0"/>
+                                </a:rPr>
+                                <m:t>!</m:t>
+                              </m:r>
+                            </m:den>
+                          </m:f>
+                        </m:e>
+                      </m:nary>
+                      <m:r>
+                        <a:rPr lang="pl-PL" sz="3200" b="0" i="1" smtClean="0">
+                          <a:solidFill>
+                            <a:schemeClr val="bg1"/>
+                          </a:solidFill>
+                          <a:latin typeface="Cambria Math" panose="02040503050406030204" pitchFamily="18" charset="0"/>
+                        </a:rPr>
+                        <m:t>=</m:t>
+                      </m:r>
+                      <m:nary>
+                        <m:naryPr>
+                          <m:chr m:val="∑"/>
+                          <m:ctrlPr>
+                            <a:rPr lang="pl-PL" sz="3200" i="1">
+                              <a:solidFill>
+                                <a:schemeClr val="bg1"/>
+                              </a:solidFill>
+                              <a:latin typeface="Cambria Math" panose="02040503050406030204" pitchFamily="18" charset="0"/>
+                            </a:rPr>
+                          </m:ctrlPr>
+                        </m:naryPr>
+                        <m:sub>
+                          <m:r>
+                            <m:rPr>
+                              <m:brk m:alnAt="23"/>
+                            </m:rPr>
+                            <a:rPr lang="pl-PL" sz="3200" i="1">
+                              <a:solidFill>
+                                <a:schemeClr val="bg1"/>
+                              </a:solidFill>
+                              <a:latin typeface="Cambria Math" panose="02040503050406030204" pitchFamily="18" charset="0"/>
+                            </a:rPr>
+                            <m:t>𝑖</m:t>
+                          </m:r>
+                          <m:r>
+                            <a:rPr lang="pl-PL" sz="3200" i="1">
+                              <a:solidFill>
+                                <a:schemeClr val="bg1"/>
+                              </a:solidFill>
+                              <a:latin typeface="Cambria Math" panose="02040503050406030204" pitchFamily="18" charset="0"/>
+                            </a:rPr>
+                            <m:t>=0</m:t>
+                          </m:r>
+                        </m:sub>
+                        <m:sup>
+                          <m:r>
+                            <m:rPr>
+                              <m:nor/>
+                            </m:rPr>
+                            <a:rPr lang="pl-PL" sz="3200" b="0" i="1" smtClean="0">
+                              <a:solidFill>
+                                <a:schemeClr val="bg1"/>
+                              </a:solidFill>
+                              <a:latin typeface="Cambria Math" panose="02040503050406030204" pitchFamily="18" charset="0"/>
+                            </a:rPr>
+                            <m:t>n</m:t>
+                          </m:r>
+                        </m:sup>
+                        <m:e>
+                          <m:f>
+                            <m:fPr>
+                              <m:ctrlPr>
+                                <a:rPr lang="pl-PL" sz="3200" i="1">
+                                  <a:solidFill>
+                                    <a:schemeClr val="bg1"/>
+                                  </a:solidFill>
+                                  <a:latin typeface="Cambria Math" panose="02040503050406030204" pitchFamily="18" charset="0"/>
+                                </a:rPr>
+                              </m:ctrlPr>
+                            </m:fPr>
+                            <m:num>
+                              <m:r>
+                                <a:rPr lang="pl-PL" sz="3200" i="1">
+                                  <a:solidFill>
+                                    <a:schemeClr val="bg1"/>
+                                  </a:solidFill>
+                                  <a:latin typeface="Cambria Math" panose="02040503050406030204" pitchFamily="18" charset="0"/>
+                                </a:rPr>
+                                <m:t>1</m:t>
+                              </m:r>
+                            </m:num>
+                            <m:den>
+                              <m:r>
+                                <a:rPr lang="pl-PL" sz="3200" i="1">
+                                  <a:solidFill>
+                                    <a:schemeClr val="bg1"/>
+                                  </a:solidFill>
+                                  <a:latin typeface="Cambria Math" panose="02040503050406030204" pitchFamily="18" charset="0"/>
+                                </a:rPr>
+                                <m:t>𝑖</m:t>
+                              </m:r>
+                              <m:r>
+                                <a:rPr lang="pl-PL" sz="3200" i="1">
+                                  <a:solidFill>
+                                    <a:schemeClr val="bg1"/>
+                                  </a:solidFill>
+                                  <a:latin typeface="Cambria Math" panose="02040503050406030204" pitchFamily="18" charset="0"/>
+                                </a:rPr>
+                                <m:t>!</m:t>
+                              </m:r>
+                            </m:den>
+                          </m:f>
+                        </m:e>
+                      </m:nary>
+                      <m:r>
+                        <a:rPr lang="pl-PL" sz="3200" b="0" i="1" smtClean="0">
+                          <a:solidFill>
+                            <a:schemeClr val="bg1"/>
+                          </a:solidFill>
+                          <a:latin typeface="Cambria Math" panose="02040503050406030204" pitchFamily="18" charset="0"/>
+                        </a:rPr>
+                        <m:t>+</m:t>
+                      </m:r>
+                      <m:nary>
+                        <m:naryPr>
+                          <m:chr m:val="∑"/>
+                          <m:ctrlPr>
+                            <a:rPr lang="pl-PL" sz="3200" i="1">
+                              <a:solidFill>
+                                <a:schemeClr val="bg1"/>
+                              </a:solidFill>
+                              <a:latin typeface="Cambria Math" panose="02040503050406030204" pitchFamily="18" charset="0"/>
+                            </a:rPr>
+                          </m:ctrlPr>
+                        </m:naryPr>
+                        <m:sub>
+                          <m:r>
+                            <a:rPr lang="pl-PL" sz="3200" b="0" i="1" smtClean="0">
+                              <a:solidFill>
+                                <a:schemeClr val="bg1"/>
+                              </a:solidFill>
+                              <a:latin typeface="Cambria Math" panose="02040503050406030204" pitchFamily="18" charset="0"/>
+                            </a:rPr>
+                            <m:t>𝑗</m:t>
+                          </m:r>
+                          <m:r>
+                            <a:rPr lang="pl-PL" sz="3200" i="1">
+                              <a:solidFill>
+                                <a:schemeClr val="bg1"/>
+                              </a:solidFill>
+                              <a:latin typeface="Cambria Math" panose="02040503050406030204" pitchFamily="18" charset="0"/>
+                            </a:rPr>
+                            <m:t>=</m:t>
+                          </m:r>
+                          <m:r>
+                            <a:rPr lang="pl-PL" sz="3200" b="0" i="1" smtClean="0">
+                              <a:solidFill>
+                                <a:schemeClr val="bg1"/>
+                              </a:solidFill>
+                              <a:latin typeface="Cambria Math" panose="02040503050406030204" pitchFamily="18" charset="0"/>
+                            </a:rPr>
+                            <m:t>𝑛</m:t>
+                          </m:r>
+                          <m:r>
+                            <a:rPr lang="pl-PL" sz="3200" b="0" i="1" smtClean="0">
+                              <a:solidFill>
+                                <a:schemeClr val="bg1"/>
+                              </a:solidFill>
+                              <a:latin typeface="Cambria Math" panose="02040503050406030204" pitchFamily="18" charset="0"/>
+                            </a:rPr>
+                            <m:t>+1</m:t>
+                          </m:r>
+                        </m:sub>
+                        <m:sup>
+                          <m:r>
+                            <m:rPr>
+                              <m:nor/>
+                            </m:rPr>
+                            <a:rPr lang="pl-PL" sz="3200" i="1">
+                              <a:solidFill>
+                                <a:schemeClr val="bg1"/>
+                              </a:solidFill>
+                              <a:latin typeface="Cambria Math" panose="02040503050406030204" pitchFamily="18" charset="0"/>
+                            </a:rPr>
+                            <m:t>∞</m:t>
+                          </m:r>
+                        </m:sup>
+                        <m:e>
+                          <m:f>
+                            <m:fPr>
+                              <m:ctrlPr>
+                                <a:rPr lang="pl-PL" sz="3200" i="1">
+                                  <a:solidFill>
+                                    <a:schemeClr val="bg1"/>
+                                  </a:solidFill>
+                                  <a:latin typeface="Cambria Math" panose="02040503050406030204" pitchFamily="18" charset="0"/>
+                                </a:rPr>
+                              </m:ctrlPr>
+                            </m:fPr>
+                            <m:num>
+                              <m:r>
+                                <a:rPr lang="pl-PL" sz="3200" i="1">
+                                  <a:solidFill>
+                                    <a:schemeClr val="bg1"/>
+                                  </a:solidFill>
+                                  <a:latin typeface="Cambria Math" panose="02040503050406030204" pitchFamily="18" charset="0"/>
+                                </a:rPr>
+                                <m:t>1</m:t>
+                              </m:r>
+                            </m:num>
+                            <m:den>
+                              <m:r>
+                                <a:rPr lang="pl-PL" sz="3200" b="0" i="1" smtClean="0">
+                                  <a:solidFill>
+                                    <a:schemeClr val="bg1"/>
+                                  </a:solidFill>
+                                  <a:latin typeface="Cambria Math" panose="02040503050406030204" pitchFamily="18" charset="0"/>
+                                </a:rPr>
+                                <m:t>𝑗</m:t>
+                              </m:r>
+                              <m:r>
+                                <a:rPr lang="pl-PL" sz="3200" i="1">
+                                  <a:solidFill>
+                                    <a:schemeClr val="bg1"/>
+                                  </a:solidFill>
+                                  <a:latin typeface="Cambria Math" panose="02040503050406030204" pitchFamily="18" charset="0"/>
+                                </a:rPr>
+                                <m:t>!</m:t>
+                              </m:r>
+                            </m:den>
+                          </m:f>
+                        </m:e>
+                      </m:nary>
+                    </m:oMath>
+                  </m:oMathPara>
                 </a14:m>
-                <a:r>
-                  <a:rPr lang="pl-PL" sz="2800" dirty="0">
-                    <a:solidFill>
-                      <a:schemeClr val="bg1"/>
-                    </a:solidFill>
-                  </a:rPr>
-                  <a:t> </a:t>
-                </a:r>
-                <a14:m>
-                  <m:oMath xmlns:m="http://schemas.openxmlformats.org/officeDocument/2006/math">
-                    <m:f>
-                      <m:fPr>
-                        <m:ctrlPr>
-                          <a:rPr lang="pl-PL" sz="2800" i="1" smtClean="0">
-                            <a:solidFill>
-                              <a:schemeClr val="bg1"/>
-                            </a:solidFill>
-                            <a:latin typeface="Cambria Math" panose="02040503050406030204" pitchFamily="18" charset="0"/>
-                          </a:rPr>
-                        </m:ctrlPr>
-                      </m:fPr>
-                      <m:num>
-                        <m:r>
-                          <a:rPr lang="pl-PL" sz="2800" b="0" i="1" smtClean="0">
-                            <a:solidFill>
-                              <a:schemeClr val="bg1"/>
-                            </a:solidFill>
-                            <a:latin typeface="Cambria Math" panose="02040503050406030204" pitchFamily="18" charset="0"/>
-                          </a:rPr>
-                          <m:t>1</m:t>
-                        </m:r>
-                      </m:num>
-                      <m:den>
-                        <m:r>
-                          <a:rPr lang="pl-PL" sz="2800" b="0" i="1" smtClean="0">
-                            <a:solidFill>
-                              <a:schemeClr val="bg1"/>
-                            </a:solidFill>
-                            <a:latin typeface="Cambria Math" panose="02040503050406030204" pitchFamily="18" charset="0"/>
-                          </a:rPr>
-                          <m:t>1</m:t>
-                        </m:r>
-                        <m:r>
-                          <a:rPr lang="pl-PL" sz="2800" b="0" i="1" smtClean="0">
-                            <a:solidFill>
-                              <a:schemeClr val="bg1"/>
-                            </a:solidFill>
-                            <a:latin typeface="Cambria Math" panose="02040503050406030204" pitchFamily="18" charset="0"/>
-                          </a:rPr>
-                          <m:t>!</m:t>
-                        </m:r>
-                      </m:den>
-                    </m:f>
-                    <m:r>
-                      <a:rPr lang="pl-PL" sz="2800" b="0" i="1" smtClean="0">
-                        <a:solidFill>
-                          <a:schemeClr val="bg1"/>
-                        </a:solidFill>
-                        <a:latin typeface="Cambria Math" panose="02040503050406030204" pitchFamily="18" charset="0"/>
-                      </a:rPr>
-                      <m:t>+</m:t>
-                    </m:r>
-                  </m:oMath>
-                </a14:m>
-                <a:r>
-                  <a:rPr lang="pl-PL" sz="2800" dirty="0">
-                    <a:solidFill>
-                      <a:schemeClr val="bg1"/>
-                    </a:solidFill>
-                  </a:rPr>
-                  <a:t> </a:t>
-                </a:r>
-                <a14:m>
-                  <m:oMath xmlns:m="http://schemas.openxmlformats.org/officeDocument/2006/math">
-                    <m:f>
-                      <m:fPr>
-                        <m:ctrlPr>
-                          <a:rPr lang="pl-PL" sz="2800" i="1" smtClean="0">
-                            <a:solidFill>
-                              <a:schemeClr val="bg1"/>
-                            </a:solidFill>
-                            <a:latin typeface="Cambria Math" panose="02040503050406030204" pitchFamily="18" charset="0"/>
-                          </a:rPr>
-                        </m:ctrlPr>
-                      </m:fPr>
-                      <m:num>
-                        <m:r>
-                          <a:rPr lang="pl-PL" sz="2800" b="0" i="1" smtClean="0">
-                            <a:solidFill>
-                              <a:schemeClr val="bg1"/>
-                            </a:solidFill>
-                            <a:latin typeface="Cambria Math" panose="02040503050406030204" pitchFamily="18" charset="0"/>
-                          </a:rPr>
-                          <m:t>1</m:t>
-                        </m:r>
-                      </m:num>
-                      <m:den>
-                        <m:r>
-                          <a:rPr lang="pl-PL" sz="2800" b="0" i="1" smtClean="0">
-                            <a:solidFill>
-                              <a:schemeClr val="bg1"/>
-                            </a:solidFill>
-                            <a:latin typeface="Cambria Math" panose="02040503050406030204" pitchFamily="18" charset="0"/>
-                          </a:rPr>
-                          <m:t>2</m:t>
-                        </m:r>
-                        <m:r>
-                          <a:rPr lang="pl-PL" sz="2800" b="0" i="1" smtClean="0">
-                            <a:solidFill>
-                              <a:schemeClr val="bg1"/>
-                            </a:solidFill>
-                            <a:latin typeface="Cambria Math" panose="02040503050406030204" pitchFamily="18" charset="0"/>
-                          </a:rPr>
-                          <m:t>!</m:t>
-                        </m:r>
-                      </m:den>
-                    </m:f>
-                    <m:r>
-                      <a:rPr lang="pl-PL" sz="2800" b="0" i="1" smtClean="0">
-                        <a:solidFill>
-                          <a:schemeClr val="bg1"/>
-                        </a:solidFill>
-                        <a:latin typeface="Cambria Math" panose="02040503050406030204" pitchFamily="18" charset="0"/>
-                      </a:rPr>
-                      <m:t>+</m:t>
-                    </m:r>
-                  </m:oMath>
-                </a14:m>
-                <a:r>
-                  <a:rPr lang="pl-PL" sz="2800" dirty="0">
-                    <a:solidFill>
-                      <a:schemeClr val="bg1"/>
-                    </a:solidFill>
-                  </a:rPr>
-                  <a:t> </a:t>
-                </a:r>
-                <a14:m>
-                  <m:oMath xmlns:m="http://schemas.openxmlformats.org/officeDocument/2006/math">
-                    <m:f>
-                      <m:fPr>
-                        <m:ctrlPr>
-                          <a:rPr lang="pl-PL" sz="2800" i="1" smtClean="0">
-                            <a:solidFill>
-                              <a:schemeClr val="bg1"/>
-                            </a:solidFill>
-                            <a:latin typeface="Cambria Math" panose="02040503050406030204" pitchFamily="18" charset="0"/>
-                          </a:rPr>
-                        </m:ctrlPr>
-                      </m:fPr>
-                      <m:num>
-                        <m:r>
-                          <a:rPr lang="pl-PL" sz="2800" b="0" i="1" smtClean="0">
-                            <a:solidFill>
-                              <a:schemeClr val="bg1"/>
-                            </a:solidFill>
-                            <a:latin typeface="Cambria Math" panose="02040503050406030204" pitchFamily="18" charset="0"/>
-                          </a:rPr>
-                          <m:t>1</m:t>
-                        </m:r>
-                      </m:num>
-                      <m:den>
-                        <m:r>
-                          <a:rPr lang="pl-PL" sz="2800" b="0" i="1" smtClean="0">
-                            <a:solidFill>
-                              <a:schemeClr val="bg1"/>
-                            </a:solidFill>
-                            <a:latin typeface="Cambria Math" panose="02040503050406030204" pitchFamily="18" charset="0"/>
-                          </a:rPr>
-                          <m:t>3</m:t>
-                        </m:r>
-                        <m:r>
-                          <a:rPr lang="pl-PL" sz="2800" b="0" i="1" smtClean="0">
-                            <a:solidFill>
-                              <a:schemeClr val="bg1"/>
-                            </a:solidFill>
-                            <a:latin typeface="Cambria Math" panose="02040503050406030204" pitchFamily="18" charset="0"/>
-                          </a:rPr>
-                          <m:t>!</m:t>
-                        </m:r>
-                      </m:den>
-                    </m:f>
-                    <m:r>
-                      <a:rPr lang="pl-PL" sz="2800" b="0" i="1" smtClean="0">
-                        <a:solidFill>
-                          <a:schemeClr val="bg1"/>
-                        </a:solidFill>
-                        <a:latin typeface="Cambria Math" panose="02040503050406030204" pitchFamily="18" charset="0"/>
-                      </a:rPr>
-                      <m:t>+</m:t>
-                    </m:r>
-                    <m:f>
-                      <m:fPr>
-                        <m:ctrlPr>
-                          <a:rPr lang="pl-PL" sz="2800" i="1" smtClean="0">
-                            <a:solidFill>
-                              <a:schemeClr val="bg1"/>
-                            </a:solidFill>
-                            <a:latin typeface="Cambria Math" panose="02040503050406030204" pitchFamily="18" charset="0"/>
-                          </a:rPr>
-                        </m:ctrlPr>
-                      </m:fPr>
-                      <m:num>
-                        <m:r>
-                          <a:rPr lang="pl-PL" sz="2800" b="0" i="1" smtClean="0">
-                            <a:solidFill>
-                              <a:schemeClr val="bg1"/>
-                            </a:solidFill>
-                            <a:latin typeface="Cambria Math" panose="02040503050406030204" pitchFamily="18" charset="0"/>
-                          </a:rPr>
-                          <m:t>1</m:t>
-                        </m:r>
-                      </m:num>
-                      <m:den>
-                        <m:r>
-                          <a:rPr lang="pl-PL" sz="2800" b="0" i="1" smtClean="0">
-                            <a:solidFill>
-                              <a:schemeClr val="bg1"/>
-                            </a:solidFill>
-                            <a:latin typeface="Cambria Math" panose="02040503050406030204" pitchFamily="18" charset="0"/>
-                          </a:rPr>
-                          <m:t>4</m:t>
-                        </m:r>
-                        <m:r>
-                          <a:rPr lang="pl-PL" sz="2800" b="0" i="1" smtClean="0">
-                            <a:solidFill>
-                              <a:schemeClr val="bg1"/>
-                            </a:solidFill>
-                            <a:latin typeface="Cambria Math" panose="02040503050406030204" pitchFamily="18" charset="0"/>
-                          </a:rPr>
-                          <m:t>!</m:t>
-                        </m:r>
-                      </m:den>
-                    </m:f>
-                    <m:r>
-                      <a:rPr lang="pl-PL" sz="2800" b="0" i="1" smtClean="0">
-                        <a:solidFill>
-                          <a:schemeClr val="bg1"/>
-                        </a:solidFill>
-                        <a:latin typeface="Cambria Math" panose="02040503050406030204" pitchFamily="18" charset="0"/>
-                      </a:rPr>
-                      <m:t>+</m:t>
-                    </m:r>
-                  </m:oMath>
-                </a14:m>
-                <a:r>
-                  <a:rPr lang="pl-PL" sz="2800" dirty="0">
-                    <a:solidFill>
-                      <a:schemeClr val="bg1"/>
-                    </a:solidFill>
-                  </a:rPr>
-                  <a:t> </a:t>
-                </a:r>
-                <a14:m>
-                  <m:oMath xmlns:m="http://schemas.openxmlformats.org/officeDocument/2006/math">
-                    <m:f>
-                      <m:fPr>
-                        <m:ctrlPr>
-                          <a:rPr lang="pl-PL" sz="2800" i="1" smtClean="0">
-                            <a:solidFill>
-                              <a:schemeClr val="bg1"/>
-                            </a:solidFill>
-                            <a:latin typeface="Cambria Math" panose="02040503050406030204" pitchFamily="18" charset="0"/>
-                          </a:rPr>
-                        </m:ctrlPr>
-                      </m:fPr>
-                      <m:num>
-                        <m:r>
-                          <a:rPr lang="pl-PL" sz="2800" b="0" i="1" smtClean="0">
-                            <a:solidFill>
-                              <a:schemeClr val="bg1"/>
-                            </a:solidFill>
-                            <a:latin typeface="Cambria Math" panose="02040503050406030204" pitchFamily="18" charset="0"/>
-                          </a:rPr>
-                          <m:t>1</m:t>
-                        </m:r>
-                      </m:num>
-                      <m:den>
-                        <m:r>
-                          <a:rPr lang="pl-PL" sz="2800" b="0" i="1" smtClean="0">
-                            <a:solidFill>
-                              <a:schemeClr val="bg1"/>
-                            </a:solidFill>
-                            <a:latin typeface="Cambria Math" panose="02040503050406030204" pitchFamily="18" charset="0"/>
-                          </a:rPr>
-                          <m:t>0!</m:t>
-                        </m:r>
-                      </m:den>
-                    </m:f>
-                    <m:r>
-                      <a:rPr lang="pl-PL" sz="2800" b="0" i="1" smtClean="0">
-                        <a:solidFill>
-                          <a:schemeClr val="bg1"/>
-                        </a:solidFill>
-                        <a:latin typeface="Cambria Math" panose="02040503050406030204" pitchFamily="18" charset="0"/>
-                      </a:rPr>
-                      <m:t>+</m:t>
-                    </m:r>
-                  </m:oMath>
-                </a14:m>
-                <a:endParaRPr lang="pl-PL" sz="2800" dirty="0"/>
+                <a:endParaRPr lang="pl-PL" sz="3200" dirty="0"/>
               </a:p>
             </p:txBody>
           </p:sp>
         </mc:Choice>
-        <mc:Fallback>
+        <mc:Fallback xmlns="">
           <p:sp>
             <p:nvSpPr>
-              <p:cNvPr id="7" name="pole tekstowe 6">
+              <p:cNvPr id="11" name="pole tekstowe 10">
                 <a:extLst>
                   <a:ext uri="{FF2B5EF4-FFF2-40B4-BE49-F238E27FC236}">
-                    <a16:creationId xmlns:a16="http://schemas.microsoft.com/office/drawing/2014/main" id="{A9B7E663-81FE-D90A-C51B-6B4DE32F6888}"/>
+                    <a16:creationId xmlns:a16="http://schemas.microsoft.com/office/drawing/2014/main" id="{8A25EC7B-4740-1D35-199D-DDD147431AE8}"/>
                   </a:ext>
                 </a:extLst>
               </p:cNvPr>
@@ -4820,8 +10599,8 @@
             </p:nvSpPr>
             <p:spPr>
               <a:xfrm>
-                <a:off x="5047155" y="2480633"/>
-                <a:ext cx="3825278" cy="611065"/>
+                <a:off x="2007386" y="2703961"/>
+                <a:ext cx="7080504" cy="1450077"/>
               </a:xfrm>
               <a:prstGeom prst="rect">
                 <a:avLst/>
@@ -4829,7 +10608,7 @@
               <a:blipFill>
                 <a:blip r:embed="rId3"/>
                 <a:stretch>
-                  <a:fillRect l="-159"/>
+                  <a:fillRect/>
                 </a:stretch>
               </a:blipFill>
             </p:spPr>
@@ -4851,13 +10630,1767 @@
     </p:spTree>
     <p:extLst>
       <p:ext uri="{BB962C8B-B14F-4D97-AF65-F5344CB8AC3E}">
-        <p14:creationId xmlns:p14="http://schemas.microsoft.com/office/powerpoint/2010/main" val="333637716"/>
+        <p14:creationId xmlns:p14="http://schemas.microsoft.com/office/powerpoint/2010/main" val="17888381"/>
       </p:ext>
     </p:extLst>
   </p:cSld>
   <p:clrMapOvr>
     <a:masterClrMapping/>
   </p:clrMapOvr>
+  <mc:AlternateContent xmlns:mc="http://schemas.openxmlformats.org/markup-compatibility/2006" xmlns:p159="http://schemas.microsoft.com/office/powerpoint/2015/09/main">
+    <mc:Choice Requires="p159">
+      <p:transition xmlns:p14="http://schemas.microsoft.com/office/powerpoint/2010/main" spd="slow" p14:dur="2000">
+        <p159:morph option="byObject"/>
+      </p:transition>
+    </mc:Choice>
+    <mc:Fallback xmlns="">
+      <p:transition spd="slow">
+        <p:fade/>
+      </p:transition>
+    </mc:Fallback>
+  </mc:AlternateContent>
+</p:sld>
+</file>
+
+<file path=ppt/slides/slide7.xml><?xml version="1.0" encoding="utf-8"?>
+<p:sld xmlns:a="http://schemas.openxmlformats.org/drawingml/2006/main" xmlns:r="http://schemas.openxmlformats.org/officeDocument/2006/relationships" xmlns:p="http://schemas.openxmlformats.org/presentationml/2006/main">
+  <p:cSld>
+    <p:spTree>
+      <p:nvGrpSpPr>
+        <p:cNvPr id="1" name=""/>
+        <p:cNvGrpSpPr/>
+        <p:nvPr/>
+      </p:nvGrpSpPr>
+      <p:grpSpPr>
+        <a:xfrm>
+          <a:off x="0" y="0"/>
+          <a:ext cx="0" cy="0"/>
+          <a:chOff x="0" y="0"/>
+          <a:chExt cx="0" cy="0"/>
+        </a:xfrm>
+      </p:grpSpPr>
+      <mc:AlternateContent xmlns:mc="http://schemas.openxmlformats.org/markup-compatibility/2006" xmlns:a14="http://schemas.microsoft.com/office/drawing/2010/main">
+        <mc:Choice Requires="a14">
+          <p:sp>
+            <p:nvSpPr>
+              <p:cNvPr id="10" name="pole tekstowe 9">
+                <a:extLst>
+                  <a:ext uri="{FF2B5EF4-FFF2-40B4-BE49-F238E27FC236}">
+                    <a16:creationId xmlns:a16="http://schemas.microsoft.com/office/drawing/2014/main" id="{96C06881-4821-17A7-5694-82A18DBD4CFA}"/>
+                  </a:ext>
+                </a:extLst>
+              </p:cNvPr>
+              <p:cNvSpPr txBox="1"/>
+              <p:nvPr/>
+            </p:nvSpPr>
+            <p:spPr>
+              <a:xfrm>
+                <a:off x="4407408" y="649224"/>
+                <a:ext cx="2280461" cy="1394805"/>
+              </a:xfrm>
+              <a:prstGeom prst="rect">
+                <a:avLst/>
+              </a:prstGeom>
+              <a:noFill/>
+            </p:spPr>
+            <p:txBody>
+              <a:bodyPr wrap="square" lIns="0" tIns="0" rIns="0" bIns="0" rtlCol="0">
+                <a:spAutoFit/>
+              </a:bodyPr>
+              <a:lstStyle/>
+              <a:p>
+                <a:pPr/>
+                <a14:m>
+                  <m:oMathPara xmlns:m="http://schemas.openxmlformats.org/officeDocument/2006/math">
+                    <m:oMathParaPr>
+                      <m:jc m:val="centerGroup"/>
+                    </m:oMathParaPr>
+                    <m:oMath xmlns:m="http://schemas.openxmlformats.org/officeDocument/2006/math">
+                      <m:r>
+                        <a:rPr lang="pl-PL" sz="3200" b="0" i="1" smtClean="0">
+                          <a:solidFill>
+                            <a:schemeClr val="bg1"/>
+                          </a:solidFill>
+                          <a:latin typeface="Cambria Math" panose="02040503050406030204" pitchFamily="18" charset="0"/>
+                        </a:rPr>
+                        <m:t>𝑒</m:t>
+                      </m:r>
+                      <m:r>
+                        <a:rPr lang="pl-PL" sz="3200" b="0" i="1" smtClean="0">
+                          <a:solidFill>
+                            <a:schemeClr val="bg1"/>
+                          </a:solidFill>
+                          <a:latin typeface="Cambria Math" panose="02040503050406030204" pitchFamily="18" charset="0"/>
+                        </a:rPr>
+                        <m:t>=</m:t>
+                      </m:r>
+                      <m:nary>
+                        <m:naryPr>
+                          <m:chr m:val="∑"/>
+                          <m:ctrlPr>
+                            <a:rPr lang="pl-PL" sz="3200" i="1" smtClean="0">
+                              <a:solidFill>
+                                <a:schemeClr val="bg1"/>
+                              </a:solidFill>
+                              <a:latin typeface="Cambria Math" panose="02040503050406030204" pitchFamily="18" charset="0"/>
+                            </a:rPr>
+                          </m:ctrlPr>
+                        </m:naryPr>
+                        <m:sub>
+                          <m:r>
+                            <m:rPr>
+                              <m:brk m:alnAt="23"/>
+                            </m:rPr>
+                            <a:rPr lang="pl-PL" sz="3200" b="0" i="1" smtClean="0">
+                              <a:solidFill>
+                                <a:schemeClr val="bg1"/>
+                              </a:solidFill>
+                              <a:latin typeface="Cambria Math" panose="02040503050406030204" pitchFamily="18" charset="0"/>
+                            </a:rPr>
+                            <m:t>𝑖</m:t>
+                          </m:r>
+                          <m:r>
+                            <a:rPr lang="pl-PL" sz="3200" b="0" i="1" smtClean="0">
+                              <a:solidFill>
+                                <a:schemeClr val="bg1"/>
+                              </a:solidFill>
+                              <a:latin typeface="Cambria Math" panose="02040503050406030204" pitchFamily="18" charset="0"/>
+                            </a:rPr>
+                            <m:t>=0</m:t>
+                          </m:r>
+                        </m:sub>
+                        <m:sup>
+                          <m:r>
+                            <m:rPr>
+                              <m:nor/>
+                            </m:rPr>
+                            <a:rPr lang="pl-PL" sz="3200" i="1">
+                              <a:solidFill>
+                                <a:schemeClr val="bg1"/>
+                              </a:solidFill>
+                              <a:latin typeface="Cambria Math" panose="02040503050406030204" pitchFamily="18" charset="0"/>
+                            </a:rPr>
+                            <m:t>∞</m:t>
+                          </m:r>
+                        </m:sup>
+                        <m:e>
+                          <m:f>
+                            <m:fPr>
+                              <m:ctrlPr>
+                                <a:rPr lang="pl-PL" sz="3200" i="1" smtClean="0">
+                                  <a:solidFill>
+                                    <a:schemeClr val="bg1"/>
+                                  </a:solidFill>
+                                  <a:latin typeface="Cambria Math" panose="02040503050406030204" pitchFamily="18" charset="0"/>
+                                </a:rPr>
+                              </m:ctrlPr>
+                            </m:fPr>
+                            <m:num>
+                              <m:r>
+                                <a:rPr lang="pl-PL" sz="3200" b="0" i="1" smtClean="0">
+                                  <a:solidFill>
+                                    <a:schemeClr val="bg1"/>
+                                  </a:solidFill>
+                                  <a:latin typeface="Cambria Math" panose="02040503050406030204" pitchFamily="18" charset="0"/>
+                                </a:rPr>
+                                <m:t>1</m:t>
+                              </m:r>
+                            </m:num>
+                            <m:den>
+                              <m:r>
+                                <a:rPr lang="pl-PL" sz="3200" b="0" i="1" smtClean="0">
+                                  <a:solidFill>
+                                    <a:schemeClr val="bg1"/>
+                                  </a:solidFill>
+                                  <a:latin typeface="Cambria Math" panose="02040503050406030204" pitchFamily="18" charset="0"/>
+                                </a:rPr>
+                                <m:t>𝑖</m:t>
+                              </m:r>
+                              <m:r>
+                                <a:rPr lang="pl-PL" sz="3200" b="0" i="1" smtClean="0">
+                                  <a:solidFill>
+                                    <a:schemeClr val="bg1"/>
+                                  </a:solidFill>
+                                  <a:latin typeface="Cambria Math" panose="02040503050406030204" pitchFamily="18" charset="0"/>
+                                </a:rPr>
+                                <m:t>!</m:t>
+                              </m:r>
+                            </m:den>
+                          </m:f>
+                        </m:e>
+                      </m:nary>
+                    </m:oMath>
+                  </m:oMathPara>
+                </a14:m>
+                <a:endParaRPr lang="pl-PL" sz="3200" dirty="0"/>
+              </a:p>
+            </p:txBody>
+          </p:sp>
+        </mc:Choice>
+        <mc:Fallback xmlns="">
+          <p:sp>
+            <p:nvSpPr>
+              <p:cNvPr id="10" name="pole tekstowe 9">
+                <a:extLst>
+                  <a:ext uri="{FF2B5EF4-FFF2-40B4-BE49-F238E27FC236}">
+                    <a16:creationId xmlns:a16="http://schemas.microsoft.com/office/drawing/2014/main" id="{96C06881-4821-17A7-5694-82A18DBD4CFA}"/>
+                  </a:ext>
+                </a:extLst>
+              </p:cNvPr>
+              <p:cNvSpPr txBox="1">
+                <a:spLocks noRot="1" noChangeAspect="1" noMove="1" noResize="1" noEditPoints="1" noAdjustHandles="1" noChangeArrowheads="1" noChangeShapeType="1" noTextEdit="1"/>
+              </p:cNvSpPr>
+              <p:nvPr/>
+            </p:nvSpPr>
+            <p:spPr>
+              <a:xfrm>
+                <a:off x="4407408" y="649224"/>
+                <a:ext cx="2280461" cy="1394805"/>
+              </a:xfrm>
+              <a:prstGeom prst="rect">
+                <a:avLst/>
+              </a:prstGeom>
+              <a:blipFill>
+                <a:blip r:embed="rId2"/>
+                <a:stretch>
+                  <a:fillRect/>
+                </a:stretch>
+              </a:blipFill>
+            </p:spPr>
+            <p:txBody>
+              <a:bodyPr/>
+              <a:lstStyle/>
+              <a:p>
+                <a:r>
+                  <a:rPr lang="pl-PL">
+                    <a:noFill/>
+                  </a:rPr>
+                  <a:t> </a:t>
+                </a:r>
+              </a:p>
+            </p:txBody>
+          </p:sp>
+        </mc:Fallback>
+      </mc:AlternateContent>
+      <mc:AlternateContent xmlns:mc="http://schemas.openxmlformats.org/markup-compatibility/2006" xmlns:a14="http://schemas.microsoft.com/office/drawing/2010/main">
+        <mc:Choice Requires="a14">
+          <p:sp>
+            <p:nvSpPr>
+              <p:cNvPr id="11" name="pole tekstowe 10">
+                <a:extLst>
+                  <a:ext uri="{FF2B5EF4-FFF2-40B4-BE49-F238E27FC236}">
+                    <a16:creationId xmlns:a16="http://schemas.microsoft.com/office/drawing/2014/main" id="{8A25EC7B-4740-1D35-199D-DDD147431AE8}"/>
+                  </a:ext>
+                </a:extLst>
+              </p:cNvPr>
+              <p:cNvSpPr txBox="1"/>
+              <p:nvPr/>
+            </p:nvSpPr>
+            <p:spPr>
+              <a:xfrm>
+                <a:off x="2007386" y="2703961"/>
+                <a:ext cx="7080504" cy="1450077"/>
+              </a:xfrm>
+              <a:prstGeom prst="rect">
+                <a:avLst/>
+              </a:prstGeom>
+              <a:noFill/>
+            </p:spPr>
+            <p:txBody>
+              <a:bodyPr wrap="square" lIns="0" tIns="0" rIns="0" bIns="0" rtlCol="0">
+                <a:spAutoFit/>
+              </a:bodyPr>
+              <a:lstStyle/>
+              <a:p>
+                <a:pPr/>
+                <a14:m>
+                  <m:oMathPara xmlns:m="http://schemas.openxmlformats.org/officeDocument/2006/math">
+                    <m:oMathParaPr>
+                      <m:jc m:val="centerGroup"/>
+                    </m:oMathParaPr>
+                    <m:oMath xmlns:m="http://schemas.openxmlformats.org/officeDocument/2006/math">
+                      <m:r>
+                        <a:rPr lang="pl-PL" sz="3200" b="0" i="1" smtClean="0">
+                          <a:solidFill>
+                            <a:schemeClr val="bg1"/>
+                          </a:solidFill>
+                          <a:latin typeface="Cambria Math" panose="02040503050406030204" pitchFamily="18" charset="0"/>
+                        </a:rPr>
+                        <m:t>𝑒</m:t>
+                      </m:r>
+                      <m:r>
+                        <a:rPr lang="pl-PL" sz="3200" b="0" i="1" smtClean="0">
+                          <a:solidFill>
+                            <a:schemeClr val="bg1"/>
+                          </a:solidFill>
+                          <a:latin typeface="Cambria Math" panose="02040503050406030204" pitchFamily="18" charset="0"/>
+                        </a:rPr>
+                        <m:t>=</m:t>
+                      </m:r>
+                      <m:nary>
+                        <m:naryPr>
+                          <m:chr m:val="∑"/>
+                          <m:ctrlPr>
+                            <a:rPr lang="pl-PL" sz="3200" i="1" smtClean="0">
+                              <a:solidFill>
+                                <a:schemeClr val="bg1"/>
+                              </a:solidFill>
+                              <a:latin typeface="Cambria Math" panose="02040503050406030204" pitchFamily="18" charset="0"/>
+                            </a:rPr>
+                          </m:ctrlPr>
+                        </m:naryPr>
+                        <m:sub>
+                          <m:r>
+                            <m:rPr>
+                              <m:brk m:alnAt="23"/>
+                            </m:rPr>
+                            <a:rPr lang="pl-PL" sz="3200" b="0" i="1" smtClean="0">
+                              <a:solidFill>
+                                <a:schemeClr val="bg1"/>
+                              </a:solidFill>
+                              <a:latin typeface="Cambria Math" panose="02040503050406030204" pitchFamily="18" charset="0"/>
+                            </a:rPr>
+                            <m:t>𝑖</m:t>
+                          </m:r>
+                          <m:r>
+                            <a:rPr lang="pl-PL" sz="3200" b="0" i="1" smtClean="0">
+                              <a:solidFill>
+                                <a:schemeClr val="bg1"/>
+                              </a:solidFill>
+                              <a:latin typeface="Cambria Math" panose="02040503050406030204" pitchFamily="18" charset="0"/>
+                            </a:rPr>
+                            <m:t>=0</m:t>
+                          </m:r>
+                        </m:sub>
+                        <m:sup>
+                          <m:r>
+                            <m:rPr>
+                              <m:nor/>
+                            </m:rPr>
+                            <a:rPr lang="pl-PL" sz="3200" i="1">
+                              <a:solidFill>
+                                <a:schemeClr val="bg1"/>
+                              </a:solidFill>
+                              <a:latin typeface="Cambria Math" panose="02040503050406030204" pitchFamily="18" charset="0"/>
+                            </a:rPr>
+                            <m:t>∞</m:t>
+                          </m:r>
+                        </m:sup>
+                        <m:e>
+                          <m:f>
+                            <m:fPr>
+                              <m:ctrlPr>
+                                <a:rPr lang="pl-PL" sz="3200" i="1" smtClean="0">
+                                  <a:solidFill>
+                                    <a:schemeClr val="bg1"/>
+                                  </a:solidFill>
+                                  <a:latin typeface="Cambria Math" panose="02040503050406030204" pitchFamily="18" charset="0"/>
+                                </a:rPr>
+                              </m:ctrlPr>
+                            </m:fPr>
+                            <m:num>
+                              <m:r>
+                                <a:rPr lang="pl-PL" sz="3200" b="0" i="1" smtClean="0">
+                                  <a:solidFill>
+                                    <a:schemeClr val="bg1"/>
+                                  </a:solidFill>
+                                  <a:latin typeface="Cambria Math" panose="02040503050406030204" pitchFamily="18" charset="0"/>
+                                </a:rPr>
+                                <m:t>1</m:t>
+                              </m:r>
+                            </m:num>
+                            <m:den>
+                              <m:r>
+                                <a:rPr lang="pl-PL" sz="3200" b="0" i="1" smtClean="0">
+                                  <a:solidFill>
+                                    <a:schemeClr val="bg1"/>
+                                  </a:solidFill>
+                                  <a:latin typeface="Cambria Math" panose="02040503050406030204" pitchFamily="18" charset="0"/>
+                                </a:rPr>
+                                <m:t>𝑖</m:t>
+                              </m:r>
+                              <m:r>
+                                <a:rPr lang="pl-PL" sz="3200" b="0" i="1" smtClean="0">
+                                  <a:solidFill>
+                                    <a:schemeClr val="bg1"/>
+                                  </a:solidFill>
+                                  <a:latin typeface="Cambria Math" panose="02040503050406030204" pitchFamily="18" charset="0"/>
+                                </a:rPr>
+                                <m:t>!</m:t>
+                              </m:r>
+                            </m:den>
+                          </m:f>
+                        </m:e>
+                      </m:nary>
+                      <m:r>
+                        <a:rPr lang="pl-PL" sz="3200" b="0" i="1" smtClean="0">
+                          <a:solidFill>
+                            <a:schemeClr val="bg1"/>
+                          </a:solidFill>
+                          <a:latin typeface="Cambria Math" panose="02040503050406030204" pitchFamily="18" charset="0"/>
+                        </a:rPr>
+                        <m:t>=</m:t>
+                      </m:r>
+                      <m:nary>
+                        <m:naryPr>
+                          <m:chr m:val="∑"/>
+                          <m:ctrlPr>
+                            <a:rPr lang="pl-PL" sz="3200" i="1">
+                              <a:solidFill>
+                                <a:schemeClr val="bg1"/>
+                              </a:solidFill>
+                              <a:latin typeface="Cambria Math" panose="02040503050406030204" pitchFamily="18" charset="0"/>
+                            </a:rPr>
+                          </m:ctrlPr>
+                        </m:naryPr>
+                        <m:sub>
+                          <m:r>
+                            <m:rPr>
+                              <m:brk m:alnAt="23"/>
+                            </m:rPr>
+                            <a:rPr lang="pl-PL" sz="3200" i="1">
+                              <a:solidFill>
+                                <a:schemeClr val="bg1"/>
+                              </a:solidFill>
+                              <a:latin typeface="Cambria Math" panose="02040503050406030204" pitchFamily="18" charset="0"/>
+                            </a:rPr>
+                            <m:t>𝑖</m:t>
+                          </m:r>
+                          <m:r>
+                            <a:rPr lang="pl-PL" sz="3200" i="1">
+                              <a:solidFill>
+                                <a:schemeClr val="bg1"/>
+                              </a:solidFill>
+                              <a:latin typeface="Cambria Math" panose="02040503050406030204" pitchFamily="18" charset="0"/>
+                            </a:rPr>
+                            <m:t>=0</m:t>
+                          </m:r>
+                        </m:sub>
+                        <m:sup>
+                          <m:r>
+                            <m:rPr>
+                              <m:nor/>
+                            </m:rPr>
+                            <a:rPr lang="pl-PL" sz="3200" b="0" i="1" smtClean="0">
+                              <a:solidFill>
+                                <a:schemeClr val="bg1"/>
+                              </a:solidFill>
+                              <a:latin typeface="Cambria Math" panose="02040503050406030204" pitchFamily="18" charset="0"/>
+                            </a:rPr>
+                            <m:t>n</m:t>
+                          </m:r>
+                        </m:sup>
+                        <m:e>
+                          <m:f>
+                            <m:fPr>
+                              <m:ctrlPr>
+                                <a:rPr lang="pl-PL" sz="3200" i="1">
+                                  <a:solidFill>
+                                    <a:schemeClr val="bg1"/>
+                                  </a:solidFill>
+                                  <a:latin typeface="Cambria Math" panose="02040503050406030204" pitchFamily="18" charset="0"/>
+                                </a:rPr>
+                              </m:ctrlPr>
+                            </m:fPr>
+                            <m:num>
+                              <m:r>
+                                <a:rPr lang="pl-PL" sz="3200" i="1">
+                                  <a:solidFill>
+                                    <a:schemeClr val="bg1"/>
+                                  </a:solidFill>
+                                  <a:latin typeface="Cambria Math" panose="02040503050406030204" pitchFamily="18" charset="0"/>
+                                </a:rPr>
+                                <m:t>1</m:t>
+                              </m:r>
+                            </m:num>
+                            <m:den>
+                              <m:r>
+                                <a:rPr lang="pl-PL" sz="3200" i="1">
+                                  <a:solidFill>
+                                    <a:schemeClr val="bg1"/>
+                                  </a:solidFill>
+                                  <a:latin typeface="Cambria Math" panose="02040503050406030204" pitchFamily="18" charset="0"/>
+                                </a:rPr>
+                                <m:t>𝑖</m:t>
+                              </m:r>
+                              <m:r>
+                                <a:rPr lang="pl-PL" sz="3200" i="1">
+                                  <a:solidFill>
+                                    <a:schemeClr val="bg1"/>
+                                  </a:solidFill>
+                                  <a:latin typeface="Cambria Math" panose="02040503050406030204" pitchFamily="18" charset="0"/>
+                                </a:rPr>
+                                <m:t>!</m:t>
+                              </m:r>
+                            </m:den>
+                          </m:f>
+                        </m:e>
+                      </m:nary>
+                      <m:r>
+                        <a:rPr lang="pl-PL" sz="3200" b="0" i="1" smtClean="0">
+                          <a:solidFill>
+                            <a:schemeClr val="bg1"/>
+                          </a:solidFill>
+                          <a:latin typeface="Cambria Math" panose="02040503050406030204" pitchFamily="18" charset="0"/>
+                        </a:rPr>
+                        <m:t>+</m:t>
+                      </m:r>
+                      <m:nary>
+                        <m:naryPr>
+                          <m:chr m:val="∑"/>
+                          <m:ctrlPr>
+                            <a:rPr lang="pl-PL" sz="3200" i="1">
+                              <a:solidFill>
+                                <a:schemeClr val="bg1"/>
+                              </a:solidFill>
+                              <a:latin typeface="Cambria Math" panose="02040503050406030204" pitchFamily="18" charset="0"/>
+                            </a:rPr>
+                          </m:ctrlPr>
+                        </m:naryPr>
+                        <m:sub>
+                          <m:r>
+                            <a:rPr lang="pl-PL" sz="3200" b="0" i="1" smtClean="0">
+                              <a:solidFill>
+                                <a:schemeClr val="bg1"/>
+                              </a:solidFill>
+                              <a:latin typeface="Cambria Math" panose="02040503050406030204" pitchFamily="18" charset="0"/>
+                            </a:rPr>
+                            <m:t>𝑗</m:t>
+                          </m:r>
+                          <m:r>
+                            <a:rPr lang="pl-PL" sz="3200" i="1">
+                              <a:solidFill>
+                                <a:schemeClr val="bg1"/>
+                              </a:solidFill>
+                              <a:latin typeface="Cambria Math" panose="02040503050406030204" pitchFamily="18" charset="0"/>
+                            </a:rPr>
+                            <m:t>=</m:t>
+                          </m:r>
+                          <m:r>
+                            <a:rPr lang="pl-PL" sz="3200" b="0" i="1" smtClean="0">
+                              <a:solidFill>
+                                <a:schemeClr val="bg1"/>
+                              </a:solidFill>
+                              <a:latin typeface="Cambria Math" panose="02040503050406030204" pitchFamily="18" charset="0"/>
+                            </a:rPr>
+                            <m:t>𝑛</m:t>
+                          </m:r>
+                          <m:r>
+                            <a:rPr lang="pl-PL" sz="3200" b="0" i="1" smtClean="0">
+                              <a:solidFill>
+                                <a:schemeClr val="bg1"/>
+                              </a:solidFill>
+                              <a:latin typeface="Cambria Math" panose="02040503050406030204" pitchFamily="18" charset="0"/>
+                            </a:rPr>
+                            <m:t>+1</m:t>
+                          </m:r>
+                        </m:sub>
+                        <m:sup>
+                          <m:r>
+                            <m:rPr>
+                              <m:nor/>
+                            </m:rPr>
+                            <a:rPr lang="pl-PL" sz="3200" i="1">
+                              <a:solidFill>
+                                <a:schemeClr val="bg1"/>
+                              </a:solidFill>
+                              <a:latin typeface="Cambria Math" panose="02040503050406030204" pitchFamily="18" charset="0"/>
+                            </a:rPr>
+                            <m:t>∞</m:t>
+                          </m:r>
+                        </m:sup>
+                        <m:e>
+                          <m:f>
+                            <m:fPr>
+                              <m:ctrlPr>
+                                <a:rPr lang="pl-PL" sz="3200" i="1">
+                                  <a:solidFill>
+                                    <a:schemeClr val="bg1"/>
+                                  </a:solidFill>
+                                  <a:latin typeface="Cambria Math" panose="02040503050406030204" pitchFamily="18" charset="0"/>
+                                </a:rPr>
+                              </m:ctrlPr>
+                            </m:fPr>
+                            <m:num>
+                              <m:r>
+                                <a:rPr lang="pl-PL" sz="3200" i="1">
+                                  <a:solidFill>
+                                    <a:schemeClr val="bg1"/>
+                                  </a:solidFill>
+                                  <a:latin typeface="Cambria Math" panose="02040503050406030204" pitchFamily="18" charset="0"/>
+                                </a:rPr>
+                                <m:t>1</m:t>
+                              </m:r>
+                            </m:num>
+                            <m:den>
+                              <m:r>
+                                <a:rPr lang="pl-PL" sz="3200" b="0" i="1" smtClean="0">
+                                  <a:solidFill>
+                                    <a:schemeClr val="bg1"/>
+                                  </a:solidFill>
+                                  <a:latin typeface="Cambria Math" panose="02040503050406030204" pitchFamily="18" charset="0"/>
+                                </a:rPr>
+                                <m:t>𝑗</m:t>
+                              </m:r>
+                              <m:r>
+                                <a:rPr lang="pl-PL" sz="3200" i="1">
+                                  <a:solidFill>
+                                    <a:schemeClr val="bg1"/>
+                                  </a:solidFill>
+                                  <a:latin typeface="Cambria Math" panose="02040503050406030204" pitchFamily="18" charset="0"/>
+                                </a:rPr>
+                                <m:t>!</m:t>
+                              </m:r>
+                            </m:den>
+                          </m:f>
+                        </m:e>
+                      </m:nary>
+                    </m:oMath>
+                  </m:oMathPara>
+                </a14:m>
+                <a:endParaRPr lang="pl-PL" sz="3200" dirty="0"/>
+              </a:p>
+            </p:txBody>
+          </p:sp>
+        </mc:Choice>
+        <mc:Fallback xmlns="">
+          <p:sp>
+            <p:nvSpPr>
+              <p:cNvPr id="11" name="pole tekstowe 10">
+                <a:extLst>
+                  <a:ext uri="{FF2B5EF4-FFF2-40B4-BE49-F238E27FC236}">
+                    <a16:creationId xmlns:a16="http://schemas.microsoft.com/office/drawing/2014/main" id="{8A25EC7B-4740-1D35-199D-DDD147431AE8}"/>
+                  </a:ext>
+                </a:extLst>
+              </p:cNvPr>
+              <p:cNvSpPr txBox="1">
+                <a:spLocks noRot="1" noChangeAspect="1" noMove="1" noResize="1" noEditPoints="1" noAdjustHandles="1" noChangeArrowheads="1" noChangeShapeType="1" noTextEdit="1"/>
+              </p:cNvSpPr>
+              <p:nvPr/>
+            </p:nvSpPr>
+            <p:spPr>
+              <a:xfrm>
+                <a:off x="2007386" y="2703961"/>
+                <a:ext cx="7080504" cy="1450077"/>
+              </a:xfrm>
+              <a:prstGeom prst="rect">
+                <a:avLst/>
+              </a:prstGeom>
+              <a:blipFill>
+                <a:blip r:embed="rId3"/>
+                <a:stretch>
+                  <a:fillRect/>
+                </a:stretch>
+              </a:blipFill>
+            </p:spPr>
+            <p:txBody>
+              <a:bodyPr/>
+              <a:lstStyle/>
+              <a:p>
+                <a:r>
+                  <a:rPr lang="pl-PL">
+                    <a:noFill/>
+                  </a:rPr>
+                  <a:t> </a:t>
+                </a:r>
+              </a:p>
+            </p:txBody>
+          </p:sp>
+        </mc:Fallback>
+      </mc:AlternateContent>
+      <mc:AlternateContent xmlns:mc="http://schemas.openxmlformats.org/markup-compatibility/2006" xmlns:a14="http://schemas.microsoft.com/office/drawing/2010/main">
+        <mc:Choice Requires="a14">
+          <p:sp>
+            <p:nvSpPr>
+              <p:cNvPr id="3" name="pole tekstowe 2">
+                <a:extLst>
+                  <a:ext uri="{FF2B5EF4-FFF2-40B4-BE49-F238E27FC236}">
+                    <a16:creationId xmlns:a16="http://schemas.microsoft.com/office/drawing/2014/main" id="{AF32D8C6-D36A-9694-EABC-E95DC367B97E}"/>
+                  </a:ext>
+                </a:extLst>
+              </p:cNvPr>
+              <p:cNvSpPr txBox="1"/>
+              <p:nvPr/>
+            </p:nvSpPr>
+            <p:spPr>
+              <a:xfrm>
+                <a:off x="2500400" y="4692647"/>
+                <a:ext cx="6094476" cy="830997"/>
+              </a:xfrm>
+              <a:prstGeom prst="rect">
+                <a:avLst/>
+              </a:prstGeom>
+              <a:noFill/>
+            </p:spPr>
+            <p:txBody>
+              <a:bodyPr wrap="square">
+                <a:spAutoFit/>
+              </a:bodyPr>
+              <a:lstStyle/>
+              <a:p>
+                <a:pPr/>
+                <a14:m>
+                  <m:oMathPara xmlns:m="http://schemas.openxmlformats.org/officeDocument/2006/math">
+                    <m:oMathParaPr>
+                      <m:jc m:val="centerGroup"/>
+                    </m:oMathParaPr>
+                    <m:oMath xmlns:m="http://schemas.openxmlformats.org/officeDocument/2006/math">
+                      <m:sSup>
+                        <m:sSupPr>
+                          <m:ctrlPr>
+                            <a:rPr lang="pl-PL" sz="4800" b="0" i="1" smtClean="0">
+                              <a:solidFill>
+                                <a:schemeClr val="bg1"/>
+                              </a:solidFill>
+                              <a:latin typeface="Cambria Math" panose="02040503050406030204" pitchFamily="18" charset="0"/>
+                            </a:rPr>
+                          </m:ctrlPr>
+                        </m:sSupPr>
+                        <m:e>
+                          <m:r>
+                            <a:rPr lang="pl-PL" sz="4800" b="0" i="1" smtClean="0">
+                              <a:solidFill>
+                                <a:schemeClr val="bg1"/>
+                              </a:solidFill>
+                              <a:latin typeface="Cambria Math" panose="02040503050406030204" pitchFamily="18" charset="0"/>
+                            </a:rPr>
+                            <m:t>𝑓</m:t>
+                          </m:r>
+                        </m:e>
+                        <m:sup>
+                          <m:r>
+                            <a:rPr lang="pl-PL" sz="4800" b="0" i="1" smtClean="0">
+                              <a:solidFill>
+                                <a:schemeClr val="bg1"/>
+                              </a:solidFill>
+                              <a:latin typeface="Cambria Math" panose="02040503050406030204" pitchFamily="18" charset="0"/>
+                            </a:rPr>
+                            <m:t>∗</m:t>
+                          </m:r>
+                        </m:sup>
+                      </m:sSup>
+                    </m:oMath>
+                  </m:oMathPara>
+                </a14:m>
+                <a:endParaRPr lang="pl-PL" sz="4800" dirty="0"/>
+              </a:p>
+            </p:txBody>
+          </p:sp>
+        </mc:Choice>
+        <mc:Fallback xmlns="">
+          <p:sp>
+            <p:nvSpPr>
+              <p:cNvPr id="3" name="pole tekstowe 2">
+                <a:extLst>
+                  <a:ext uri="{FF2B5EF4-FFF2-40B4-BE49-F238E27FC236}">
+                    <a16:creationId xmlns:a16="http://schemas.microsoft.com/office/drawing/2014/main" id="{AF32D8C6-D36A-9694-EABC-E95DC367B97E}"/>
+                  </a:ext>
+                </a:extLst>
+              </p:cNvPr>
+              <p:cNvSpPr txBox="1">
+                <a:spLocks noRot="1" noChangeAspect="1" noMove="1" noResize="1" noEditPoints="1" noAdjustHandles="1" noChangeArrowheads="1" noChangeShapeType="1" noTextEdit="1"/>
+              </p:cNvSpPr>
+              <p:nvPr/>
+            </p:nvSpPr>
+            <p:spPr>
+              <a:xfrm>
+                <a:off x="2500400" y="4692647"/>
+                <a:ext cx="6094476" cy="830997"/>
+              </a:xfrm>
+              <a:prstGeom prst="rect">
+                <a:avLst/>
+              </a:prstGeom>
+              <a:blipFill>
+                <a:blip r:embed="rId4"/>
+                <a:stretch>
+                  <a:fillRect/>
+                </a:stretch>
+              </a:blipFill>
+            </p:spPr>
+            <p:txBody>
+              <a:bodyPr/>
+              <a:lstStyle/>
+              <a:p>
+                <a:r>
+                  <a:rPr lang="pl-PL">
+                    <a:noFill/>
+                  </a:rPr>
+                  <a:t> </a:t>
+                </a:r>
+              </a:p>
+            </p:txBody>
+          </p:sp>
+        </mc:Fallback>
+      </mc:AlternateContent>
+      <mc:AlternateContent xmlns:mc="http://schemas.openxmlformats.org/markup-compatibility/2006" xmlns:a14="http://schemas.microsoft.com/office/drawing/2010/main">
+        <mc:Choice Requires="a14">
+          <p:sp>
+            <p:nvSpPr>
+              <p:cNvPr id="4" name="pole tekstowe 3">
+                <a:extLst>
+                  <a:ext uri="{FF2B5EF4-FFF2-40B4-BE49-F238E27FC236}">
+                    <a16:creationId xmlns:a16="http://schemas.microsoft.com/office/drawing/2014/main" id="{F161B599-1B7A-2A77-28BF-DFB10CF187D8}"/>
+                  </a:ext>
+                </a:extLst>
+              </p:cNvPr>
+              <p:cNvSpPr txBox="1"/>
+              <p:nvPr/>
+            </p:nvSpPr>
+            <p:spPr>
+              <a:xfrm>
+                <a:off x="4243856" y="4754202"/>
+                <a:ext cx="6094476" cy="707886"/>
+              </a:xfrm>
+              <a:prstGeom prst="rect">
+                <a:avLst/>
+              </a:prstGeom>
+              <a:noFill/>
+            </p:spPr>
+            <p:txBody>
+              <a:bodyPr wrap="square">
+                <a:spAutoFit/>
+              </a:bodyPr>
+              <a:lstStyle/>
+              <a:p>
+                <a:pPr/>
+                <a14:m>
+                  <m:oMathPara xmlns:m="http://schemas.openxmlformats.org/officeDocument/2006/math">
+                    <m:oMathParaPr>
+                      <m:jc m:val="centerGroup"/>
+                    </m:oMathParaPr>
+                    <m:oMath xmlns:m="http://schemas.openxmlformats.org/officeDocument/2006/math">
+                      <m:sSup>
+                        <m:sSupPr>
+                          <m:ctrlPr>
+                            <a:rPr lang="pl-PL" sz="4000" b="0" i="1" smtClean="0">
+                              <a:solidFill>
+                                <a:schemeClr val="bg1"/>
+                              </a:solidFill>
+                              <a:latin typeface="Cambria Math" panose="02040503050406030204" pitchFamily="18" charset="0"/>
+                            </a:rPr>
+                          </m:ctrlPr>
+                        </m:sSupPr>
+                        <m:e>
+                          <m:r>
+                            <a:rPr lang="pl-PL" sz="4000" b="0" i="1" smtClean="0">
+                              <a:solidFill>
+                                <a:schemeClr val="bg1"/>
+                              </a:solidFill>
+                              <a:latin typeface="Cambria Math" panose="02040503050406030204" pitchFamily="18" charset="0"/>
+                            </a:rPr>
+                            <m:t>𝑒</m:t>
+                          </m:r>
+                          <m:r>
+                            <a:rPr lang="pl-PL" sz="4000" b="0" i="1" smtClean="0">
+                              <a:solidFill>
+                                <a:schemeClr val="bg1"/>
+                              </a:solidFill>
+                              <a:latin typeface="Cambria Math" panose="02040503050406030204" pitchFamily="18" charset="0"/>
+                            </a:rPr>
+                            <m:t>−</m:t>
+                          </m:r>
+                          <m:r>
+                            <a:rPr lang="pl-PL" sz="4000" b="0" i="1" smtClean="0">
+                              <a:solidFill>
+                                <a:schemeClr val="bg1"/>
+                              </a:solidFill>
+                              <a:latin typeface="Cambria Math" panose="02040503050406030204" pitchFamily="18" charset="0"/>
+                            </a:rPr>
+                            <m:t>𝑓</m:t>
+                          </m:r>
+                        </m:e>
+                        <m:sup>
+                          <m:r>
+                            <a:rPr lang="pl-PL" sz="4000" b="0" i="1" smtClean="0">
+                              <a:solidFill>
+                                <a:schemeClr val="bg1"/>
+                              </a:solidFill>
+                              <a:latin typeface="Cambria Math" panose="02040503050406030204" pitchFamily="18" charset="0"/>
+                            </a:rPr>
+                            <m:t>∗</m:t>
+                          </m:r>
+                        </m:sup>
+                      </m:sSup>
+                    </m:oMath>
+                  </m:oMathPara>
+                </a14:m>
+                <a:endParaRPr lang="pl-PL" sz="4000" dirty="0"/>
+              </a:p>
+            </p:txBody>
+          </p:sp>
+        </mc:Choice>
+        <mc:Fallback xmlns="">
+          <p:sp>
+            <p:nvSpPr>
+              <p:cNvPr id="4" name="pole tekstowe 3">
+                <a:extLst>
+                  <a:ext uri="{FF2B5EF4-FFF2-40B4-BE49-F238E27FC236}">
+                    <a16:creationId xmlns:a16="http://schemas.microsoft.com/office/drawing/2014/main" id="{F161B599-1B7A-2A77-28BF-DFB10CF187D8}"/>
+                  </a:ext>
+                </a:extLst>
+              </p:cNvPr>
+              <p:cNvSpPr txBox="1">
+                <a:spLocks noRot="1" noChangeAspect="1" noMove="1" noResize="1" noEditPoints="1" noAdjustHandles="1" noChangeArrowheads="1" noChangeShapeType="1" noTextEdit="1"/>
+              </p:cNvSpPr>
+              <p:nvPr/>
+            </p:nvSpPr>
+            <p:spPr>
+              <a:xfrm>
+                <a:off x="4243856" y="4754202"/>
+                <a:ext cx="6094476" cy="707886"/>
+              </a:xfrm>
+              <a:prstGeom prst="rect">
+                <a:avLst/>
+              </a:prstGeom>
+              <a:blipFill>
+                <a:blip r:embed="rId5"/>
+                <a:stretch>
+                  <a:fillRect/>
+                </a:stretch>
+              </a:blipFill>
+            </p:spPr>
+            <p:txBody>
+              <a:bodyPr/>
+              <a:lstStyle/>
+              <a:p>
+                <a:r>
+                  <a:rPr lang="pl-PL">
+                    <a:noFill/>
+                  </a:rPr>
+                  <a:t> </a:t>
+                </a:r>
+              </a:p>
+            </p:txBody>
+          </p:sp>
+        </mc:Fallback>
+      </mc:AlternateContent>
+      <p:cxnSp>
+        <p:nvCxnSpPr>
+          <p:cNvPr id="6" name="Łącznik prosty ze strzałką 5">
+            <a:extLst>
+              <a:ext uri="{FF2B5EF4-FFF2-40B4-BE49-F238E27FC236}">
+                <a16:creationId xmlns:a16="http://schemas.microsoft.com/office/drawing/2014/main" id="{7D27F797-296B-A525-5F81-2882859F9F5B}"/>
+              </a:ext>
+            </a:extLst>
+          </p:cNvPr>
+          <p:cNvCxnSpPr>
+            <a:stCxn id="3" idx="0"/>
+          </p:cNvCxnSpPr>
+          <p:nvPr/>
+        </p:nvCxnSpPr>
+        <p:spPr>
+          <a:xfrm flipV="1">
+            <a:off x="5547638" y="4288536"/>
+            <a:ext cx="0" cy="404111"/>
+          </a:xfrm>
+          <a:prstGeom prst="straightConnector1">
+            <a:avLst/>
+          </a:prstGeom>
+          <a:ln>
+            <a:solidFill>
+              <a:schemeClr val="bg1"/>
+            </a:solidFill>
+            <a:tailEnd type="triangle"/>
+          </a:ln>
+        </p:spPr>
+        <p:style>
+          <a:lnRef idx="2">
+            <a:schemeClr val="accent1"/>
+          </a:lnRef>
+          <a:fillRef idx="0">
+            <a:schemeClr val="accent1"/>
+          </a:fillRef>
+          <a:effectRef idx="1">
+            <a:schemeClr val="accent1"/>
+          </a:effectRef>
+          <a:fontRef idx="minor">
+            <a:schemeClr val="tx1"/>
+          </a:fontRef>
+        </p:style>
+      </p:cxnSp>
+      <p:cxnSp>
+        <p:nvCxnSpPr>
+          <p:cNvPr id="7" name="Łącznik prosty ze strzałką 6">
+            <a:extLst>
+              <a:ext uri="{FF2B5EF4-FFF2-40B4-BE49-F238E27FC236}">
+                <a16:creationId xmlns:a16="http://schemas.microsoft.com/office/drawing/2014/main" id="{743C7193-DD8F-4BB6-6865-828C0D13DC2F}"/>
+              </a:ext>
+            </a:extLst>
+          </p:cNvPr>
+          <p:cNvCxnSpPr/>
+          <p:nvPr/>
+        </p:nvCxnSpPr>
+        <p:spPr>
+          <a:xfrm flipV="1">
+            <a:off x="7108214" y="4350091"/>
+            <a:ext cx="0" cy="404111"/>
+          </a:xfrm>
+          <a:prstGeom prst="straightConnector1">
+            <a:avLst/>
+          </a:prstGeom>
+          <a:ln>
+            <a:solidFill>
+              <a:schemeClr val="bg1"/>
+            </a:solidFill>
+            <a:tailEnd type="triangle"/>
+          </a:ln>
+        </p:spPr>
+        <p:style>
+          <a:lnRef idx="2">
+            <a:schemeClr val="accent1"/>
+          </a:lnRef>
+          <a:fillRef idx="0">
+            <a:schemeClr val="accent1"/>
+          </a:fillRef>
+          <a:effectRef idx="1">
+            <a:schemeClr val="accent1"/>
+          </a:effectRef>
+          <a:fontRef idx="minor">
+            <a:schemeClr val="tx1"/>
+          </a:fontRef>
+        </p:style>
+      </p:cxnSp>
+    </p:spTree>
+    <p:extLst>
+      <p:ext uri="{BB962C8B-B14F-4D97-AF65-F5344CB8AC3E}">
+        <p14:creationId xmlns:p14="http://schemas.microsoft.com/office/powerpoint/2010/main" val="2422456925"/>
+      </p:ext>
+    </p:extLst>
+  </p:cSld>
+  <p:clrMapOvr>
+    <a:masterClrMapping/>
+  </p:clrMapOvr>
+  <mc:AlternateContent xmlns:mc="http://schemas.openxmlformats.org/markup-compatibility/2006" xmlns:p159="http://schemas.microsoft.com/office/powerpoint/2015/09/main">
+    <mc:Choice Requires="p159">
+      <p:transition xmlns:p14="http://schemas.microsoft.com/office/powerpoint/2010/main" spd="slow" p14:dur="2000">
+        <p159:morph option="byObject"/>
+      </p:transition>
+    </mc:Choice>
+    <mc:Fallback xmlns="">
+      <p:transition spd="slow">
+        <p:fade/>
+      </p:transition>
+    </mc:Fallback>
+  </mc:AlternateContent>
+</p:sld>
+</file>
+
+<file path=ppt/slides/slide8.xml><?xml version="1.0" encoding="utf-8"?>
+<p:sld xmlns:a="http://schemas.openxmlformats.org/drawingml/2006/main" xmlns:r="http://schemas.openxmlformats.org/officeDocument/2006/relationships" xmlns:p="http://schemas.openxmlformats.org/presentationml/2006/main">
+  <p:cSld>
+    <p:spTree>
+      <p:nvGrpSpPr>
+        <p:cNvPr id="1" name=""/>
+        <p:cNvGrpSpPr/>
+        <p:nvPr/>
+      </p:nvGrpSpPr>
+      <p:grpSpPr>
+        <a:xfrm>
+          <a:off x="0" y="0"/>
+          <a:ext cx="0" cy="0"/>
+          <a:chOff x="0" y="0"/>
+          <a:chExt cx="0" cy="0"/>
+        </a:xfrm>
+      </p:grpSpPr>
+      <mc:AlternateContent xmlns:mc="http://schemas.openxmlformats.org/markup-compatibility/2006" xmlns:a14="http://schemas.microsoft.com/office/drawing/2010/main">
+        <mc:Choice Requires="a14">
+          <p:sp>
+            <p:nvSpPr>
+              <p:cNvPr id="11" name="pole tekstowe 10">
+                <a:extLst>
+                  <a:ext uri="{FF2B5EF4-FFF2-40B4-BE49-F238E27FC236}">
+                    <a16:creationId xmlns:a16="http://schemas.microsoft.com/office/drawing/2014/main" id="{8A25EC7B-4740-1D35-199D-DDD147431AE8}"/>
+                  </a:ext>
+                </a:extLst>
+              </p:cNvPr>
+              <p:cNvSpPr txBox="1"/>
+              <p:nvPr/>
+            </p:nvSpPr>
+            <p:spPr>
+              <a:xfrm>
+                <a:off x="2555748" y="2703961"/>
+                <a:ext cx="7080504" cy="1450077"/>
+              </a:xfrm>
+              <a:prstGeom prst="rect">
+                <a:avLst/>
+              </a:prstGeom>
+              <a:noFill/>
+            </p:spPr>
+            <p:txBody>
+              <a:bodyPr wrap="square" lIns="0" tIns="0" rIns="0" bIns="0" rtlCol="0">
+                <a:spAutoFit/>
+              </a:bodyPr>
+              <a:lstStyle/>
+              <a:p>
+                <a:pPr/>
+                <a14:m>
+                  <m:oMathPara xmlns:m="http://schemas.openxmlformats.org/officeDocument/2006/math">
+                    <m:oMathParaPr>
+                      <m:jc m:val="centerGroup"/>
+                    </m:oMathParaPr>
+                    <m:oMath xmlns:m="http://schemas.openxmlformats.org/officeDocument/2006/math">
+                      <m:nary>
+                        <m:naryPr>
+                          <m:chr m:val="∑"/>
+                          <m:ctrlPr>
+                            <a:rPr lang="pl-PL" sz="3200" i="1" smtClean="0">
+                              <a:solidFill>
+                                <a:schemeClr val="bg1"/>
+                              </a:solidFill>
+                              <a:latin typeface="Cambria Math" panose="02040503050406030204" pitchFamily="18" charset="0"/>
+                            </a:rPr>
+                          </m:ctrlPr>
+                        </m:naryPr>
+                        <m:sub>
+                          <m:r>
+                            <a:rPr lang="pl-PL" sz="3200" b="0" i="1" smtClean="0">
+                              <a:solidFill>
+                                <a:schemeClr val="bg1"/>
+                              </a:solidFill>
+                              <a:latin typeface="Cambria Math" panose="02040503050406030204" pitchFamily="18" charset="0"/>
+                            </a:rPr>
+                            <m:t>𝑗</m:t>
+                          </m:r>
+                          <m:r>
+                            <a:rPr lang="pl-PL" sz="3200" i="1">
+                              <a:solidFill>
+                                <a:schemeClr val="bg1"/>
+                              </a:solidFill>
+                              <a:latin typeface="Cambria Math" panose="02040503050406030204" pitchFamily="18" charset="0"/>
+                            </a:rPr>
+                            <m:t>=</m:t>
+                          </m:r>
+                          <m:r>
+                            <a:rPr lang="pl-PL" sz="3200" b="0" i="1" smtClean="0">
+                              <a:solidFill>
+                                <a:schemeClr val="bg1"/>
+                              </a:solidFill>
+                              <a:latin typeface="Cambria Math" panose="02040503050406030204" pitchFamily="18" charset="0"/>
+                            </a:rPr>
+                            <m:t>𝑛</m:t>
+                          </m:r>
+                          <m:r>
+                            <a:rPr lang="pl-PL" sz="3200" b="0" i="1" smtClean="0">
+                              <a:solidFill>
+                                <a:schemeClr val="bg1"/>
+                              </a:solidFill>
+                              <a:latin typeface="Cambria Math" panose="02040503050406030204" pitchFamily="18" charset="0"/>
+                            </a:rPr>
+                            <m:t>+1</m:t>
+                          </m:r>
+                        </m:sub>
+                        <m:sup>
+                          <m:r>
+                            <m:rPr>
+                              <m:nor/>
+                            </m:rPr>
+                            <a:rPr lang="pl-PL" sz="3200" i="1">
+                              <a:solidFill>
+                                <a:schemeClr val="bg1"/>
+                              </a:solidFill>
+                              <a:latin typeface="Cambria Math" panose="02040503050406030204" pitchFamily="18" charset="0"/>
+                            </a:rPr>
+                            <m:t>∞</m:t>
+                          </m:r>
+                        </m:sup>
+                        <m:e>
+                          <m:f>
+                            <m:fPr>
+                              <m:ctrlPr>
+                                <a:rPr lang="pl-PL" sz="3200" i="1">
+                                  <a:solidFill>
+                                    <a:schemeClr val="bg1"/>
+                                  </a:solidFill>
+                                  <a:latin typeface="Cambria Math" panose="02040503050406030204" pitchFamily="18" charset="0"/>
+                                </a:rPr>
+                              </m:ctrlPr>
+                            </m:fPr>
+                            <m:num>
+                              <m:r>
+                                <a:rPr lang="pl-PL" sz="3200" i="1">
+                                  <a:solidFill>
+                                    <a:schemeClr val="bg1"/>
+                                  </a:solidFill>
+                                  <a:latin typeface="Cambria Math" panose="02040503050406030204" pitchFamily="18" charset="0"/>
+                                </a:rPr>
+                                <m:t>1</m:t>
+                              </m:r>
+                            </m:num>
+                            <m:den>
+                              <m:r>
+                                <a:rPr lang="pl-PL" sz="3200" b="0" i="1" smtClean="0">
+                                  <a:solidFill>
+                                    <a:schemeClr val="bg1"/>
+                                  </a:solidFill>
+                                  <a:latin typeface="Cambria Math" panose="02040503050406030204" pitchFamily="18" charset="0"/>
+                                </a:rPr>
+                                <m:t>𝑗</m:t>
+                              </m:r>
+                              <m:r>
+                                <a:rPr lang="pl-PL" sz="3200" i="1">
+                                  <a:solidFill>
+                                    <a:schemeClr val="bg1"/>
+                                  </a:solidFill>
+                                  <a:latin typeface="Cambria Math" panose="02040503050406030204" pitchFamily="18" charset="0"/>
+                                </a:rPr>
+                                <m:t>!</m:t>
+                              </m:r>
+                            </m:den>
+                          </m:f>
+                        </m:e>
+                      </m:nary>
+                      <m:r>
+                        <a:rPr lang="pl-PL" sz="3200" b="0" i="1" smtClean="0">
+                          <a:solidFill>
+                            <a:schemeClr val="bg1"/>
+                          </a:solidFill>
+                          <a:latin typeface="Cambria Math" panose="02040503050406030204" pitchFamily="18" charset="0"/>
+                        </a:rPr>
+                        <m:t>&lt;</m:t>
+                      </m:r>
+                      <m:sSup>
+                        <m:sSupPr>
+                          <m:ctrlPr>
+                            <a:rPr lang="pl-PL" sz="3200" b="0" i="1" smtClean="0">
+                              <a:solidFill>
+                                <a:schemeClr val="bg1"/>
+                              </a:solidFill>
+                              <a:latin typeface="Cambria Math" panose="02040503050406030204" pitchFamily="18" charset="0"/>
+                            </a:rPr>
+                          </m:ctrlPr>
+                        </m:sSupPr>
+                        <m:e>
+                          <m:r>
+                            <a:rPr lang="pl-PL" sz="3200" b="0" i="1" smtClean="0">
+                              <a:solidFill>
+                                <a:schemeClr val="bg1"/>
+                              </a:solidFill>
+                              <a:latin typeface="Cambria Math" panose="02040503050406030204" pitchFamily="18" charset="0"/>
+                            </a:rPr>
+                            <m:t>10</m:t>
+                          </m:r>
+                        </m:e>
+                        <m:sup>
+                          <m:r>
+                            <a:rPr lang="pl-PL" sz="3200" b="0" i="1" smtClean="0">
+                              <a:solidFill>
+                                <a:schemeClr val="bg1"/>
+                              </a:solidFill>
+                              <a:latin typeface="Cambria Math" panose="02040503050406030204" pitchFamily="18" charset="0"/>
+                            </a:rPr>
+                            <m:t>−</m:t>
+                          </m:r>
+                          <m:r>
+                            <a:rPr lang="pl-PL" sz="3200" b="0" i="1" smtClean="0">
+                              <a:solidFill>
+                                <a:schemeClr val="bg1"/>
+                              </a:solidFill>
+                              <a:latin typeface="Cambria Math" panose="02040503050406030204" pitchFamily="18" charset="0"/>
+                            </a:rPr>
+                            <m:t>𝑁</m:t>
+                          </m:r>
+                        </m:sup>
+                      </m:sSup>
+                    </m:oMath>
+                  </m:oMathPara>
+                </a14:m>
+                <a:endParaRPr lang="pl-PL" sz="3200" dirty="0"/>
+              </a:p>
+            </p:txBody>
+          </p:sp>
+        </mc:Choice>
+        <mc:Fallback xmlns="">
+          <p:sp>
+            <p:nvSpPr>
+              <p:cNvPr id="11" name="pole tekstowe 10">
+                <a:extLst>
+                  <a:ext uri="{FF2B5EF4-FFF2-40B4-BE49-F238E27FC236}">
+                    <a16:creationId xmlns:a16="http://schemas.microsoft.com/office/drawing/2014/main" id="{8A25EC7B-4740-1D35-199D-DDD147431AE8}"/>
+                  </a:ext>
+                </a:extLst>
+              </p:cNvPr>
+              <p:cNvSpPr txBox="1">
+                <a:spLocks noRot="1" noChangeAspect="1" noMove="1" noResize="1" noEditPoints="1" noAdjustHandles="1" noChangeArrowheads="1" noChangeShapeType="1" noTextEdit="1"/>
+              </p:cNvSpPr>
+              <p:nvPr/>
+            </p:nvSpPr>
+            <p:spPr>
+              <a:xfrm>
+                <a:off x="2555748" y="2703961"/>
+                <a:ext cx="7080504" cy="1450077"/>
+              </a:xfrm>
+              <a:prstGeom prst="rect">
+                <a:avLst/>
+              </a:prstGeom>
+              <a:blipFill>
+                <a:blip r:embed="rId2"/>
+                <a:stretch>
+                  <a:fillRect/>
+                </a:stretch>
+              </a:blipFill>
+            </p:spPr>
+            <p:txBody>
+              <a:bodyPr/>
+              <a:lstStyle/>
+              <a:p>
+                <a:r>
+                  <a:rPr lang="pl-PL">
+                    <a:noFill/>
+                  </a:rPr>
+                  <a:t> </a:t>
+                </a:r>
+              </a:p>
+            </p:txBody>
+          </p:sp>
+        </mc:Fallback>
+      </mc:AlternateContent>
+    </p:spTree>
+    <p:extLst>
+      <p:ext uri="{BB962C8B-B14F-4D97-AF65-F5344CB8AC3E}">
+        <p14:creationId xmlns:p14="http://schemas.microsoft.com/office/powerpoint/2010/main" val="3086771166"/>
+      </p:ext>
+    </p:extLst>
+  </p:cSld>
+  <p:clrMapOvr>
+    <a:masterClrMapping/>
+  </p:clrMapOvr>
+  <mc:AlternateContent xmlns:mc="http://schemas.openxmlformats.org/markup-compatibility/2006" xmlns:p159="http://schemas.microsoft.com/office/powerpoint/2015/09/main">
+    <mc:Choice Requires="p159">
+      <p:transition xmlns:p14="http://schemas.microsoft.com/office/powerpoint/2010/main" spd="slow" p14:dur="2000">
+        <p159:morph option="byObject"/>
+      </p:transition>
+    </mc:Choice>
+    <mc:Fallback xmlns="">
+      <p:transition spd="slow">
+        <p:fade/>
+      </p:transition>
+    </mc:Fallback>
+  </mc:AlternateContent>
+</p:sld>
+</file>
+
+<file path=ppt/slides/slide9.xml><?xml version="1.0" encoding="utf-8"?>
+<p:sld xmlns:a="http://schemas.openxmlformats.org/drawingml/2006/main" xmlns:r="http://schemas.openxmlformats.org/officeDocument/2006/relationships" xmlns:p="http://schemas.openxmlformats.org/presentationml/2006/main">
+  <p:cSld>
+    <p:spTree>
+      <p:nvGrpSpPr>
+        <p:cNvPr id="1" name=""/>
+        <p:cNvGrpSpPr/>
+        <p:nvPr/>
+      </p:nvGrpSpPr>
+      <p:grpSpPr>
+        <a:xfrm>
+          <a:off x="0" y="0"/>
+          <a:ext cx="0" cy="0"/>
+          <a:chOff x="0" y="0"/>
+          <a:chExt cx="0" cy="0"/>
+        </a:xfrm>
+      </p:grpSpPr>
+      <mc:AlternateContent xmlns:mc="http://schemas.openxmlformats.org/markup-compatibility/2006" xmlns:a14="http://schemas.microsoft.com/office/drawing/2010/main">
+        <mc:Choice Requires="a14">
+          <p:sp>
+            <p:nvSpPr>
+              <p:cNvPr id="11" name="pole tekstowe 10">
+                <a:extLst>
+                  <a:ext uri="{FF2B5EF4-FFF2-40B4-BE49-F238E27FC236}">
+                    <a16:creationId xmlns:a16="http://schemas.microsoft.com/office/drawing/2014/main" id="{8A25EC7B-4740-1D35-199D-DDD147431AE8}"/>
+                  </a:ext>
+                </a:extLst>
+              </p:cNvPr>
+              <p:cNvSpPr txBox="1"/>
+              <p:nvPr/>
+            </p:nvSpPr>
+            <p:spPr>
+              <a:xfrm>
+                <a:off x="0" y="2703961"/>
+                <a:ext cx="12192000" cy="1450077"/>
+              </a:xfrm>
+              <a:prstGeom prst="rect">
+                <a:avLst/>
+              </a:prstGeom>
+              <a:noFill/>
+            </p:spPr>
+            <p:txBody>
+              <a:bodyPr wrap="square" lIns="0" tIns="0" rIns="0" bIns="0" rtlCol="0">
+                <a:spAutoFit/>
+              </a:bodyPr>
+              <a:lstStyle/>
+              <a:p>
+                <a:pPr/>
+                <a14:m>
+                  <m:oMathPara xmlns:m="http://schemas.openxmlformats.org/officeDocument/2006/math">
+                    <m:oMathParaPr>
+                      <m:jc m:val="centerGroup"/>
+                    </m:oMathParaPr>
+                    <m:oMath xmlns:m="http://schemas.openxmlformats.org/officeDocument/2006/math">
+                      <m:nary>
+                        <m:naryPr>
+                          <m:chr m:val="∑"/>
+                          <m:ctrlPr>
+                            <a:rPr lang="pl-PL" sz="3200" i="1" smtClean="0">
+                              <a:solidFill>
+                                <a:schemeClr val="bg1"/>
+                              </a:solidFill>
+                              <a:latin typeface="Cambria Math" panose="02040503050406030204" pitchFamily="18" charset="0"/>
+                            </a:rPr>
+                          </m:ctrlPr>
+                        </m:naryPr>
+                        <m:sub>
+                          <m:r>
+                            <a:rPr lang="pl-PL" sz="3200" b="0" i="1" smtClean="0">
+                              <a:solidFill>
+                                <a:schemeClr val="bg1"/>
+                              </a:solidFill>
+                              <a:latin typeface="Cambria Math" panose="02040503050406030204" pitchFamily="18" charset="0"/>
+                            </a:rPr>
+                            <m:t>𝑗</m:t>
+                          </m:r>
+                          <m:r>
+                            <a:rPr lang="pl-PL" sz="3200" i="1">
+                              <a:solidFill>
+                                <a:schemeClr val="bg1"/>
+                              </a:solidFill>
+                              <a:latin typeface="Cambria Math" panose="02040503050406030204" pitchFamily="18" charset="0"/>
+                            </a:rPr>
+                            <m:t>=</m:t>
+                          </m:r>
+                          <m:r>
+                            <a:rPr lang="pl-PL" sz="3200" b="0" i="1" smtClean="0">
+                              <a:solidFill>
+                                <a:schemeClr val="bg1"/>
+                              </a:solidFill>
+                              <a:latin typeface="Cambria Math" panose="02040503050406030204" pitchFamily="18" charset="0"/>
+                            </a:rPr>
+                            <m:t>𝑛</m:t>
+                          </m:r>
+                          <m:r>
+                            <a:rPr lang="pl-PL" sz="3200" b="0" i="1" smtClean="0">
+                              <a:solidFill>
+                                <a:schemeClr val="bg1"/>
+                              </a:solidFill>
+                              <a:latin typeface="Cambria Math" panose="02040503050406030204" pitchFamily="18" charset="0"/>
+                            </a:rPr>
+                            <m:t>+1</m:t>
+                          </m:r>
+                        </m:sub>
+                        <m:sup>
+                          <m:r>
+                            <m:rPr>
+                              <m:nor/>
+                            </m:rPr>
+                            <a:rPr lang="pl-PL" sz="3200" i="1">
+                              <a:solidFill>
+                                <a:schemeClr val="bg1"/>
+                              </a:solidFill>
+                              <a:latin typeface="Cambria Math" panose="02040503050406030204" pitchFamily="18" charset="0"/>
+                            </a:rPr>
+                            <m:t>∞</m:t>
+                          </m:r>
+                        </m:sup>
+                        <m:e>
+                          <m:f>
+                            <m:fPr>
+                              <m:ctrlPr>
+                                <a:rPr lang="pl-PL" sz="3200" i="1">
+                                  <a:solidFill>
+                                    <a:schemeClr val="bg1"/>
+                                  </a:solidFill>
+                                  <a:latin typeface="Cambria Math" panose="02040503050406030204" pitchFamily="18" charset="0"/>
+                                </a:rPr>
+                              </m:ctrlPr>
+                            </m:fPr>
+                            <m:num>
+                              <m:r>
+                                <a:rPr lang="pl-PL" sz="3200" i="1">
+                                  <a:solidFill>
+                                    <a:schemeClr val="bg1"/>
+                                  </a:solidFill>
+                                  <a:latin typeface="Cambria Math" panose="02040503050406030204" pitchFamily="18" charset="0"/>
+                                </a:rPr>
+                                <m:t>1</m:t>
+                              </m:r>
+                            </m:num>
+                            <m:den>
+                              <m:r>
+                                <a:rPr lang="pl-PL" sz="3200" b="0" i="1" smtClean="0">
+                                  <a:solidFill>
+                                    <a:schemeClr val="bg1"/>
+                                  </a:solidFill>
+                                  <a:latin typeface="Cambria Math" panose="02040503050406030204" pitchFamily="18" charset="0"/>
+                                </a:rPr>
+                                <m:t>𝑗</m:t>
+                              </m:r>
+                              <m:r>
+                                <a:rPr lang="pl-PL" sz="3200" i="1">
+                                  <a:solidFill>
+                                    <a:schemeClr val="bg1"/>
+                                  </a:solidFill>
+                                  <a:latin typeface="Cambria Math" panose="02040503050406030204" pitchFamily="18" charset="0"/>
+                                </a:rPr>
+                                <m:t>!</m:t>
+                              </m:r>
+                            </m:den>
+                          </m:f>
+                        </m:e>
+                      </m:nary>
+                      <m:r>
+                        <a:rPr lang="pl-PL" sz="3200" b="0" i="1" smtClean="0">
+                          <a:solidFill>
+                            <a:schemeClr val="bg1"/>
+                          </a:solidFill>
+                          <a:latin typeface="Cambria Math" panose="02040503050406030204" pitchFamily="18" charset="0"/>
+                        </a:rPr>
+                        <m:t>&lt;</m:t>
+                      </m:r>
+                      <m:f>
+                        <m:fPr>
+                          <m:ctrlPr>
+                            <a:rPr lang="pl-PL" sz="3200" b="0" i="1" smtClean="0">
+                              <a:solidFill>
+                                <a:schemeClr val="bg1"/>
+                              </a:solidFill>
+                              <a:latin typeface="Cambria Math" panose="02040503050406030204" pitchFamily="18" charset="0"/>
+                            </a:rPr>
+                          </m:ctrlPr>
+                        </m:fPr>
+                        <m:num>
+                          <m:r>
+                            <a:rPr lang="pl-PL" sz="3200" b="0" i="1" smtClean="0">
+                              <a:solidFill>
+                                <a:schemeClr val="bg1"/>
+                              </a:solidFill>
+                              <a:latin typeface="Cambria Math" panose="02040503050406030204" pitchFamily="18" charset="0"/>
+                            </a:rPr>
+                            <m:t>1</m:t>
+                          </m:r>
+                        </m:num>
+                        <m:den>
+                          <m:r>
+                            <a:rPr lang="pl-PL" sz="3200" b="0" i="1" smtClean="0">
+                              <a:solidFill>
+                                <a:schemeClr val="bg1"/>
+                              </a:solidFill>
+                              <a:latin typeface="Cambria Math" panose="02040503050406030204" pitchFamily="18" charset="0"/>
+                            </a:rPr>
+                            <m:t>𝑛</m:t>
+                          </m:r>
+                          <m:r>
+                            <a:rPr lang="pl-PL" sz="3200" b="0" i="1" smtClean="0">
+                              <a:solidFill>
+                                <a:schemeClr val="bg1"/>
+                              </a:solidFill>
+                              <a:latin typeface="Cambria Math" panose="02040503050406030204" pitchFamily="18" charset="0"/>
+                            </a:rPr>
+                            <m:t>!</m:t>
+                          </m:r>
+                        </m:den>
+                      </m:f>
+                      <m:nary>
+                        <m:naryPr>
+                          <m:chr m:val="∑"/>
+                          <m:ctrlPr>
+                            <a:rPr lang="pl-PL" sz="3200" i="1">
+                              <a:solidFill>
+                                <a:schemeClr val="bg1"/>
+                              </a:solidFill>
+                              <a:latin typeface="Cambria Math" panose="02040503050406030204" pitchFamily="18" charset="0"/>
+                            </a:rPr>
+                          </m:ctrlPr>
+                        </m:naryPr>
+                        <m:sub>
+                          <m:r>
+                            <a:rPr lang="pl-PL" sz="3200" b="0" i="1" smtClean="0">
+                              <a:solidFill>
+                                <a:schemeClr val="bg1"/>
+                              </a:solidFill>
+                              <a:latin typeface="Cambria Math" panose="02040503050406030204" pitchFamily="18" charset="0"/>
+                            </a:rPr>
+                            <m:t>𝑘</m:t>
+                          </m:r>
+                          <m:r>
+                            <a:rPr lang="pl-PL" sz="3200" i="1">
+                              <a:solidFill>
+                                <a:schemeClr val="bg1"/>
+                              </a:solidFill>
+                              <a:latin typeface="Cambria Math" panose="02040503050406030204" pitchFamily="18" charset="0"/>
+                            </a:rPr>
+                            <m:t>=1</m:t>
+                          </m:r>
+                        </m:sub>
+                        <m:sup>
+                          <m:r>
+                            <m:rPr>
+                              <m:nor/>
+                            </m:rPr>
+                            <a:rPr lang="pl-PL" sz="3200" i="1">
+                              <a:solidFill>
+                                <a:schemeClr val="bg1"/>
+                              </a:solidFill>
+                              <a:latin typeface="Cambria Math" panose="02040503050406030204" pitchFamily="18" charset="0"/>
+                            </a:rPr>
+                            <m:t>∞</m:t>
+                          </m:r>
+                        </m:sup>
+                        <m:e>
+                          <m:f>
+                            <m:fPr>
+                              <m:ctrlPr>
+                                <a:rPr lang="pl-PL" sz="3200" i="1">
+                                  <a:solidFill>
+                                    <a:schemeClr val="bg1"/>
+                                  </a:solidFill>
+                                  <a:latin typeface="Cambria Math" panose="02040503050406030204" pitchFamily="18" charset="0"/>
+                                </a:rPr>
+                              </m:ctrlPr>
+                            </m:fPr>
+                            <m:num>
+                              <m:r>
+                                <a:rPr lang="pl-PL" sz="3200" i="1">
+                                  <a:solidFill>
+                                    <a:schemeClr val="bg1"/>
+                                  </a:solidFill>
+                                  <a:latin typeface="Cambria Math" panose="02040503050406030204" pitchFamily="18" charset="0"/>
+                                </a:rPr>
+                                <m:t>1</m:t>
+                              </m:r>
+                            </m:num>
+                            <m:den>
+                              <m:sSup>
+                                <m:sSupPr>
+                                  <m:ctrlPr>
+                                    <a:rPr lang="pl-PL" sz="3200" b="0" i="1" smtClean="0">
+                                      <a:solidFill>
+                                        <a:schemeClr val="bg1"/>
+                                      </a:solidFill>
+                                      <a:latin typeface="Cambria Math" panose="02040503050406030204" pitchFamily="18" charset="0"/>
+                                    </a:rPr>
+                                  </m:ctrlPr>
+                                </m:sSupPr>
+                                <m:e>
+                                  <m:d>
+                                    <m:dPr>
+                                      <m:ctrlPr>
+                                        <a:rPr lang="pl-PL" sz="3200" b="0" i="1" smtClean="0">
+                                          <a:solidFill>
+                                            <a:schemeClr val="bg1"/>
+                                          </a:solidFill>
+                                          <a:latin typeface="Cambria Math" panose="02040503050406030204" pitchFamily="18" charset="0"/>
+                                        </a:rPr>
+                                      </m:ctrlPr>
+                                    </m:dPr>
+                                    <m:e>
+                                      <m:r>
+                                        <a:rPr lang="pl-PL" sz="3200" b="0" i="1" smtClean="0">
+                                          <a:solidFill>
+                                            <a:schemeClr val="bg1"/>
+                                          </a:solidFill>
+                                          <a:latin typeface="Cambria Math" panose="02040503050406030204" pitchFamily="18" charset="0"/>
+                                        </a:rPr>
+                                        <m:t>𝑛</m:t>
+                                      </m:r>
+                                      <m:r>
+                                        <a:rPr lang="pl-PL" sz="3200" b="0" i="1" smtClean="0">
+                                          <a:solidFill>
+                                            <a:schemeClr val="bg1"/>
+                                          </a:solidFill>
+                                          <a:latin typeface="Cambria Math" panose="02040503050406030204" pitchFamily="18" charset="0"/>
+                                        </a:rPr>
+                                        <m:t>+1</m:t>
+                                      </m:r>
+                                    </m:e>
+                                  </m:d>
+                                </m:e>
+                                <m:sup>
+                                  <m:r>
+                                    <a:rPr lang="pl-PL" sz="3200" b="0" i="1" smtClean="0">
+                                      <a:solidFill>
+                                        <a:schemeClr val="bg1"/>
+                                      </a:solidFill>
+                                      <a:latin typeface="Cambria Math" panose="02040503050406030204" pitchFamily="18" charset="0"/>
+                                    </a:rPr>
+                                    <m:t>𝑘</m:t>
+                                  </m:r>
+                                </m:sup>
+                              </m:sSup>
+                            </m:den>
+                          </m:f>
+                        </m:e>
+                      </m:nary>
+                    </m:oMath>
+                  </m:oMathPara>
+                </a14:m>
+                <a:endParaRPr lang="pl-PL" sz="3200" dirty="0"/>
+              </a:p>
+            </p:txBody>
+          </p:sp>
+        </mc:Choice>
+        <mc:Fallback xmlns="">
+          <p:sp>
+            <p:nvSpPr>
+              <p:cNvPr id="11" name="pole tekstowe 10">
+                <a:extLst>
+                  <a:ext uri="{FF2B5EF4-FFF2-40B4-BE49-F238E27FC236}">
+                    <a16:creationId xmlns:a16="http://schemas.microsoft.com/office/drawing/2014/main" id="{8A25EC7B-4740-1D35-199D-DDD147431AE8}"/>
+                  </a:ext>
+                </a:extLst>
+              </p:cNvPr>
+              <p:cNvSpPr txBox="1">
+                <a:spLocks noRot="1" noChangeAspect="1" noMove="1" noResize="1" noEditPoints="1" noAdjustHandles="1" noChangeArrowheads="1" noChangeShapeType="1" noTextEdit="1"/>
+              </p:cNvSpPr>
+              <p:nvPr/>
+            </p:nvSpPr>
+            <p:spPr>
+              <a:xfrm>
+                <a:off x="0" y="2703961"/>
+                <a:ext cx="12192000" cy="1450077"/>
+              </a:xfrm>
+              <a:prstGeom prst="rect">
+                <a:avLst/>
+              </a:prstGeom>
+              <a:blipFill>
+                <a:blip r:embed="rId2"/>
+                <a:stretch>
+                  <a:fillRect/>
+                </a:stretch>
+              </a:blipFill>
+            </p:spPr>
+            <p:txBody>
+              <a:bodyPr/>
+              <a:lstStyle/>
+              <a:p>
+                <a:r>
+                  <a:rPr lang="pl-PL">
+                    <a:noFill/>
+                  </a:rPr>
+                  <a:t> </a:t>
+                </a:r>
+              </a:p>
+            </p:txBody>
+          </p:sp>
+        </mc:Fallback>
+      </mc:AlternateContent>
+    </p:spTree>
+    <p:extLst>
+      <p:ext uri="{BB962C8B-B14F-4D97-AF65-F5344CB8AC3E}">
+        <p14:creationId xmlns:p14="http://schemas.microsoft.com/office/powerpoint/2010/main" val="2111518574"/>
+      </p:ext>
+    </p:extLst>
+  </p:cSld>
+  <p:clrMapOvr>
+    <a:masterClrMapping/>
+  </p:clrMapOvr>
+  <mc:AlternateContent xmlns:mc="http://schemas.openxmlformats.org/markup-compatibility/2006" xmlns:p159="http://schemas.microsoft.com/office/powerpoint/2015/09/main">
+    <mc:Choice Requires="p159">
+      <p:transition xmlns:p14="http://schemas.microsoft.com/office/powerpoint/2010/main" spd="slow" p14:dur="2000">
+        <p159:morph option="byObject"/>
+      </p:transition>
+    </mc:Choice>
+    <mc:Fallback xmlns="">
+      <p:transition spd="slow">
+        <p:fade/>
+      </p:transition>
+    </mc:Fallback>
+  </mc:AlternateContent>
 </p:sld>
 </file>
 
@@ -5174,4 +12707,319 @@
     </a:ext>
   </a:extLst>
 </a:theme>
+</file>
+
+<file path=ppt/theme/theme2.xml><?xml version="1.0" encoding="utf-8"?>
+<a:theme xmlns:a="http://schemas.openxmlformats.org/drawingml/2006/main" name="Motyw pakietu Office">
+  <a:themeElements>
+    <a:clrScheme name="Pakiet Office">
+      <a:dk1>
+        <a:sysClr val="windowText" lastClr="000000"/>
+      </a:dk1>
+      <a:lt1>
+        <a:sysClr val="window" lastClr="FFFFFF"/>
+      </a:lt1>
+      <a:dk2>
+        <a:srgbClr val="0E2841"/>
+      </a:dk2>
+      <a:lt2>
+        <a:srgbClr val="E8E8E8"/>
+      </a:lt2>
+      <a:accent1>
+        <a:srgbClr val="156082"/>
+      </a:accent1>
+      <a:accent2>
+        <a:srgbClr val="E97132"/>
+      </a:accent2>
+      <a:accent3>
+        <a:srgbClr val="196B24"/>
+      </a:accent3>
+      <a:accent4>
+        <a:srgbClr val="0F9ED5"/>
+      </a:accent4>
+      <a:accent5>
+        <a:srgbClr val="A02B93"/>
+      </a:accent5>
+      <a:accent6>
+        <a:srgbClr val="4EA72E"/>
+      </a:accent6>
+      <a:hlink>
+        <a:srgbClr val="467886"/>
+      </a:hlink>
+      <a:folHlink>
+        <a:srgbClr val="96607D"/>
+      </a:folHlink>
+    </a:clrScheme>
+    <a:fontScheme name="Pakiet Office">
+      <a:majorFont>
+        <a:latin typeface="Aptos Display" panose="02110004020202020204"/>
+        <a:ea typeface=""/>
+        <a:cs typeface=""/>
+        <a:font script="Jpan" typeface="游ゴシック Light"/>
+        <a:font script="Hang" typeface="맑은 고딕"/>
+        <a:font script="Hans" typeface="等线 Light"/>
+        <a:font script="Hant" typeface="新細明體"/>
+        <a:font script="Arab" typeface="Times New Roman"/>
+        <a:font script="Hebr" typeface="Times New Roman"/>
+        <a:font script="Thai" typeface="Angsana New"/>
+        <a:font script="Ethi" typeface="Nyala"/>
+        <a:font script="Beng" typeface="Vrinda"/>
+        <a:font script="Gujr" typeface="Shruti"/>
+        <a:font script="Khmr" typeface="MoolBoran"/>
+        <a:font script="Knda" typeface="Tunga"/>
+        <a:font script="Guru" typeface="Raavi"/>
+        <a:font script="Cans" typeface="Euphemia"/>
+        <a:font script="Cher" typeface="Plantagenet Cherokee"/>
+        <a:font script="Yiii" typeface="Microsoft Yi Baiti"/>
+        <a:font script="Tibt" typeface="Microsoft Himalaya"/>
+        <a:font script="Thaa" typeface="MV Boli"/>
+        <a:font script="Deva" typeface="Mangal"/>
+        <a:font script="Telu" typeface="Gautami"/>
+        <a:font script="Taml" typeface="Latha"/>
+        <a:font script="Syrc" typeface="Estrangelo Edessa"/>
+        <a:font script="Orya" typeface="Kalinga"/>
+        <a:font script="Mlym" typeface="Kartika"/>
+        <a:font script="Laoo" typeface="DokChampa"/>
+        <a:font script="Sinh" typeface="Iskoola Pota"/>
+        <a:font script="Mong" typeface="Mongolian Baiti"/>
+        <a:font script="Viet" typeface="Times New Roman"/>
+        <a:font script="Uigh" typeface="Microsoft Uighur"/>
+        <a:font script="Geor" typeface="Sylfaen"/>
+        <a:font script="Armn" typeface="Arial"/>
+        <a:font script="Bugi" typeface="Leelawadee UI"/>
+        <a:font script="Bopo" typeface="Microsoft JhengHei"/>
+        <a:font script="Java" typeface="Javanese Text"/>
+        <a:font script="Lisu" typeface="Segoe UI"/>
+        <a:font script="Mymr" typeface="Myanmar Text"/>
+        <a:font script="Nkoo" typeface="Ebrima"/>
+        <a:font script="Olck" typeface="Nirmala UI"/>
+        <a:font script="Osma" typeface="Ebrima"/>
+        <a:font script="Phag" typeface="Phagspa"/>
+        <a:font script="Syrn" typeface="Estrangelo Edessa"/>
+        <a:font script="Syrj" typeface="Estrangelo Edessa"/>
+        <a:font script="Syre" typeface="Estrangelo Edessa"/>
+        <a:font script="Sora" typeface="Nirmala UI"/>
+        <a:font script="Tale" typeface="Microsoft Tai Le"/>
+        <a:font script="Talu" typeface="Microsoft New Tai Lue"/>
+        <a:font script="Tfng" typeface="Ebrima"/>
+      </a:majorFont>
+      <a:minorFont>
+        <a:latin typeface="Aptos" panose="02110004020202020204"/>
+        <a:ea typeface=""/>
+        <a:cs typeface=""/>
+        <a:font script="Jpan" typeface="游ゴシック"/>
+        <a:font script="Hang" typeface="맑은 고딕"/>
+        <a:font script="Hans" typeface="等线"/>
+        <a:font script="Hant" typeface="新細明體"/>
+        <a:font script="Arab" typeface="Arial"/>
+        <a:font script="Hebr" typeface="Arial"/>
+        <a:font script="Thai" typeface="Cordia New"/>
+        <a:font script="Ethi" typeface="Nyala"/>
+        <a:font script="Beng" typeface="Vrinda"/>
+        <a:font script="Gujr" typeface="Shruti"/>
+        <a:font script="Khmr" typeface="DaunPenh"/>
+        <a:font script="Knda" typeface="Tunga"/>
+        <a:font script="Guru" typeface="Raavi"/>
+        <a:font script="Cans" typeface="Euphemia"/>
+        <a:font script="Cher" typeface="Plantagenet Cherokee"/>
+        <a:font script="Yiii" typeface="Microsoft Yi Baiti"/>
+        <a:font script="Tibt" typeface="Microsoft Himalaya"/>
+        <a:font script="Thaa" typeface="MV Boli"/>
+        <a:font script="Deva" typeface="Mangal"/>
+        <a:font script="Telu" typeface="Gautami"/>
+        <a:font script="Taml" typeface="Latha"/>
+        <a:font script="Syrc" typeface="Estrangelo Edessa"/>
+        <a:font script="Orya" typeface="Kalinga"/>
+        <a:font script="Mlym" typeface="Kartika"/>
+        <a:font script="Laoo" typeface="DokChampa"/>
+        <a:font script="Sinh" typeface="Iskoola Pota"/>
+        <a:font script="Mong" typeface="Mongolian Baiti"/>
+        <a:font script="Viet" typeface="Arial"/>
+        <a:font script="Uigh" typeface="Microsoft Uighur"/>
+        <a:font script="Geor" typeface="Sylfaen"/>
+        <a:font script="Armn" typeface="Arial"/>
+        <a:font script="Bugi" typeface="Leelawadee UI"/>
+        <a:font script="Bopo" typeface="Microsoft JhengHei"/>
+        <a:font script="Java" typeface="Javanese Text"/>
+        <a:font script="Lisu" typeface="Segoe UI"/>
+        <a:font script="Mymr" typeface="Myanmar Text"/>
+        <a:font script="Nkoo" typeface="Ebrima"/>
+        <a:font script="Olck" typeface="Nirmala UI"/>
+        <a:font script="Osma" typeface="Ebrima"/>
+        <a:font script="Phag" typeface="Phagspa"/>
+        <a:font script="Syrn" typeface="Estrangelo Edessa"/>
+        <a:font script="Syrj" typeface="Estrangelo Edessa"/>
+        <a:font script="Syre" typeface="Estrangelo Edessa"/>
+        <a:font script="Sora" typeface="Nirmala UI"/>
+        <a:font script="Tale" typeface="Microsoft Tai Le"/>
+        <a:font script="Talu" typeface="Microsoft New Tai Lue"/>
+        <a:font script="Tfng" typeface="Ebrima"/>
+      </a:minorFont>
+    </a:fontScheme>
+    <a:fmtScheme name="Pakiet Office">
+      <a:fillStyleLst>
+        <a:solidFill>
+          <a:schemeClr val="phClr"/>
+        </a:solidFill>
+        <a:gradFill rotWithShape="1">
+          <a:gsLst>
+            <a:gs pos="0">
+              <a:schemeClr val="phClr">
+                <a:lumMod val="110000"/>
+                <a:satMod val="105000"/>
+                <a:tint val="67000"/>
+              </a:schemeClr>
+            </a:gs>
+            <a:gs pos="50000">
+              <a:schemeClr val="phClr">
+                <a:lumMod val="105000"/>
+                <a:satMod val="103000"/>
+                <a:tint val="73000"/>
+              </a:schemeClr>
+            </a:gs>
+            <a:gs pos="100000">
+              <a:schemeClr val="phClr">
+                <a:lumMod val="105000"/>
+                <a:satMod val="109000"/>
+                <a:tint val="81000"/>
+              </a:schemeClr>
+            </a:gs>
+          </a:gsLst>
+          <a:lin ang="5400000" scaled="0"/>
+        </a:gradFill>
+        <a:gradFill rotWithShape="1">
+          <a:gsLst>
+            <a:gs pos="0">
+              <a:schemeClr val="phClr">
+                <a:satMod val="103000"/>
+                <a:lumMod val="102000"/>
+                <a:tint val="94000"/>
+              </a:schemeClr>
+            </a:gs>
+            <a:gs pos="50000">
+              <a:schemeClr val="phClr">
+                <a:satMod val="110000"/>
+                <a:lumMod val="100000"/>
+                <a:shade val="100000"/>
+              </a:schemeClr>
+            </a:gs>
+            <a:gs pos="100000">
+              <a:schemeClr val="phClr">
+                <a:lumMod val="99000"/>
+                <a:satMod val="120000"/>
+                <a:shade val="78000"/>
+              </a:schemeClr>
+            </a:gs>
+          </a:gsLst>
+          <a:lin ang="5400000" scaled="0"/>
+        </a:gradFill>
+      </a:fillStyleLst>
+      <a:lnStyleLst>
+        <a:ln w="12700" cap="flat" cmpd="sng" algn="ctr">
+          <a:solidFill>
+            <a:schemeClr val="phClr"/>
+          </a:solidFill>
+          <a:prstDash val="solid"/>
+          <a:miter lim="800000"/>
+        </a:ln>
+        <a:ln w="19050" cap="flat" cmpd="sng" algn="ctr">
+          <a:solidFill>
+            <a:schemeClr val="phClr"/>
+          </a:solidFill>
+          <a:prstDash val="solid"/>
+          <a:miter lim="800000"/>
+        </a:ln>
+        <a:ln w="25400" cap="flat" cmpd="sng" algn="ctr">
+          <a:solidFill>
+            <a:schemeClr val="phClr"/>
+          </a:solidFill>
+          <a:prstDash val="solid"/>
+          <a:miter lim="800000"/>
+        </a:ln>
+      </a:lnStyleLst>
+      <a:effectStyleLst>
+        <a:effectStyle>
+          <a:effectLst/>
+        </a:effectStyle>
+        <a:effectStyle>
+          <a:effectLst/>
+        </a:effectStyle>
+        <a:effectStyle>
+          <a:effectLst>
+            <a:outerShdw blurRad="57150" dist="19050" dir="5400000" algn="ctr" rotWithShape="0">
+              <a:srgbClr val="000000">
+                <a:alpha val="63000"/>
+              </a:srgbClr>
+            </a:outerShdw>
+          </a:effectLst>
+        </a:effectStyle>
+      </a:effectStyleLst>
+      <a:bgFillStyleLst>
+        <a:solidFill>
+          <a:schemeClr val="phClr"/>
+        </a:solidFill>
+        <a:solidFill>
+          <a:schemeClr val="phClr">
+            <a:tint val="95000"/>
+            <a:satMod val="170000"/>
+          </a:schemeClr>
+        </a:solidFill>
+        <a:gradFill rotWithShape="1">
+          <a:gsLst>
+            <a:gs pos="0">
+              <a:schemeClr val="phClr">
+                <a:tint val="93000"/>
+                <a:satMod val="150000"/>
+                <a:shade val="98000"/>
+                <a:lumMod val="102000"/>
+              </a:schemeClr>
+            </a:gs>
+            <a:gs pos="50000">
+              <a:schemeClr val="phClr">
+                <a:tint val="98000"/>
+                <a:satMod val="130000"/>
+                <a:shade val="90000"/>
+                <a:lumMod val="103000"/>
+              </a:schemeClr>
+            </a:gs>
+            <a:gs pos="100000">
+              <a:schemeClr val="phClr">
+                <a:shade val="63000"/>
+                <a:satMod val="120000"/>
+              </a:schemeClr>
+            </a:gs>
+          </a:gsLst>
+          <a:lin ang="5400000" scaled="0"/>
+        </a:gradFill>
+      </a:bgFillStyleLst>
+    </a:fmtScheme>
+  </a:themeElements>
+  <a:objectDefaults>
+    <a:lnDef>
+      <a:spPr/>
+      <a:bodyPr/>
+      <a:lstStyle/>
+      <a:style>
+        <a:lnRef idx="2">
+          <a:schemeClr val="accent1"/>
+        </a:lnRef>
+        <a:fillRef idx="0">
+          <a:schemeClr val="accent1"/>
+        </a:fillRef>
+        <a:effectRef idx="1">
+          <a:schemeClr val="accent1"/>
+        </a:effectRef>
+        <a:fontRef idx="minor">
+          <a:schemeClr val="tx1"/>
+        </a:fontRef>
+      </a:style>
+    </a:lnDef>
+  </a:objectDefaults>
+  <a:extraClrSchemeLst/>
+  <a:extLst>
+    <a:ext uri="{05A4C25C-085E-4340-85A3-A5531E510DB2}">
+      <thm15:themeFamily xmlns:thm15="http://schemas.microsoft.com/office/thememl/2012/main" name="Office Theme" id="{2E142A2C-CD16-42D6-873A-C26D2A0506FA}" vid="{1BDDFF52-6CD6-40A5-AB3C-68EB2F1E4D0A}"/>
+    </a:ext>
+  </a:extLst>
+</a:theme>
 </file>